--- a/huawei/示例输入输出.pptx
+++ b/huawei/示例输入输出.pptx
@@ -1,18 +1,22 @@
 
 <file path=ppt/presentation.xml><?xml version="1.0" encoding="utf-8"?>
-<p:presentation xmlns:a="http://schemas.openxmlformats.org/drawingml/2006/main" xmlns:r="http://schemas.openxmlformats.org/officeDocument/2006/relationships" xmlns:p="http://schemas.openxmlformats.org/presentationml/2006/main" saveSubsetFonts="1">
+<p:presentation xmlns:a="http://schemas.openxmlformats.org/drawingml/2006/main" xmlns:r="http://schemas.openxmlformats.org/officeDocument/2006/relationships" xmlns:p="http://schemas.openxmlformats.org/presentationml/2006/main">
   <p:sldMasterIdLst>
     <p:sldMasterId id="2147483648" r:id="rId1"/>
   </p:sldMasterIdLst>
   <p:sldIdLst>
-    <p:sldId id="256" r:id="rId2"/>
-    <p:sldId id="257" r:id="rId3"/>
-    <p:sldId id="258" r:id="rId4"/>
-    <p:sldId id="260" r:id="rId5"/>
-    <p:sldId id="259" r:id="rId6"/>
+    <p:sldId id="256" r:id="rId3"/>
+    <p:sldId id="257" r:id="rId4"/>
+    <p:sldId id="258" r:id="rId5"/>
+    <p:sldId id="260" r:id="rId6"/>
+    <p:sldId id="259" r:id="rId7"/>
+    <p:sldId id="262" r:id="rId8"/>
   </p:sldIdLst>
   <p:sldSz cx="12192000" cy="6858000"/>
   <p:notesSz cx="6858000" cy="9144000"/>
+  <p:custDataLst>
+    <p:tags r:id="rId12"/>
+  </p:custDataLst>
   <p:defaultTextStyle>
     <a:defPPr>
       <a:defRPr lang="zh-CN"/>
@@ -108,11 +112,6 @@
       </a:defRPr>
     </a:lvl9pPr>
   </p:defaultTextStyle>
-  <p:extLst>
-    <p:ext uri="{EFAFB233-063F-42B5-8137-9DF3F51BA10A}">
-      <p15:sldGuideLst xmlns:p15="http://schemas.microsoft.com/office/powerpoint/2012/main"/>
-    </p:ext>
-  </p:extLst>
 </p:presentation>
 </file>
 
@@ -135,13 +134,7 @@
       </p:grpSpPr>
       <p:sp>
         <p:nvSpPr>
-          <p:cNvPr id="2" name="标题 1">
-            <a:extLst>
-              <a:ext uri="{FF2B5EF4-FFF2-40B4-BE49-F238E27FC236}">
-                <a16:creationId xmlns:a16="http://schemas.microsoft.com/office/drawing/2014/main" id="{C070C6C2-3958-47C3-ACFB-6BBD0625DE67}"/>
-              </a:ext>
-            </a:extLst>
-          </p:cNvPr>
+          <p:cNvPr id="2" name="标题 1"/>
           <p:cNvSpPr>
             <a:spLocks noGrp="1"/>
           </p:cNvSpPr>
@@ -167,18 +160,13 @@
               <a:rPr lang="zh-CN" altLang="en-US"/>
               <a:t>单击此处编辑母版标题样式</a:t>
             </a:r>
+            <a:endParaRPr lang="zh-CN" altLang="en-US"/>
           </a:p>
         </p:txBody>
       </p:sp>
       <p:sp>
         <p:nvSpPr>
-          <p:cNvPr id="3" name="副标题 2">
-            <a:extLst>
-              <a:ext uri="{FF2B5EF4-FFF2-40B4-BE49-F238E27FC236}">
-                <a16:creationId xmlns:a16="http://schemas.microsoft.com/office/drawing/2014/main" id="{21B6CD36-A37F-4781-8F86-23510154A0CB}"/>
-              </a:ext>
-            </a:extLst>
-          </p:cNvPr>
+          <p:cNvPr id="3" name="副标题 2"/>
           <p:cNvSpPr>
             <a:spLocks noGrp="1"/>
           </p:cNvSpPr>
@@ -237,18 +225,13 @@
               <a:rPr lang="zh-CN" altLang="en-US"/>
               <a:t>单击此处编辑母版副标题样式</a:t>
             </a:r>
+            <a:endParaRPr lang="zh-CN" altLang="en-US"/>
           </a:p>
         </p:txBody>
       </p:sp>
       <p:sp>
         <p:nvSpPr>
-          <p:cNvPr id="4" name="日期占位符 3">
-            <a:extLst>
-              <a:ext uri="{FF2B5EF4-FFF2-40B4-BE49-F238E27FC236}">
-                <a16:creationId xmlns:a16="http://schemas.microsoft.com/office/drawing/2014/main" id="{A1A1A5F7-48D7-4841-949A-9173D5D2372F}"/>
-              </a:ext>
-            </a:extLst>
-          </p:cNvPr>
+          <p:cNvPr id="4" name="日期占位符 3"/>
           <p:cNvSpPr>
             <a:spLocks noGrp="1"/>
           </p:cNvSpPr>
@@ -263,7 +246,6 @@
           <a:p>
             <a:fld id="{0CCCBCAA-DE24-4869-907B-21FA432ED4EA}" type="datetimeFigureOut">
               <a:rPr lang="zh-CN" altLang="en-US" smtClean="0"/>
-              <a:t>2023/12/2</a:t>
             </a:fld>
             <a:endParaRPr lang="zh-CN" altLang="en-US"/>
           </a:p>
@@ -271,13 +253,7 @@
       </p:sp>
       <p:sp>
         <p:nvSpPr>
-          <p:cNvPr id="5" name="页脚占位符 4">
-            <a:extLst>
-              <a:ext uri="{FF2B5EF4-FFF2-40B4-BE49-F238E27FC236}">
-                <a16:creationId xmlns:a16="http://schemas.microsoft.com/office/drawing/2014/main" id="{3A0C7C4A-9026-4220-820D-80F64390F5D5}"/>
-              </a:ext>
-            </a:extLst>
-          </p:cNvPr>
+          <p:cNvPr id="5" name="页脚占位符 4"/>
           <p:cNvSpPr>
             <a:spLocks noGrp="1"/>
           </p:cNvSpPr>
@@ -296,13 +272,7 @@
       </p:sp>
       <p:sp>
         <p:nvSpPr>
-          <p:cNvPr id="6" name="灯片编号占位符 5">
-            <a:extLst>
-              <a:ext uri="{FF2B5EF4-FFF2-40B4-BE49-F238E27FC236}">
-                <a16:creationId xmlns:a16="http://schemas.microsoft.com/office/drawing/2014/main" id="{B3F63C2C-ED60-4F58-8EB7-7821BCC26328}"/>
-              </a:ext>
-            </a:extLst>
-          </p:cNvPr>
+          <p:cNvPr id="6" name="灯片编号占位符 5"/>
           <p:cNvSpPr>
             <a:spLocks noGrp="1"/>
           </p:cNvSpPr>
@@ -317,18 +287,12 @@
           <a:p>
             <a:fld id="{5FE236EB-BACC-4582-BC1D-973661D0AF0F}" type="slidenum">
               <a:rPr lang="zh-CN" altLang="en-US" smtClean="0"/>
-              <a:t>‹#›</a:t>
             </a:fld>
             <a:endParaRPr lang="zh-CN" altLang="en-US"/>
           </a:p>
         </p:txBody>
       </p:sp>
     </p:spTree>
-    <p:extLst>
-      <p:ext uri="{BB962C8B-B14F-4D97-AF65-F5344CB8AC3E}">
-        <p14:creationId xmlns:p14="http://schemas.microsoft.com/office/powerpoint/2010/main" val="3003648497"/>
-      </p:ext>
-    </p:extLst>
   </p:cSld>
   <p:clrMapOvr>
     <a:masterClrMapping/>
@@ -355,13 +319,7 @@
       </p:grpSpPr>
       <p:sp>
         <p:nvSpPr>
-          <p:cNvPr id="2" name="标题 1">
-            <a:extLst>
-              <a:ext uri="{FF2B5EF4-FFF2-40B4-BE49-F238E27FC236}">
-                <a16:creationId xmlns:a16="http://schemas.microsoft.com/office/drawing/2014/main" id="{0A34AA54-2D1F-43C4-99BE-3F13D3AA0853}"/>
-              </a:ext>
-            </a:extLst>
-          </p:cNvPr>
+          <p:cNvPr id="2" name="标题 1"/>
           <p:cNvSpPr>
             <a:spLocks noGrp="1"/>
           </p:cNvSpPr>
@@ -378,18 +336,13 @@
               <a:rPr lang="zh-CN" altLang="en-US"/>
               <a:t>单击此处编辑母版标题样式</a:t>
             </a:r>
+            <a:endParaRPr lang="zh-CN" altLang="en-US"/>
           </a:p>
         </p:txBody>
       </p:sp>
       <p:sp>
         <p:nvSpPr>
-          <p:cNvPr id="3" name="竖排文字占位符 2">
-            <a:extLst>
-              <a:ext uri="{FF2B5EF4-FFF2-40B4-BE49-F238E27FC236}">
-                <a16:creationId xmlns:a16="http://schemas.microsoft.com/office/drawing/2014/main" id="{DE2736E8-0564-4520-A747-E109E8EC0A13}"/>
-              </a:ext>
-            </a:extLst>
-          </p:cNvPr>
+          <p:cNvPr id="3" name="竖排文字占位符 2"/>
           <p:cNvSpPr>
             <a:spLocks noGrp="1"/>
           </p:cNvSpPr>
@@ -407,6 +360,7 @@
               <a:rPr lang="zh-CN" altLang="en-US"/>
               <a:t>单击此处编辑母版文本样式</a:t>
             </a:r>
+            <a:endParaRPr lang="zh-CN" altLang="en-US"/>
           </a:p>
           <a:p>
             <a:pPr lvl="1"/>
@@ -414,6 +368,7 @@
               <a:rPr lang="zh-CN" altLang="en-US"/>
               <a:t>二级</a:t>
             </a:r>
+            <a:endParaRPr lang="zh-CN" altLang="en-US"/>
           </a:p>
           <a:p>
             <a:pPr lvl="2"/>
@@ -421,6 +376,7 @@
               <a:rPr lang="zh-CN" altLang="en-US"/>
               <a:t>三级</a:t>
             </a:r>
+            <a:endParaRPr lang="zh-CN" altLang="en-US"/>
           </a:p>
           <a:p>
             <a:pPr lvl="3"/>
@@ -428,6 +384,7 @@
               <a:rPr lang="zh-CN" altLang="en-US"/>
               <a:t>四级</a:t>
             </a:r>
+            <a:endParaRPr lang="zh-CN" altLang="en-US"/>
           </a:p>
           <a:p>
             <a:pPr lvl="4"/>
@@ -435,18 +392,13 @@
               <a:rPr lang="zh-CN" altLang="en-US"/>
               <a:t>五级</a:t>
             </a:r>
+            <a:endParaRPr lang="zh-CN" altLang="en-US"/>
           </a:p>
         </p:txBody>
       </p:sp>
       <p:sp>
         <p:nvSpPr>
-          <p:cNvPr id="4" name="日期占位符 3">
-            <a:extLst>
-              <a:ext uri="{FF2B5EF4-FFF2-40B4-BE49-F238E27FC236}">
-                <a16:creationId xmlns:a16="http://schemas.microsoft.com/office/drawing/2014/main" id="{E56BD4D8-AF20-47B5-ADFE-BBE68D111F98}"/>
-              </a:ext>
-            </a:extLst>
-          </p:cNvPr>
+          <p:cNvPr id="4" name="日期占位符 3"/>
           <p:cNvSpPr>
             <a:spLocks noGrp="1"/>
           </p:cNvSpPr>
@@ -461,7 +413,6 @@
           <a:p>
             <a:fld id="{0CCCBCAA-DE24-4869-907B-21FA432ED4EA}" type="datetimeFigureOut">
               <a:rPr lang="zh-CN" altLang="en-US" smtClean="0"/>
-              <a:t>2023/12/2</a:t>
             </a:fld>
             <a:endParaRPr lang="zh-CN" altLang="en-US"/>
           </a:p>
@@ -469,13 +420,7 @@
       </p:sp>
       <p:sp>
         <p:nvSpPr>
-          <p:cNvPr id="5" name="页脚占位符 4">
-            <a:extLst>
-              <a:ext uri="{FF2B5EF4-FFF2-40B4-BE49-F238E27FC236}">
-                <a16:creationId xmlns:a16="http://schemas.microsoft.com/office/drawing/2014/main" id="{35C86300-4318-4CD5-A612-5612CDD7EFBE}"/>
-              </a:ext>
-            </a:extLst>
-          </p:cNvPr>
+          <p:cNvPr id="5" name="页脚占位符 4"/>
           <p:cNvSpPr>
             <a:spLocks noGrp="1"/>
           </p:cNvSpPr>
@@ -494,13 +439,7 @@
       </p:sp>
       <p:sp>
         <p:nvSpPr>
-          <p:cNvPr id="6" name="灯片编号占位符 5">
-            <a:extLst>
-              <a:ext uri="{FF2B5EF4-FFF2-40B4-BE49-F238E27FC236}">
-                <a16:creationId xmlns:a16="http://schemas.microsoft.com/office/drawing/2014/main" id="{9F0021E0-F7BA-4B89-B5C4-3BED11574511}"/>
-              </a:ext>
-            </a:extLst>
-          </p:cNvPr>
+          <p:cNvPr id="6" name="灯片编号占位符 5"/>
           <p:cNvSpPr>
             <a:spLocks noGrp="1"/>
           </p:cNvSpPr>
@@ -515,18 +454,12 @@
           <a:p>
             <a:fld id="{5FE236EB-BACC-4582-BC1D-973661D0AF0F}" type="slidenum">
               <a:rPr lang="zh-CN" altLang="en-US" smtClean="0"/>
-              <a:t>‹#›</a:t>
             </a:fld>
             <a:endParaRPr lang="zh-CN" altLang="en-US"/>
           </a:p>
         </p:txBody>
       </p:sp>
     </p:spTree>
-    <p:extLst>
-      <p:ext uri="{BB962C8B-B14F-4D97-AF65-F5344CB8AC3E}">
-        <p14:creationId xmlns:p14="http://schemas.microsoft.com/office/powerpoint/2010/main" val="124772737"/>
-      </p:ext>
-    </p:extLst>
   </p:cSld>
   <p:clrMapOvr>
     <a:masterClrMapping/>
@@ -553,13 +486,7 @@
       </p:grpSpPr>
       <p:sp>
         <p:nvSpPr>
-          <p:cNvPr id="2" name="竖排标题 1">
-            <a:extLst>
-              <a:ext uri="{FF2B5EF4-FFF2-40B4-BE49-F238E27FC236}">
-                <a16:creationId xmlns:a16="http://schemas.microsoft.com/office/drawing/2014/main" id="{5EC6E1AB-1947-4DBC-BEA7-793C05ABBC9F}"/>
-              </a:ext>
-            </a:extLst>
-          </p:cNvPr>
+          <p:cNvPr id="2" name="竖排标题 1"/>
           <p:cNvSpPr>
             <a:spLocks noGrp="1"/>
           </p:cNvSpPr>
@@ -581,18 +508,13 @@
               <a:rPr lang="zh-CN" altLang="en-US"/>
               <a:t>单击此处编辑母版标题样式</a:t>
             </a:r>
+            <a:endParaRPr lang="zh-CN" altLang="en-US"/>
           </a:p>
         </p:txBody>
       </p:sp>
       <p:sp>
         <p:nvSpPr>
-          <p:cNvPr id="3" name="竖排文字占位符 2">
-            <a:extLst>
-              <a:ext uri="{FF2B5EF4-FFF2-40B4-BE49-F238E27FC236}">
-                <a16:creationId xmlns:a16="http://schemas.microsoft.com/office/drawing/2014/main" id="{F6680F53-092C-4DE1-9CDB-1C2AFF66A158}"/>
-              </a:ext>
-            </a:extLst>
-          </p:cNvPr>
+          <p:cNvPr id="3" name="竖排文字占位符 2"/>
           <p:cNvSpPr>
             <a:spLocks noGrp="1"/>
           </p:cNvSpPr>
@@ -615,6 +537,7 @@
               <a:rPr lang="zh-CN" altLang="en-US"/>
               <a:t>单击此处编辑母版文本样式</a:t>
             </a:r>
+            <a:endParaRPr lang="zh-CN" altLang="en-US"/>
           </a:p>
           <a:p>
             <a:pPr lvl="1"/>
@@ -622,6 +545,7 @@
               <a:rPr lang="zh-CN" altLang="en-US"/>
               <a:t>二级</a:t>
             </a:r>
+            <a:endParaRPr lang="zh-CN" altLang="en-US"/>
           </a:p>
           <a:p>
             <a:pPr lvl="2"/>
@@ -629,6 +553,7 @@
               <a:rPr lang="zh-CN" altLang="en-US"/>
               <a:t>三级</a:t>
             </a:r>
+            <a:endParaRPr lang="zh-CN" altLang="en-US"/>
           </a:p>
           <a:p>
             <a:pPr lvl="3"/>
@@ -636,6 +561,7 @@
               <a:rPr lang="zh-CN" altLang="en-US"/>
               <a:t>四级</a:t>
             </a:r>
+            <a:endParaRPr lang="zh-CN" altLang="en-US"/>
           </a:p>
           <a:p>
             <a:pPr lvl="4"/>
@@ -643,18 +569,13 @@
               <a:rPr lang="zh-CN" altLang="en-US"/>
               <a:t>五级</a:t>
             </a:r>
+            <a:endParaRPr lang="zh-CN" altLang="en-US"/>
           </a:p>
         </p:txBody>
       </p:sp>
       <p:sp>
         <p:nvSpPr>
-          <p:cNvPr id="4" name="日期占位符 3">
-            <a:extLst>
-              <a:ext uri="{FF2B5EF4-FFF2-40B4-BE49-F238E27FC236}">
-                <a16:creationId xmlns:a16="http://schemas.microsoft.com/office/drawing/2014/main" id="{1A0ECF24-91D5-4D1A-88EF-1BA6E47823F1}"/>
-              </a:ext>
-            </a:extLst>
-          </p:cNvPr>
+          <p:cNvPr id="4" name="日期占位符 3"/>
           <p:cNvSpPr>
             <a:spLocks noGrp="1"/>
           </p:cNvSpPr>
@@ -669,7 +590,6 @@
           <a:p>
             <a:fld id="{0CCCBCAA-DE24-4869-907B-21FA432ED4EA}" type="datetimeFigureOut">
               <a:rPr lang="zh-CN" altLang="en-US" smtClean="0"/>
-              <a:t>2023/12/2</a:t>
             </a:fld>
             <a:endParaRPr lang="zh-CN" altLang="en-US"/>
           </a:p>
@@ -677,13 +597,7 @@
       </p:sp>
       <p:sp>
         <p:nvSpPr>
-          <p:cNvPr id="5" name="页脚占位符 4">
-            <a:extLst>
-              <a:ext uri="{FF2B5EF4-FFF2-40B4-BE49-F238E27FC236}">
-                <a16:creationId xmlns:a16="http://schemas.microsoft.com/office/drawing/2014/main" id="{8E18C06D-8608-453B-B42D-E86523FD030A}"/>
-              </a:ext>
-            </a:extLst>
-          </p:cNvPr>
+          <p:cNvPr id="5" name="页脚占位符 4"/>
           <p:cNvSpPr>
             <a:spLocks noGrp="1"/>
           </p:cNvSpPr>
@@ -702,13 +616,7 @@
       </p:sp>
       <p:sp>
         <p:nvSpPr>
-          <p:cNvPr id="6" name="灯片编号占位符 5">
-            <a:extLst>
-              <a:ext uri="{FF2B5EF4-FFF2-40B4-BE49-F238E27FC236}">
-                <a16:creationId xmlns:a16="http://schemas.microsoft.com/office/drawing/2014/main" id="{B20D1B09-7F75-4CB1-A5B5-F8D2E56DB7D1}"/>
-              </a:ext>
-            </a:extLst>
-          </p:cNvPr>
+          <p:cNvPr id="6" name="灯片编号占位符 5"/>
           <p:cNvSpPr>
             <a:spLocks noGrp="1"/>
           </p:cNvSpPr>
@@ -723,18 +631,12 @@
           <a:p>
             <a:fld id="{5FE236EB-BACC-4582-BC1D-973661D0AF0F}" type="slidenum">
               <a:rPr lang="zh-CN" altLang="en-US" smtClean="0"/>
-              <a:t>‹#›</a:t>
             </a:fld>
             <a:endParaRPr lang="zh-CN" altLang="en-US"/>
           </a:p>
         </p:txBody>
       </p:sp>
     </p:spTree>
-    <p:extLst>
-      <p:ext uri="{BB962C8B-B14F-4D97-AF65-F5344CB8AC3E}">
-        <p14:creationId xmlns:p14="http://schemas.microsoft.com/office/powerpoint/2010/main" val="483255114"/>
-      </p:ext>
-    </p:extLst>
   </p:cSld>
   <p:clrMapOvr>
     <a:masterClrMapping/>
@@ -761,13 +663,7 @@
       </p:grpSpPr>
       <p:sp>
         <p:nvSpPr>
-          <p:cNvPr id="2" name="标题 1">
-            <a:extLst>
-              <a:ext uri="{FF2B5EF4-FFF2-40B4-BE49-F238E27FC236}">
-                <a16:creationId xmlns:a16="http://schemas.microsoft.com/office/drawing/2014/main" id="{3395C4C2-DB34-4789-AE55-983CB8639FC6}"/>
-              </a:ext>
-            </a:extLst>
-          </p:cNvPr>
+          <p:cNvPr id="2" name="标题 1"/>
           <p:cNvSpPr>
             <a:spLocks noGrp="1"/>
           </p:cNvSpPr>
@@ -784,18 +680,13 @@
               <a:rPr lang="zh-CN" altLang="en-US"/>
               <a:t>单击此处编辑母版标题样式</a:t>
             </a:r>
+            <a:endParaRPr lang="zh-CN" altLang="en-US"/>
           </a:p>
         </p:txBody>
       </p:sp>
       <p:sp>
         <p:nvSpPr>
-          <p:cNvPr id="3" name="内容占位符 2">
-            <a:extLst>
-              <a:ext uri="{FF2B5EF4-FFF2-40B4-BE49-F238E27FC236}">
-                <a16:creationId xmlns:a16="http://schemas.microsoft.com/office/drawing/2014/main" id="{5FDDA2BF-B331-4325-80F7-5DAA79C2A944}"/>
-              </a:ext>
-            </a:extLst>
-          </p:cNvPr>
+          <p:cNvPr id="3" name="内容占位符 2"/>
           <p:cNvSpPr>
             <a:spLocks noGrp="1"/>
           </p:cNvSpPr>
@@ -813,6 +704,7 @@
               <a:rPr lang="zh-CN" altLang="en-US"/>
               <a:t>单击此处编辑母版文本样式</a:t>
             </a:r>
+            <a:endParaRPr lang="zh-CN" altLang="en-US"/>
           </a:p>
           <a:p>
             <a:pPr lvl="1"/>
@@ -820,6 +712,7 @@
               <a:rPr lang="zh-CN" altLang="en-US"/>
               <a:t>二级</a:t>
             </a:r>
+            <a:endParaRPr lang="zh-CN" altLang="en-US"/>
           </a:p>
           <a:p>
             <a:pPr lvl="2"/>
@@ -827,6 +720,7 @@
               <a:rPr lang="zh-CN" altLang="en-US"/>
               <a:t>三级</a:t>
             </a:r>
+            <a:endParaRPr lang="zh-CN" altLang="en-US"/>
           </a:p>
           <a:p>
             <a:pPr lvl="3"/>
@@ -834,6 +728,7 @@
               <a:rPr lang="zh-CN" altLang="en-US"/>
               <a:t>四级</a:t>
             </a:r>
+            <a:endParaRPr lang="zh-CN" altLang="en-US"/>
           </a:p>
           <a:p>
             <a:pPr lvl="4"/>
@@ -841,18 +736,13 @@
               <a:rPr lang="zh-CN" altLang="en-US"/>
               <a:t>五级</a:t>
             </a:r>
+            <a:endParaRPr lang="zh-CN" altLang="en-US"/>
           </a:p>
         </p:txBody>
       </p:sp>
       <p:sp>
         <p:nvSpPr>
-          <p:cNvPr id="4" name="日期占位符 3">
-            <a:extLst>
-              <a:ext uri="{FF2B5EF4-FFF2-40B4-BE49-F238E27FC236}">
-                <a16:creationId xmlns:a16="http://schemas.microsoft.com/office/drawing/2014/main" id="{C974A952-8B75-4CD0-997A-AD73314A2CE8}"/>
-              </a:ext>
-            </a:extLst>
-          </p:cNvPr>
+          <p:cNvPr id="4" name="日期占位符 3"/>
           <p:cNvSpPr>
             <a:spLocks noGrp="1"/>
           </p:cNvSpPr>
@@ -867,7 +757,6 @@
           <a:p>
             <a:fld id="{0CCCBCAA-DE24-4869-907B-21FA432ED4EA}" type="datetimeFigureOut">
               <a:rPr lang="zh-CN" altLang="en-US" smtClean="0"/>
-              <a:t>2023/12/2</a:t>
             </a:fld>
             <a:endParaRPr lang="zh-CN" altLang="en-US"/>
           </a:p>
@@ -875,13 +764,7 @@
       </p:sp>
       <p:sp>
         <p:nvSpPr>
-          <p:cNvPr id="5" name="页脚占位符 4">
-            <a:extLst>
-              <a:ext uri="{FF2B5EF4-FFF2-40B4-BE49-F238E27FC236}">
-                <a16:creationId xmlns:a16="http://schemas.microsoft.com/office/drawing/2014/main" id="{607D4083-4E60-474D-A447-788EF330EF8F}"/>
-              </a:ext>
-            </a:extLst>
-          </p:cNvPr>
+          <p:cNvPr id="5" name="页脚占位符 4"/>
           <p:cNvSpPr>
             <a:spLocks noGrp="1"/>
           </p:cNvSpPr>
@@ -900,13 +783,7 @@
       </p:sp>
       <p:sp>
         <p:nvSpPr>
-          <p:cNvPr id="6" name="灯片编号占位符 5">
-            <a:extLst>
-              <a:ext uri="{FF2B5EF4-FFF2-40B4-BE49-F238E27FC236}">
-                <a16:creationId xmlns:a16="http://schemas.microsoft.com/office/drawing/2014/main" id="{DDC8CB5A-0619-4916-B66E-365CB1D747B3}"/>
-              </a:ext>
-            </a:extLst>
-          </p:cNvPr>
+          <p:cNvPr id="6" name="灯片编号占位符 5"/>
           <p:cNvSpPr>
             <a:spLocks noGrp="1"/>
           </p:cNvSpPr>
@@ -921,18 +798,12 @@
           <a:p>
             <a:fld id="{5FE236EB-BACC-4582-BC1D-973661D0AF0F}" type="slidenum">
               <a:rPr lang="zh-CN" altLang="en-US" smtClean="0"/>
-              <a:t>‹#›</a:t>
             </a:fld>
             <a:endParaRPr lang="zh-CN" altLang="en-US"/>
           </a:p>
         </p:txBody>
       </p:sp>
     </p:spTree>
-    <p:extLst>
-      <p:ext uri="{BB962C8B-B14F-4D97-AF65-F5344CB8AC3E}">
-        <p14:creationId xmlns:p14="http://schemas.microsoft.com/office/powerpoint/2010/main" val="700062537"/>
-      </p:ext>
-    </p:extLst>
   </p:cSld>
   <p:clrMapOvr>
     <a:masterClrMapping/>
@@ -959,13 +830,7 @@
       </p:grpSpPr>
       <p:sp>
         <p:nvSpPr>
-          <p:cNvPr id="2" name="标题 1">
-            <a:extLst>
-              <a:ext uri="{FF2B5EF4-FFF2-40B4-BE49-F238E27FC236}">
-                <a16:creationId xmlns:a16="http://schemas.microsoft.com/office/drawing/2014/main" id="{8849E18E-CCC1-427F-A3A9-14C9BB0A7430}"/>
-              </a:ext>
-            </a:extLst>
-          </p:cNvPr>
+          <p:cNvPr id="2" name="标题 1"/>
           <p:cNvSpPr>
             <a:spLocks noGrp="1"/>
           </p:cNvSpPr>
@@ -991,18 +856,13 @@
               <a:rPr lang="zh-CN" altLang="en-US"/>
               <a:t>单击此处编辑母版标题样式</a:t>
             </a:r>
+            <a:endParaRPr lang="zh-CN" altLang="en-US"/>
           </a:p>
         </p:txBody>
       </p:sp>
       <p:sp>
         <p:nvSpPr>
-          <p:cNvPr id="3" name="文本占位符 2">
-            <a:extLst>
-              <a:ext uri="{FF2B5EF4-FFF2-40B4-BE49-F238E27FC236}">
-                <a16:creationId xmlns:a16="http://schemas.microsoft.com/office/drawing/2014/main" id="{6A833238-66EA-4E86-ADEA-9F6EBA469535}"/>
-              </a:ext>
-            </a:extLst>
-          </p:cNvPr>
+          <p:cNvPr id="3" name="文本占位符 2"/>
           <p:cNvSpPr>
             <a:spLocks noGrp="1"/>
           </p:cNvSpPr>
@@ -1116,18 +976,13 @@
               <a:rPr lang="zh-CN" altLang="en-US"/>
               <a:t>单击此处编辑母版文本样式</a:t>
             </a:r>
+            <a:endParaRPr lang="zh-CN" altLang="en-US"/>
           </a:p>
         </p:txBody>
       </p:sp>
       <p:sp>
         <p:nvSpPr>
-          <p:cNvPr id="4" name="日期占位符 3">
-            <a:extLst>
-              <a:ext uri="{FF2B5EF4-FFF2-40B4-BE49-F238E27FC236}">
-                <a16:creationId xmlns:a16="http://schemas.microsoft.com/office/drawing/2014/main" id="{A16ACEA8-7CF0-4450-BD20-B683FA5DFD0C}"/>
-              </a:ext>
-            </a:extLst>
-          </p:cNvPr>
+          <p:cNvPr id="4" name="日期占位符 3"/>
           <p:cNvSpPr>
             <a:spLocks noGrp="1"/>
           </p:cNvSpPr>
@@ -1142,7 +997,6 @@
           <a:p>
             <a:fld id="{0CCCBCAA-DE24-4869-907B-21FA432ED4EA}" type="datetimeFigureOut">
               <a:rPr lang="zh-CN" altLang="en-US" smtClean="0"/>
-              <a:t>2023/12/2</a:t>
             </a:fld>
             <a:endParaRPr lang="zh-CN" altLang="en-US"/>
           </a:p>
@@ -1150,13 +1004,7 @@
       </p:sp>
       <p:sp>
         <p:nvSpPr>
-          <p:cNvPr id="5" name="页脚占位符 4">
-            <a:extLst>
-              <a:ext uri="{FF2B5EF4-FFF2-40B4-BE49-F238E27FC236}">
-                <a16:creationId xmlns:a16="http://schemas.microsoft.com/office/drawing/2014/main" id="{2A21F7CC-F0FB-476C-8C22-140EF29051B3}"/>
-              </a:ext>
-            </a:extLst>
-          </p:cNvPr>
+          <p:cNvPr id="5" name="页脚占位符 4"/>
           <p:cNvSpPr>
             <a:spLocks noGrp="1"/>
           </p:cNvSpPr>
@@ -1175,13 +1023,7 @@
       </p:sp>
       <p:sp>
         <p:nvSpPr>
-          <p:cNvPr id="6" name="灯片编号占位符 5">
-            <a:extLst>
-              <a:ext uri="{FF2B5EF4-FFF2-40B4-BE49-F238E27FC236}">
-                <a16:creationId xmlns:a16="http://schemas.microsoft.com/office/drawing/2014/main" id="{1E2A0B8D-0A82-4A8A-BF89-204FA7035E79}"/>
-              </a:ext>
-            </a:extLst>
-          </p:cNvPr>
+          <p:cNvPr id="6" name="灯片编号占位符 5"/>
           <p:cNvSpPr>
             <a:spLocks noGrp="1"/>
           </p:cNvSpPr>
@@ -1196,18 +1038,12 @@
           <a:p>
             <a:fld id="{5FE236EB-BACC-4582-BC1D-973661D0AF0F}" type="slidenum">
               <a:rPr lang="zh-CN" altLang="en-US" smtClean="0"/>
-              <a:t>‹#›</a:t>
             </a:fld>
             <a:endParaRPr lang="zh-CN" altLang="en-US"/>
           </a:p>
         </p:txBody>
       </p:sp>
     </p:spTree>
-    <p:extLst>
-      <p:ext uri="{BB962C8B-B14F-4D97-AF65-F5344CB8AC3E}">
-        <p14:creationId xmlns:p14="http://schemas.microsoft.com/office/powerpoint/2010/main" val="4252051797"/>
-      </p:ext>
-    </p:extLst>
   </p:cSld>
   <p:clrMapOvr>
     <a:masterClrMapping/>
@@ -1234,13 +1070,7 @@
       </p:grpSpPr>
       <p:sp>
         <p:nvSpPr>
-          <p:cNvPr id="2" name="标题 1">
-            <a:extLst>
-              <a:ext uri="{FF2B5EF4-FFF2-40B4-BE49-F238E27FC236}">
-                <a16:creationId xmlns:a16="http://schemas.microsoft.com/office/drawing/2014/main" id="{B11B23FB-D6CF-4040-B71F-274FCB90FE7C}"/>
-              </a:ext>
-            </a:extLst>
-          </p:cNvPr>
+          <p:cNvPr id="2" name="标题 1"/>
           <p:cNvSpPr>
             <a:spLocks noGrp="1"/>
           </p:cNvSpPr>
@@ -1257,18 +1087,13 @@
               <a:rPr lang="zh-CN" altLang="en-US"/>
               <a:t>单击此处编辑母版标题样式</a:t>
             </a:r>
+            <a:endParaRPr lang="zh-CN" altLang="en-US"/>
           </a:p>
         </p:txBody>
       </p:sp>
       <p:sp>
         <p:nvSpPr>
-          <p:cNvPr id="3" name="内容占位符 2">
-            <a:extLst>
-              <a:ext uri="{FF2B5EF4-FFF2-40B4-BE49-F238E27FC236}">
-                <a16:creationId xmlns:a16="http://schemas.microsoft.com/office/drawing/2014/main" id="{F0136AA1-1554-4DDB-8DC7-795996FB44D6}"/>
-              </a:ext>
-            </a:extLst>
-          </p:cNvPr>
+          <p:cNvPr id="3" name="内容占位符 2"/>
           <p:cNvSpPr>
             <a:spLocks noGrp="1"/>
           </p:cNvSpPr>
@@ -1291,6 +1116,7 @@
               <a:rPr lang="zh-CN" altLang="en-US"/>
               <a:t>单击此处编辑母版文本样式</a:t>
             </a:r>
+            <a:endParaRPr lang="zh-CN" altLang="en-US"/>
           </a:p>
           <a:p>
             <a:pPr lvl="1"/>
@@ -1298,6 +1124,7 @@
               <a:rPr lang="zh-CN" altLang="en-US"/>
               <a:t>二级</a:t>
             </a:r>
+            <a:endParaRPr lang="zh-CN" altLang="en-US"/>
           </a:p>
           <a:p>
             <a:pPr lvl="2"/>
@@ -1305,6 +1132,7 @@
               <a:rPr lang="zh-CN" altLang="en-US"/>
               <a:t>三级</a:t>
             </a:r>
+            <a:endParaRPr lang="zh-CN" altLang="en-US"/>
           </a:p>
           <a:p>
             <a:pPr lvl="3"/>
@@ -1312,6 +1140,7 @@
               <a:rPr lang="zh-CN" altLang="en-US"/>
               <a:t>四级</a:t>
             </a:r>
+            <a:endParaRPr lang="zh-CN" altLang="en-US"/>
           </a:p>
           <a:p>
             <a:pPr lvl="4"/>
@@ -1319,18 +1148,13 @@
               <a:rPr lang="zh-CN" altLang="en-US"/>
               <a:t>五级</a:t>
             </a:r>
+            <a:endParaRPr lang="zh-CN" altLang="en-US"/>
           </a:p>
         </p:txBody>
       </p:sp>
       <p:sp>
         <p:nvSpPr>
-          <p:cNvPr id="4" name="内容占位符 3">
-            <a:extLst>
-              <a:ext uri="{FF2B5EF4-FFF2-40B4-BE49-F238E27FC236}">
-                <a16:creationId xmlns:a16="http://schemas.microsoft.com/office/drawing/2014/main" id="{365BD6D8-B496-4D62-88B8-30D8841F848F}"/>
-              </a:ext>
-            </a:extLst>
-          </p:cNvPr>
+          <p:cNvPr id="4" name="内容占位符 3"/>
           <p:cNvSpPr>
             <a:spLocks noGrp="1"/>
           </p:cNvSpPr>
@@ -1353,6 +1177,7 @@
               <a:rPr lang="zh-CN" altLang="en-US"/>
               <a:t>单击此处编辑母版文本样式</a:t>
             </a:r>
+            <a:endParaRPr lang="zh-CN" altLang="en-US"/>
           </a:p>
           <a:p>
             <a:pPr lvl="1"/>
@@ -1360,6 +1185,7 @@
               <a:rPr lang="zh-CN" altLang="en-US"/>
               <a:t>二级</a:t>
             </a:r>
+            <a:endParaRPr lang="zh-CN" altLang="en-US"/>
           </a:p>
           <a:p>
             <a:pPr lvl="2"/>
@@ -1367,6 +1193,7 @@
               <a:rPr lang="zh-CN" altLang="en-US"/>
               <a:t>三级</a:t>
             </a:r>
+            <a:endParaRPr lang="zh-CN" altLang="en-US"/>
           </a:p>
           <a:p>
             <a:pPr lvl="3"/>
@@ -1374,6 +1201,7 @@
               <a:rPr lang="zh-CN" altLang="en-US"/>
               <a:t>四级</a:t>
             </a:r>
+            <a:endParaRPr lang="zh-CN" altLang="en-US"/>
           </a:p>
           <a:p>
             <a:pPr lvl="4"/>
@@ -1381,18 +1209,13 @@
               <a:rPr lang="zh-CN" altLang="en-US"/>
               <a:t>五级</a:t>
             </a:r>
+            <a:endParaRPr lang="zh-CN" altLang="en-US"/>
           </a:p>
         </p:txBody>
       </p:sp>
       <p:sp>
         <p:nvSpPr>
-          <p:cNvPr id="5" name="日期占位符 4">
-            <a:extLst>
-              <a:ext uri="{FF2B5EF4-FFF2-40B4-BE49-F238E27FC236}">
-                <a16:creationId xmlns:a16="http://schemas.microsoft.com/office/drawing/2014/main" id="{D1F0F17B-9C70-43BE-AEFF-D40798A10322}"/>
-              </a:ext>
-            </a:extLst>
-          </p:cNvPr>
+          <p:cNvPr id="5" name="日期占位符 4"/>
           <p:cNvSpPr>
             <a:spLocks noGrp="1"/>
           </p:cNvSpPr>
@@ -1407,7 +1230,6 @@
           <a:p>
             <a:fld id="{0CCCBCAA-DE24-4869-907B-21FA432ED4EA}" type="datetimeFigureOut">
               <a:rPr lang="zh-CN" altLang="en-US" smtClean="0"/>
-              <a:t>2023/12/2</a:t>
             </a:fld>
             <a:endParaRPr lang="zh-CN" altLang="en-US"/>
           </a:p>
@@ -1415,13 +1237,7 @@
       </p:sp>
       <p:sp>
         <p:nvSpPr>
-          <p:cNvPr id="6" name="页脚占位符 5">
-            <a:extLst>
-              <a:ext uri="{FF2B5EF4-FFF2-40B4-BE49-F238E27FC236}">
-                <a16:creationId xmlns:a16="http://schemas.microsoft.com/office/drawing/2014/main" id="{EF0442AB-1D9E-428A-9B1D-DDBFCF6BD440}"/>
-              </a:ext>
-            </a:extLst>
-          </p:cNvPr>
+          <p:cNvPr id="6" name="页脚占位符 5"/>
           <p:cNvSpPr>
             <a:spLocks noGrp="1"/>
           </p:cNvSpPr>
@@ -1440,13 +1256,7 @@
       </p:sp>
       <p:sp>
         <p:nvSpPr>
-          <p:cNvPr id="7" name="灯片编号占位符 6">
-            <a:extLst>
-              <a:ext uri="{FF2B5EF4-FFF2-40B4-BE49-F238E27FC236}">
-                <a16:creationId xmlns:a16="http://schemas.microsoft.com/office/drawing/2014/main" id="{39736BEC-39CD-4092-A40C-A82BD808521A}"/>
-              </a:ext>
-            </a:extLst>
-          </p:cNvPr>
+          <p:cNvPr id="7" name="灯片编号占位符 6"/>
           <p:cNvSpPr>
             <a:spLocks noGrp="1"/>
           </p:cNvSpPr>
@@ -1461,18 +1271,12 @@
           <a:p>
             <a:fld id="{5FE236EB-BACC-4582-BC1D-973661D0AF0F}" type="slidenum">
               <a:rPr lang="zh-CN" altLang="en-US" smtClean="0"/>
-              <a:t>‹#›</a:t>
             </a:fld>
             <a:endParaRPr lang="zh-CN" altLang="en-US"/>
           </a:p>
         </p:txBody>
       </p:sp>
     </p:spTree>
-    <p:extLst>
-      <p:ext uri="{BB962C8B-B14F-4D97-AF65-F5344CB8AC3E}">
-        <p14:creationId xmlns:p14="http://schemas.microsoft.com/office/powerpoint/2010/main" val="2960513056"/>
-      </p:ext>
-    </p:extLst>
   </p:cSld>
   <p:clrMapOvr>
     <a:masterClrMapping/>
@@ -1499,13 +1303,7 @@
       </p:grpSpPr>
       <p:sp>
         <p:nvSpPr>
-          <p:cNvPr id="2" name="标题 1">
-            <a:extLst>
-              <a:ext uri="{FF2B5EF4-FFF2-40B4-BE49-F238E27FC236}">
-                <a16:creationId xmlns:a16="http://schemas.microsoft.com/office/drawing/2014/main" id="{B6DF1067-C17C-4A43-951B-A99B001613E2}"/>
-              </a:ext>
-            </a:extLst>
-          </p:cNvPr>
+          <p:cNvPr id="2" name="标题 1"/>
           <p:cNvSpPr>
             <a:spLocks noGrp="1"/>
           </p:cNvSpPr>
@@ -1527,18 +1325,13 @@
               <a:rPr lang="zh-CN" altLang="en-US"/>
               <a:t>单击此处编辑母版标题样式</a:t>
             </a:r>
+            <a:endParaRPr lang="zh-CN" altLang="en-US"/>
           </a:p>
         </p:txBody>
       </p:sp>
       <p:sp>
         <p:nvSpPr>
-          <p:cNvPr id="3" name="文本占位符 2">
-            <a:extLst>
-              <a:ext uri="{FF2B5EF4-FFF2-40B4-BE49-F238E27FC236}">
-                <a16:creationId xmlns:a16="http://schemas.microsoft.com/office/drawing/2014/main" id="{3B64BDC5-F1DB-4BE1-B95C-959AEC36505A}"/>
-              </a:ext>
-            </a:extLst>
-          </p:cNvPr>
+          <p:cNvPr id="3" name="文本占位符 2"/>
           <p:cNvSpPr>
             <a:spLocks noGrp="1"/>
           </p:cNvSpPr>
@@ -1598,18 +1391,13 @@
               <a:rPr lang="zh-CN" altLang="en-US"/>
               <a:t>单击此处编辑母版文本样式</a:t>
             </a:r>
+            <a:endParaRPr lang="zh-CN" altLang="en-US"/>
           </a:p>
         </p:txBody>
       </p:sp>
       <p:sp>
         <p:nvSpPr>
-          <p:cNvPr id="4" name="内容占位符 3">
-            <a:extLst>
-              <a:ext uri="{FF2B5EF4-FFF2-40B4-BE49-F238E27FC236}">
-                <a16:creationId xmlns:a16="http://schemas.microsoft.com/office/drawing/2014/main" id="{3BC81C9A-35D3-4494-A501-00AC00226B45}"/>
-              </a:ext>
-            </a:extLst>
-          </p:cNvPr>
+          <p:cNvPr id="4" name="内容占位符 3"/>
           <p:cNvSpPr>
             <a:spLocks noGrp="1"/>
           </p:cNvSpPr>
@@ -1632,6 +1420,7 @@
               <a:rPr lang="zh-CN" altLang="en-US"/>
               <a:t>单击此处编辑母版文本样式</a:t>
             </a:r>
+            <a:endParaRPr lang="zh-CN" altLang="en-US"/>
           </a:p>
           <a:p>
             <a:pPr lvl="1"/>
@@ -1639,6 +1428,7 @@
               <a:rPr lang="zh-CN" altLang="en-US"/>
               <a:t>二级</a:t>
             </a:r>
+            <a:endParaRPr lang="zh-CN" altLang="en-US"/>
           </a:p>
           <a:p>
             <a:pPr lvl="2"/>
@@ -1646,6 +1436,7 @@
               <a:rPr lang="zh-CN" altLang="en-US"/>
               <a:t>三级</a:t>
             </a:r>
+            <a:endParaRPr lang="zh-CN" altLang="en-US"/>
           </a:p>
           <a:p>
             <a:pPr lvl="3"/>
@@ -1653,6 +1444,7 @@
               <a:rPr lang="zh-CN" altLang="en-US"/>
               <a:t>四级</a:t>
             </a:r>
+            <a:endParaRPr lang="zh-CN" altLang="en-US"/>
           </a:p>
           <a:p>
             <a:pPr lvl="4"/>
@@ -1660,18 +1452,13 @@
               <a:rPr lang="zh-CN" altLang="en-US"/>
               <a:t>五级</a:t>
             </a:r>
+            <a:endParaRPr lang="zh-CN" altLang="en-US"/>
           </a:p>
         </p:txBody>
       </p:sp>
       <p:sp>
         <p:nvSpPr>
-          <p:cNvPr id="5" name="文本占位符 4">
-            <a:extLst>
-              <a:ext uri="{FF2B5EF4-FFF2-40B4-BE49-F238E27FC236}">
-                <a16:creationId xmlns:a16="http://schemas.microsoft.com/office/drawing/2014/main" id="{66778AE1-6A9D-41AF-8CDE-539FFF235CE9}"/>
-              </a:ext>
-            </a:extLst>
-          </p:cNvPr>
+          <p:cNvPr id="5" name="文本占位符 4"/>
           <p:cNvSpPr>
             <a:spLocks noGrp="1"/>
           </p:cNvSpPr>
@@ -1731,18 +1518,13 @@
               <a:rPr lang="zh-CN" altLang="en-US"/>
               <a:t>单击此处编辑母版文本样式</a:t>
             </a:r>
+            <a:endParaRPr lang="zh-CN" altLang="en-US"/>
           </a:p>
         </p:txBody>
       </p:sp>
       <p:sp>
         <p:nvSpPr>
-          <p:cNvPr id="6" name="内容占位符 5">
-            <a:extLst>
-              <a:ext uri="{FF2B5EF4-FFF2-40B4-BE49-F238E27FC236}">
-                <a16:creationId xmlns:a16="http://schemas.microsoft.com/office/drawing/2014/main" id="{CA4DFEC4-7535-4D2B-B9FA-D77607EE8E4F}"/>
-              </a:ext>
-            </a:extLst>
-          </p:cNvPr>
+          <p:cNvPr id="6" name="内容占位符 5"/>
           <p:cNvSpPr>
             <a:spLocks noGrp="1"/>
           </p:cNvSpPr>
@@ -1765,6 +1547,7 @@
               <a:rPr lang="zh-CN" altLang="en-US"/>
               <a:t>单击此处编辑母版文本样式</a:t>
             </a:r>
+            <a:endParaRPr lang="zh-CN" altLang="en-US"/>
           </a:p>
           <a:p>
             <a:pPr lvl="1"/>
@@ -1772,6 +1555,7 @@
               <a:rPr lang="zh-CN" altLang="en-US"/>
               <a:t>二级</a:t>
             </a:r>
+            <a:endParaRPr lang="zh-CN" altLang="en-US"/>
           </a:p>
           <a:p>
             <a:pPr lvl="2"/>
@@ -1779,6 +1563,7 @@
               <a:rPr lang="zh-CN" altLang="en-US"/>
               <a:t>三级</a:t>
             </a:r>
+            <a:endParaRPr lang="zh-CN" altLang="en-US"/>
           </a:p>
           <a:p>
             <a:pPr lvl="3"/>
@@ -1786,6 +1571,7 @@
               <a:rPr lang="zh-CN" altLang="en-US"/>
               <a:t>四级</a:t>
             </a:r>
+            <a:endParaRPr lang="zh-CN" altLang="en-US"/>
           </a:p>
           <a:p>
             <a:pPr lvl="4"/>
@@ -1793,18 +1579,13 @@
               <a:rPr lang="zh-CN" altLang="en-US"/>
               <a:t>五级</a:t>
             </a:r>
+            <a:endParaRPr lang="zh-CN" altLang="en-US"/>
           </a:p>
         </p:txBody>
       </p:sp>
       <p:sp>
         <p:nvSpPr>
-          <p:cNvPr id="7" name="日期占位符 6">
-            <a:extLst>
-              <a:ext uri="{FF2B5EF4-FFF2-40B4-BE49-F238E27FC236}">
-                <a16:creationId xmlns:a16="http://schemas.microsoft.com/office/drawing/2014/main" id="{B0D02777-711B-4F1B-9AEF-1202BBE38A16}"/>
-              </a:ext>
-            </a:extLst>
-          </p:cNvPr>
+          <p:cNvPr id="7" name="日期占位符 6"/>
           <p:cNvSpPr>
             <a:spLocks noGrp="1"/>
           </p:cNvSpPr>
@@ -1819,7 +1600,6 @@
           <a:p>
             <a:fld id="{0CCCBCAA-DE24-4869-907B-21FA432ED4EA}" type="datetimeFigureOut">
               <a:rPr lang="zh-CN" altLang="en-US" smtClean="0"/>
-              <a:t>2023/12/2</a:t>
             </a:fld>
             <a:endParaRPr lang="zh-CN" altLang="en-US"/>
           </a:p>
@@ -1827,13 +1607,7 @@
       </p:sp>
       <p:sp>
         <p:nvSpPr>
-          <p:cNvPr id="8" name="页脚占位符 7">
-            <a:extLst>
-              <a:ext uri="{FF2B5EF4-FFF2-40B4-BE49-F238E27FC236}">
-                <a16:creationId xmlns:a16="http://schemas.microsoft.com/office/drawing/2014/main" id="{A2CA7FFB-8BE4-47A9-A049-1F58BA191593}"/>
-              </a:ext>
-            </a:extLst>
-          </p:cNvPr>
+          <p:cNvPr id="8" name="页脚占位符 7"/>
           <p:cNvSpPr>
             <a:spLocks noGrp="1"/>
           </p:cNvSpPr>
@@ -1852,13 +1626,7 @@
       </p:sp>
       <p:sp>
         <p:nvSpPr>
-          <p:cNvPr id="9" name="灯片编号占位符 8">
-            <a:extLst>
-              <a:ext uri="{FF2B5EF4-FFF2-40B4-BE49-F238E27FC236}">
-                <a16:creationId xmlns:a16="http://schemas.microsoft.com/office/drawing/2014/main" id="{8BFD0496-B0BD-4611-9F82-9ED46829C7F6}"/>
-              </a:ext>
-            </a:extLst>
-          </p:cNvPr>
+          <p:cNvPr id="9" name="灯片编号占位符 8"/>
           <p:cNvSpPr>
             <a:spLocks noGrp="1"/>
           </p:cNvSpPr>
@@ -1873,18 +1641,12 @@
           <a:p>
             <a:fld id="{5FE236EB-BACC-4582-BC1D-973661D0AF0F}" type="slidenum">
               <a:rPr lang="zh-CN" altLang="en-US" smtClean="0"/>
-              <a:t>‹#›</a:t>
             </a:fld>
             <a:endParaRPr lang="zh-CN" altLang="en-US"/>
           </a:p>
         </p:txBody>
       </p:sp>
     </p:spTree>
-    <p:extLst>
-      <p:ext uri="{BB962C8B-B14F-4D97-AF65-F5344CB8AC3E}">
-        <p14:creationId xmlns:p14="http://schemas.microsoft.com/office/powerpoint/2010/main" val="2960216369"/>
-      </p:ext>
-    </p:extLst>
   </p:cSld>
   <p:clrMapOvr>
     <a:masterClrMapping/>
@@ -1911,13 +1673,7 @@
       </p:grpSpPr>
       <p:sp>
         <p:nvSpPr>
-          <p:cNvPr id="2" name="标题 1">
-            <a:extLst>
-              <a:ext uri="{FF2B5EF4-FFF2-40B4-BE49-F238E27FC236}">
-                <a16:creationId xmlns:a16="http://schemas.microsoft.com/office/drawing/2014/main" id="{41D3C7CD-9D15-456C-B176-2245344B4F1C}"/>
-              </a:ext>
-            </a:extLst>
-          </p:cNvPr>
+          <p:cNvPr id="2" name="标题 1"/>
           <p:cNvSpPr>
             <a:spLocks noGrp="1"/>
           </p:cNvSpPr>
@@ -1934,18 +1690,13 @@
               <a:rPr lang="zh-CN" altLang="en-US"/>
               <a:t>单击此处编辑母版标题样式</a:t>
             </a:r>
+            <a:endParaRPr lang="zh-CN" altLang="en-US"/>
           </a:p>
         </p:txBody>
       </p:sp>
       <p:sp>
         <p:nvSpPr>
-          <p:cNvPr id="3" name="日期占位符 2">
-            <a:extLst>
-              <a:ext uri="{FF2B5EF4-FFF2-40B4-BE49-F238E27FC236}">
-                <a16:creationId xmlns:a16="http://schemas.microsoft.com/office/drawing/2014/main" id="{B1309272-3344-4B32-B8D6-08E914213354}"/>
-              </a:ext>
-            </a:extLst>
-          </p:cNvPr>
+          <p:cNvPr id="3" name="日期占位符 2"/>
           <p:cNvSpPr>
             <a:spLocks noGrp="1"/>
           </p:cNvSpPr>
@@ -1960,7 +1711,6 @@
           <a:p>
             <a:fld id="{0CCCBCAA-DE24-4869-907B-21FA432ED4EA}" type="datetimeFigureOut">
               <a:rPr lang="zh-CN" altLang="en-US" smtClean="0"/>
-              <a:t>2023/12/2</a:t>
             </a:fld>
             <a:endParaRPr lang="zh-CN" altLang="en-US"/>
           </a:p>
@@ -1968,13 +1718,7 @@
       </p:sp>
       <p:sp>
         <p:nvSpPr>
-          <p:cNvPr id="4" name="页脚占位符 3">
-            <a:extLst>
-              <a:ext uri="{FF2B5EF4-FFF2-40B4-BE49-F238E27FC236}">
-                <a16:creationId xmlns:a16="http://schemas.microsoft.com/office/drawing/2014/main" id="{B1F7E67B-9358-4A6C-9743-195A9E588A60}"/>
-              </a:ext>
-            </a:extLst>
-          </p:cNvPr>
+          <p:cNvPr id="4" name="页脚占位符 3"/>
           <p:cNvSpPr>
             <a:spLocks noGrp="1"/>
           </p:cNvSpPr>
@@ -1993,13 +1737,7 @@
       </p:sp>
       <p:sp>
         <p:nvSpPr>
-          <p:cNvPr id="5" name="灯片编号占位符 4">
-            <a:extLst>
-              <a:ext uri="{FF2B5EF4-FFF2-40B4-BE49-F238E27FC236}">
-                <a16:creationId xmlns:a16="http://schemas.microsoft.com/office/drawing/2014/main" id="{6CC57648-9150-468C-BCD7-E09D202AE811}"/>
-              </a:ext>
-            </a:extLst>
-          </p:cNvPr>
+          <p:cNvPr id="5" name="灯片编号占位符 4"/>
           <p:cNvSpPr>
             <a:spLocks noGrp="1"/>
           </p:cNvSpPr>
@@ -2014,18 +1752,12 @@
           <a:p>
             <a:fld id="{5FE236EB-BACC-4582-BC1D-973661D0AF0F}" type="slidenum">
               <a:rPr lang="zh-CN" altLang="en-US" smtClean="0"/>
-              <a:t>‹#›</a:t>
             </a:fld>
             <a:endParaRPr lang="zh-CN" altLang="en-US"/>
           </a:p>
         </p:txBody>
       </p:sp>
     </p:spTree>
-    <p:extLst>
-      <p:ext uri="{BB962C8B-B14F-4D97-AF65-F5344CB8AC3E}">
-        <p14:creationId xmlns:p14="http://schemas.microsoft.com/office/powerpoint/2010/main" val="2962313844"/>
-      </p:ext>
-    </p:extLst>
   </p:cSld>
   <p:clrMapOvr>
     <a:masterClrMapping/>
@@ -2052,13 +1784,7 @@
       </p:grpSpPr>
       <p:sp>
         <p:nvSpPr>
-          <p:cNvPr id="2" name="日期占位符 1">
-            <a:extLst>
-              <a:ext uri="{FF2B5EF4-FFF2-40B4-BE49-F238E27FC236}">
-                <a16:creationId xmlns:a16="http://schemas.microsoft.com/office/drawing/2014/main" id="{DBAE3837-8DC5-4F58-9163-C16905406CA3}"/>
-              </a:ext>
-            </a:extLst>
-          </p:cNvPr>
+          <p:cNvPr id="2" name="日期占位符 1"/>
           <p:cNvSpPr>
             <a:spLocks noGrp="1"/>
           </p:cNvSpPr>
@@ -2073,7 +1799,6 @@
           <a:p>
             <a:fld id="{0CCCBCAA-DE24-4869-907B-21FA432ED4EA}" type="datetimeFigureOut">
               <a:rPr lang="zh-CN" altLang="en-US" smtClean="0"/>
-              <a:t>2023/12/2</a:t>
             </a:fld>
             <a:endParaRPr lang="zh-CN" altLang="en-US"/>
           </a:p>
@@ -2081,13 +1806,7 @@
       </p:sp>
       <p:sp>
         <p:nvSpPr>
-          <p:cNvPr id="3" name="页脚占位符 2">
-            <a:extLst>
-              <a:ext uri="{FF2B5EF4-FFF2-40B4-BE49-F238E27FC236}">
-                <a16:creationId xmlns:a16="http://schemas.microsoft.com/office/drawing/2014/main" id="{F1AB22B9-CEB6-4FEC-8087-3983D68B6C25}"/>
-              </a:ext>
-            </a:extLst>
-          </p:cNvPr>
+          <p:cNvPr id="3" name="页脚占位符 2"/>
           <p:cNvSpPr>
             <a:spLocks noGrp="1"/>
           </p:cNvSpPr>
@@ -2106,13 +1825,7 @@
       </p:sp>
       <p:sp>
         <p:nvSpPr>
-          <p:cNvPr id="4" name="灯片编号占位符 3">
-            <a:extLst>
-              <a:ext uri="{FF2B5EF4-FFF2-40B4-BE49-F238E27FC236}">
-                <a16:creationId xmlns:a16="http://schemas.microsoft.com/office/drawing/2014/main" id="{91752935-4F64-494B-B7CA-7CFC15D9F6BB}"/>
-              </a:ext>
-            </a:extLst>
-          </p:cNvPr>
+          <p:cNvPr id="4" name="灯片编号占位符 3"/>
           <p:cNvSpPr>
             <a:spLocks noGrp="1"/>
           </p:cNvSpPr>
@@ -2127,18 +1840,12 @@
           <a:p>
             <a:fld id="{5FE236EB-BACC-4582-BC1D-973661D0AF0F}" type="slidenum">
               <a:rPr lang="zh-CN" altLang="en-US" smtClean="0"/>
-              <a:t>‹#›</a:t>
             </a:fld>
             <a:endParaRPr lang="zh-CN" altLang="en-US"/>
           </a:p>
         </p:txBody>
       </p:sp>
     </p:spTree>
-    <p:extLst>
-      <p:ext uri="{BB962C8B-B14F-4D97-AF65-F5344CB8AC3E}">
-        <p14:creationId xmlns:p14="http://schemas.microsoft.com/office/powerpoint/2010/main" val="2611098395"/>
-      </p:ext>
-    </p:extLst>
   </p:cSld>
   <p:clrMapOvr>
     <a:masterClrMapping/>
@@ -2165,13 +1872,7 @@
       </p:grpSpPr>
       <p:sp>
         <p:nvSpPr>
-          <p:cNvPr id="2" name="标题 1">
-            <a:extLst>
-              <a:ext uri="{FF2B5EF4-FFF2-40B4-BE49-F238E27FC236}">
-                <a16:creationId xmlns:a16="http://schemas.microsoft.com/office/drawing/2014/main" id="{75E3F047-FD37-4663-8908-FED6CDCB5C55}"/>
-              </a:ext>
-            </a:extLst>
-          </p:cNvPr>
+          <p:cNvPr id="2" name="标题 1"/>
           <p:cNvSpPr>
             <a:spLocks noGrp="1"/>
           </p:cNvSpPr>
@@ -2197,18 +1898,13 @@
               <a:rPr lang="zh-CN" altLang="en-US"/>
               <a:t>单击此处编辑母版标题样式</a:t>
             </a:r>
+            <a:endParaRPr lang="zh-CN" altLang="en-US"/>
           </a:p>
         </p:txBody>
       </p:sp>
       <p:sp>
         <p:nvSpPr>
-          <p:cNvPr id="3" name="内容占位符 2">
-            <a:extLst>
-              <a:ext uri="{FF2B5EF4-FFF2-40B4-BE49-F238E27FC236}">
-                <a16:creationId xmlns:a16="http://schemas.microsoft.com/office/drawing/2014/main" id="{2CE9EC64-902E-4B4B-B520-9E0179BBC90B}"/>
-              </a:ext>
-            </a:extLst>
-          </p:cNvPr>
+          <p:cNvPr id="3" name="内容占位符 2"/>
           <p:cNvSpPr>
             <a:spLocks noGrp="1"/>
           </p:cNvSpPr>
@@ -2259,6 +1955,7 @@
               <a:rPr lang="zh-CN" altLang="en-US"/>
               <a:t>单击此处编辑母版文本样式</a:t>
             </a:r>
+            <a:endParaRPr lang="zh-CN" altLang="en-US"/>
           </a:p>
           <a:p>
             <a:pPr lvl="1"/>
@@ -2266,6 +1963,7 @@
               <a:rPr lang="zh-CN" altLang="en-US"/>
               <a:t>二级</a:t>
             </a:r>
+            <a:endParaRPr lang="zh-CN" altLang="en-US"/>
           </a:p>
           <a:p>
             <a:pPr lvl="2"/>
@@ -2273,6 +1971,7 @@
               <a:rPr lang="zh-CN" altLang="en-US"/>
               <a:t>三级</a:t>
             </a:r>
+            <a:endParaRPr lang="zh-CN" altLang="en-US"/>
           </a:p>
           <a:p>
             <a:pPr lvl="3"/>
@@ -2280,6 +1979,7 @@
               <a:rPr lang="zh-CN" altLang="en-US"/>
               <a:t>四级</a:t>
             </a:r>
+            <a:endParaRPr lang="zh-CN" altLang="en-US"/>
           </a:p>
           <a:p>
             <a:pPr lvl="4"/>
@@ -2287,18 +1987,13 @@
               <a:rPr lang="zh-CN" altLang="en-US"/>
               <a:t>五级</a:t>
             </a:r>
+            <a:endParaRPr lang="zh-CN" altLang="en-US"/>
           </a:p>
         </p:txBody>
       </p:sp>
       <p:sp>
         <p:nvSpPr>
-          <p:cNvPr id="4" name="文本占位符 3">
-            <a:extLst>
-              <a:ext uri="{FF2B5EF4-FFF2-40B4-BE49-F238E27FC236}">
-                <a16:creationId xmlns:a16="http://schemas.microsoft.com/office/drawing/2014/main" id="{A59FD638-4D63-4296-8B0E-0B2CFF8FFD16}"/>
-              </a:ext>
-            </a:extLst>
-          </p:cNvPr>
+          <p:cNvPr id="4" name="文本占位符 3"/>
           <p:cNvSpPr>
             <a:spLocks noGrp="1"/>
           </p:cNvSpPr>
@@ -2358,18 +2053,13 @@
               <a:rPr lang="zh-CN" altLang="en-US"/>
               <a:t>单击此处编辑母版文本样式</a:t>
             </a:r>
+            <a:endParaRPr lang="zh-CN" altLang="en-US"/>
           </a:p>
         </p:txBody>
       </p:sp>
       <p:sp>
         <p:nvSpPr>
-          <p:cNvPr id="5" name="日期占位符 4">
-            <a:extLst>
-              <a:ext uri="{FF2B5EF4-FFF2-40B4-BE49-F238E27FC236}">
-                <a16:creationId xmlns:a16="http://schemas.microsoft.com/office/drawing/2014/main" id="{316CABA4-2F63-4C07-A744-B813B747A41B}"/>
-              </a:ext>
-            </a:extLst>
-          </p:cNvPr>
+          <p:cNvPr id="5" name="日期占位符 4"/>
           <p:cNvSpPr>
             <a:spLocks noGrp="1"/>
           </p:cNvSpPr>
@@ -2384,7 +2074,6 @@
           <a:p>
             <a:fld id="{0CCCBCAA-DE24-4869-907B-21FA432ED4EA}" type="datetimeFigureOut">
               <a:rPr lang="zh-CN" altLang="en-US" smtClean="0"/>
-              <a:t>2023/12/2</a:t>
             </a:fld>
             <a:endParaRPr lang="zh-CN" altLang="en-US"/>
           </a:p>
@@ -2392,13 +2081,7 @@
       </p:sp>
       <p:sp>
         <p:nvSpPr>
-          <p:cNvPr id="6" name="页脚占位符 5">
-            <a:extLst>
-              <a:ext uri="{FF2B5EF4-FFF2-40B4-BE49-F238E27FC236}">
-                <a16:creationId xmlns:a16="http://schemas.microsoft.com/office/drawing/2014/main" id="{ECC17301-E234-4EB2-800F-18A47820397C}"/>
-              </a:ext>
-            </a:extLst>
-          </p:cNvPr>
+          <p:cNvPr id="6" name="页脚占位符 5"/>
           <p:cNvSpPr>
             <a:spLocks noGrp="1"/>
           </p:cNvSpPr>
@@ -2417,13 +2100,7 @@
       </p:sp>
       <p:sp>
         <p:nvSpPr>
-          <p:cNvPr id="7" name="灯片编号占位符 6">
-            <a:extLst>
-              <a:ext uri="{FF2B5EF4-FFF2-40B4-BE49-F238E27FC236}">
-                <a16:creationId xmlns:a16="http://schemas.microsoft.com/office/drawing/2014/main" id="{81AA87C3-E5D7-4E5A-B576-78971252B033}"/>
-              </a:ext>
-            </a:extLst>
-          </p:cNvPr>
+          <p:cNvPr id="7" name="灯片编号占位符 6"/>
           <p:cNvSpPr>
             <a:spLocks noGrp="1"/>
           </p:cNvSpPr>
@@ -2438,18 +2115,12 @@
           <a:p>
             <a:fld id="{5FE236EB-BACC-4582-BC1D-973661D0AF0F}" type="slidenum">
               <a:rPr lang="zh-CN" altLang="en-US" smtClean="0"/>
-              <a:t>‹#›</a:t>
             </a:fld>
             <a:endParaRPr lang="zh-CN" altLang="en-US"/>
           </a:p>
         </p:txBody>
       </p:sp>
     </p:spTree>
-    <p:extLst>
-      <p:ext uri="{BB962C8B-B14F-4D97-AF65-F5344CB8AC3E}">
-        <p14:creationId xmlns:p14="http://schemas.microsoft.com/office/powerpoint/2010/main" val="3571633334"/>
-      </p:ext>
-    </p:extLst>
   </p:cSld>
   <p:clrMapOvr>
     <a:masterClrMapping/>
@@ -2476,13 +2147,7 @@
       </p:grpSpPr>
       <p:sp>
         <p:nvSpPr>
-          <p:cNvPr id="2" name="标题 1">
-            <a:extLst>
-              <a:ext uri="{FF2B5EF4-FFF2-40B4-BE49-F238E27FC236}">
-                <a16:creationId xmlns:a16="http://schemas.microsoft.com/office/drawing/2014/main" id="{8189B1B3-414A-45E7-95FC-C8549D82400D}"/>
-              </a:ext>
-            </a:extLst>
-          </p:cNvPr>
+          <p:cNvPr id="2" name="标题 1"/>
           <p:cNvSpPr>
             <a:spLocks noGrp="1"/>
           </p:cNvSpPr>
@@ -2508,18 +2173,13 @@
               <a:rPr lang="zh-CN" altLang="en-US"/>
               <a:t>单击此处编辑母版标题样式</a:t>
             </a:r>
+            <a:endParaRPr lang="zh-CN" altLang="en-US"/>
           </a:p>
         </p:txBody>
       </p:sp>
       <p:sp>
         <p:nvSpPr>
-          <p:cNvPr id="3" name="图片占位符 2">
-            <a:extLst>
-              <a:ext uri="{FF2B5EF4-FFF2-40B4-BE49-F238E27FC236}">
-                <a16:creationId xmlns:a16="http://schemas.microsoft.com/office/drawing/2014/main" id="{0D5D3B06-C07E-4F6F-8672-2ACD075B72A6}"/>
-              </a:ext>
-            </a:extLst>
-          </p:cNvPr>
+          <p:cNvPr id="3" name="图片占位符 2"/>
           <p:cNvSpPr>
             <a:spLocks noGrp="1"/>
           </p:cNvSpPr>
@@ -2580,13 +2240,7 @@
       </p:sp>
       <p:sp>
         <p:nvSpPr>
-          <p:cNvPr id="4" name="文本占位符 3">
-            <a:extLst>
-              <a:ext uri="{FF2B5EF4-FFF2-40B4-BE49-F238E27FC236}">
-                <a16:creationId xmlns:a16="http://schemas.microsoft.com/office/drawing/2014/main" id="{0B091543-CC10-4080-B362-4731A33C8EC5}"/>
-              </a:ext>
-            </a:extLst>
-          </p:cNvPr>
+          <p:cNvPr id="4" name="文本占位符 3"/>
           <p:cNvSpPr>
             <a:spLocks noGrp="1"/>
           </p:cNvSpPr>
@@ -2646,18 +2300,13 @@
               <a:rPr lang="zh-CN" altLang="en-US"/>
               <a:t>单击此处编辑母版文本样式</a:t>
             </a:r>
+            <a:endParaRPr lang="zh-CN" altLang="en-US"/>
           </a:p>
         </p:txBody>
       </p:sp>
       <p:sp>
         <p:nvSpPr>
-          <p:cNvPr id="5" name="日期占位符 4">
-            <a:extLst>
-              <a:ext uri="{FF2B5EF4-FFF2-40B4-BE49-F238E27FC236}">
-                <a16:creationId xmlns:a16="http://schemas.microsoft.com/office/drawing/2014/main" id="{DACFD591-CA66-44F7-BBFB-B29C47C08FB3}"/>
-              </a:ext>
-            </a:extLst>
-          </p:cNvPr>
+          <p:cNvPr id="5" name="日期占位符 4"/>
           <p:cNvSpPr>
             <a:spLocks noGrp="1"/>
           </p:cNvSpPr>
@@ -2672,7 +2321,6 @@
           <a:p>
             <a:fld id="{0CCCBCAA-DE24-4869-907B-21FA432ED4EA}" type="datetimeFigureOut">
               <a:rPr lang="zh-CN" altLang="en-US" smtClean="0"/>
-              <a:t>2023/12/2</a:t>
             </a:fld>
             <a:endParaRPr lang="zh-CN" altLang="en-US"/>
           </a:p>
@@ -2680,13 +2328,7 @@
       </p:sp>
       <p:sp>
         <p:nvSpPr>
-          <p:cNvPr id="6" name="页脚占位符 5">
-            <a:extLst>
-              <a:ext uri="{FF2B5EF4-FFF2-40B4-BE49-F238E27FC236}">
-                <a16:creationId xmlns:a16="http://schemas.microsoft.com/office/drawing/2014/main" id="{CA43F27B-4032-4F4A-AAD3-7941F157A1C6}"/>
-              </a:ext>
-            </a:extLst>
-          </p:cNvPr>
+          <p:cNvPr id="6" name="页脚占位符 5"/>
           <p:cNvSpPr>
             <a:spLocks noGrp="1"/>
           </p:cNvSpPr>
@@ -2705,13 +2347,7 @@
       </p:sp>
       <p:sp>
         <p:nvSpPr>
-          <p:cNvPr id="7" name="灯片编号占位符 6">
-            <a:extLst>
-              <a:ext uri="{FF2B5EF4-FFF2-40B4-BE49-F238E27FC236}">
-                <a16:creationId xmlns:a16="http://schemas.microsoft.com/office/drawing/2014/main" id="{F1646D74-310F-40A1-AB76-83CF0785BEC8}"/>
-              </a:ext>
-            </a:extLst>
-          </p:cNvPr>
+          <p:cNvPr id="7" name="灯片编号占位符 6"/>
           <p:cNvSpPr>
             <a:spLocks noGrp="1"/>
           </p:cNvSpPr>
@@ -2726,18 +2362,12 @@
           <a:p>
             <a:fld id="{5FE236EB-BACC-4582-BC1D-973661D0AF0F}" type="slidenum">
               <a:rPr lang="zh-CN" altLang="en-US" smtClean="0"/>
-              <a:t>‹#›</a:t>
             </a:fld>
             <a:endParaRPr lang="zh-CN" altLang="en-US"/>
           </a:p>
         </p:txBody>
       </p:sp>
     </p:spTree>
-    <p:extLst>
-      <p:ext uri="{BB962C8B-B14F-4D97-AF65-F5344CB8AC3E}">
-        <p14:creationId xmlns:p14="http://schemas.microsoft.com/office/powerpoint/2010/main" val="396616571"/>
-      </p:ext>
-    </p:extLst>
   </p:cSld>
   <p:clrMapOvr>
     <a:masterClrMapping/>
@@ -2769,13 +2399,7 @@
       </p:grpSpPr>
       <p:sp>
         <p:nvSpPr>
-          <p:cNvPr id="2" name="标题占位符 1">
-            <a:extLst>
-              <a:ext uri="{FF2B5EF4-FFF2-40B4-BE49-F238E27FC236}">
-                <a16:creationId xmlns:a16="http://schemas.microsoft.com/office/drawing/2014/main" id="{6032F8DC-5EDF-4E59-9203-36CC3F7FC86A}"/>
-              </a:ext>
-            </a:extLst>
-          </p:cNvPr>
+          <p:cNvPr id="2" name="标题占位符 1"/>
           <p:cNvSpPr>
             <a:spLocks noGrp="1"/>
           </p:cNvSpPr>
@@ -2802,18 +2426,13 @@
               <a:rPr lang="zh-CN" altLang="en-US"/>
               <a:t>单击此处编辑母版标题样式</a:t>
             </a:r>
+            <a:endParaRPr lang="zh-CN" altLang="en-US"/>
           </a:p>
         </p:txBody>
       </p:sp>
       <p:sp>
         <p:nvSpPr>
-          <p:cNvPr id="3" name="文本占位符 2">
-            <a:extLst>
-              <a:ext uri="{FF2B5EF4-FFF2-40B4-BE49-F238E27FC236}">
-                <a16:creationId xmlns:a16="http://schemas.microsoft.com/office/drawing/2014/main" id="{F1E4C67C-19A9-4C92-98E0-9DF63C96458E}"/>
-              </a:ext>
-            </a:extLst>
-          </p:cNvPr>
+          <p:cNvPr id="3" name="文本占位符 2"/>
           <p:cNvSpPr>
             <a:spLocks noGrp="1"/>
           </p:cNvSpPr>
@@ -2841,6 +2460,7 @@
               <a:rPr lang="zh-CN" altLang="en-US"/>
               <a:t>单击此处编辑母版文本样式</a:t>
             </a:r>
+            <a:endParaRPr lang="zh-CN" altLang="en-US"/>
           </a:p>
           <a:p>
             <a:pPr lvl="1"/>
@@ -2848,6 +2468,7 @@
               <a:rPr lang="zh-CN" altLang="en-US"/>
               <a:t>二级</a:t>
             </a:r>
+            <a:endParaRPr lang="zh-CN" altLang="en-US"/>
           </a:p>
           <a:p>
             <a:pPr lvl="2"/>
@@ -2855,6 +2476,7 @@
               <a:rPr lang="zh-CN" altLang="en-US"/>
               <a:t>三级</a:t>
             </a:r>
+            <a:endParaRPr lang="zh-CN" altLang="en-US"/>
           </a:p>
           <a:p>
             <a:pPr lvl="3"/>
@@ -2862,6 +2484,7 @@
               <a:rPr lang="zh-CN" altLang="en-US"/>
               <a:t>四级</a:t>
             </a:r>
+            <a:endParaRPr lang="zh-CN" altLang="en-US"/>
           </a:p>
           <a:p>
             <a:pPr lvl="4"/>
@@ -2869,18 +2492,13 @@
               <a:rPr lang="zh-CN" altLang="en-US"/>
               <a:t>五级</a:t>
             </a:r>
+            <a:endParaRPr lang="zh-CN" altLang="en-US"/>
           </a:p>
         </p:txBody>
       </p:sp>
       <p:sp>
         <p:nvSpPr>
-          <p:cNvPr id="4" name="日期占位符 3">
-            <a:extLst>
-              <a:ext uri="{FF2B5EF4-FFF2-40B4-BE49-F238E27FC236}">
-                <a16:creationId xmlns:a16="http://schemas.microsoft.com/office/drawing/2014/main" id="{256205B7-3113-40A3-87A9-8ED48322ECB4}"/>
-              </a:ext>
-            </a:extLst>
-          </p:cNvPr>
+          <p:cNvPr id="4" name="日期占位符 3"/>
           <p:cNvSpPr>
             <a:spLocks noGrp="1"/>
           </p:cNvSpPr>
@@ -2913,7 +2531,6 @@
           <a:p>
             <a:fld id="{0CCCBCAA-DE24-4869-907B-21FA432ED4EA}" type="datetimeFigureOut">
               <a:rPr lang="zh-CN" altLang="en-US" smtClean="0"/>
-              <a:t>2023/12/2</a:t>
             </a:fld>
             <a:endParaRPr lang="zh-CN" altLang="en-US"/>
           </a:p>
@@ -2921,13 +2538,7 @@
       </p:sp>
       <p:sp>
         <p:nvSpPr>
-          <p:cNvPr id="5" name="页脚占位符 4">
-            <a:extLst>
-              <a:ext uri="{FF2B5EF4-FFF2-40B4-BE49-F238E27FC236}">
-                <a16:creationId xmlns:a16="http://schemas.microsoft.com/office/drawing/2014/main" id="{29EC8E89-D632-41BE-AC1F-F370EEDC06D7}"/>
-              </a:ext>
-            </a:extLst>
-          </p:cNvPr>
+          <p:cNvPr id="5" name="页脚占位符 4"/>
           <p:cNvSpPr>
             <a:spLocks noGrp="1"/>
           </p:cNvSpPr>
@@ -2964,13 +2575,7 @@
       </p:sp>
       <p:sp>
         <p:nvSpPr>
-          <p:cNvPr id="6" name="灯片编号占位符 5">
-            <a:extLst>
-              <a:ext uri="{FF2B5EF4-FFF2-40B4-BE49-F238E27FC236}">
-                <a16:creationId xmlns:a16="http://schemas.microsoft.com/office/drawing/2014/main" id="{F7E1F632-17F6-40C5-988E-765F769B9F7B}"/>
-              </a:ext>
-            </a:extLst>
-          </p:cNvPr>
+          <p:cNvPr id="6" name="灯片编号占位符 5"/>
           <p:cNvSpPr>
             <a:spLocks noGrp="1"/>
           </p:cNvSpPr>
@@ -3003,18 +2608,12 @@
           <a:p>
             <a:fld id="{5FE236EB-BACC-4582-BC1D-973661D0AF0F}" type="slidenum">
               <a:rPr lang="zh-CN" altLang="en-US" smtClean="0"/>
-              <a:t>‹#›</a:t>
             </a:fld>
             <a:endParaRPr lang="zh-CN" altLang="en-US"/>
           </a:p>
         </p:txBody>
       </p:sp>
     </p:spTree>
-    <p:extLst>
-      <p:ext uri="{BB962C8B-B14F-4D97-AF65-F5344CB8AC3E}">
-        <p14:creationId xmlns:p14="http://schemas.microsoft.com/office/powerpoint/2010/main" val="504366418"/>
-      </p:ext>
-    </p:extLst>
   </p:cSld>
   <p:clrMap bg1="lt1" tx1="dk1" bg2="lt2" tx2="dk2" accent1="accent1" accent2="accent2" accent3="accent3" accent4="accent4" accent5="accent5" accent6="accent6" hlink="hlink" folHlink="folHlink"/>
   <p:sldLayoutIdLst>
@@ -3332,13 +2931,7 @@
       </p:grpSpPr>
       <p:sp>
         <p:nvSpPr>
-          <p:cNvPr id="2" name="标题 1">
-            <a:extLst>
-              <a:ext uri="{FF2B5EF4-FFF2-40B4-BE49-F238E27FC236}">
-                <a16:creationId xmlns:a16="http://schemas.microsoft.com/office/drawing/2014/main" id="{EBD15538-FE46-4F25-A6E9-1EA76E32FBD4}"/>
-              </a:ext>
-            </a:extLst>
-          </p:cNvPr>
+          <p:cNvPr id="2" name="标题 1"/>
           <p:cNvSpPr>
             <a:spLocks noGrp="1"/>
           </p:cNvSpPr>
@@ -3355,18 +2948,13 @@
               <a:rPr lang="zh-CN" altLang="en-US" dirty="0"/>
               <a:t>输入输出理解</a:t>
             </a:r>
+            <a:endParaRPr lang="zh-CN" altLang="en-US" dirty="0"/>
           </a:p>
         </p:txBody>
       </p:sp>
       <p:sp>
         <p:nvSpPr>
-          <p:cNvPr id="3" name="副标题 2">
-            <a:extLst>
-              <a:ext uri="{FF2B5EF4-FFF2-40B4-BE49-F238E27FC236}">
-                <a16:creationId xmlns:a16="http://schemas.microsoft.com/office/drawing/2014/main" id="{D1D2D6F0-26B4-4E0D-B001-4EA1D74BE481}"/>
-              </a:ext>
-            </a:extLst>
-          </p:cNvPr>
+          <p:cNvPr id="3" name="副标题 2"/>
           <p:cNvSpPr>
             <a:spLocks noGrp="1"/>
           </p:cNvSpPr>
@@ -3384,11 +2972,6 @@
         </p:txBody>
       </p:sp>
     </p:spTree>
-    <p:extLst>
-      <p:ext uri="{BB962C8B-B14F-4D97-AF65-F5344CB8AC3E}">
-        <p14:creationId xmlns:p14="http://schemas.microsoft.com/office/powerpoint/2010/main" val="3812935276"/>
-      </p:ext>
-    </p:extLst>
   </p:cSld>
   <p:clrMapOvr>
     <a:masterClrMapping/>
@@ -3415,13 +2998,7 @@
       </p:grpSpPr>
       <p:grpSp>
         <p:nvGrpSpPr>
-          <p:cNvPr id="15" name="组合 14">
-            <a:extLst>
-              <a:ext uri="{FF2B5EF4-FFF2-40B4-BE49-F238E27FC236}">
-                <a16:creationId xmlns:a16="http://schemas.microsoft.com/office/drawing/2014/main" id="{16475DB3-395E-4251-9F1F-228C46B68608}"/>
-              </a:ext>
-            </a:extLst>
-          </p:cNvPr>
+          <p:cNvPr id="15" name="组合 14"/>
           <p:cNvGrpSpPr/>
           <p:nvPr/>
         </p:nvGrpSpPr>
@@ -3435,13 +3012,7 @@
         </p:grpSpPr>
         <p:sp>
           <p:nvSpPr>
-            <p:cNvPr id="5" name="文本框 4">
-              <a:extLst>
-                <a:ext uri="{FF2B5EF4-FFF2-40B4-BE49-F238E27FC236}">
-                  <a16:creationId xmlns:a16="http://schemas.microsoft.com/office/drawing/2014/main" id="{BABEC6E0-9E95-4E1C-A0E1-3605D7672E2F}"/>
-                </a:ext>
-              </a:extLst>
-            </p:cNvPr>
+            <p:cNvPr id="5" name="文本框 4"/>
             <p:cNvSpPr txBox="1"/>
             <p:nvPr/>
           </p:nvSpPr>
@@ -3653,13 +3224,7 @@
         </p:sp>
         <p:sp>
           <p:nvSpPr>
-            <p:cNvPr id="8" name="文本框 7">
-              <a:extLst>
-                <a:ext uri="{FF2B5EF4-FFF2-40B4-BE49-F238E27FC236}">
-                  <a16:creationId xmlns:a16="http://schemas.microsoft.com/office/drawing/2014/main" id="{C2841ECF-0320-48A0-AD37-1C548E21BFB5}"/>
-                </a:ext>
-              </a:extLst>
-            </p:cNvPr>
+            <p:cNvPr id="8" name="文本框 7"/>
             <p:cNvSpPr txBox="1"/>
             <p:nvPr/>
           </p:nvSpPr>
@@ -3790,6 +3355,11 @@
                 </a:rPr>
                 <a:t>J</a:t>
               </a:r>
+              <a:endParaRPr lang="en-US" altLang="zh-CN" sz="1600" kern="0" dirty="0">
+                <a:effectLst/>
+                <a:latin typeface="+mn-ea"/>
+                <a:cs typeface="宋体" panose="02010600030101010101" pitchFamily="2" charset="-122"/>
+              </a:endParaRPr>
             </a:p>
             <a:p>
               <a:r>
@@ -3855,6 +3425,11 @@
                 </a:rPr>
                 <a:t> </a:t>
               </a:r>
+              <a:endParaRPr lang="en-US" altLang="zh-CN" sz="1600" kern="0" dirty="0">
+                <a:effectLst/>
+                <a:latin typeface="+mn-ea"/>
+                <a:cs typeface="宋体" panose="02010600030101010101" pitchFamily="2" charset="-122"/>
+              </a:endParaRPr>
             </a:p>
             <a:p>
               <a:endParaRPr lang="en-US" altLang="zh-CN" sz="1600" kern="0" dirty="0">
@@ -4130,13 +3705,7 @@
       </p:grpSp>
       <p:grpSp>
         <p:nvGrpSpPr>
-          <p:cNvPr id="31" name="组合 30">
-            <a:extLst>
-              <a:ext uri="{FF2B5EF4-FFF2-40B4-BE49-F238E27FC236}">
-                <a16:creationId xmlns:a16="http://schemas.microsoft.com/office/drawing/2014/main" id="{5F2B7D71-7AC7-49FF-AE5C-157365DEFE3C}"/>
-              </a:ext>
-            </a:extLst>
-          </p:cNvPr>
+          <p:cNvPr id="31" name="组合 30"/>
           <p:cNvGrpSpPr/>
           <p:nvPr/>
         </p:nvGrpSpPr>
@@ -4150,13 +3719,7 @@
         </p:grpSpPr>
         <p:sp>
           <p:nvSpPr>
-            <p:cNvPr id="18" name="文本框 17">
-              <a:extLst>
-                <a:ext uri="{FF2B5EF4-FFF2-40B4-BE49-F238E27FC236}">
-                  <a16:creationId xmlns:a16="http://schemas.microsoft.com/office/drawing/2014/main" id="{5C0A96A5-B73B-4656-8A25-F3ECE29A59D3}"/>
-                </a:ext>
-              </a:extLst>
-            </p:cNvPr>
+            <p:cNvPr id="18" name="文本框 17"/>
             <p:cNvSpPr txBox="1"/>
             <p:nvPr/>
           </p:nvSpPr>
@@ -4180,36 +3743,34 @@
                 <a:rPr lang="en-US" altLang="zh-CN" dirty="0"/>
                 <a:t>2</a:t>
               </a:r>
+              <a:endParaRPr lang="en-US" altLang="zh-CN" dirty="0"/>
             </a:p>
             <a:p>
               <a:r>
                 <a:rPr lang="en-US" altLang="zh-CN" dirty="0"/>
                 <a:t>2 3 2 1 3 0 0 1 0</a:t>
               </a:r>
+              <a:endParaRPr lang="en-US" altLang="zh-CN" dirty="0"/>
             </a:p>
             <a:p>
               <a:r>
                 <a:rPr lang="en-US" altLang="zh-CN" dirty="0"/>
                 <a:t>2 1 2 1 2 0 0 2 0</a:t>
               </a:r>
+              <a:endParaRPr lang="en-US" altLang="zh-CN" dirty="0"/>
             </a:p>
             <a:p>
               <a:r>
                 <a:rPr lang="en-US" altLang="zh-CN" dirty="0"/>
                 <a:t>0 1 1 1 1 0</a:t>
               </a:r>
+              <a:endParaRPr lang="en-US" altLang="zh-CN" dirty="0"/>
             </a:p>
           </p:txBody>
         </p:sp>
         <p:sp>
           <p:nvSpPr>
-            <p:cNvPr id="23" name="文本框 22">
-              <a:extLst>
-                <a:ext uri="{FF2B5EF4-FFF2-40B4-BE49-F238E27FC236}">
-                  <a16:creationId xmlns:a16="http://schemas.microsoft.com/office/drawing/2014/main" id="{E3B60010-7EA3-4C18-B48A-1CE62E1195EA}"/>
-                </a:ext>
-              </a:extLst>
-            </p:cNvPr>
+            <p:cNvPr id="23" name="文本框 22"/>
             <p:cNvSpPr txBox="1"/>
             <p:nvPr/>
           </p:nvSpPr>
@@ -4291,13 +3852,7 @@
         </p:sp>
         <p:sp>
           <p:nvSpPr>
-            <p:cNvPr id="26" name="文本框 25">
-              <a:extLst>
-                <a:ext uri="{FF2B5EF4-FFF2-40B4-BE49-F238E27FC236}">
-                  <a16:creationId xmlns:a16="http://schemas.microsoft.com/office/drawing/2014/main" id="{3A024871-DA3C-4266-8210-E167696CB25A}"/>
-                </a:ext>
-              </a:extLst>
-            </p:cNvPr>
+            <p:cNvPr id="26" name="文本框 25"/>
             <p:cNvSpPr txBox="1"/>
             <p:nvPr/>
           </p:nvSpPr>
@@ -4333,6 +3888,11 @@
                 </a:rPr>
                 <a:t> T</a:t>
               </a:r>
+              <a:endParaRPr lang="en-US" altLang="zh-CN" sz="1600" kern="0" dirty="0">
+                <a:effectLst/>
+                <a:latin typeface="+mn-ea"/>
+                <a:cs typeface="宋体" panose="02010600030101010101" pitchFamily="2" charset="-122"/>
+              </a:endParaRPr>
             </a:p>
             <a:p>
               <a:r>
@@ -4373,18 +3933,12 @@
         </p:sp>
         <p:pic>
           <p:nvPicPr>
-            <p:cNvPr id="29" name="图片 28">
-              <a:extLst>
-                <a:ext uri="{FF2B5EF4-FFF2-40B4-BE49-F238E27FC236}">
-                  <a16:creationId xmlns:a16="http://schemas.microsoft.com/office/drawing/2014/main" id="{C49BFE39-2BBC-4826-AAAB-C55ABB6875CB}"/>
-                </a:ext>
-              </a:extLst>
-            </p:cNvPr>
+            <p:cNvPr id="29" name="图片 28"/>
             <p:cNvPicPr/>
             <p:nvPr/>
           </p:nvPicPr>
           <p:blipFill>
-            <a:blip r:embed="rId2">
+            <a:blip r:embed="rId1">
               <a:extLst>
                 <a:ext uri="{28A0092B-C50C-407E-A947-70E740481C1C}">
                   <a14:useLocalDpi xmlns:a14="http://schemas.microsoft.com/office/drawing/2010/main" val="0"/>
@@ -4413,13 +3967,7 @@
       </p:grpSp>
       <p:sp>
         <p:nvSpPr>
-          <p:cNvPr id="30" name="文本框 29">
-            <a:extLst>
-              <a:ext uri="{FF2B5EF4-FFF2-40B4-BE49-F238E27FC236}">
-                <a16:creationId xmlns:a16="http://schemas.microsoft.com/office/drawing/2014/main" id="{25A3A537-6D2D-4B49-A3C3-34906976B017}"/>
-              </a:ext>
-            </a:extLst>
-          </p:cNvPr>
+          <p:cNvPr id="30" name="文本框 29"/>
           <p:cNvSpPr txBox="1"/>
           <p:nvPr/>
         </p:nvSpPr>
@@ -4452,11 +4000,6 @@
         </p:txBody>
       </p:sp>
     </p:spTree>
-    <p:extLst>
-      <p:ext uri="{BB962C8B-B14F-4D97-AF65-F5344CB8AC3E}">
-        <p14:creationId xmlns:p14="http://schemas.microsoft.com/office/powerpoint/2010/main" val="1394808294"/>
-      </p:ext>
-    </p:extLst>
   </p:cSld>
   <p:clrMapOvr>
     <a:masterClrMapping/>
@@ -4483,13 +4026,7 @@
       </p:grpSpPr>
       <p:sp>
         <p:nvSpPr>
-          <p:cNvPr id="59" name="文本框 58">
-            <a:extLst>
-              <a:ext uri="{FF2B5EF4-FFF2-40B4-BE49-F238E27FC236}">
-                <a16:creationId xmlns:a16="http://schemas.microsoft.com/office/drawing/2014/main" id="{F74D45A3-F0FE-43D6-BAC2-1A8BA80E3308}"/>
-              </a:ext>
-            </a:extLst>
-          </p:cNvPr>
+          <p:cNvPr id="59" name="文本框 58"/>
           <p:cNvSpPr txBox="1"/>
           <p:nvPr/>
         </p:nvSpPr>
@@ -4513,18 +4050,13 @@
               <a:rPr lang="zh-CN" altLang="en-US" dirty="0"/>
               <a:t>这个示例：这里没有体现格式流格式的转换</a:t>
             </a:r>
+            <a:endParaRPr lang="zh-CN" altLang="en-US" dirty="0"/>
           </a:p>
         </p:txBody>
       </p:sp>
       <p:grpSp>
         <p:nvGrpSpPr>
-          <p:cNvPr id="3" name="组合 2">
-            <a:extLst>
-              <a:ext uri="{FF2B5EF4-FFF2-40B4-BE49-F238E27FC236}">
-                <a16:creationId xmlns:a16="http://schemas.microsoft.com/office/drawing/2014/main" id="{FFA99D6A-083F-4F68-9C44-85FDB607EE1A}"/>
-              </a:ext>
-            </a:extLst>
-          </p:cNvPr>
+          <p:cNvPr id="3" name="组合 2"/>
           <p:cNvGrpSpPr/>
           <p:nvPr/>
         </p:nvGrpSpPr>
@@ -4538,13 +4070,7 @@
         </p:grpSpPr>
         <p:grpSp>
           <p:nvGrpSpPr>
-            <p:cNvPr id="58" name="组合 57">
-              <a:extLst>
-                <a:ext uri="{FF2B5EF4-FFF2-40B4-BE49-F238E27FC236}">
-                  <a16:creationId xmlns:a16="http://schemas.microsoft.com/office/drawing/2014/main" id="{C28D70C6-58E2-4E57-A04A-66A1539FAC8E}"/>
-                </a:ext>
-              </a:extLst>
-            </p:cNvPr>
+            <p:cNvPr id="58" name="组合 57"/>
             <p:cNvGrpSpPr/>
             <p:nvPr/>
           </p:nvGrpSpPr>
@@ -4558,13 +4084,7 @@
           </p:grpSpPr>
           <p:grpSp>
             <p:nvGrpSpPr>
-              <p:cNvPr id="51" name="组合 50">
-                <a:extLst>
-                  <a:ext uri="{FF2B5EF4-FFF2-40B4-BE49-F238E27FC236}">
-                    <a16:creationId xmlns:a16="http://schemas.microsoft.com/office/drawing/2014/main" id="{FB2479FE-80E6-4C7D-9DA2-1AF7009EAF50}"/>
-                  </a:ext>
-                </a:extLst>
-              </p:cNvPr>
+              <p:cNvPr id="51" name="组合 50"/>
               <p:cNvGrpSpPr/>
               <p:nvPr/>
             </p:nvGrpSpPr>
@@ -4578,13 +4098,7 @@
             </p:grpSpPr>
             <p:sp>
               <p:nvSpPr>
-                <p:cNvPr id="4" name="矩形 3">
-                  <a:extLst>
-                    <a:ext uri="{FF2B5EF4-FFF2-40B4-BE49-F238E27FC236}">
-                      <a16:creationId xmlns:a16="http://schemas.microsoft.com/office/drawing/2014/main" id="{7C89178A-618F-47DC-AC8B-B5D74BEF3634}"/>
-                    </a:ext>
-                  </a:extLst>
-                </p:cNvPr>
+                <p:cNvPr id="4" name="矩形 3"/>
                 <p:cNvSpPr/>
                 <p:nvPr/>
               </p:nvSpPr>
@@ -4642,13 +4156,7 @@
             </p:sp>
             <p:sp>
               <p:nvSpPr>
-                <p:cNvPr id="5" name="矩形 4">
-                  <a:extLst>
-                    <a:ext uri="{FF2B5EF4-FFF2-40B4-BE49-F238E27FC236}">
-                      <a16:creationId xmlns:a16="http://schemas.microsoft.com/office/drawing/2014/main" id="{0D29D8ED-FEAF-4770-8508-E73FE94B4D68}"/>
-                    </a:ext>
-                  </a:extLst>
-                </p:cNvPr>
+                <p:cNvPr id="5" name="矩形 4"/>
                 <p:cNvSpPr/>
                 <p:nvPr/>
               </p:nvSpPr>
@@ -4706,13 +4214,7 @@
             </p:sp>
             <p:sp>
               <p:nvSpPr>
-                <p:cNvPr id="6" name="矩形 5">
-                  <a:extLst>
-                    <a:ext uri="{FF2B5EF4-FFF2-40B4-BE49-F238E27FC236}">
-                      <a16:creationId xmlns:a16="http://schemas.microsoft.com/office/drawing/2014/main" id="{C43BFFDB-ADE1-4AD3-8D27-41F15CF9A7F8}"/>
-                    </a:ext>
-                  </a:extLst>
-                </p:cNvPr>
+                <p:cNvPr id="6" name="矩形 5"/>
                 <p:cNvSpPr/>
                 <p:nvPr/>
               </p:nvSpPr>
@@ -4762,13 +4264,7 @@
             </p:sp>
             <p:sp>
               <p:nvSpPr>
-                <p:cNvPr id="7" name="矩形 6">
-                  <a:extLst>
-                    <a:ext uri="{FF2B5EF4-FFF2-40B4-BE49-F238E27FC236}">
-                      <a16:creationId xmlns:a16="http://schemas.microsoft.com/office/drawing/2014/main" id="{B5C30D90-B680-474F-93DE-9C085BB29EB3}"/>
-                    </a:ext>
-                  </a:extLst>
-                </p:cNvPr>
+                <p:cNvPr id="7" name="矩形 6"/>
                 <p:cNvSpPr/>
                 <p:nvPr/>
               </p:nvSpPr>
@@ -4818,13 +4314,7 @@
             </p:sp>
             <p:sp>
               <p:nvSpPr>
-                <p:cNvPr id="8" name="矩形 7">
-                  <a:extLst>
-                    <a:ext uri="{FF2B5EF4-FFF2-40B4-BE49-F238E27FC236}">
-                      <a16:creationId xmlns:a16="http://schemas.microsoft.com/office/drawing/2014/main" id="{5426ABF3-53C1-42E6-9E0C-31AFC225EAA7}"/>
-                    </a:ext>
-                  </a:extLst>
-                </p:cNvPr>
+                <p:cNvPr id="8" name="矩形 7"/>
                 <p:cNvSpPr/>
                 <p:nvPr/>
               </p:nvSpPr>
@@ -4874,13 +4364,7 @@
             </p:sp>
             <p:sp>
               <p:nvSpPr>
-                <p:cNvPr id="11" name="矩形 10">
-                  <a:extLst>
-                    <a:ext uri="{FF2B5EF4-FFF2-40B4-BE49-F238E27FC236}">
-                      <a16:creationId xmlns:a16="http://schemas.microsoft.com/office/drawing/2014/main" id="{309A563C-2578-4DBA-B6CF-8B87BA11F757}"/>
-                    </a:ext>
-                  </a:extLst>
-                </p:cNvPr>
+                <p:cNvPr id="11" name="矩形 10"/>
                 <p:cNvSpPr/>
                 <p:nvPr/>
               </p:nvSpPr>
@@ -4930,13 +4414,7 @@
             </p:sp>
             <p:sp>
               <p:nvSpPr>
-                <p:cNvPr id="12" name="矩形 11">
-                  <a:extLst>
-                    <a:ext uri="{FF2B5EF4-FFF2-40B4-BE49-F238E27FC236}">
-                      <a16:creationId xmlns:a16="http://schemas.microsoft.com/office/drawing/2014/main" id="{AA26C5FD-7F4D-4510-A28C-E2F0280E4598}"/>
-                    </a:ext>
-                  </a:extLst>
-                </p:cNvPr>
+                <p:cNvPr id="12" name="矩形 11"/>
                 <p:cNvSpPr/>
                 <p:nvPr/>
               </p:nvSpPr>
@@ -4986,13 +4464,7 @@
             </p:sp>
             <p:sp>
               <p:nvSpPr>
-                <p:cNvPr id="13" name="矩形 12">
-                  <a:extLst>
-                    <a:ext uri="{FF2B5EF4-FFF2-40B4-BE49-F238E27FC236}">
-                      <a16:creationId xmlns:a16="http://schemas.microsoft.com/office/drawing/2014/main" id="{12816C96-DCBA-4F1E-867C-C2030649DE23}"/>
-                    </a:ext>
-                  </a:extLst>
-                </p:cNvPr>
+                <p:cNvPr id="13" name="矩形 12"/>
                 <p:cNvSpPr/>
                 <p:nvPr/>
               </p:nvSpPr>
@@ -5050,13 +4522,7 @@
             </p:sp>
             <p:sp>
               <p:nvSpPr>
-                <p:cNvPr id="14" name="矩形 13">
-                  <a:extLst>
-                    <a:ext uri="{FF2B5EF4-FFF2-40B4-BE49-F238E27FC236}">
-                      <a16:creationId xmlns:a16="http://schemas.microsoft.com/office/drawing/2014/main" id="{A06943AC-B0CD-442D-B6FE-8130B27B0F98}"/>
-                    </a:ext>
-                  </a:extLst>
-                </p:cNvPr>
+                <p:cNvPr id="14" name="矩形 13"/>
                 <p:cNvSpPr/>
                 <p:nvPr/>
               </p:nvSpPr>
@@ -5106,13 +4572,7 @@
             </p:sp>
             <p:sp>
               <p:nvSpPr>
-                <p:cNvPr id="15" name="矩形 14">
-                  <a:extLst>
-                    <a:ext uri="{FF2B5EF4-FFF2-40B4-BE49-F238E27FC236}">
-                      <a16:creationId xmlns:a16="http://schemas.microsoft.com/office/drawing/2014/main" id="{BBEB99EE-5DF0-4A7B-98E4-DFEB7035EDBF}"/>
-                    </a:ext>
-                  </a:extLst>
-                </p:cNvPr>
+                <p:cNvPr id="15" name="矩形 14"/>
                 <p:cNvSpPr/>
                 <p:nvPr/>
               </p:nvSpPr>
@@ -5162,13 +4622,7 @@
             </p:sp>
             <p:sp>
               <p:nvSpPr>
-                <p:cNvPr id="16" name="矩形 15">
-                  <a:extLst>
-                    <a:ext uri="{FF2B5EF4-FFF2-40B4-BE49-F238E27FC236}">
-                      <a16:creationId xmlns:a16="http://schemas.microsoft.com/office/drawing/2014/main" id="{38910E00-1BC7-48AD-B8C0-1116C0537695}"/>
-                    </a:ext>
-                  </a:extLst>
-                </p:cNvPr>
+                <p:cNvPr id="16" name="矩形 15"/>
                 <p:cNvSpPr/>
                 <p:nvPr/>
               </p:nvSpPr>
@@ -5218,13 +4672,7 @@
             </p:sp>
             <p:sp>
               <p:nvSpPr>
-                <p:cNvPr id="17" name="矩形 16">
-                  <a:extLst>
-                    <a:ext uri="{FF2B5EF4-FFF2-40B4-BE49-F238E27FC236}">
-                      <a16:creationId xmlns:a16="http://schemas.microsoft.com/office/drawing/2014/main" id="{85981971-045A-467B-803E-3C2F55ADD965}"/>
-                    </a:ext>
-                  </a:extLst>
-                </p:cNvPr>
+                <p:cNvPr id="17" name="矩形 16"/>
                 <p:cNvSpPr/>
                 <p:nvPr/>
               </p:nvSpPr>
@@ -5282,13 +4730,7 @@
             </p:sp>
             <p:sp>
               <p:nvSpPr>
-                <p:cNvPr id="18" name="矩形 17">
-                  <a:extLst>
-                    <a:ext uri="{FF2B5EF4-FFF2-40B4-BE49-F238E27FC236}">
-                      <a16:creationId xmlns:a16="http://schemas.microsoft.com/office/drawing/2014/main" id="{26508E89-08B3-462D-B839-4B907B39BA86}"/>
-                    </a:ext>
-                  </a:extLst>
-                </p:cNvPr>
+                <p:cNvPr id="18" name="矩形 17"/>
                 <p:cNvSpPr/>
                 <p:nvPr/>
               </p:nvSpPr>
@@ -5346,13 +4788,7 @@
             </p:sp>
             <p:sp>
               <p:nvSpPr>
-                <p:cNvPr id="19" name="矩形 18">
-                  <a:extLst>
-                    <a:ext uri="{FF2B5EF4-FFF2-40B4-BE49-F238E27FC236}">
-                      <a16:creationId xmlns:a16="http://schemas.microsoft.com/office/drawing/2014/main" id="{7F3C445E-F933-484C-B91E-2FE240C701C3}"/>
-                    </a:ext>
-                  </a:extLst>
-                </p:cNvPr>
+                <p:cNvPr id="19" name="矩形 18"/>
                 <p:cNvSpPr/>
                 <p:nvPr/>
               </p:nvSpPr>
@@ -5402,13 +4838,7 @@
             </p:sp>
             <p:sp>
               <p:nvSpPr>
-                <p:cNvPr id="20" name="矩形 19">
-                  <a:extLst>
-                    <a:ext uri="{FF2B5EF4-FFF2-40B4-BE49-F238E27FC236}">
-                      <a16:creationId xmlns:a16="http://schemas.microsoft.com/office/drawing/2014/main" id="{07EA168C-37F5-4A96-989C-58B5E4E3FB51}"/>
-                    </a:ext>
-                  </a:extLst>
-                </p:cNvPr>
+                <p:cNvPr id="20" name="矩形 19"/>
                 <p:cNvSpPr/>
                 <p:nvPr/>
               </p:nvSpPr>
@@ -5458,13 +4888,7 @@
             </p:sp>
             <p:sp>
               <p:nvSpPr>
-                <p:cNvPr id="21" name="矩形 20">
-                  <a:extLst>
-                    <a:ext uri="{FF2B5EF4-FFF2-40B4-BE49-F238E27FC236}">
-                      <a16:creationId xmlns:a16="http://schemas.microsoft.com/office/drawing/2014/main" id="{128508BD-5BE5-4D5A-8FAD-6DFEFD4DBE59}"/>
-                    </a:ext>
-                  </a:extLst>
-                </p:cNvPr>
+                <p:cNvPr id="21" name="矩形 20"/>
                 <p:cNvSpPr/>
                 <p:nvPr/>
               </p:nvSpPr>
@@ -5514,13 +4938,7 @@
             </p:sp>
             <p:sp>
               <p:nvSpPr>
-                <p:cNvPr id="22" name="矩形 21">
-                  <a:extLst>
-                    <a:ext uri="{FF2B5EF4-FFF2-40B4-BE49-F238E27FC236}">
-                      <a16:creationId xmlns:a16="http://schemas.microsoft.com/office/drawing/2014/main" id="{8FDDA48B-26FC-41B5-98F3-C1710D5322BD}"/>
-                    </a:ext>
-                  </a:extLst>
-                </p:cNvPr>
+                <p:cNvPr id="22" name="矩形 21"/>
                 <p:cNvSpPr/>
                 <p:nvPr/>
               </p:nvSpPr>
@@ -5578,13 +4996,7 @@
             </p:sp>
             <p:sp>
               <p:nvSpPr>
-                <p:cNvPr id="23" name="矩形 22">
-                  <a:extLst>
-                    <a:ext uri="{FF2B5EF4-FFF2-40B4-BE49-F238E27FC236}">
-                      <a16:creationId xmlns:a16="http://schemas.microsoft.com/office/drawing/2014/main" id="{E49F69F5-851F-413C-A3C6-04F89E983B33}"/>
-                    </a:ext>
-                  </a:extLst>
-                </p:cNvPr>
+                <p:cNvPr id="23" name="矩形 22"/>
                 <p:cNvSpPr/>
                 <p:nvPr/>
               </p:nvSpPr>
@@ -5634,13 +5046,7 @@
             </p:sp>
             <p:sp>
               <p:nvSpPr>
-                <p:cNvPr id="24" name="矩形 23">
-                  <a:extLst>
-                    <a:ext uri="{FF2B5EF4-FFF2-40B4-BE49-F238E27FC236}">
-                      <a16:creationId xmlns:a16="http://schemas.microsoft.com/office/drawing/2014/main" id="{C18A87B8-4358-478B-A9B2-8FB859FBFBFE}"/>
-                    </a:ext>
-                  </a:extLst>
-                </p:cNvPr>
+                <p:cNvPr id="24" name="矩形 23"/>
                 <p:cNvSpPr/>
                 <p:nvPr/>
               </p:nvSpPr>
@@ -5690,13 +5096,7 @@
             </p:sp>
             <p:sp>
               <p:nvSpPr>
-                <p:cNvPr id="25" name="矩形 24">
-                  <a:extLst>
-                    <a:ext uri="{FF2B5EF4-FFF2-40B4-BE49-F238E27FC236}">
-                      <a16:creationId xmlns:a16="http://schemas.microsoft.com/office/drawing/2014/main" id="{FDA0430B-F1E3-4BBC-98F1-D8CCFDC145BC}"/>
-                    </a:ext>
-                  </a:extLst>
-                </p:cNvPr>
+                <p:cNvPr id="25" name="矩形 24"/>
                 <p:cNvSpPr/>
                 <p:nvPr/>
               </p:nvSpPr>
@@ -5746,13 +5146,7 @@
             </p:sp>
             <p:sp>
               <p:nvSpPr>
-                <p:cNvPr id="26" name="矩形 25">
-                  <a:extLst>
-                    <a:ext uri="{FF2B5EF4-FFF2-40B4-BE49-F238E27FC236}">
-                      <a16:creationId xmlns:a16="http://schemas.microsoft.com/office/drawing/2014/main" id="{58CE2ACF-604A-4BC1-847B-7FF1675C98AD}"/>
-                    </a:ext>
-                  </a:extLst>
-                </p:cNvPr>
+                <p:cNvPr id="26" name="矩形 25"/>
                 <p:cNvSpPr/>
                 <p:nvPr/>
               </p:nvSpPr>
@@ -5802,13 +5196,7 @@
             </p:sp>
             <p:sp>
               <p:nvSpPr>
-                <p:cNvPr id="27" name="矩形 26">
-                  <a:extLst>
-                    <a:ext uri="{FF2B5EF4-FFF2-40B4-BE49-F238E27FC236}">
-                      <a16:creationId xmlns:a16="http://schemas.microsoft.com/office/drawing/2014/main" id="{ED5F06DA-4240-43A5-A8CD-E343A43B49D3}"/>
-                    </a:ext>
-                  </a:extLst>
-                </p:cNvPr>
+                <p:cNvPr id="27" name="矩形 26"/>
                 <p:cNvSpPr/>
                 <p:nvPr/>
               </p:nvSpPr>
@@ -5858,13 +5246,7 @@
             </p:sp>
             <p:sp>
               <p:nvSpPr>
-                <p:cNvPr id="28" name="矩形 27">
-                  <a:extLst>
-                    <a:ext uri="{FF2B5EF4-FFF2-40B4-BE49-F238E27FC236}">
-                      <a16:creationId xmlns:a16="http://schemas.microsoft.com/office/drawing/2014/main" id="{6797A2F4-397B-44D2-A3A1-9AA1338D19C8}"/>
-                    </a:ext>
-                  </a:extLst>
-                </p:cNvPr>
+                <p:cNvPr id="28" name="矩形 27"/>
                 <p:cNvSpPr/>
                 <p:nvPr/>
               </p:nvSpPr>
@@ -5914,13 +5296,7 @@
             </p:sp>
             <p:sp>
               <p:nvSpPr>
-                <p:cNvPr id="29" name="矩形 28">
-                  <a:extLst>
-                    <a:ext uri="{FF2B5EF4-FFF2-40B4-BE49-F238E27FC236}">
-                      <a16:creationId xmlns:a16="http://schemas.microsoft.com/office/drawing/2014/main" id="{FAFEE6C1-BB10-40F5-B817-3768797BD0AE}"/>
-                    </a:ext>
-                  </a:extLst>
-                </p:cNvPr>
+                <p:cNvPr id="29" name="矩形 28"/>
                 <p:cNvSpPr/>
                 <p:nvPr/>
               </p:nvSpPr>
@@ -5970,13 +5346,7 @@
             </p:sp>
             <p:sp>
               <p:nvSpPr>
-                <p:cNvPr id="30" name="矩形 29">
-                  <a:extLst>
-                    <a:ext uri="{FF2B5EF4-FFF2-40B4-BE49-F238E27FC236}">
-                      <a16:creationId xmlns:a16="http://schemas.microsoft.com/office/drawing/2014/main" id="{837263D0-BEA7-48B9-A809-E112DB250387}"/>
-                    </a:ext>
-                  </a:extLst>
-                </p:cNvPr>
+                <p:cNvPr id="30" name="矩形 29"/>
                 <p:cNvSpPr/>
                 <p:nvPr/>
               </p:nvSpPr>
@@ -6026,13 +5396,7 @@
             </p:sp>
             <p:cxnSp>
               <p:nvCxnSpPr>
-                <p:cNvPr id="34" name="直接箭头连接符 33">
-                  <a:extLst>
-                    <a:ext uri="{FF2B5EF4-FFF2-40B4-BE49-F238E27FC236}">
-                      <a16:creationId xmlns:a16="http://schemas.microsoft.com/office/drawing/2014/main" id="{378CDDF3-38C6-4E94-9F09-2A029C57838A}"/>
-                    </a:ext>
-                  </a:extLst>
-                </p:cNvPr>
+                <p:cNvPr id="34" name="直接箭头连接符 33"/>
                 <p:cNvCxnSpPr/>
                 <p:nvPr/>
               </p:nvCxnSpPr>
@@ -6065,16 +5429,8 @@
             </p:cxnSp>
             <p:cxnSp>
               <p:nvCxnSpPr>
-                <p:cNvPr id="35" name="直接箭头连接符 34">
-                  <a:extLst>
-                    <a:ext uri="{FF2B5EF4-FFF2-40B4-BE49-F238E27FC236}">
-                      <a16:creationId xmlns:a16="http://schemas.microsoft.com/office/drawing/2014/main" id="{F97A06D4-80BF-426D-BB90-B783B3801C51}"/>
-                    </a:ext>
-                  </a:extLst>
-                </p:cNvPr>
-                <p:cNvCxnSpPr>
-                  <a:cxnSpLocks/>
-                </p:cNvCxnSpPr>
+                <p:cNvPr id="35" name="直接箭头连接符 34"/>
+                <p:cNvCxnSpPr/>
                 <p:nvPr/>
               </p:nvCxnSpPr>
               <p:spPr>
@@ -6106,16 +5462,8 @@
             </p:cxnSp>
             <p:cxnSp>
               <p:nvCxnSpPr>
-                <p:cNvPr id="42" name="直接箭头连接符 41">
-                  <a:extLst>
-                    <a:ext uri="{FF2B5EF4-FFF2-40B4-BE49-F238E27FC236}">
-                      <a16:creationId xmlns:a16="http://schemas.microsoft.com/office/drawing/2014/main" id="{D21FC2ED-9092-4708-99D4-0A58564DE6BA}"/>
-                    </a:ext>
-                  </a:extLst>
-                </p:cNvPr>
-                <p:cNvCxnSpPr>
-                  <a:cxnSpLocks/>
-                </p:cNvCxnSpPr>
+                <p:cNvPr id="42" name="直接箭头连接符 41"/>
+                <p:cNvCxnSpPr/>
                 <p:nvPr/>
               </p:nvCxnSpPr>
               <p:spPr>
@@ -6147,16 +5495,8 @@
             </p:cxnSp>
             <p:cxnSp>
               <p:nvCxnSpPr>
-                <p:cNvPr id="45" name="直接箭头连接符 44">
-                  <a:extLst>
-                    <a:ext uri="{FF2B5EF4-FFF2-40B4-BE49-F238E27FC236}">
-                      <a16:creationId xmlns:a16="http://schemas.microsoft.com/office/drawing/2014/main" id="{2D81DFF9-A84D-4B89-B106-FC1239E7769C}"/>
-                    </a:ext>
-                  </a:extLst>
-                </p:cNvPr>
-                <p:cNvCxnSpPr>
-                  <a:cxnSpLocks/>
-                </p:cNvCxnSpPr>
+                <p:cNvPr id="45" name="直接箭头连接符 44"/>
+                <p:cNvCxnSpPr/>
                 <p:nvPr/>
               </p:nvCxnSpPr>
               <p:spPr>
@@ -6188,16 +5528,8 @@
             </p:cxnSp>
             <p:cxnSp>
               <p:nvCxnSpPr>
-                <p:cNvPr id="48" name="直接箭头连接符 47">
-                  <a:extLst>
-                    <a:ext uri="{FF2B5EF4-FFF2-40B4-BE49-F238E27FC236}">
-                      <a16:creationId xmlns:a16="http://schemas.microsoft.com/office/drawing/2014/main" id="{6B53C98E-3A36-4F18-BC19-55D94BEA86BD}"/>
-                    </a:ext>
-                  </a:extLst>
-                </p:cNvPr>
-                <p:cNvCxnSpPr>
-                  <a:cxnSpLocks/>
-                </p:cNvCxnSpPr>
+                <p:cNvPr id="48" name="直接箭头连接符 47"/>
+                <p:cNvCxnSpPr/>
                 <p:nvPr/>
               </p:nvCxnSpPr>
               <p:spPr>
@@ -6230,13 +5562,7 @@
           </p:grpSp>
           <p:sp>
             <p:nvSpPr>
-              <p:cNvPr id="52" name="文本框 51">
-                <a:extLst>
-                  <a:ext uri="{FF2B5EF4-FFF2-40B4-BE49-F238E27FC236}">
-                    <a16:creationId xmlns:a16="http://schemas.microsoft.com/office/drawing/2014/main" id="{5FCEAA25-A64E-49DE-AF34-CAED3593E92E}"/>
-                  </a:ext>
-                </a:extLst>
-              </p:cNvPr>
+              <p:cNvPr id="52" name="文本框 51"/>
               <p:cNvSpPr txBox="1"/>
               <p:nvPr/>
             </p:nvSpPr>
@@ -6274,13 +5600,7 @@
           </p:sp>
           <p:sp>
             <p:nvSpPr>
-              <p:cNvPr id="53" name="文本框 52">
-                <a:extLst>
-                  <a:ext uri="{FF2B5EF4-FFF2-40B4-BE49-F238E27FC236}">
-                    <a16:creationId xmlns:a16="http://schemas.microsoft.com/office/drawing/2014/main" id="{AABBB3B6-9352-4937-81CA-3F920DED837F}"/>
-                  </a:ext>
-                </a:extLst>
-              </p:cNvPr>
+              <p:cNvPr id="53" name="文本框 52"/>
               <p:cNvSpPr txBox="1"/>
               <p:nvPr/>
             </p:nvSpPr>
@@ -6318,13 +5638,7 @@
           </p:sp>
           <p:sp>
             <p:nvSpPr>
-              <p:cNvPr id="54" name="文本框 53">
-                <a:extLst>
-                  <a:ext uri="{FF2B5EF4-FFF2-40B4-BE49-F238E27FC236}">
-                    <a16:creationId xmlns:a16="http://schemas.microsoft.com/office/drawing/2014/main" id="{C18DADA5-BC4E-4138-9C15-8340189704B3}"/>
-                  </a:ext>
-                </a:extLst>
-              </p:cNvPr>
+              <p:cNvPr id="54" name="文本框 53"/>
               <p:cNvSpPr txBox="1"/>
               <p:nvPr/>
             </p:nvSpPr>
@@ -6362,13 +5676,7 @@
           </p:sp>
           <p:sp>
             <p:nvSpPr>
-              <p:cNvPr id="55" name="文本框 54">
-                <a:extLst>
-                  <a:ext uri="{FF2B5EF4-FFF2-40B4-BE49-F238E27FC236}">
-                    <a16:creationId xmlns:a16="http://schemas.microsoft.com/office/drawing/2014/main" id="{9368171C-5D1A-407B-91B2-6ADF39A1C997}"/>
-                  </a:ext>
-                </a:extLst>
-              </p:cNvPr>
+              <p:cNvPr id="55" name="文本框 54"/>
               <p:cNvSpPr txBox="1"/>
               <p:nvPr/>
             </p:nvSpPr>
@@ -6406,13 +5714,7 @@
           </p:sp>
           <p:sp>
             <p:nvSpPr>
-              <p:cNvPr id="56" name="文本框 55">
-                <a:extLst>
-                  <a:ext uri="{FF2B5EF4-FFF2-40B4-BE49-F238E27FC236}">
-                    <a16:creationId xmlns:a16="http://schemas.microsoft.com/office/drawing/2014/main" id="{82E51614-5422-4D06-A348-0BE80375B283}"/>
-                  </a:ext>
-                </a:extLst>
-              </p:cNvPr>
+              <p:cNvPr id="56" name="文本框 55"/>
               <p:cNvSpPr txBox="1"/>
               <p:nvPr/>
             </p:nvSpPr>
@@ -6451,13 +5753,7 @@
         </p:grpSp>
         <p:sp>
           <p:nvSpPr>
-            <p:cNvPr id="41" name="文本框 40">
-              <a:extLst>
-                <a:ext uri="{FF2B5EF4-FFF2-40B4-BE49-F238E27FC236}">
-                  <a16:creationId xmlns:a16="http://schemas.microsoft.com/office/drawing/2014/main" id="{D3C1D441-7F6C-4D96-9E17-96532B0EB77A}"/>
-                </a:ext>
-              </a:extLst>
-            </p:cNvPr>
+            <p:cNvPr id="41" name="文本框 40"/>
             <p:cNvSpPr txBox="1"/>
             <p:nvPr/>
           </p:nvSpPr>
@@ -6503,6 +5799,16 @@
                 </a:rPr>
                 <a:t>15 	10	 10	 10</a:t>
               </a:r>
+              <a:endParaRPr lang="en-US" altLang="zh-CN" sz="1500" kern="0" dirty="0">
+                <a:solidFill>
+                  <a:schemeClr val="bg1">
+                    <a:lumMod val="65000"/>
+                  </a:schemeClr>
+                </a:solidFill>
+                <a:effectLst/>
+                <a:latin typeface="+mn-ea"/>
+                <a:cs typeface="宋体" panose="02010600030101010101" pitchFamily="2" charset="-122"/>
+              </a:endParaRPr>
             </a:p>
             <a:p>
               <a:pPr marL="342900" indent="-342900" algn="l">
@@ -6563,6 +5869,16 @@
                 </a:rPr>
                 <a:t>10	10 	10	 20	 10</a:t>
               </a:r>
+              <a:endParaRPr lang="en-US" altLang="zh-CN" sz="1500" kern="0" dirty="0">
+                <a:solidFill>
+                  <a:schemeClr val="bg1">
+                    <a:lumMod val="65000"/>
+                  </a:schemeClr>
+                </a:solidFill>
+                <a:effectLst/>
+                <a:latin typeface="+mn-ea"/>
+                <a:cs typeface="宋体" panose="02010600030101010101" pitchFamily="2" charset="-122"/>
+              </a:endParaRPr>
             </a:p>
             <a:p>
               <a:pPr marL="342900" indent="-342900" algn="l">
@@ -6624,6 +5940,16 @@
                 </a:rPr>
                 <a:t>10	15	10 	 90 	 10</a:t>
               </a:r>
+              <a:endParaRPr lang="en-US" altLang="zh-CN" sz="1500" kern="0" dirty="0">
+                <a:solidFill>
+                  <a:schemeClr val="bg1">
+                    <a:lumMod val="65000"/>
+                  </a:schemeClr>
+                </a:solidFill>
+                <a:effectLst/>
+                <a:latin typeface="+mn-ea"/>
+                <a:cs typeface="宋体" panose="02010600030101010101" pitchFamily="2" charset="-122"/>
+              </a:endParaRPr>
             </a:p>
             <a:p>
               <a:pPr marL="342900" indent="-342900" algn="l">
@@ -6696,6 +6022,16 @@
                 </a:rPr>
                 <a:t>20 	10 	 10 	 10</a:t>
               </a:r>
+              <a:endParaRPr lang="en-US" altLang="zh-CN" sz="1500" kern="0" dirty="0">
+                <a:solidFill>
+                  <a:schemeClr val="bg1">
+                    <a:lumMod val="65000"/>
+                  </a:schemeClr>
+                </a:solidFill>
+                <a:effectLst/>
+                <a:latin typeface="+mn-ea"/>
+                <a:cs typeface="宋体" panose="02010600030101010101" pitchFamily="2" charset="-122"/>
+              </a:endParaRPr>
             </a:p>
             <a:p>
               <a:pPr marL="342900" indent="-342900" algn="l">
@@ -6772,13 +6108,7 @@
       </p:grpSp>
       <p:sp>
         <p:nvSpPr>
-          <p:cNvPr id="43" name="文本框 42">
-            <a:extLst>
-              <a:ext uri="{FF2B5EF4-FFF2-40B4-BE49-F238E27FC236}">
-                <a16:creationId xmlns:a16="http://schemas.microsoft.com/office/drawing/2014/main" id="{7A84C7E8-95DB-4799-8FED-B7B2154DEB88}"/>
-              </a:ext>
-            </a:extLst>
-          </p:cNvPr>
+          <p:cNvPr id="43" name="文本框 42"/>
           <p:cNvSpPr txBox="1"/>
           <p:nvPr/>
         </p:nvSpPr>
@@ -6802,28 +6132,17 @@
               <a:rPr lang="zh-CN" altLang="en-US" dirty="0"/>
               <a:t>成本计算</a:t>
             </a:r>
+            <a:endParaRPr lang="zh-CN" altLang="en-US" dirty="0"/>
           </a:p>
         </p:txBody>
       </p:sp>
       <p:graphicFrame>
         <p:nvGraphicFramePr>
-          <p:cNvPr id="9" name="对象 8">
-            <a:extLst>
-              <a:ext uri="{FF2B5EF4-FFF2-40B4-BE49-F238E27FC236}">
-                <a16:creationId xmlns:a16="http://schemas.microsoft.com/office/drawing/2014/main" id="{A707A7AB-2E11-4CCD-B142-7A8BA11694E4}"/>
-              </a:ext>
-            </a:extLst>
-          </p:cNvPr>
+          <p:cNvPr id="9" name="对象 8"/>
           <p:cNvGraphicFramePr>
             <a:graphicFrameLocks noChangeAspect="1"/>
           </p:cNvGraphicFramePr>
-          <p:nvPr>
-            <p:extLst>
-              <p:ext uri="{D42A27DB-BD31-4B8C-83A1-F6EECF244321}">
-                <p14:modId xmlns:p14="http://schemas.microsoft.com/office/powerpoint/2010/main" val="1038355277"/>
-              </p:ext>
-            </p:extLst>
-          </p:nvPr>
+          <p:nvPr/>
         </p:nvGraphicFramePr>
         <p:xfrm>
           <a:off x="7407755" y="3160589"/>
@@ -6833,21 +6152,21 @@
           <a:graphicData uri="http://schemas.openxmlformats.org/presentationml/2006/ole">
             <mc:AlternateContent xmlns:mc="http://schemas.openxmlformats.org/markup-compatibility/2006">
               <mc:Choice xmlns:v="urn:schemas-microsoft-com:vml" Requires="v">
-                <p:oleObj spid="_x0000_s1037" name="Equation" r:id="rId3" imgW="368280" imgH="215640" progId="Equation.DSMT4">
+                <p:oleObj spid="_x0000_s1037" name="Equation" r:id="rId1" imgW="8839200" imgH="5181600" progId="Equation.DSMT4">
                   <p:embed/>
                 </p:oleObj>
               </mc:Choice>
               <mc:Fallback>
-                <p:oleObj name="Equation" r:id="rId3" imgW="368280" imgH="215640" progId="Equation.DSMT4">
+                <p:oleObj name="Equation" r:id="rId1" imgW="8839200" imgH="5181600" progId="Equation.DSMT4">
                   <p:embed/>
                   <p:pic>
                     <p:nvPicPr>
-                      <p:cNvPr id="0" name=""/>
+                      <p:cNvPr id="0" name="图片 1036"/>
                       <p:cNvPicPr/>
                       <p:nvPr/>
                     </p:nvPicPr>
                     <p:blipFill>
-                      <a:blip r:embed="rId4"/>
+                      <a:blip r:embed="rId2"/>
                       <a:stretch>
                         <a:fillRect/>
                       </a:stretch>
@@ -6870,23 +6189,11 @@
       </p:graphicFrame>
       <p:graphicFrame>
         <p:nvGraphicFramePr>
-          <p:cNvPr id="10" name="对象 9">
-            <a:extLst>
-              <a:ext uri="{FF2B5EF4-FFF2-40B4-BE49-F238E27FC236}">
-                <a16:creationId xmlns:a16="http://schemas.microsoft.com/office/drawing/2014/main" id="{D30DB97E-CB32-4578-A7F5-25F000A6FB8A}"/>
-              </a:ext>
-            </a:extLst>
-          </p:cNvPr>
+          <p:cNvPr id="10" name="对象 9"/>
           <p:cNvGraphicFramePr>
             <a:graphicFrameLocks noChangeAspect="1"/>
           </p:cNvGraphicFramePr>
-          <p:nvPr>
-            <p:extLst>
-              <p:ext uri="{D42A27DB-BD31-4B8C-83A1-F6EECF244321}">
-                <p14:modId xmlns:p14="http://schemas.microsoft.com/office/powerpoint/2010/main" val="484527832"/>
-              </p:ext>
-            </p:extLst>
-          </p:nvPr>
+          <p:nvPr/>
         </p:nvGraphicFramePr>
         <p:xfrm>
           <a:off x="6953279" y="3429000"/>
@@ -6896,21 +6203,21 @@
           <a:graphicData uri="http://schemas.openxmlformats.org/presentationml/2006/ole">
             <mc:AlternateContent xmlns:mc="http://schemas.openxmlformats.org/markup-compatibility/2006">
               <mc:Choice xmlns:v="urn:schemas-microsoft-com:vml" Requires="v">
-                <p:oleObj spid="_x0000_s1038" name="Equation" r:id="rId5" imgW="4356000" imgH="393480" progId="Equation.DSMT4">
+                <p:oleObj spid="_x0000_s1038" name="Equation" r:id="rId3" imgW="104546400" imgH="9448800" progId="Equation.DSMT4">
                   <p:embed/>
                 </p:oleObj>
               </mc:Choice>
               <mc:Fallback>
-                <p:oleObj name="Equation" r:id="rId5" imgW="4356000" imgH="393480" progId="Equation.DSMT4">
+                <p:oleObj name="Equation" r:id="rId3" imgW="104546400" imgH="9448800" progId="Equation.DSMT4">
                   <p:embed/>
                   <p:pic>
                     <p:nvPicPr>
-                      <p:cNvPr id="0" name=""/>
+                      <p:cNvPr id="0" name="图片 1037"/>
                       <p:cNvPicPr/>
                       <p:nvPr/>
                     </p:nvPicPr>
                     <p:blipFill>
-                      <a:blip r:embed="rId6"/>
+                      <a:blip r:embed="rId4"/>
                       <a:stretch>
                         <a:fillRect/>
                       </a:stretch>
@@ -6933,23 +6240,11 @@
       </p:graphicFrame>
       <p:graphicFrame>
         <p:nvGraphicFramePr>
-          <p:cNvPr id="31" name="对象 30">
-            <a:extLst>
-              <a:ext uri="{FF2B5EF4-FFF2-40B4-BE49-F238E27FC236}">
-                <a16:creationId xmlns:a16="http://schemas.microsoft.com/office/drawing/2014/main" id="{DC433439-FF0C-4AD6-907A-45C32D2CBEE6}"/>
-              </a:ext>
-            </a:extLst>
-          </p:cNvPr>
+          <p:cNvPr id="31" name="对象 30"/>
           <p:cNvGraphicFramePr>
             <a:graphicFrameLocks noChangeAspect="1"/>
           </p:cNvGraphicFramePr>
-          <p:nvPr>
-            <p:extLst>
-              <p:ext uri="{D42A27DB-BD31-4B8C-83A1-F6EECF244321}">
-                <p14:modId xmlns:p14="http://schemas.microsoft.com/office/powerpoint/2010/main" val="4285346537"/>
-              </p:ext>
-            </p:extLst>
-          </p:nvPr>
+          <p:nvPr/>
         </p:nvGraphicFramePr>
         <p:xfrm>
           <a:off x="6947248" y="3978644"/>
@@ -6959,21 +6254,21 @@
           <a:graphicData uri="http://schemas.openxmlformats.org/presentationml/2006/ole">
             <mc:AlternateContent xmlns:mc="http://schemas.openxmlformats.org/markup-compatibility/2006">
               <mc:Choice xmlns:v="urn:schemas-microsoft-com:vml" Requires="v">
-                <p:oleObj spid="_x0000_s1039" name="Equation" r:id="rId7" imgW="1244520" imgH="164880" progId="Equation.DSMT4">
+                <p:oleObj spid="_x0000_s1039" name="Equation" r:id="rId5" imgW="29870400" imgH="3962400" progId="Equation.DSMT4">
                   <p:embed/>
                 </p:oleObj>
               </mc:Choice>
               <mc:Fallback>
-                <p:oleObj name="Equation" r:id="rId7" imgW="1244520" imgH="164880" progId="Equation.DSMT4">
+                <p:oleObj name="Equation" r:id="rId5" imgW="29870400" imgH="3962400" progId="Equation.DSMT4">
                   <p:embed/>
                   <p:pic>
                     <p:nvPicPr>
-                      <p:cNvPr id="0" name=""/>
+                      <p:cNvPr id="0" name="图片 1038"/>
                       <p:cNvPicPr/>
                       <p:nvPr/>
                     </p:nvPicPr>
                     <p:blipFill>
-                      <a:blip r:embed="rId8"/>
+                      <a:blip r:embed="rId6"/>
                       <a:stretch>
                         <a:fillRect/>
                       </a:stretch>
@@ -6996,23 +6291,11 @@
       </p:graphicFrame>
       <p:graphicFrame>
         <p:nvGraphicFramePr>
-          <p:cNvPr id="32" name="对象 31">
-            <a:extLst>
-              <a:ext uri="{FF2B5EF4-FFF2-40B4-BE49-F238E27FC236}">
-                <a16:creationId xmlns:a16="http://schemas.microsoft.com/office/drawing/2014/main" id="{641E02A5-EA15-497C-89A4-2451D9BFEB65}"/>
-              </a:ext>
-            </a:extLst>
-          </p:cNvPr>
+          <p:cNvPr id="32" name="对象 31"/>
           <p:cNvGraphicFramePr>
             <a:graphicFrameLocks noChangeAspect="1"/>
           </p:cNvGraphicFramePr>
-          <p:nvPr>
-            <p:extLst>
-              <p:ext uri="{D42A27DB-BD31-4B8C-83A1-F6EECF244321}">
-                <p14:modId xmlns:p14="http://schemas.microsoft.com/office/powerpoint/2010/main" val="332314551"/>
-              </p:ext>
-            </p:extLst>
-          </p:nvPr>
+          <p:nvPr/>
         </p:nvGraphicFramePr>
         <p:xfrm>
           <a:off x="6953279" y="4422662"/>
@@ -7022,21 +6305,21 @@
           <a:graphicData uri="http://schemas.openxmlformats.org/presentationml/2006/ole">
             <mc:AlternateContent xmlns:mc="http://schemas.openxmlformats.org/markup-compatibility/2006">
               <mc:Choice xmlns:v="urn:schemas-microsoft-com:vml" Requires="v">
-                <p:oleObj spid="_x0000_s1040" name="Equation" r:id="rId9" imgW="3403440" imgH="787320" progId="Equation.DSMT4">
+                <p:oleObj spid="_x0000_s1040" name="Equation" r:id="rId7" imgW="81686400" imgH="18897600" progId="Equation.DSMT4">
                   <p:embed/>
                 </p:oleObj>
               </mc:Choice>
               <mc:Fallback>
-                <p:oleObj name="Equation" r:id="rId9" imgW="3403440" imgH="787320" progId="Equation.DSMT4">
+                <p:oleObj name="Equation" r:id="rId7" imgW="81686400" imgH="18897600" progId="Equation.DSMT4">
                   <p:embed/>
                   <p:pic>
                     <p:nvPicPr>
-                      <p:cNvPr id="0" name=""/>
+                      <p:cNvPr id="0" name="图片 1039"/>
                       <p:cNvPicPr/>
                       <p:nvPr/>
                     </p:nvPicPr>
                     <p:blipFill>
-                      <a:blip r:embed="rId10"/>
+                      <a:blip r:embed="rId8"/>
                       <a:stretch>
                         <a:fillRect/>
                       </a:stretch>
@@ -7058,11 +6341,6 @@
         </a:graphic>
       </p:graphicFrame>
     </p:spTree>
-    <p:extLst>
-      <p:ext uri="{BB962C8B-B14F-4D97-AF65-F5344CB8AC3E}">
-        <p14:creationId xmlns:p14="http://schemas.microsoft.com/office/powerpoint/2010/main" val="575834764"/>
-      </p:ext>
-    </p:extLst>
   </p:cSld>
   <p:clrMapOvr>
     <a:masterClrMapping/>
@@ -7089,13 +6367,7 @@
       </p:grpSpPr>
       <p:sp>
         <p:nvSpPr>
-          <p:cNvPr id="2" name="标题 1">
-            <a:extLst>
-              <a:ext uri="{FF2B5EF4-FFF2-40B4-BE49-F238E27FC236}">
-                <a16:creationId xmlns:a16="http://schemas.microsoft.com/office/drawing/2014/main" id="{EBD15538-FE46-4F25-A6E9-1EA76E32FBD4}"/>
-              </a:ext>
-            </a:extLst>
-          </p:cNvPr>
+          <p:cNvPr id="2" name="标题 1"/>
           <p:cNvSpPr>
             <a:spLocks noGrp="1"/>
           </p:cNvSpPr>
@@ -7112,18 +6384,13 @@
               <a:rPr lang="zh-CN" altLang="en-US" dirty="0"/>
               <a:t>初步设想</a:t>
             </a:r>
+            <a:endParaRPr lang="zh-CN" altLang="en-US" dirty="0"/>
           </a:p>
         </p:txBody>
       </p:sp>
       <p:sp>
         <p:nvSpPr>
-          <p:cNvPr id="3" name="副标题 2">
-            <a:extLst>
-              <a:ext uri="{FF2B5EF4-FFF2-40B4-BE49-F238E27FC236}">
-                <a16:creationId xmlns:a16="http://schemas.microsoft.com/office/drawing/2014/main" id="{D1D2D6F0-26B4-4E0D-B001-4EA1D74BE481}"/>
-              </a:ext>
-            </a:extLst>
-          </p:cNvPr>
+          <p:cNvPr id="3" name="副标题 2"/>
           <p:cNvSpPr>
             <a:spLocks noGrp="1"/>
           </p:cNvSpPr>
@@ -7140,15 +6407,11 @@
               <a:rPr lang="zh-CN" altLang="en-US" dirty="0"/>
               <a:t>先通过示例</a:t>
             </a:r>
+            <a:endParaRPr lang="zh-CN" altLang="en-US" dirty="0"/>
           </a:p>
         </p:txBody>
       </p:sp>
     </p:spTree>
-    <p:extLst>
-      <p:ext uri="{BB962C8B-B14F-4D97-AF65-F5344CB8AC3E}">
-        <p14:creationId xmlns:p14="http://schemas.microsoft.com/office/powerpoint/2010/main" val="3961174667"/>
-      </p:ext>
-    </p:extLst>
   </p:cSld>
   <p:clrMapOvr>
     <a:masterClrMapping/>
@@ -7175,13 +6438,7 @@
       </p:grpSpPr>
       <p:sp>
         <p:nvSpPr>
-          <p:cNvPr id="2" name="标题 1">
-            <a:extLst>
-              <a:ext uri="{FF2B5EF4-FFF2-40B4-BE49-F238E27FC236}">
-                <a16:creationId xmlns:a16="http://schemas.microsoft.com/office/drawing/2014/main" id="{E7D79C41-B1B2-4862-8198-02F7164B31BC}"/>
-              </a:ext>
-            </a:extLst>
-          </p:cNvPr>
+          <p:cNvPr id="2" name="标题 1"/>
           <p:cNvSpPr>
             <a:spLocks noGrp="1"/>
           </p:cNvSpPr>
@@ -7198,18 +6455,13 @@
               <a:rPr lang="zh-CN" altLang="en-US" dirty="0"/>
               <a:t>思路</a:t>
             </a:r>
+            <a:endParaRPr lang="zh-CN" altLang="en-US" dirty="0"/>
           </a:p>
         </p:txBody>
       </p:sp>
       <p:sp>
         <p:nvSpPr>
-          <p:cNvPr id="3" name="内容占位符 2">
-            <a:extLst>
-              <a:ext uri="{FF2B5EF4-FFF2-40B4-BE49-F238E27FC236}">
-                <a16:creationId xmlns:a16="http://schemas.microsoft.com/office/drawing/2014/main" id="{D0117044-16AF-475F-B1FF-B68092D5C20B}"/>
-              </a:ext>
-            </a:extLst>
-          </p:cNvPr>
+          <p:cNvPr id="3" name="内容占位符 2"/>
           <p:cNvSpPr>
             <a:spLocks noGrp="1"/>
           </p:cNvSpPr>
@@ -7226,52 +6478,1220 @@
               <a:rPr lang="zh-CN" altLang="en-US" dirty="0"/>
               <a:t>先通过示例：最优化问题，输出可行解即可！</a:t>
             </a:r>
-          </a:p>
-          <a:p>
             <a:endParaRPr lang="zh-CN" altLang="en-US" dirty="0"/>
+          </a:p>
+          <a:p>
+            <a:endParaRPr lang="zh-CN" altLang="en-US" dirty="0"/>
+          </a:p>
+        </p:txBody>
+      </p:sp>
+      <p:sp>
+        <p:nvSpPr>
+          <p:cNvPr id="4" name="矩形 3"/>
+          <p:cNvSpPr/>
+          <p:nvPr/>
+        </p:nvSpPr>
+        <p:spPr>
+          <a:xfrm>
+            <a:off x="0" y="4169410"/>
+            <a:ext cx="1301750" cy="901700"/>
+          </a:xfrm>
+          <a:prstGeom prst="rect">
+            <a:avLst/>
+          </a:prstGeom>
+        </p:spPr>
+        <p:style>
+          <a:lnRef idx="2">
+            <a:schemeClr val="accent1">
+              <a:shade val="50000"/>
+            </a:schemeClr>
+          </a:lnRef>
+          <a:fillRef idx="1">
+            <a:schemeClr val="accent1"/>
+          </a:fillRef>
+          <a:effectRef idx="0">
+            <a:schemeClr val="accent1"/>
+          </a:effectRef>
+          <a:fontRef idx="minor">
+            <a:schemeClr val="lt1"/>
+          </a:fontRef>
+        </p:style>
+        <p:txBody>
+          <a:bodyPr rtlCol="0" anchor="ctr"/>
+          <a:lstStyle/>
+          <a:p>
+            <a:pPr algn="ctr"/>
+            <a:r>
+              <a:rPr lang="zh-CN" altLang="en-US" dirty="0"/>
+              <a:t>思路</a:t>
+            </a:r>
+            <a:endParaRPr lang="zh-CN" altLang="en-US" dirty="0"/>
+          </a:p>
+        </p:txBody>
+      </p:sp>
+      <p:sp>
+        <p:nvSpPr>
+          <p:cNvPr id="7" name="矩形 6"/>
+          <p:cNvSpPr/>
+          <p:nvPr/>
+        </p:nvSpPr>
+        <p:spPr>
+          <a:xfrm>
+            <a:off x="5213350" y="2646045"/>
+            <a:ext cx="1301750" cy="901700"/>
+          </a:xfrm>
+          <a:prstGeom prst="rect">
+            <a:avLst/>
+          </a:prstGeom>
+        </p:spPr>
+        <p:style>
+          <a:lnRef idx="2">
+            <a:schemeClr val="accent1">
+              <a:shade val="50000"/>
+            </a:schemeClr>
+          </a:lnRef>
+          <a:fillRef idx="1">
+            <a:schemeClr val="accent1"/>
+          </a:fillRef>
+          <a:effectRef idx="0">
+            <a:schemeClr val="accent1"/>
+          </a:effectRef>
+          <a:fontRef idx="minor">
+            <a:schemeClr val="lt1"/>
+          </a:fontRef>
+        </p:style>
+        <p:txBody>
+          <a:bodyPr rtlCol="0" anchor="ctr"/>
+          <a:lstStyle/>
+          <a:p>
+            <a:pPr algn="ctr"/>
+            <a:r>
+              <a:rPr lang="zh-CN" altLang="en-US" dirty="0"/>
+              <a:t>方案</a:t>
+            </a:r>
+            <a:r>
+              <a:rPr lang="en-US" altLang="zh-CN" dirty="0"/>
+              <a:t>1</a:t>
+            </a:r>
+            <a:r>
+              <a:rPr lang="zh-CN" altLang="en-US" dirty="0"/>
+              <a:t>：</a:t>
+            </a:r>
+            <a:endParaRPr lang="en-US" altLang="zh-CN" dirty="0"/>
+          </a:p>
+          <a:p>
+            <a:pPr algn="ctr"/>
+            <a:r>
+              <a:rPr lang="zh-CN" altLang="en-US" dirty="0"/>
+              <a:t>距离尽可能短</a:t>
+            </a:r>
+            <a:endParaRPr lang="zh-CN" altLang="en-US" dirty="0"/>
+          </a:p>
+        </p:txBody>
+      </p:sp>
+      <p:sp>
+        <p:nvSpPr>
+          <p:cNvPr id="8" name="矩形 7"/>
+          <p:cNvSpPr/>
+          <p:nvPr/>
+        </p:nvSpPr>
+        <p:spPr>
+          <a:xfrm>
+            <a:off x="5226050" y="3985895"/>
+            <a:ext cx="1301750" cy="901700"/>
+          </a:xfrm>
+          <a:prstGeom prst="rect">
+            <a:avLst/>
+          </a:prstGeom>
+        </p:spPr>
+        <p:style>
+          <a:lnRef idx="2">
+            <a:schemeClr val="accent1">
+              <a:shade val="50000"/>
+            </a:schemeClr>
+          </a:lnRef>
+          <a:fillRef idx="1">
+            <a:schemeClr val="accent1"/>
+          </a:fillRef>
+          <a:effectRef idx="0">
+            <a:schemeClr val="accent1"/>
+          </a:effectRef>
+          <a:fontRef idx="minor">
+            <a:schemeClr val="lt1"/>
+          </a:fontRef>
+        </p:style>
+        <p:txBody>
+          <a:bodyPr rtlCol="0" anchor="ctr"/>
+          <a:lstStyle/>
+          <a:p>
+            <a:pPr algn="ctr"/>
+            <a:r>
+              <a:rPr lang="zh-CN" altLang="en-US" dirty="0"/>
+              <a:t>方案</a:t>
+            </a:r>
+            <a:r>
+              <a:rPr lang="en-US" altLang="zh-CN" dirty="0"/>
+              <a:t>2</a:t>
+            </a:r>
+            <a:r>
+              <a:rPr lang="zh-CN" altLang="en-US" dirty="0"/>
+              <a:t>：</a:t>
+            </a:r>
+            <a:endParaRPr lang="en-US" altLang="zh-CN" dirty="0"/>
+          </a:p>
+          <a:p>
+            <a:pPr algn="ctr"/>
+            <a:r>
+              <a:rPr lang="zh-CN" altLang="en-US" dirty="0"/>
+              <a:t>中继尽可能少</a:t>
+            </a:r>
+            <a:endParaRPr lang="zh-CN" altLang="en-US" dirty="0"/>
+          </a:p>
+        </p:txBody>
+      </p:sp>
+      <p:cxnSp>
+        <p:nvCxnSpPr>
+          <p:cNvPr id="12" name="连接符: 肘形 11"/>
+          <p:cNvCxnSpPr>
+            <a:stCxn id="11" idx="2"/>
+            <a:endCxn id="13" idx="1"/>
+          </p:cNvCxnSpPr>
+          <p:nvPr/>
+        </p:nvCxnSpPr>
+        <p:spPr>
+          <a:xfrm rot="5400000" flipV="1">
+            <a:off x="3926840" y="4476750"/>
+            <a:ext cx="705485" cy="1893570"/>
+          </a:xfrm>
+          <a:prstGeom prst="bentConnector2">
+            <a:avLst/>
+          </a:prstGeom>
+          <a:ln>
+            <a:tailEnd type="triangle"/>
+          </a:ln>
+        </p:spPr>
+        <p:style>
+          <a:lnRef idx="1">
+            <a:schemeClr val="accent1"/>
+          </a:lnRef>
+          <a:fillRef idx="0">
+            <a:schemeClr val="accent1"/>
+          </a:fillRef>
+          <a:effectRef idx="0">
+            <a:schemeClr val="accent1"/>
+          </a:effectRef>
+          <a:fontRef idx="minor">
+            <a:schemeClr val="tx1"/>
+          </a:fontRef>
+        </p:style>
+      </p:cxnSp>
+      <p:cxnSp>
+        <p:nvCxnSpPr>
+          <p:cNvPr id="14" name="连接符: 肘形 13"/>
+          <p:cNvCxnSpPr>
+            <a:stCxn id="11" idx="0"/>
+            <a:endCxn id="7" idx="1"/>
+          </p:cNvCxnSpPr>
+          <p:nvPr/>
+        </p:nvCxnSpPr>
+        <p:spPr>
+          <a:xfrm rot="16200000">
+            <a:off x="3742690" y="2686050"/>
+            <a:ext cx="1059815" cy="1880870"/>
+          </a:xfrm>
+          <a:prstGeom prst="bentConnector2">
+            <a:avLst/>
+          </a:prstGeom>
+          <a:ln>
+            <a:tailEnd type="triangle"/>
+          </a:ln>
+        </p:spPr>
+        <p:style>
+          <a:lnRef idx="1">
+            <a:schemeClr val="accent1"/>
+          </a:lnRef>
+          <a:fillRef idx="0">
+            <a:schemeClr val="accent1"/>
+          </a:fillRef>
+          <a:effectRef idx="0">
+            <a:schemeClr val="accent1"/>
+          </a:effectRef>
+          <a:fontRef idx="minor">
+            <a:schemeClr val="tx1"/>
+          </a:fontRef>
+        </p:style>
+      </p:cxnSp>
+      <p:cxnSp>
+        <p:nvCxnSpPr>
+          <p:cNvPr id="16" name="连接符: 肘形 15"/>
+          <p:cNvCxnSpPr>
+            <a:stCxn id="11" idx="0"/>
+            <a:endCxn id="8" idx="1"/>
+          </p:cNvCxnSpPr>
+          <p:nvPr/>
+        </p:nvCxnSpPr>
+        <p:spPr>
+          <a:xfrm rot="16200000" flipH="1">
+            <a:off x="4138930" y="3349625"/>
+            <a:ext cx="280035" cy="1893570"/>
+          </a:xfrm>
+          <a:prstGeom prst="bentConnector4">
+            <a:avLst>
+              <a:gd name="adj1" fmla="val -232993"/>
+              <a:gd name="adj2" fmla="val 87810"/>
+            </a:avLst>
+          </a:prstGeom>
+          <a:ln>
+            <a:tailEnd type="triangle"/>
+          </a:ln>
+        </p:spPr>
+        <p:style>
+          <a:lnRef idx="1">
+            <a:schemeClr val="accent1"/>
+          </a:lnRef>
+          <a:fillRef idx="0">
+            <a:schemeClr val="accent1"/>
+          </a:fillRef>
+          <a:effectRef idx="0">
+            <a:schemeClr val="accent1"/>
+          </a:effectRef>
+          <a:fontRef idx="minor">
+            <a:schemeClr val="tx1"/>
+          </a:fontRef>
+        </p:style>
+      </p:cxnSp>
+      <p:sp>
+        <p:nvSpPr>
+          <p:cNvPr id="17" name="矩形 16"/>
+          <p:cNvSpPr/>
+          <p:nvPr/>
+        </p:nvSpPr>
+        <p:spPr>
+          <a:xfrm>
+            <a:off x="5073015" y="2566670"/>
+            <a:ext cx="1758950" cy="1158875"/>
+          </a:xfrm>
+          <a:prstGeom prst="rect">
+            <a:avLst/>
+          </a:prstGeom>
+          <a:noFill/>
+          <a:ln>
+            <a:solidFill>
+              <a:srgbClr val="FF0000"/>
+            </a:solidFill>
+          </a:ln>
+        </p:spPr>
+        <p:style>
+          <a:lnRef idx="2">
+            <a:schemeClr val="accent1">
+              <a:shade val="50000"/>
+            </a:schemeClr>
+          </a:lnRef>
+          <a:fillRef idx="1">
+            <a:schemeClr val="accent1"/>
+          </a:fillRef>
+          <a:effectRef idx="0">
+            <a:schemeClr val="accent1"/>
+          </a:effectRef>
+          <a:fontRef idx="minor">
+            <a:schemeClr val="lt1"/>
+          </a:fontRef>
+        </p:style>
+        <p:txBody>
+          <a:bodyPr rtlCol="0" anchor="ctr"/>
+          <a:lstStyle/>
+          <a:p>
+            <a:pPr algn="ctr"/>
+            <a:endParaRPr lang="zh-CN" altLang="en-US"/>
+          </a:p>
+        </p:txBody>
+      </p:sp>
+      <p:cxnSp>
+        <p:nvCxnSpPr>
+          <p:cNvPr id="19" name="连接符: 肘形 18"/>
+          <p:cNvCxnSpPr>
+            <a:stCxn id="7" idx="3"/>
+            <a:endCxn id="22" idx="1"/>
+          </p:cNvCxnSpPr>
+          <p:nvPr/>
+        </p:nvCxnSpPr>
+        <p:spPr>
+          <a:xfrm>
+            <a:off x="6515100" y="3096895"/>
+            <a:ext cx="1314450" cy="724535"/>
+          </a:xfrm>
+          <a:prstGeom prst="bentConnector3">
+            <a:avLst/>
+          </a:prstGeom>
+          <a:ln>
+            <a:tailEnd type="triangle"/>
+          </a:ln>
+        </p:spPr>
+        <p:style>
+          <a:lnRef idx="1">
+            <a:schemeClr val="accent1"/>
+          </a:lnRef>
+          <a:fillRef idx="0">
+            <a:schemeClr val="accent1"/>
+          </a:fillRef>
+          <a:effectRef idx="0">
+            <a:schemeClr val="accent1"/>
+          </a:effectRef>
+          <a:fontRef idx="minor">
+            <a:schemeClr val="tx1"/>
+          </a:fontRef>
+        </p:style>
+      </p:cxnSp>
+      <p:sp>
+        <p:nvSpPr>
+          <p:cNvPr id="22" name="矩形 21"/>
+          <p:cNvSpPr/>
+          <p:nvPr/>
+        </p:nvSpPr>
+        <p:spPr>
+          <a:xfrm>
+            <a:off x="7829550" y="3371215"/>
+            <a:ext cx="1301750" cy="901700"/>
+          </a:xfrm>
+          <a:prstGeom prst="rect">
+            <a:avLst/>
+          </a:prstGeom>
+        </p:spPr>
+        <p:style>
+          <a:lnRef idx="2">
+            <a:schemeClr val="accent1">
+              <a:shade val="50000"/>
+            </a:schemeClr>
+          </a:lnRef>
+          <a:fillRef idx="1">
+            <a:schemeClr val="accent1"/>
+          </a:fillRef>
+          <a:effectRef idx="0">
+            <a:schemeClr val="accent1"/>
+          </a:effectRef>
+          <a:fontRef idx="minor">
+            <a:schemeClr val="lt1"/>
+          </a:fontRef>
+        </p:style>
+        <p:txBody>
+          <a:bodyPr rtlCol="0" anchor="ctr"/>
+          <a:lstStyle/>
+          <a:p>
+            <a:pPr algn="ctr"/>
+            <a:r>
+              <a:rPr lang="zh-CN" altLang="en-US" dirty="0"/>
+              <a:t>合并</a:t>
+            </a:r>
+            <a:endParaRPr lang="zh-CN" altLang="en-US" dirty="0"/>
+          </a:p>
+        </p:txBody>
+      </p:sp>
+      <p:cxnSp>
+        <p:nvCxnSpPr>
+          <p:cNvPr id="25" name="连接符: 肘形 24"/>
+          <p:cNvCxnSpPr>
+            <a:stCxn id="8" idx="3"/>
+            <a:endCxn id="22" idx="1"/>
+          </p:cNvCxnSpPr>
+          <p:nvPr/>
+        </p:nvCxnSpPr>
+        <p:spPr>
+          <a:xfrm flipV="1">
+            <a:off x="6527800" y="3822065"/>
+            <a:ext cx="1301750" cy="615315"/>
+          </a:xfrm>
+          <a:prstGeom prst="bentConnector3">
+            <a:avLst/>
+          </a:prstGeom>
+          <a:ln>
+            <a:tailEnd type="triangle"/>
+          </a:ln>
+        </p:spPr>
+        <p:style>
+          <a:lnRef idx="1">
+            <a:schemeClr val="accent1"/>
+          </a:lnRef>
+          <a:fillRef idx="0">
+            <a:schemeClr val="accent1"/>
+          </a:fillRef>
+          <a:effectRef idx="0">
+            <a:schemeClr val="accent1"/>
+          </a:effectRef>
+          <a:fontRef idx="minor">
+            <a:schemeClr val="tx1"/>
+          </a:fontRef>
+        </p:style>
+      </p:cxnSp>
+      <p:sp>
+        <p:nvSpPr>
+          <p:cNvPr id="30" name="文本框 29"/>
+          <p:cNvSpPr txBox="1"/>
+          <p:nvPr/>
+        </p:nvSpPr>
+        <p:spPr>
+          <a:xfrm>
+            <a:off x="8124190" y="3419951"/>
+            <a:ext cx="3314700" cy="1200329"/>
+          </a:xfrm>
+          <a:prstGeom prst="rect">
+            <a:avLst/>
+          </a:prstGeom>
+          <a:noFill/>
+        </p:spPr>
+        <p:txBody>
+          <a:bodyPr wrap="square" rtlCol="0">
+            <a:spAutoFit/>
+          </a:bodyPr>
+          <a:lstStyle/>
+          <a:p>
+            <a:pPr marL="342900" indent="-342900">
+              <a:buAutoNum type="arabicPeriod"/>
+            </a:pPr>
+            <a:r>
+              <a:rPr lang="zh-CN" altLang="en-US" dirty="0"/>
+              <a:t>网格上计算到达所有</a:t>
+            </a:r>
+            <a:r>
+              <a:rPr lang="en-US" altLang="zh-CN" dirty="0"/>
+              <a:t>Consumer</a:t>
+            </a:r>
+            <a:r>
+              <a:rPr lang="zh-CN" altLang="en-US" dirty="0"/>
+              <a:t>的最短路径，</a:t>
+            </a:r>
+            <a:r>
+              <a:rPr lang="en-US" altLang="zh-CN" dirty="0"/>
+              <a:t>Dijkstra</a:t>
+            </a:r>
+            <a:endParaRPr lang="en-US" altLang="zh-CN" dirty="0"/>
+          </a:p>
+          <a:p>
+            <a:pPr marL="342900" indent="-342900">
+              <a:buAutoNum type="arabicPeriod"/>
+            </a:pPr>
+            <a:r>
+              <a:rPr lang="zh-CN" altLang="en-US" dirty="0"/>
+              <a:t>最短路径求解交叉点</a:t>
+            </a:r>
+            <a:endParaRPr lang="zh-CN" altLang="en-US" dirty="0"/>
+          </a:p>
+        </p:txBody>
+      </p:sp>
+      <p:sp>
+        <p:nvSpPr>
+          <p:cNvPr id="11" name="菱形 10"/>
+          <p:cNvSpPr/>
+          <p:nvPr/>
+        </p:nvSpPr>
+        <p:spPr>
+          <a:xfrm>
+            <a:off x="1899920" y="4156710"/>
+            <a:ext cx="2864485" cy="914400"/>
+          </a:xfrm>
+          <a:prstGeom prst="diamond">
+            <a:avLst/>
+          </a:prstGeom>
+        </p:spPr>
+        <p:style>
+          <a:lnRef idx="2">
+            <a:schemeClr val="accent1">
+              <a:lumMod val="75000"/>
+            </a:schemeClr>
+          </a:lnRef>
+          <a:fillRef idx="1">
+            <a:schemeClr val="accent1"/>
+          </a:fillRef>
+          <a:effectRef idx="0">
+            <a:srgbClr val="FFFFFF"/>
+          </a:effectRef>
+          <a:fontRef idx="minor">
+            <a:schemeClr val="lt1"/>
+          </a:fontRef>
+        </p:style>
+        <p:txBody>
+          <a:bodyPr rtlCol="0" anchor="ctr"/>
+          <a:p>
+            <a:pPr algn="ctr"/>
+            <a:r>
+              <a:rPr lang="zh-CN" altLang="en-US" dirty="0">
+                <a:sym typeface="+mn-ea"/>
+              </a:rPr>
+              <a:t>满足所有</a:t>
+            </a:r>
+            <a:r>
+              <a:rPr lang="en-US" altLang="zh-CN" dirty="0">
+                <a:sym typeface="+mn-ea"/>
+              </a:rPr>
+              <a:t>Consumer</a:t>
+            </a:r>
+            <a:r>
+              <a:rPr lang="zh-CN" altLang="en-US" dirty="0">
+                <a:sym typeface="+mn-ea"/>
+              </a:rPr>
+              <a:t>需求</a:t>
+            </a:r>
+            <a:endParaRPr lang="zh-CN" altLang="en-US"/>
+          </a:p>
+        </p:txBody>
+      </p:sp>
+      <p:sp>
+        <p:nvSpPr>
+          <p:cNvPr id="13" name="矩形 12"/>
+          <p:cNvSpPr/>
+          <p:nvPr>
+            <p:custDataLst>
+              <p:tags r:id="rId1"/>
+            </p:custDataLst>
+          </p:nvPr>
+        </p:nvSpPr>
+        <p:spPr>
+          <a:xfrm>
+            <a:off x="5226050" y="5325745"/>
+            <a:ext cx="1301750" cy="901700"/>
+          </a:xfrm>
+          <a:prstGeom prst="rect">
+            <a:avLst/>
+          </a:prstGeom>
+        </p:spPr>
+        <p:style>
+          <a:lnRef idx="2">
+            <a:schemeClr val="accent1">
+              <a:shade val="50000"/>
+            </a:schemeClr>
+          </a:lnRef>
+          <a:fillRef idx="1">
+            <a:schemeClr val="accent1"/>
+          </a:fillRef>
+          <a:effectRef idx="0">
+            <a:schemeClr val="accent1"/>
+          </a:effectRef>
+          <a:fontRef idx="minor">
+            <a:schemeClr val="lt1"/>
+          </a:fontRef>
+        </p:style>
+        <p:txBody>
+          <a:bodyPr rtlCol="0" anchor="ctr"/>
+          <a:p>
+            <a:pPr algn="ctr"/>
+            <a:r>
+              <a:rPr lang="zh-CN" altLang="en-US" dirty="0"/>
+              <a:t>合并</a:t>
+            </a:r>
+            <a:endParaRPr lang="zh-CN" altLang="en-US" dirty="0"/>
+          </a:p>
+        </p:txBody>
+      </p:sp>
+      <p:cxnSp>
+        <p:nvCxnSpPr>
+          <p:cNvPr id="15" name="直接箭头连接符 14"/>
+          <p:cNvCxnSpPr>
+            <a:stCxn id="4" idx="3"/>
+            <a:endCxn id="11" idx="1"/>
+          </p:cNvCxnSpPr>
+          <p:nvPr/>
+        </p:nvCxnSpPr>
+        <p:spPr>
+          <a:xfrm flipV="1">
+            <a:off x="1301750" y="4613910"/>
+            <a:ext cx="598170" cy="6350"/>
+          </a:xfrm>
+          <a:prstGeom prst="straightConnector1">
+            <a:avLst/>
+          </a:prstGeom>
+          <a:ln>
+            <a:tailEnd type="triangle"/>
+          </a:ln>
+        </p:spPr>
+        <p:style>
+          <a:lnRef idx="2">
+            <a:schemeClr val="accent1"/>
+          </a:lnRef>
+          <a:fillRef idx="0">
+            <a:srgbClr val="FFFFFF"/>
+          </a:fillRef>
+          <a:effectRef idx="0">
+            <a:srgbClr val="FFFFFF"/>
+          </a:effectRef>
+          <a:fontRef idx="minor">
+            <a:schemeClr val="tx1"/>
+          </a:fontRef>
+        </p:style>
+      </p:cxnSp>
+      <p:sp>
+        <p:nvSpPr>
+          <p:cNvPr id="21" name="文本框 20"/>
+          <p:cNvSpPr txBox="1"/>
+          <p:nvPr/>
+        </p:nvSpPr>
+        <p:spPr>
+          <a:xfrm>
+            <a:off x="3332480" y="3801110"/>
+            <a:ext cx="400050" cy="368300"/>
+          </a:xfrm>
+          <a:prstGeom prst="rect">
+            <a:avLst/>
+          </a:prstGeom>
+          <a:noFill/>
+        </p:spPr>
+        <p:txBody>
+          <a:bodyPr wrap="square" rtlCol="0">
+            <a:spAutoFit/>
+          </a:bodyPr>
+          <a:p>
+            <a:r>
+              <a:rPr lang="zh-CN" altLang="en-US"/>
+              <a:t>是</a:t>
+            </a:r>
+            <a:endParaRPr lang="zh-CN" altLang="en-US"/>
+          </a:p>
+        </p:txBody>
+      </p:sp>
+      <p:sp>
+        <p:nvSpPr>
+          <p:cNvPr id="23" name="文本框 22"/>
+          <p:cNvSpPr txBox="1"/>
+          <p:nvPr>
+            <p:custDataLst>
+              <p:tags r:id="rId2"/>
+            </p:custDataLst>
+          </p:nvPr>
+        </p:nvSpPr>
+        <p:spPr>
+          <a:xfrm>
+            <a:off x="3434080" y="5174615"/>
+            <a:ext cx="400050" cy="368300"/>
+          </a:xfrm>
+          <a:prstGeom prst="rect">
+            <a:avLst/>
+          </a:prstGeom>
+          <a:noFill/>
+        </p:spPr>
+        <p:txBody>
+          <a:bodyPr wrap="square" rtlCol="0">
+            <a:spAutoFit/>
+          </a:bodyPr>
+          <a:p>
+            <a:r>
+              <a:rPr lang="zh-CN" altLang="en-US"/>
+              <a:t>否</a:t>
+            </a:r>
+            <a:endParaRPr lang="zh-CN" altLang="en-US"/>
+          </a:p>
+        </p:txBody>
+      </p:sp>
+    </p:spTree>
+  </p:cSld>
+  <p:clrMapOvr>
+    <a:masterClrMapping/>
+  </p:clrMapOvr>
+</p:sld>
+</file>
+
+<file path=ppt/slides/slide6.xml><?xml version="1.0" encoding="utf-8"?>
+<p:sld xmlns:a="http://schemas.openxmlformats.org/drawingml/2006/main" xmlns:r="http://schemas.openxmlformats.org/officeDocument/2006/relationships" xmlns:p="http://schemas.openxmlformats.org/presentationml/2006/main">
+  <p:cSld>
+    <p:spTree>
+      <p:nvGrpSpPr>
+        <p:cNvPr id="1" name=""/>
+        <p:cNvGrpSpPr/>
+        <p:nvPr/>
+      </p:nvGrpSpPr>
+      <p:grpSpPr/>
+      <p:sp>
+        <p:nvSpPr>
+          <p:cNvPr id="41" name="文本框 40"/>
+          <p:cNvSpPr txBox="1"/>
+          <p:nvPr>
+            <p:custDataLst>
+              <p:tags r:id="rId1"/>
+            </p:custDataLst>
+          </p:nvPr>
+        </p:nvSpPr>
+        <p:spPr>
+          <a:xfrm>
+            <a:off x="1609090" y="1988820"/>
+            <a:ext cx="6097270" cy="4016375"/>
+          </a:xfrm>
+          <a:prstGeom prst="rect">
+            <a:avLst/>
+          </a:prstGeom>
+          <a:noFill/>
+        </p:spPr>
+        <p:txBody>
+          <a:bodyPr wrap="square">
+            <a:spAutoFit/>
+          </a:bodyPr>
+          <a:p>
+            <a:pPr algn="l"/>
+            <a:r>
+              <a:rPr lang="en-US" altLang="zh-CN" sz="1500" kern="0" dirty="0">
+                <a:solidFill>
+                  <a:schemeClr val="bg1">
+                    <a:lumMod val="65000"/>
+                  </a:schemeClr>
+                </a:solidFill>
+                <a:latin typeface="+mn-ea"/>
+                <a:cs typeface="宋体" panose="02010600030101010101" pitchFamily="2" charset="-122"/>
+              </a:rPr>
+              <a:t>20	</a:t>
+            </a:r>
+            <a:r>
+              <a:rPr lang="en-US" altLang="zh-CN" sz="1500" kern="0" dirty="0">
+                <a:solidFill>
+                  <a:schemeClr val="bg1">
+                    <a:lumMod val="65000"/>
+                  </a:schemeClr>
+                </a:solidFill>
+                <a:effectLst/>
+                <a:latin typeface="+mn-ea"/>
+                <a:cs typeface="宋体" panose="02010600030101010101" pitchFamily="2" charset="-122"/>
+              </a:rPr>
+              <a:t>15 	10	 10	 10</a:t>
+            </a:r>
+            <a:endParaRPr lang="en-US" altLang="zh-CN" sz="1500" kern="0" dirty="0">
+              <a:solidFill>
+                <a:schemeClr val="bg1">
+                  <a:lumMod val="65000"/>
+                </a:schemeClr>
+              </a:solidFill>
+              <a:effectLst/>
+              <a:latin typeface="+mn-ea"/>
+              <a:cs typeface="宋体" panose="02010600030101010101" pitchFamily="2" charset="-122"/>
+            </a:endParaRPr>
+          </a:p>
+          <a:p>
+            <a:pPr marL="342900" indent="-342900" algn="l">
+              <a:buAutoNum type="arabicPlain" startAt="20"/>
+            </a:pPr>
+            <a:endParaRPr lang="en-US" altLang="zh-CN" sz="1500" kern="0" dirty="0">
+              <a:solidFill>
+                <a:schemeClr val="bg1">
+                  <a:lumMod val="65000"/>
+                </a:schemeClr>
+              </a:solidFill>
+              <a:latin typeface="+mn-ea"/>
+              <a:cs typeface="Times New Roman" panose="02020603050405020304" pitchFamily="18" charset="0"/>
+            </a:endParaRPr>
+          </a:p>
+          <a:p>
+            <a:pPr marL="342900" indent="-342900" algn="l">
+              <a:buAutoNum type="arabicPlain" startAt="20"/>
+            </a:pPr>
+            <a:endParaRPr lang="en-US" altLang="zh-CN" sz="1500" kern="100" dirty="0">
+              <a:solidFill>
+                <a:schemeClr val="bg1">
+                  <a:lumMod val="65000"/>
+                </a:schemeClr>
+              </a:solidFill>
+              <a:effectLst/>
+              <a:latin typeface="+mn-ea"/>
+              <a:cs typeface="Times New Roman" panose="02020603050405020304" pitchFamily="18" charset="0"/>
+            </a:endParaRPr>
+          </a:p>
+          <a:p>
+            <a:pPr marL="342900" indent="-342900" algn="l">
+              <a:buAutoNum type="arabicPlain" startAt="20"/>
+            </a:pPr>
+            <a:endParaRPr lang="zh-CN" altLang="zh-CN" sz="1500" kern="100" dirty="0">
+              <a:solidFill>
+                <a:schemeClr val="bg1">
+                  <a:lumMod val="65000"/>
+                </a:schemeClr>
+              </a:solidFill>
+              <a:effectLst/>
+              <a:latin typeface="+mn-ea"/>
+              <a:cs typeface="Times New Roman" panose="02020603050405020304" pitchFamily="18" charset="0"/>
+            </a:endParaRPr>
+          </a:p>
+          <a:p>
+            <a:pPr algn="l"/>
+            <a:r>
+              <a:rPr lang="en-US" altLang="zh-CN" sz="1500" kern="0" dirty="0">
+                <a:solidFill>
+                  <a:schemeClr val="bg1">
+                    <a:lumMod val="65000"/>
+                  </a:schemeClr>
+                </a:solidFill>
+                <a:effectLst/>
+                <a:latin typeface="+mn-ea"/>
+                <a:cs typeface="宋体" panose="02010600030101010101" pitchFamily="2" charset="-122"/>
+              </a:rPr>
+              <a:t>10	10 	10	 20	 10</a:t>
+            </a:r>
+            <a:endParaRPr lang="en-US" altLang="zh-CN" sz="1500" kern="0" dirty="0">
+              <a:solidFill>
+                <a:schemeClr val="bg1">
+                  <a:lumMod val="65000"/>
+                </a:schemeClr>
+              </a:solidFill>
+              <a:effectLst/>
+              <a:latin typeface="+mn-ea"/>
+              <a:cs typeface="宋体" panose="02010600030101010101" pitchFamily="2" charset="-122"/>
+            </a:endParaRPr>
+          </a:p>
+          <a:p>
+            <a:pPr marL="342900" indent="-342900" algn="l">
+              <a:buAutoNum type="arabicPlain" startAt="10"/>
+            </a:pPr>
+            <a:endParaRPr lang="en-US" altLang="zh-CN" sz="1500" kern="100" dirty="0">
+              <a:solidFill>
+                <a:schemeClr val="bg1">
+                  <a:lumMod val="65000"/>
+                </a:schemeClr>
+              </a:solidFill>
+              <a:effectLst/>
+              <a:latin typeface="+mn-ea"/>
+              <a:cs typeface="Times New Roman" panose="02020603050405020304" pitchFamily="18" charset="0"/>
+            </a:endParaRPr>
+          </a:p>
+          <a:p>
+            <a:pPr marL="342900" indent="-342900" algn="l">
+              <a:buAutoNum type="arabicPlain" startAt="10"/>
+            </a:pPr>
+            <a:endParaRPr lang="en-US" altLang="zh-CN" sz="1500" kern="100" dirty="0">
+              <a:solidFill>
+                <a:schemeClr val="bg1">
+                  <a:lumMod val="65000"/>
+                </a:schemeClr>
+              </a:solidFill>
+              <a:effectLst/>
+              <a:latin typeface="+mn-ea"/>
+              <a:cs typeface="Times New Roman" panose="02020603050405020304" pitchFamily="18" charset="0"/>
+            </a:endParaRPr>
+          </a:p>
+          <a:p>
+            <a:pPr marL="342900" indent="-342900" algn="l">
+              <a:buAutoNum type="arabicPlain" startAt="10"/>
+            </a:pPr>
+            <a:endParaRPr lang="zh-CN" altLang="zh-CN" sz="1500" kern="100" dirty="0">
+              <a:solidFill>
+                <a:schemeClr val="bg1">
+                  <a:lumMod val="65000"/>
+                </a:schemeClr>
+              </a:solidFill>
+              <a:effectLst/>
+              <a:latin typeface="+mn-ea"/>
+              <a:cs typeface="Times New Roman" panose="02020603050405020304" pitchFamily="18" charset="0"/>
+            </a:endParaRPr>
+          </a:p>
+          <a:p>
+            <a:pPr algn="l"/>
+            <a:r>
+              <a:rPr lang="en-US" altLang="zh-CN" sz="1500" kern="0" dirty="0">
+                <a:solidFill>
+                  <a:schemeClr val="bg1">
+                    <a:lumMod val="65000"/>
+                  </a:schemeClr>
+                </a:solidFill>
+                <a:effectLst/>
+                <a:latin typeface="+mn-ea"/>
+                <a:cs typeface="宋体" panose="02010600030101010101" pitchFamily="2" charset="-122"/>
+              </a:rPr>
+              <a:t>10	15	10 	 90 	 10</a:t>
+            </a:r>
+            <a:endParaRPr lang="en-US" altLang="zh-CN" sz="1500" kern="0" dirty="0">
+              <a:solidFill>
+                <a:schemeClr val="bg1">
+                  <a:lumMod val="65000"/>
+                </a:schemeClr>
+              </a:solidFill>
+              <a:effectLst/>
+              <a:latin typeface="+mn-ea"/>
+              <a:cs typeface="宋体" panose="02010600030101010101" pitchFamily="2" charset="-122"/>
+            </a:endParaRPr>
+          </a:p>
+          <a:p>
+            <a:pPr marL="342900" indent="-342900" algn="l">
+              <a:buAutoNum type="arabicPlain" startAt="10"/>
+            </a:pPr>
+            <a:endParaRPr lang="en-US" altLang="zh-CN" sz="1500" kern="100" dirty="0">
+              <a:solidFill>
+                <a:schemeClr val="bg1">
+                  <a:lumMod val="65000"/>
+                </a:schemeClr>
+              </a:solidFill>
+              <a:effectLst/>
+              <a:latin typeface="+mn-ea"/>
+              <a:cs typeface="Times New Roman" panose="02020603050405020304" pitchFamily="18" charset="0"/>
+            </a:endParaRPr>
+          </a:p>
+          <a:p>
+            <a:pPr marL="342900" indent="-342900" algn="l">
+              <a:buAutoNum type="arabicPlain" startAt="10"/>
+            </a:pPr>
+            <a:endParaRPr lang="en-US" altLang="zh-CN" sz="1500" kern="100" dirty="0">
+              <a:solidFill>
+                <a:schemeClr val="bg1">
+                  <a:lumMod val="65000"/>
+                </a:schemeClr>
+              </a:solidFill>
+              <a:latin typeface="+mn-ea"/>
+              <a:cs typeface="Times New Roman" panose="02020603050405020304" pitchFamily="18" charset="0"/>
+            </a:endParaRPr>
+          </a:p>
+          <a:p>
+            <a:pPr marL="342900" indent="-342900" algn="l">
+              <a:buAutoNum type="arabicPlain" startAt="10"/>
+            </a:pPr>
+            <a:endParaRPr lang="zh-CN" altLang="zh-CN" sz="1500" kern="100" dirty="0">
+              <a:solidFill>
+                <a:schemeClr val="bg1">
+                  <a:lumMod val="65000"/>
+                </a:schemeClr>
+              </a:solidFill>
+              <a:effectLst/>
+              <a:latin typeface="+mn-ea"/>
+              <a:cs typeface="Times New Roman" panose="02020603050405020304" pitchFamily="18" charset="0"/>
+            </a:endParaRPr>
+          </a:p>
+          <a:p>
+            <a:pPr algn="l"/>
+            <a:r>
+              <a:rPr lang="en-US" altLang="zh-CN" sz="1500" kern="0" dirty="0">
+                <a:solidFill>
+                  <a:schemeClr val="bg1">
+                    <a:lumMod val="65000"/>
+                  </a:schemeClr>
+                </a:solidFill>
+                <a:latin typeface="+mn-ea"/>
+                <a:cs typeface="宋体" panose="02010600030101010101" pitchFamily="2" charset="-122"/>
+              </a:rPr>
+              <a:t>10	</a:t>
+            </a:r>
+            <a:r>
+              <a:rPr lang="en-US" altLang="zh-CN" sz="1500" kern="0" dirty="0">
+                <a:solidFill>
+                  <a:schemeClr val="bg1">
+                    <a:lumMod val="65000"/>
+                  </a:schemeClr>
+                </a:solidFill>
+                <a:effectLst/>
+                <a:latin typeface="+mn-ea"/>
+                <a:cs typeface="宋体" panose="02010600030101010101" pitchFamily="2" charset="-122"/>
+              </a:rPr>
+              <a:t>20 	10 	 10 	 10</a:t>
+            </a:r>
+            <a:endParaRPr lang="en-US" altLang="zh-CN" sz="1500" kern="0" dirty="0">
+              <a:solidFill>
+                <a:schemeClr val="bg1">
+                  <a:lumMod val="65000"/>
+                </a:schemeClr>
+              </a:solidFill>
+              <a:effectLst/>
+              <a:latin typeface="+mn-ea"/>
+              <a:cs typeface="宋体" panose="02010600030101010101" pitchFamily="2" charset="-122"/>
+            </a:endParaRPr>
+          </a:p>
+          <a:p>
+            <a:pPr marL="342900" indent="-342900" algn="l">
+              <a:buAutoNum type="arabicPlain" startAt="10"/>
+            </a:pPr>
+            <a:endParaRPr lang="en-US" altLang="zh-CN" sz="1500" kern="100" dirty="0">
+              <a:solidFill>
+                <a:schemeClr val="bg1">
+                  <a:lumMod val="65000"/>
+                </a:schemeClr>
+              </a:solidFill>
+              <a:effectLst/>
+              <a:latin typeface="+mn-ea"/>
+              <a:cs typeface="Times New Roman" panose="02020603050405020304" pitchFamily="18" charset="0"/>
+            </a:endParaRPr>
+          </a:p>
+          <a:p>
+            <a:pPr marL="342900" indent="-342900" algn="l">
+              <a:buAutoNum type="arabicPlain" startAt="10"/>
+            </a:pPr>
+            <a:endParaRPr lang="en-US" altLang="zh-CN" sz="1500" kern="100" dirty="0">
+              <a:solidFill>
+                <a:schemeClr val="bg1">
+                  <a:lumMod val="65000"/>
+                </a:schemeClr>
+              </a:solidFill>
+              <a:latin typeface="+mn-ea"/>
+              <a:cs typeface="Times New Roman" panose="02020603050405020304" pitchFamily="18" charset="0"/>
+            </a:endParaRPr>
+          </a:p>
+          <a:p>
+            <a:pPr marL="342900" indent="-342900" algn="l">
+              <a:buAutoNum type="arabicPlain" startAt="10"/>
+            </a:pPr>
+            <a:endParaRPr lang="zh-CN" altLang="zh-CN" sz="1500" kern="100" dirty="0">
+              <a:solidFill>
+                <a:schemeClr val="bg1">
+                  <a:lumMod val="65000"/>
+                </a:schemeClr>
+              </a:solidFill>
+              <a:effectLst/>
+              <a:latin typeface="+mn-ea"/>
+              <a:cs typeface="Times New Roman" panose="02020603050405020304" pitchFamily="18" charset="0"/>
+            </a:endParaRPr>
+          </a:p>
+          <a:p>
+            <a:pPr algn="l"/>
+            <a:r>
+              <a:rPr lang="en-US" altLang="zh-CN" sz="1500" kern="0" dirty="0">
+                <a:solidFill>
+                  <a:schemeClr val="bg1">
+                    <a:lumMod val="65000"/>
+                  </a:schemeClr>
+                </a:solidFill>
+                <a:effectLst/>
+                <a:latin typeface="+mn-ea"/>
+                <a:cs typeface="宋体" panose="02010600030101010101" pitchFamily="2" charset="-122"/>
+              </a:rPr>
+              <a:t>10 	 10  	10 	 10 	 10</a:t>
+            </a:r>
+            <a:endParaRPr lang="zh-CN" altLang="zh-CN" sz="1500" kern="100" dirty="0">
+              <a:solidFill>
+                <a:schemeClr val="bg1">
+                  <a:lumMod val="65000"/>
+                </a:schemeClr>
+              </a:solidFill>
+              <a:effectLst/>
+              <a:latin typeface="+mn-ea"/>
+              <a:cs typeface="Times New Roman" panose="02020603050405020304" pitchFamily="18" charset="0"/>
+            </a:endParaRPr>
+          </a:p>
+        </p:txBody>
+      </p:sp>
+      <p:sp>
+        <p:nvSpPr>
+          <p:cNvPr id="2" name="标题 1"/>
+          <p:cNvSpPr>
+            <a:spLocks noGrp="1"/>
+          </p:cNvSpPr>
+          <p:nvPr>
+            <p:ph type="title"/>
+          </p:nvPr>
+        </p:nvSpPr>
+        <p:spPr/>
+        <p:txBody>
+          <a:bodyPr/>
+          <a:p>
+            <a:r>
+              <a:rPr lang="zh-CN" altLang="en-US"/>
+              <a:t>方案</a:t>
+            </a:r>
+            <a:r>
+              <a:rPr lang="en-US" altLang="zh-CN"/>
+              <a:t>1</a:t>
+            </a:r>
+            <a:r>
+              <a:rPr lang="zh-CN" altLang="en-US"/>
+              <a:t>：距离尽可能地</a:t>
+            </a:r>
+            <a:r>
+              <a:rPr lang="zh-CN" altLang="en-US"/>
+              <a:t>短</a:t>
+            </a:r>
+            <a:endParaRPr lang="zh-CN" altLang="en-US"/>
+          </a:p>
+        </p:txBody>
+      </p:sp>
+      <p:sp>
+        <p:nvSpPr>
+          <p:cNvPr id="4" name="文本框 3"/>
+          <p:cNvSpPr txBox="1"/>
+          <p:nvPr/>
+        </p:nvSpPr>
+        <p:spPr>
+          <a:xfrm>
+            <a:off x="1063625" y="1620520"/>
+            <a:ext cx="8908415" cy="368300"/>
+          </a:xfrm>
+          <a:prstGeom prst="rect">
+            <a:avLst/>
+          </a:prstGeom>
+          <a:noFill/>
+        </p:spPr>
+        <p:txBody>
+          <a:bodyPr wrap="square" rtlCol="0" anchor="t">
+            <a:spAutoFit/>
+          </a:bodyPr>
+          <a:p>
+            <a:pPr marL="342900" indent="-342900">
+              <a:buAutoNum type="arabicPeriod"/>
+            </a:pPr>
+            <a:r>
+              <a:rPr lang="zh-CN" altLang="en-US" dirty="0">
+                <a:sym typeface="+mn-ea"/>
+              </a:rPr>
+              <a:t>网格上计算到达所有</a:t>
+            </a:r>
+            <a:r>
+              <a:rPr lang="en-US" altLang="zh-CN" dirty="0">
+                <a:sym typeface="+mn-ea"/>
+              </a:rPr>
+              <a:t>Consumer</a:t>
+            </a:r>
+            <a:r>
+              <a:rPr lang="zh-CN" altLang="en-US" dirty="0">
+                <a:sym typeface="+mn-ea"/>
+              </a:rPr>
+              <a:t>的最短路径，</a:t>
+            </a:r>
+            <a:r>
+              <a:rPr lang="en-US" altLang="zh-CN" dirty="0">
+                <a:sym typeface="+mn-ea"/>
+              </a:rPr>
+              <a:t>Dijkstra</a:t>
+            </a:r>
+            <a:r>
+              <a:rPr lang="zh-CN" altLang="en-US" dirty="0">
+                <a:sym typeface="+mn-ea"/>
+              </a:rPr>
+              <a:t>单源点</a:t>
+            </a:r>
+            <a:r>
+              <a:rPr lang="zh-CN" altLang="en-US" dirty="0">
+                <a:sym typeface="+mn-ea"/>
+              </a:rPr>
+              <a:t>最短路径</a:t>
+            </a:r>
+            <a:endParaRPr lang="zh-CN" altLang="en-US" dirty="0">
+              <a:sym typeface="+mn-ea"/>
+            </a:endParaRPr>
           </a:p>
         </p:txBody>
       </p:sp>
       <p:grpSp>
         <p:nvGrpSpPr>
-          <p:cNvPr id="29" name="组合 28">
-            <a:extLst>
-              <a:ext uri="{FF2B5EF4-FFF2-40B4-BE49-F238E27FC236}">
-                <a16:creationId xmlns:a16="http://schemas.microsoft.com/office/drawing/2014/main" id="{FE7C0B1A-3046-406A-AA04-58F9C5893161}"/>
-              </a:ext>
-            </a:extLst>
-          </p:cNvPr>
+          <p:cNvPr id="51" name="组合 50"/>
           <p:cNvGrpSpPr/>
           <p:nvPr/>
         </p:nvGrpSpPr>
         <p:grpSpPr>
-          <a:xfrm>
-            <a:off x="774700" y="2566987"/>
-            <a:ext cx="8356600" cy="3906838"/>
-            <a:chOff x="838200" y="2270125"/>
-            <a:chExt cx="8356600" cy="3906838"/>
+          <a:xfrm rot="0">
+            <a:off x="1678940" y="2036445"/>
+            <a:ext cx="4572000" cy="4572000"/>
+            <a:chOff x="2383200" y="1296000"/>
+            <a:chExt cx="4572000" cy="4572000"/>
           </a:xfrm>
         </p:grpSpPr>
         <p:sp>
           <p:nvSpPr>
-            <p:cNvPr id="4" name="矩形 3">
-              <a:extLst>
-                <a:ext uri="{FF2B5EF4-FFF2-40B4-BE49-F238E27FC236}">
-                  <a16:creationId xmlns:a16="http://schemas.microsoft.com/office/drawing/2014/main" id="{CDF94298-BEDD-48B7-887C-0227A509DC6B}"/>
-                </a:ext>
-              </a:extLst>
-            </p:cNvPr>
+            <p:cNvPr id="6" name="矩形 5"/>
             <p:cNvSpPr/>
-            <p:nvPr/>
+            <p:nvPr>
+              <p:custDataLst>
+                <p:tags r:id="rId2"/>
+              </p:custDataLst>
+            </p:nvPr>
           </p:nvSpPr>
           <p:spPr>
             <a:xfrm>
-              <a:off x="838200" y="3975894"/>
-              <a:ext cx="1301750" cy="901700"/>
+              <a:off x="2383200" y="1296000"/>
+              <a:ext cx="914400" cy="914400"/>
             </a:xfrm>
             <a:prstGeom prst="rect">
               <a:avLst/>
             </a:prstGeom>
+            <a:noFill/>
+            <a:ln>
+              <a:solidFill>
+                <a:schemeClr val="tx1"/>
+              </a:solidFill>
+            </a:ln>
           </p:spPr>
           <p:style>
             <a:lnRef idx="2">
@@ -7291,36 +7711,48 @@
           </p:style>
           <p:txBody>
             <a:bodyPr rtlCol="0" anchor="ctr"/>
-            <a:lstStyle/>
             <a:p>
               <a:pPr algn="ctr"/>
               <a:r>
-                <a:rPr lang="zh-CN" altLang="en-US" dirty="0"/>
-                <a:t>思路</a:t>
+                <a:rPr lang="en-US" altLang="zh-CN" dirty="0">
+                  <a:solidFill>
+                    <a:schemeClr val="tx1"/>
+                  </a:solidFill>
+                </a:rPr>
+                <a:t>C</a:t>
               </a:r>
+              <a:endParaRPr lang="zh-CN" altLang="en-US" dirty="0">
+                <a:solidFill>
+                  <a:schemeClr val="tx1"/>
+                </a:solidFill>
+              </a:endParaRPr>
             </a:p>
           </p:txBody>
         </p:sp>
         <p:sp>
           <p:nvSpPr>
-            <p:cNvPr id="5" name="矩形 4">
-              <a:extLst>
-                <a:ext uri="{FF2B5EF4-FFF2-40B4-BE49-F238E27FC236}">
-                  <a16:creationId xmlns:a16="http://schemas.microsoft.com/office/drawing/2014/main" id="{53E3BDFC-6F46-4962-BA7F-708014277C29}"/>
-                </a:ext>
-              </a:extLst>
-            </p:cNvPr>
+            <p:cNvPr id="7" name="矩形 6"/>
             <p:cNvSpPr/>
-            <p:nvPr/>
+            <p:nvPr>
+              <p:custDataLst>
+                <p:tags r:id="rId3"/>
+              </p:custDataLst>
+            </p:nvPr>
           </p:nvSpPr>
           <p:spPr>
             <a:xfrm>
-              <a:off x="2832100" y="2787650"/>
-              <a:ext cx="1301750" cy="901700"/>
+              <a:off x="3297600" y="1296000"/>
+              <a:ext cx="914400" cy="914400"/>
             </a:xfrm>
             <a:prstGeom prst="rect">
               <a:avLst/>
             </a:prstGeom>
+            <a:noFill/>
+            <a:ln>
+              <a:solidFill>
+                <a:schemeClr val="tx1"/>
+              </a:solidFill>
+            </a:ln>
           </p:spPr>
           <p:style>
             <a:lnRef idx="2">
@@ -7340,44 +7772,48 @@
           </p:style>
           <p:txBody>
             <a:bodyPr rtlCol="0" anchor="ctr"/>
-            <a:lstStyle/>
             <a:p>
               <a:pPr algn="ctr"/>
               <a:r>
-                <a:rPr lang="zh-CN" altLang="en-US" dirty="0"/>
-                <a:t>满足所有</a:t>
+                <a:rPr lang="en-US" altLang="zh-CN" dirty="0">
+                  <a:solidFill>
+                    <a:schemeClr val="tx1"/>
+                  </a:solidFill>
+                </a:rPr>
+                <a:t>T</a:t>
               </a:r>
-              <a:r>
-                <a:rPr lang="en-US" altLang="zh-CN" dirty="0"/>
-                <a:t>Consumer</a:t>
-              </a:r>
-              <a:r>
-                <a:rPr lang="zh-CN" altLang="en-US" dirty="0"/>
-                <a:t>需求</a:t>
-              </a:r>
+              <a:endParaRPr lang="zh-CN" altLang="en-US" dirty="0">
+                <a:solidFill>
+                  <a:schemeClr val="tx1"/>
+                </a:solidFill>
+              </a:endParaRPr>
             </a:p>
           </p:txBody>
         </p:sp>
         <p:sp>
           <p:nvSpPr>
-            <p:cNvPr id="6" name="矩形 5">
-              <a:extLst>
-                <a:ext uri="{FF2B5EF4-FFF2-40B4-BE49-F238E27FC236}">
-                  <a16:creationId xmlns:a16="http://schemas.microsoft.com/office/drawing/2014/main" id="{2BF33ACE-36DD-479F-847B-7FC0E2ACBEA0}"/>
-                </a:ext>
-              </a:extLst>
-            </p:cNvPr>
+            <p:cNvPr id="8" name="矩形 7"/>
             <p:cNvSpPr/>
-            <p:nvPr/>
+            <p:nvPr>
+              <p:custDataLst>
+                <p:tags r:id="rId4"/>
+              </p:custDataLst>
+            </p:nvPr>
           </p:nvSpPr>
           <p:spPr>
             <a:xfrm>
-              <a:off x="2832100" y="5275263"/>
-              <a:ext cx="1301750" cy="901700"/>
+              <a:off x="5126400" y="1296000"/>
+              <a:ext cx="914400" cy="914400"/>
             </a:xfrm>
             <a:prstGeom prst="rect">
               <a:avLst/>
             </a:prstGeom>
+            <a:noFill/>
+            <a:ln>
+              <a:solidFill>
+                <a:schemeClr val="tx1"/>
+              </a:solidFill>
+            </a:ln>
           </p:spPr>
           <p:style>
             <a:lnRef idx="2">
@@ -7397,44 +7833,40 @@
           </p:style>
           <p:txBody>
             <a:bodyPr rtlCol="0" anchor="ctr"/>
-            <a:lstStyle/>
             <a:p>
               <a:pPr algn="ctr"/>
-              <a:r>
-                <a:rPr lang="zh-CN" altLang="en-US" dirty="0"/>
-                <a:t>忽略部分</a:t>
-              </a:r>
-              <a:r>
-                <a:rPr lang="en-US" altLang="zh-CN" dirty="0"/>
-                <a:t>Consumer</a:t>
-              </a:r>
-              <a:r>
-                <a:rPr lang="zh-CN" altLang="en-US" dirty="0"/>
-                <a:t>需求</a:t>
-              </a:r>
+              <a:endParaRPr lang="zh-CN" altLang="en-US" dirty="0">
+                <a:solidFill>
+                  <a:schemeClr val="tx1"/>
+                </a:solidFill>
+              </a:endParaRPr>
             </a:p>
           </p:txBody>
         </p:sp>
         <p:sp>
           <p:nvSpPr>
-            <p:cNvPr id="7" name="矩形 6">
-              <a:extLst>
-                <a:ext uri="{FF2B5EF4-FFF2-40B4-BE49-F238E27FC236}">
-                  <a16:creationId xmlns:a16="http://schemas.microsoft.com/office/drawing/2014/main" id="{9C1F18C1-3579-4D40-B83E-97A1F28466EE}"/>
-                </a:ext>
-              </a:extLst>
-            </p:cNvPr>
+            <p:cNvPr id="9" name="矩形 8"/>
             <p:cNvSpPr/>
-            <p:nvPr/>
+            <p:nvPr>
+              <p:custDataLst>
+                <p:tags r:id="rId5"/>
+              </p:custDataLst>
+            </p:nvPr>
           </p:nvSpPr>
           <p:spPr>
             <a:xfrm>
-              <a:off x="5276850" y="2349500"/>
-              <a:ext cx="1301750" cy="901700"/>
+              <a:off x="4212000" y="1296000"/>
+              <a:ext cx="914400" cy="914400"/>
             </a:xfrm>
             <a:prstGeom prst="rect">
               <a:avLst/>
             </a:prstGeom>
+            <a:noFill/>
+            <a:ln>
+              <a:solidFill>
+                <a:schemeClr val="tx1"/>
+              </a:solidFill>
+            </a:ln>
           </p:spPr>
           <p:style>
             <a:lnRef idx="2">
@@ -7454,52 +7886,40 @@
           </p:style>
           <p:txBody>
             <a:bodyPr rtlCol="0" anchor="ctr"/>
-            <a:lstStyle/>
             <a:p>
               <a:pPr algn="ctr"/>
-              <a:r>
-                <a:rPr lang="zh-CN" altLang="en-US" dirty="0"/>
-                <a:t>方案</a:t>
-              </a:r>
-              <a:r>
-                <a:rPr lang="en-US" altLang="zh-CN" dirty="0"/>
-                <a:t>1</a:t>
-              </a:r>
-              <a:r>
-                <a:rPr lang="zh-CN" altLang="en-US" dirty="0"/>
-                <a:t>：</a:t>
-              </a:r>
-              <a:endParaRPr lang="en-US" altLang="zh-CN" dirty="0"/>
-            </a:p>
-            <a:p>
-              <a:pPr algn="ctr"/>
-              <a:r>
-                <a:rPr lang="zh-CN" altLang="en-US" dirty="0"/>
-                <a:t>距离尽可能短</a:t>
-              </a:r>
+              <a:endParaRPr lang="zh-CN" altLang="en-US" dirty="0">
+                <a:solidFill>
+                  <a:schemeClr val="tx1"/>
+                </a:solidFill>
+              </a:endParaRPr>
             </a:p>
           </p:txBody>
         </p:sp>
         <p:sp>
           <p:nvSpPr>
-            <p:cNvPr id="8" name="矩形 7">
-              <a:extLst>
-                <a:ext uri="{FF2B5EF4-FFF2-40B4-BE49-F238E27FC236}">
-                  <a16:creationId xmlns:a16="http://schemas.microsoft.com/office/drawing/2014/main" id="{4534AE26-E829-4F8F-8E35-FFD3E9182A60}"/>
-                </a:ext>
-              </a:extLst>
-            </p:cNvPr>
+            <p:cNvPr id="10" name="矩形 9"/>
             <p:cNvSpPr/>
-            <p:nvPr/>
+            <p:nvPr>
+              <p:custDataLst>
+                <p:tags r:id="rId6"/>
+              </p:custDataLst>
+            </p:nvPr>
           </p:nvSpPr>
           <p:spPr>
             <a:xfrm>
-              <a:off x="5289550" y="3689350"/>
-              <a:ext cx="1301750" cy="901700"/>
+              <a:off x="6040800" y="1296000"/>
+              <a:ext cx="914400" cy="914400"/>
             </a:xfrm>
             <a:prstGeom prst="rect">
               <a:avLst/>
             </a:prstGeom>
+            <a:noFill/>
+            <a:ln>
+              <a:solidFill>
+                <a:schemeClr val="tx1"/>
+              </a:solidFill>
+            </a:ln>
           </p:spPr>
           <p:style>
             <a:lnRef idx="2">
@@ -7519,53 +7939,1124 @@
           </p:style>
           <p:txBody>
             <a:bodyPr rtlCol="0" anchor="ctr"/>
-            <a:lstStyle/>
+            <a:p>
+              <a:pPr algn="ctr"/>
+              <a:endParaRPr lang="zh-CN" altLang="en-US" dirty="0">
+                <a:solidFill>
+                  <a:schemeClr val="tx1"/>
+                </a:solidFill>
+              </a:endParaRPr>
+            </a:p>
+          </p:txBody>
+        </p:sp>
+        <p:sp>
+          <p:nvSpPr>
+            <p:cNvPr id="11" name="矩形 10"/>
+            <p:cNvSpPr/>
+            <p:nvPr>
+              <p:custDataLst>
+                <p:tags r:id="rId7"/>
+              </p:custDataLst>
+            </p:nvPr>
+          </p:nvSpPr>
+          <p:spPr>
+            <a:xfrm>
+              <a:off x="2383200" y="2210400"/>
+              <a:ext cx="914400" cy="914400"/>
+            </a:xfrm>
+            <a:prstGeom prst="rect">
+              <a:avLst/>
+            </a:prstGeom>
+            <a:noFill/>
+            <a:ln>
+              <a:solidFill>
+                <a:schemeClr val="tx1"/>
+              </a:solidFill>
+            </a:ln>
+          </p:spPr>
+          <p:style>
+            <a:lnRef idx="2">
+              <a:schemeClr val="accent1">
+                <a:shade val="50000"/>
+              </a:schemeClr>
+            </a:lnRef>
+            <a:fillRef idx="1">
+              <a:schemeClr val="accent1"/>
+            </a:fillRef>
+            <a:effectRef idx="0">
+              <a:schemeClr val="accent1"/>
+            </a:effectRef>
+            <a:fontRef idx="minor">
+              <a:schemeClr val="lt1"/>
+            </a:fontRef>
+          </p:style>
+          <p:txBody>
+            <a:bodyPr rtlCol="0" anchor="ctr"/>
+            <a:p>
+              <a:pPr algn="ctr"/>
+              <a:endParaRPr lang="zh-CN" altLang="en-US" dirty="0">
+                <a:solidFill>
+                  <a:schemeClr val="tx1"/>
+                </a:solidFill>
+              </a:endParaRPr>
+            </a:p>
+          </p:txBody>
+        </p:sp>
+        <p:sp>
+          <p:nvSpPr>
+            <p:cNvPr id="12" name="矩形 11"/>
+            <p:cNvSpPr/>
+            <p:nvPr>
+              <p:custDataLst>
+                <p:tags r:id="rId8"/>
+              </p:custDataLst>
+            </p:nvPr>
+          </p:nvSpPr>
+          <p:spPr>
+            <a:xfrm>
+              <a:off x="3297600" y="2210400"/>
+              <a:ext cx="914400" cy="914400"/>
+            </a:xfrm>
+            <a:prstGeom prst="rect">
+              <a:avLst/>
+            </a:prstGeom>
+            <a:noFill/>
+            <a:ln>
+              <a:solidFill>
+                <a:schemeClr val="tx1"/>
+              </a:solidFill>
+            </a:ln>
+          </p:spPr>
+          <p:style>
+            <a:lnRef idx="2">
+              <a:schemeClr val="accent1">
+                <a:shade val="50000"/>
+              </a:schemeClr>
+            </a:lnRef>
+            <a:fillRef idx="1">
+              <a:schemeClr val="accent1"/>
+            </a:fillRef>
+            <a:effectRef idx="0">
+              <a:schemeClr val="accent1"/>
+            </a:effectRef>
+            <a:fontRef idx="minor">
+              <a:schemeClr val="lt1"/>
+            </a:fontRef>
+          </p:style>
+          <p:txBody>
+            <a:bodyPr rtlCol="0" anchor="ctr"/>
+            <a:p>
+              <a:pPr algn="ctr"/>
+              <a:endParaRPr lang="zh-CN" altLang="en-US" dirty="0">
+                <a:solidFill>
+                  <a:schemeClr val="tx1"/>
+                </a:solidFill>
+              </a:endParaRPr>
+            </a:p>
+          </p:txBody>
+        </p:sp>
+        <p:sp>
+          <p:nvSpPr>
+            <p:cNvPr id="13" name="矩形 12"/>
+            <p:cNvSpPr/>
+            <p:nvPr>
+              <p:custDataLst>
+                <p:tags r:id="rId9"/>
+              </p:custDataLst>
+            </p:nvPr>
+          </p:nvSpPr>
+          <p:spPr>
+            <a:xfrm>
+              <a:off x="5126400" y="2210400"/>
+              <a:ext cx="914400" cy="914400"/>
+            </a:xfrm>
+            <a:prstGeom prst="rect">
+              <a:avLst/>
+            </a:prstGeom>
+            <a:noFill/>
+            <a:ln>
+              <a:solidFill>
+                <a:schemeClr val="tx1"/>
+              </a:solidFill>
+            </a:ln>
+          </p:spPr>
+          <p:style>
+            <a:lnRef idx="2">
+              <a:schemeClr val="accent1">
+                <a:shade val="50000"/>
+              </a:schemeClr>
+            </a:lnRef>
+            <a:fillRef idx="1">
+              <a:schemeClr val="accent1"/>
+            </a:fillRef>
+            <a:effectRef idx="0">
+              <a:schemeClr val="accent1"/>
+            </a:effectRef>
+            <a:fontRef idx="minor">
+              <a:schemeClr val="lt1"/>
+            </a:fontRef>
+          </p:style>
+          <p:txBody>
+            <a:bodyPr rtlCol="0" anchor="ctr"/>
             <a:p>
               <a:pPr algn="ctr"/>
               <a:r>
-                <a:rPr lang="zh-CN" altLang="en-US" dirty="0"/>
-                <a:t>方案</a:t>
+                <a:rPr lang="en-US" altLang="zh-CN" dirty="0">
+                  <a:solidFill>
+                    <a:schemeClr val="tx1"/>
+                  </a:solidFill>
+                </a:rPr>
+                <a:t>C</a:t>
               </a:r>
-              <a:r>
-                <a:rPr lang="en-US" altLang="zh-CN" dirty="0"/>
-                <a:t>2</a:t>
-              </a:r>
-              <a:r>
-                <a:rPr lang="zh-CN" altLang="en-US" dirty="0"/>
-                <a:t>：</a:t>
-              </a:r>
-              <a:endParaRPr lang="en-US" altLang="zh-CN" dirty="0"/>
+              <a:endParaRPr lang="zh-CN" altLang="en-US" dirty="0">
+                <a:solidFill>
+                  <a:schemeClr val="tx1"/>
+                </a:solidFill>
+              </a:endParaRPr>
             </a:p>
+          </p:txBody>
+        </p:sp>
+        <p:sp>
+          <p:nvSpPr>
+            <p:cNvPr id="14" name="矩形 13"/>
+            <p:cNvSpPr/>
+            <p:nvPr>
+              <p:custDataLst>
+                <p:tags r:id="rId10"/>
+              </p:custDataLst>
+            </p:nvPr>
+          </p:nvSpPr>
+          <p:spPr>
+            <a:xfrm>
+              <a:off x="4212000" y="2210400"/>
+              <a:ext cx="914400" cy="914400"/>
+            </a:xfrm>
+            <a:prstGeom prst="rect">
+              <a:avLst/>
+            </a:prstGeom>
+            <a:noFill/>
+            <a:ln>
+              <a:solidFill>
+                <a:schemeClr val="tx1"/>
+              </a:solidFill>
+            </a:ln>
+          </p:spPr>
+          <p:style>
+            <a:lnRef idx="2">
+              <a:schemeClr val="accent1">
+                <a:shade val="50000"/>
+              </a:schemeClr>
+            </a:lnRef>
+            <a:fillRef idx="1">
+              <a:schemeClr val="accent1"/>
+            </a:fillRef>
+            <a:effectRef idx="0">
+              <a:schemeClr val="accent1"/>
+            </a:effectRef>
+            <a:fontRef idx="minor">
+              <a:schemeClr val="lt1"/>
+            </a:fontRef>
+          </p:style>
+          <p:txBody>
+            <a:bodyPr rtlCol="0" anchor="ctr"/>
+            <a:p>
+              <a:pPr algn="ctr"/>
+              <a:endParaRPr lang="zh-CN" altLang="en-US" dirty="0">
+                <a:solidFill>
+                  <a:schemeClr val="tx1"/>
+                </a:solidFill>
+              </a:endParaRPr>
+            </a:p>
+          </p:txBody>
+        </p:sp>
+        <p:sp>
+          <p:nvSpPr>
+            <p:cNvPr id="15" name="矩形 14"/>
+            <p:cNvSpPr/>
+            <p:nvPr>
+              <p:custDataLst>
+                <p:tags r:id="rId11"/>
+              </p:custDataLst>
+            </p:nvPr>
+          </p:nvSpPr>
+          <p:spPr>
+            <a:xfrm>
+              <a:off x="6040800" y="2210400"/>
+              <a:ext cx="914400" cy="914400"/>
+            </a:xfrm>
+            <a:prstGeom prst="rect">
+              <a:avLst/>
+            </a:prstGeom>
+            <a:noFill/>
+            <a:ln>
+              <a:solidFill>
+                <a:schemeClr val="tx1"/>
+              </a:solidFill>
+            </a:ln>
+          </p:spPr>
+          <p:style>
+            <a:lnRef idx="2">
+              <a:schemeClr val="accent1">
+                <a:shade val="50000"/>
+              </a:schemeClr>
+            </a:lnRef>
+            <a:fillRef idx="1">
+              <a:schemeClr val="accent1"/>
+            </a:fillRef>
+            <a:effectRef idx="0">
+              <a:schemeClr val="accent1"/>
+            </a:effectRef>
+            <a:fontRef idx="minor">
+              <a:schemeClr val="lt1"/>
+            </a:fontRef>
+          </p:style>
+          <p:txBody>
+            <a:bodyPr rtlCol="0" anchor="ctr"/>
+            <a:p>
+              <a:pPr algn="ctr"/>
+              <a:endParaRPr lang="zh-CN" altLang="en-US" dirty="0">
+                <a:solidFill>
+                  <a:schemeClr val="tx1"/>
+                </a:solidFill>
+              </a:endParaRPr>
+            </a:p>
+          </p:txBody>
+        </p:sp>
+        <p:sp>
+          <p:nvSpPr>
+            <p:cNvPr id="16" name="矩形 15"/>
+            <p:cNvSpPr/>
+            <p:nvPr>
+              <p:custDataLst>
+                <p:tags r:id="rId12"/>
+              </p:custDataLst>
+            </p:nvPr>
+          </p:nvSpPr>
+          <p:spPr>
+            <a:xfrm>
+              <a:off x="2383200" y="3124800"/>
+              <a:ext cx="914400" cy="914400"/>
+            </a:xfrm>
+            <a:prstGeom prst="rect">
+              <a:avLst/>
+            </a:prstGeom>
+            <a:noFill/>
+            <a:ln>
+              <a:solidFill>
+                <a:schemeClr val="tx1"/>
+              </a:solidFill>
+            </a:ln>
+          </p:spPr>
+          <p:style>
+            <a:lnRef idx="2">
+              <a:schemeClr val="accent1">
+                <a:shade val="50000"/>
+              </a:schemeClr>
+            </a:lnRef>
+            <a:fillRef idx="1">
+              <a:schemeClr val="accent1"/>
+            </a:fillRef>
+            <a:effectRef idx="0">
+              <a:schemeClr val="accent1"/>
+            </a:effectRef>
+            <a:fontRef idx="minor">
+              <a:schemeClr val="lt1"/>
+            </a:fontRef>
+          </p:style>
+          <p:txBody>
+            <a:bodyPr rtlCol="0" anchor="ctr"/>
+            <a:p>
+              <a:pPr algn="ctr"/>
+              <a:endParaRPr lang="zh-CN" altLang="en-US" dirty="0">
+                <a:solidFill>
+                  <a:schemeClr val="tx1"/>
+                </a:solidFill>
+              </a:endParaRPr>
+            </a:p>
+          </p:txBody>
+        </p:sp>
+        <p:sp>
+          <p:nvSpPr>
+            <p:cNvPr id="17" name="矩形 16"/>
+            <p:cNvSpPr/>
+            <p:nvPr>
+              <p:custDataLst>
+                <p:tags r:id="rId13"/>
+              </p:custDataLst>
+            </p:nvPr>
+          </p:nvSpPr>
+          <p:spPr>
+            <a:xfrm>
+              <a:off x="3297600" y="3124800"/>
+              <a:ext cx="914400" cy="914400"/>
+            </a:xfrm>
+            <a:prstGeom prst="rect">
+              <a:avLst/>
+            </a:prstGeom>
+            <a:noFill/>
+            <a:ln>
+              <a:solidFill>
+                <a:schemeClr val="tx1"/>
+              </a:solidFill>
+            </a:ln>
+          </p:spPr>
+          <p:style>
+            <a:lnRef idx="2">
+              <a:schemeClr val="accent1">
+                <a:shade val="50000"/>
+              </a:schemeClr>
+            </a:lnRef>
+            <a:fillRef idx="1">
+              <a:schemeClr val="accent1"/>
+            </a:fillRef>
+            <a:effectRef idx="0">
+              <a:schemeClr val="accent1"/>
+            </a:effectRef>
+            <a:fontRef idx="minor">
+              <a:schemeClr val="lt1"/>
+            </a:fontRef>
+          </p:style>
+          <p:txBody>
+            <a:bodyPr rtlCol="0" anchor="ctr"/>
             <a:p>
               <a:pPr algn="ctr"/>
               <a:r>
-                <a:rPr lang="zh-CN" altLang="en-US" dirty="0"/>
-                <a:t>中继尽可能少</a:t>
+                <a:rPr lang="en-US" altLang="zh-CN" dirty="0">
+                  <a:solidFill>
+                    <a:schemeClr val="tx1"/>
+                  </a:solidFill>
+                </a:rPr>
+                <a:t>T</a:t>
               </a:r>
+              <a:endParaRPr lang="zh-CN" altLang="en-US" dirty="0">
+                <a:solidFill>
+                  <a:schemeClr val="tx1"/>
+                </a:solidFill>
+              </a:endParaRPr>
+            </a:p>
+          </p:txBody>
+        </p:sp>
+        <p:sp>
+          <p:nvSpPr>
+            <p:cNvPr id="18" name="矩形 17"/>
+            <p:cNvSpPr/>
+            <p:nvPr>
+              <p:custDataLst>
+                <p:tags r:id="rId14"/>
+              </p:custDataLst>
+            </p:nvPr>
+          </p:nvSpPr>
+          <p:spPr>
+            <a:xfrm>
+              <a:off x="5126400" y="3124800"/>
+              <a:ext cx="914400" cy="914400"/>
+            </a:xfrm>
+            <a:prstGeom prst="rect">
+              <a:avLst/>
+            </a:prstGeom>
+            <a:noFill/>
+            <a:ln>
+              <a:solidFill>
+                <a:schemeClr val="tx1"/>
+              </a:solidFill>
+            </a:ln>
+          </p:spPr>
+          <p:style>
+            <a:lnRef idx="2">
+              <a:schemeClr val="accent1">
+                <a:shade val="50000"/>
+              </a:schemeClr>
+            </a:lnRef>
+            <a:fillRef idx="1">
+              <a:schemeClr val="accent1"/>
+            </a:fillRef>
+            <a:effectRef idx="0">
+              <a:schemeClr val="accent1"/>
+            </a:effectRef>
+            <a:fontRef idx="minor">
+              <a:schemeClr val="lt1"/>
+            </a:fontRef>
+          </p:style>
+          <p:txBody>
+            <a:bodyPr rtlCol="0" anchor="ctr"/>
+            <a:p>
+              <a:pPr algn="ctr"/>
+              <a:r>
+                <a:rPr lang="en-US" altLang="zh-CN" dirty="0">
+                  <a:solidFill>
+                    <a:schemeClr val="tx1"/>
+                  </a:solidFill>
+                </a:rPr>
+                <a:t>P</a:t>
+              </a:r>
+              <a:endParaRPr lang="zh-CN" altLang="en-US" dirty="0">
+                <a:solidFill>
+                  <a:schemeClr val="tx1"/>
+                </a:solidFill>
+              </a:endParaRPr>
+            </a:p>
+          </p:txBody>
+        </p:sp>
+        <p:sp>
+          <p:nvSpPr>
+            <p:cNvPr id="19" name="矩形 18"/>
+            <p:cNvSpPr/>
+            <p:nvPr>
+              <p:custDataLst>
+                <p:tags r:id="rId15"/>
+              </p:custDataLst>
+            </p:nvPr>
+          </p:nvSpPr>
+          <p:spPr>
+            <a:xfrm>
+              <a:off x="4212000" y="3124800"/>
+              <a:ext cx="914400" cy="914400"/>
+            </a:xfrm>
+            <a:prstGeom prst="rect">
+              <a:avLst/>
+            </a:prstGeom>
+            <a:noFill/>
+            <a:ln>
+              <a:solidFill>
+                <a:schemeClr val="tx1"/>
+              </a:solidFill>
+            </a:ln>
+          </p:spPr>
+          <p:style>
+            <a:lnRef idx="2">
+              <a:schemeClr val="accent1">
+                <a:shade val="50000"/>
+              </a:schemeClr>
+            </a:lnRef>
+            <a:fillRef idx="1">
+              <a:schemeClr val="accent1"/>
+            </a:fillRef>
+            <a:effectRef idx="0">
+              <a:schemeClr val="accent1"/>
+            </a:effectRef>
+            <a:fontRef idx="minor">
+              <a:schemeClr val="lt1"/>
+            </a:fontRef>
+          </p:style>
+          <p:txBody>
+            <a:bodyPr rtlCol="0" anchor="ctr"/>
+            <a:p>
+              <a:pPr algn="ctr"/>
+              <a:endParaRPr lang="zh-CN" altLang="en-US" dirty="0">
+                <a:solidFill>
+                  <a:schemeClr val="tx1"/>
+                </a:solidFill>
+              </a:endParaRPr>
+            </a:p>
+          </p:txBody>
+        </p:sp>
+        <p:sp>
+          <p:nvSpPr>
+            <p:cNvPr id="20" name="矩形 19"/>
+            <p:cNvSpPr/>
+            <p:nvPr>
+              <p:custDataLst>
+                <p:tags r:id="rId16"/>
+              </p:custDataLst>
+            </p:nvPr>
+          </p:nvSpPr>
+          <p:spPr>
+            <a:xfrm>
+              <a:off x="6040800" y="3124800"/>
+              <a:ext cx="914400" cy="914400"/>
+            </a:xfrm>
+            <a:prstGeom prst="rect">
+              <a:avLst/>
+            </a:prstGeom>
+            <a:noFill/>
+            <a:ln>
+              <a:solidFill>
+                <a:schemeClr val="tx1"/>
+              </a:solidFill>
+            </a:ln>
+          </p:spPr>
+          <p:style>
+            <a:lnRef idx="2">
+              <a:schemeClr val="accent1">
+                <a:shade val="50000"/>
+              </a:schemeClr>
+            </a:lnRef>
+            <a:fillRef idx="1">
+              <a:schemeClr val="accent1"/>
+            </a:fillRef>
+            <a:effectRef idx="0">
+              <a:schemeClr val="accent1"/>
+            </a:effectRef>
+            <a:fontRef idx="minor">
+              <a:schemeClr val="lt1"/>
+            </a:fontRef>
+          </p:style>
+          <p:txBody>
+            <a:bodyPr rtlCol="0" anchor="ctr"/>
+            <a:p>
+              <a:pPr algn="ctr"/>
+              <a:endParaRPr lang="zh-CN" altLang="en-US" dirty="0">
+                <a:solidFill>
+                  <a:schemeClr val="tx1"/>
+                </a:solidFill>
+              </a:endParaRPr>
+            </a:p>
+          </p:txBody>
+        </p:sp>
+        <p:sp>
+          <p:nvSpPr>
+            <p:cNvPr id="21" name="矩形 20"/>
+            <p:cNvSpPr/>
+            <p:nvPr>
+              <p:custDataLst>
+                <p:tags r:id="rId17"/>
+              </p:custDataLst>
+            </p:nvPr>
+          </p:nvSpPr>
+          <p:spPr>
+            <a:xfrm>
+              <a:off x="2383200" y="4039200"/>
+              <a:ext cx="914400" cy="914400"/>
+            </a:xfrm>
+            <a:prstGeom prst="rect">
+              <a:avLst/>
+            </a:prstGeom>
+            <a:noFill/>
+            <a:ln>
+              <a:solidFill>
+                <a:schemeClr val="tx1"/>
+              </a:solidFill>
+            </a:ln>
+          </p:spPr>
+          <p:style>
+            <a:lnRef idx="2">
+              <a:schemeClr val="accent1">
+                <a:shade val="50000"/>
+              </a:schemeClr>
+            </a:lnRef>
+            <a:fillRef idx="1">
+              <a:schemeClr val="accent1"/>
+            </a:fillRef>
+            <a:effectRef idx="0">
+              <a:schemeClr val="accent1"/>
+            </a:effectRef>
+            <a:fontRef idx="minor">
+              <a:schemeClr val="lt1"/>
+            </a:fontRef>
+          </p:style>
+          <p:txBody>
+            <a:bodyPr rtlCol="0" anchor="ctr"/>
+            <a:p>
+              <a:pPr algn="ctr"/>
+              <a:endParaRPr lang="zh-CN" altLang="en-US" dirty="0">
+                <a:solidFill>
+                  <a:schemeClr val="tx1"/>
+                </a:solidFill>
+              </a:endParaRPr>
+            </a:p>
+          </p:txBody>
+        </p:sp>
+        <p:sp>
+          <p:nvSpPr>
+            <p:cNvPr id="22" name="矩形 21"/>
+            <p:cNvSpPr/>
+            <p:nvPr>
+              <p:custDataLst>
+                <p:tags r:id="rId18"/>
+              </p:custDataLst>
+            </p:nvPr>
+          </p:nvSpPr>
+          <p:spPr>
+            <a:xfrm>
+              <a:off x="3297600" y="4039200"/>
+              <a:ext cx="914400" cy="914400"/>
+            </a:xfrm>
+            <a:prstGeom prst="rect">
+              <a:avLst/>
+            </a:prstGeom>
+            <a:noFill/>
+            <a:ln>
+              <a:solidFill>
+                <a:schemeClr val="tx1"/>
+              </a:solidFill>
+            </a:ln>
+          </p:spPr>
+          <p:style>
+            <a:lnRef idx="2">
+              <a:schemeClr val="accent1">
+                <a:shade val="50000"/>
+              </a:schemeClr>
+            </a:lnRef>
+            <a:fillRef idx="1">
+              <a:schemeClr val="accent1"/>
+            </a:fillRef>
+            <a:effectRef idx="0">
+              <a:schemeClr val="accent1"/>
+            </a:effectRef>
+            <a:fontRef idx="minor">
+              <a:schemeClr val="lt1"/>
+            </a:fontRef>
+          </p:style>
+          <p:txBody>
+            <a:bodyPr rtlCol="0" anchor="ctr"/>
+            <a:p>
+              <a:pPr algn="ctr"/>
+              <a:r>
+                <a:rPr lang="en-US" altLang="zh-CN" dirty="0">
+                  <a:solidFill>
+                    <a:schemeClr val="tx1"/>
+                  </a:solidFill>
+                </a:rPr>
+                <a:t>C</a:t>
+              </a:r>
+              <a:endParaRPr lang="zh-CN" altLang="en-US" dirty="0">
+                <a:solidFill>
+                  <a:schemeClr val="tx1"/>
+                </a:solidFill>
+              </a:endParaRPr>
+            </a:p>
+          </p:txBody>
+        </p:sp>
+        <p:sp>
+          <p:nvSpPr>
+            <p:cNvPr id="23" name="矩形 22"/>
+            <p:cNvSpPr/>
+            <p:nvPr>
+              <p:custDataLst>
+                <p:tags r:id="rId19"/>
+              </p:custDataLst>
+            </p:nvPr>
+          </p:nvSpPr>
+          <p:spPr>
+            <a:xfrm>
+              <a:off x="5126400" y="4039200"/>
+              <a:ext cx="914400" cy="914400"/>
+            </a:xfrm>
+            <a:prstGeom prst="rect">
+              <a:avLst/>
+            </a:prstGeom>
+            <a:noFill/>
+            <a:ln>
+              <a:solidFill>
+                <a:schemeClr val="tx1"/>
+              </a:solidFill>
+            </a:ln>
+          </p:spPr>
+          <p:style>
+            <a:lnRef idx="2">
+              <a:schemeClr val="accent1">
+                <a:shade val="50000"/>
+              </a:schemeClr>
+            </a:lnRef>
+            <a:fillRef idx="1">
+              <a:schemeClr val="accent1"/>
+            </a:fillRef>
+            <a:effectRef idx="0">
+              <a:schemeClr val="accent1"/>
+            </a:effectRef>
+            <a:fontRef idx="minor">
+              <a:schemeClr val="lt1"/>
+            </a:fontRef>
+          </p:style>
+          <p:txBody>
+            <a:bodyPr rtlCol="0" anchor="ctr"/>
+            <a:p>
+              <a:pPr algn="ctr"/>
+              <a:endParaRPr lang="zh-CN" altLang="en-US" dirty="0">
+                <a:solidFill>
+                  <a:schemeClr val="tx1"/>
+                </a:solidFill>
+              </a:endParaRPr>
+            </a:p>
+          </p:txBody>
+        </p:sp>
+        <p:sp>
+          <p:nvSpPr>
+            <p:cNvPr id="24" name="矩形 23"/>
+            <p:cNvSpPr/>
+            <p:nvPr>
+              <p:custDataLst>
+                <p:tags r:id="rId20"/>
+              </p:custDataLst>
+            </p:nvPr>
+          </p:nvSpPr>
+          <p:spPr>
+            <a:xfrm>
+              <a:off x="4212000" y="4039200"/>
+              <a:ext cx="914400" cy="914400"/>
+            </a:xfrm>
+            <a:prstGeom prst="rect">
+              <a:avLst/>
+            </a:prstGeom>
+            <a:noFill/>
+            <a:ln>
+              <a:solidFill>
+                <a:schemeClr val="tx1"/>
+              </a:solidFill>
+            </a:ln>
+          </p:spPr>
+          <p:style>
+            <a:lnRef idx="2">
+              <a:schemeClr val="accent1">
+                <a:shade val="50000"/>
+              </a:schemeClr>
+            </a:lnRef>
+            <a:fillRef idx="1">
+              <a:schemeClr val="accent1"/>
+            </a:fillRef>
+            <a:effectRef idx="0">
+              <a:schemeClr val="accent1"/>
+            </a:effectRef>
+            <a:fontRef idx="minor">
+              <a:schemeClr val="lt1"/>
+            </a:fontRef>
+          </p:style>
+          <p:txBody>
+            <a:bodyPr rtlCol="0" anchor="ctr"/>
+            <a:p>
+              <a:pPr algn="ctr"/>
+              <a:endParaRPr lang="zh-CN" altLang="en-US" dirty="0">
+                <a:solidFill>
+                  <a:schemeClr val="tx1"/>
+                </a:solidFill>
+              </a:endParaRPr>
+            </a:p>
+          </p:txBody>
+        </p:sp>
+        <p:sp>
+          <p:nvSpPr>
+            <p:cNvPr id="25" name="矩形 24"/>
+            <p:cNvSpPr/>
+            <p:nvPr>
+              <p:custDataLst>
+                <p:tags r:id="rId21"/>
+              </p:custDataLst>
+            </p:nvPr>
+          </p:nvSpPr>
+          <p:spPr>
+            <a:xfrm>
+              <a:off x="6040800" y="4039200"/>
+              <a:ext cx="914400" cy="914400"/>
+            </a:xfrm>
+            <a:prstGeom prst="rect">
+              <a:avLst/>
+            </a:prstGeom>
+            <a:noFill/>
+            <a:ln>
+              <a:solidFill>
+                <a:schemeClr val="tx1"/>
+              </a:solidFill>
+            </a:ln>
+          </p:spPr>
+          <p:style>
+            <a:lnRef idx="2">
+              <a:schemeClr val="accent1">
+                <a:shade val="50000"/>
+              </a:schemeClr>
+            </a:lnRef>
+            <a:fillRef idx="1">
+              <a:schemeClr val="accent1"/>
+            </a:fillRef>
+            <a:effectRef idx="0">
+              <a:schemeClr val="accent1"/>
+            </a:effectRef>
+            <a:fontRef idx="minor">
+              <a:schemeClr val="lt1"/>
+            </a:fontRef>
+          </p:style>
+          <p:txBody>
+            <a:bodyPr rtlCol="0" anchor="ctr"/>
+            <a:p>
+              <a:pPr algn="ctr"/>
+              <a:endParaRPr lang="zh-CN" altLang="en-US" dirty="0">
+                <a:solidFill>
+                  <a:schemeClr val="tx1"/>
+                </a:solidFill>
+              </a:endParaRPr>
+            </a:p>
+          </p:txBody>
+        </p:sp>
+        <p:sp>
+          <p:nvSpPr>
+            <p:cNvPr id="26" name="矩形 25"/>
+            <p:cNvSpPr/>
+            <p:nvPr>
+              <p:custDataLst>
+                <p:tags r:id="rId22"/>
+              </p:custDataLst>
+            </p:nvPr>
+          </p:nvSpPr>
+          <p:spPr>
+            <a:xfrm>
+              <a:off x="2383200" y="4953600"/>
+              <a:ext cx="914400" cy="914400"/>
+            </a:xfrm>
+            <a:prstGeom prst="rect">
+              <a:avLst/>
+            </a:prstGeom>
+            <a:noFill/>
+            <a:ln>
+              <a:solidFill>
+                <a:schemeClr val="tx1"/>
+              </a:solidFill>
+            </a:ln>
+          </p:spPr>
+          <p:style>
+            <a:lnRef idx="2">
+              <a:schemeClr val="accent1">
+                <a:shade val="50000"/>
+              </a:schemeClr>
+            </a:lnRef>
+            <a:fillRef idx="1">
+              <a:schemeClr val="accent1"/>
+            </a:fillRef>
+            <a:effectRef idx="0">
+              <a:schemeClr val="accent1"/>
+            </a:effectRef>
+            <a:fontRef idx="minor">
+              <a:schemeClr val="lt1"/>
+            </a:fontRef>
+          </p:style>
+          <p:txBody>
+            <a:bodyPr rtlCol="0" anchor="ctr"/>
+            <a:p>
+              <a:pPr algn="ctr"/>
+              <a:endParaRPr lang="zh-CN" altLang="en-US" dirty="0">
+                <a:solidFill>
+                  <a:schemeClr val="tx1"/>
+                </a:solidFill>
+              </a:endParaRPr>
+            </a:p>
+          </p:txBody>
+        </p:sp>
+        <p:sp>
+          <p:nvSpPr>
+            <p:cNvPr id="27" name="矩形 26"/>
+            <p:cNvSpPr/>
+            <p:nvPr>
+              <p:custDataLst>
+                <p:tags r:id="rId23"/>
+              </p:custDataLst>
+            </p:nvPr>
+          </p:nvSpPr>
+          <p:spPr>
+            <a:xfrm>
+              <a:off x="3297600" y="4953600"/>
+              <a:ext cx="914400" cy="914400"/>
+            </a:xfrm>
+            <a:prstGeom prst="rect">
+              <a:avLst/>
+            </a:prstGeom>
+            <a:noFill/>
+            <a:ln>
+              <a:solidFill>
+                <a:schemeClr val="tx1"/>
+              </a:solidFill>
+            </a:ln>
+          </p:spPr>
+          <p:style>
+            <a:lnRef idx="2">
+              <a:schemeClr val="accent1">
+                <a:shade val="50000"/>
+              </a:schemeClr>
+            </a:lnRef>
+            <a:fillRef idx="1">
+              <a:schemeClr val="accent1"/>
+            </a:fillRef>
+            <a:effectRef idx="0">
+              <a:schemeClr val="accent1"/>
+            </a:effectRef>
+            <a:fontRef idx="minor">
+              <a:schemeClr val="lt1"/>
+            </a:fontRef>
+          </p:style>
+          <p:txBody>
+            <a:bodyPr rtlCol="0" anchor="ctr"/>
+            <a:p>
+              <a:pPr algn="ctr"/>
+              <a:endParaRPr lang="zh-CN" altLang="en-US" dirty="0">
+                <a:solidFill>
+                  <a:schemeClr val="tx1"/>
+                </a:solidFill>
+              </a:endParaRPr>
+            </a:p>
+          </p:txBody>
+        </p:sp>
+        <p:sp>
+          <p:nvSpPr>
+            <p:cNvPr id="28" name="矩形 27"/>
+            <p:cNvSpPr/>
+            <p:nvPr>
+              <p:custDataLst>
+                <p:tags r:id="rId24"/>
+              </p:custDataLst>
+            </p:nvPr>
+          </p:nvSpPr>
+          <p:spPr>
+            <a:xfrm>
+              <a:off x="5126400" y="4953600"/>
+              <a:ext cx="914400" cy="914400"/>
+            </a:xfrm>
+            <a:prstGeom prst="rect">
+              <a:avLst/>
+            </a:prstGeom>
+            <a:noFill/>
+            <a:ln>
+              <a:solidFill>
+                <a:schemeClr val="tx1"/>
+              </a:solidFill>
+            </a:ln>
+          </p:spPr>
+          <p:style>
+            <a:lnRef idx="2">
+              <a:schemeClr val="accent1">
+                <a:shade val="50000"/>
+              </a:schemeClr>
+            </a:lnRef>
+            <a:fillRef idx="1">
+              <a:schemeClr val="accent1"/>
+            </a:fillRef>
+            <a:effectRef idx="0">
+              <a:schemeClr val="accent1"/>
+            </a:effectRef>
+            <a:fontRef idx="minor">
+              <a:schemeClr val="lt1"/>
+            </a:fontRef>
+          </p:style>
+          <p:txBody>
+            <a:bodyPr rtlCol="0" anchor="ctr"/>
+            <a:p>
+              <a:pPr algn="ctr"/>
+              <a:endParaRPr lang="zh-CN" altLang="en-US" dirty="0">
+                <a:solidFill>
+                  <a:schemeClr val="tx1"/>
+                </a:solidFill>
+              </a:endParaRPr>
+            </a:p>
+          </p:txBody>
+        </p:sp>
+        <p:sp>
+          <p:nvSpPr>
+            <p:cNvPr id="29" name="矩形 28"/>
+            <p:cNvSpPr/>
+            <p:nvPr>
+              <p:custDataLst>
+                <p:tags r:id="rId25"/>
+              </p:custDataLst>
+            </p:nvPr>
+          </p:nvSpPr>
+          <p:spPr>
+            <a:xfrm>
+              <a:off x="4212000" y="4953600"/>
+              <a:ext cx="914400" cy="914400"/>
+            </a:xfrm>
+            <a:prstGeom prst="rect">
+              <a:avLst/>
+            </a:prstGeom>
+            <a:noFill/>
+            <a:ln>
+              <a:solidFill>
+                <a:schemeClr val="tx1"/>
+              </a:solidFill>
+            </a:ln>
+          </p:spPr>
+          <p:style>
+            <a:lnRef idx="2">
+              <a:schemeClr val="accent1">
+                <a:shade val="50000"/>
+              </a:schemeClr>
+            </a:lnRef>
+            <a:fillRef idx="1">
+              <a:schemeClr val="accent1"/>
+            </a:fillRef>
+            <a:effectRef idx="0">
+              <a:schemeClr val="accent1"/>
+            </a:effectRef>
+            <a:fontRef idx="minor">
+              <a:schemeClr val="lt1"/>
+            </a:fontRef>
+          </p:style>
+          <p:txBody>
+            <a:bodyPr rtlCol="0" anchor="ctr"/>
+            <a:p>
+              <a:pPr algn="ctr"/>
+              <a:endParaRPr lang="zh-CN" altLang="en-US" dirty="0">
+                <a:solidFill>
+                  <a:schemeClr val="tx1"/>
+                </a:solidFill>
+              </a:endParaRPr>
+            </a:p>
+          </p:txBody>
+        </p:sp>
+        <p:sp>
+          <p:nvSpPr>
+            <p:cNvPr id="30" name="矩形 29"/>
+            <p:cNvSpPr/>
+            <p:nvPr>
+              <p:custDataLst>
+                <p:tags r:id="rId26"/>
+              </p:custDataLst>
+            </p:nvPr>
+          </p:nvSpPr>
+          <p:spPr>
+            <a:xfrm>
+              <a:off x="6040800" y="4953600"/>
+              <a:ext cx="914400" cy="914400"/>
+            </a:xfrm>
+            <a:prstGeom prst="rect">
+              <a:avLst/>
+            </a:prstGeom>
+            <a:noFill/>
+            <a:ln>
+              <a:solidFill>
+                <a:schemeClr val="tx1"/>
+              </a:solidFill>
+            </a:ln>
+          </p:spPr>
+          <p:style>
+            <a:lnRef idx="2">
+              <a:schemeClr val="accent1">
+                <a:shade val="50000"/>
+              </a:schemeClr>
+            </a:lnRef>
+            <a:fillRef idx="1">
+              <a:schemeClr val="accent1"/>
+            </a:fillRef>
+            <a:effectRef idx="0">
+              <a:schemeClr val="accent1"/>
+            </a:effectRef>
+            <a:fontRef idx="minor">
+              <a:schemeClr val="lt1"/>
+            </a:fontRef>
+          </p:style>
+          <p:txBody>
+            <a:bodyPr rtlCol="0" anchor="ctr"/>
+            <a:p>
+              <a:pPr algn="ctr"/>
+              <a:endParaRPr lang="zh-CN" altLang="en-US" dirty="0">
+                <a:solidFill>
+                  <a:schemeClr val="tx1"/>
+                </a:solidFill>
+              </a:endParaRPr>
             </a:p>
           </p:txBody>
         </p:sp>
         <p:cxnSp>
           <p:nvCxnSpPr>
-            <p:cNvPr id="10" name="连接符: 肘形 9">
-              <a:extLst>
-                <a:ext uri="{FF2B5EF4-FFF2-40B4-BE49-F238E27FC236}">
-                  <a16:creationId xmlns:a16="http://schemas.microsoft.com/office/drawing/2014/main" id="{EC773409-756E-489D-ABB1-BAED63D7EC41}"/>
-                </a:ext>
-              </a:extLst>
-            </p:cNvPr>
-            <p:cNvCxnSpPr>
-              <a:stCxn id="4" idx="3"/>
-              <a:endCxn id="5" idx="1"/>
-            </p:cNvCxnSpPr>
-            <p:nvPr/>
+            <p:cNvPr id="34" name="直接箭头连接符 33"/>
+            <p:cNvCxnSpPr/>
+            <p:nvPr>
+              <p:custDataLst>
+                <p:tags r:id="rId27"/>
+              </p:custDataLst>
+            </p:nvPr>
           </p:nvCxnSpPr>
           <p:spPr>
             <a:xfrm flipV="1">
-              <a:off x="2139950" y="3238500"/>
-              <a:ext cx="692150" cy="1188244"/>
+              <a:off x="5583600" y="2851200"/>
+              <a:ext cx="0" cy="577800"/>
             </a:xfrm>
-            <a:prstGeom prst="bentConnector3">
+            <a:prstGeom prst="straightConnector1">
               <a:avLst/>
             </a:prstGeom>
             <a:ln>
@@ -7589,25 +9080,20 @@
         </p:cxnSp>
         <p:cxnSp>
           <p:nvCxnSpPr>
-            <p:cNvPr id="12" name="连接符: 肘形 11">
-              <a:extLst>
-                <a:ext uri="{FF2B5EF4-FFF2-40B4-BE49-F238E27FC236}">
-                  <a16:creationId xmlns:a16="http://schemas.microsoft.com/office/drawing/2014/main" id="{C6798E02-4FD9-43E6-9532-18A177160FFF}"/>
-                </a:ext>
-              </a:extLst>
-            </p:cNvPr>
-            <p:cNvCxnSpPr>
-              <a:stCxn id="4" idx="3"/>
-              <a:endCxn id="6" idx="1"/>
-            </p:cNvCxnSpPr>
-            <p:nvPr/>
+            <p:cNvPr id="35" name="直接箭头连接符 34"/>
+            <p:cNvCxnSpPr/>
+            <p:nvPr>
+              <p:custDataLst>
+                <p:tags r:id="rId28"/>
+              </p:custDataLst>
+            </p:nvPr>
           </p:nvCxnSpPr>
           <p:spPr>
-            <a:xfrm>
-              <a:off x="2139950" y="4426744"/>
-              <a:ext cx="692150" cy="1299369"/>
+            <a:xfrm flipH="1">
+              <a:off x="3924000" y="3582000"/>
+              <a:ext cx="1533600" cy="0"/>
             </a:xfrm>
-            <a:prstGeom prst="bentConnector3">
+            <a:prstGeom prst="straightConnector1">
               <a:avLst/>
             </a:prstGeom>
             <a:ln>
@@ -7631,25 +9117,20 @@
         </p:cxnSp>
         <p:cxnSp>
           <p:nvCxnSpPr>
-            <p:cNvPr id="14" name="连接符: 肘形 13">
-              <a:extLst>
-                <a:ext uri="{FF2B5EF4-FFF2-40B4-BE49-F238E27FC236}">
-                  <a16:creationId xmlns:a16="http://schemas.microsoft.com/office/drawing/2014/main" id="{ABA4F23B-421B-4845-B148-4AD2F1893A16}"/>
-                </a:ext>
-              </a:extLst>
-            </p:cNvPr>
-            <p:cNvCxnSpPr>
-              <a:stCxn id="5" idx="3"/>
-              <a:endCxn id="7" idx="1"/>
-            </p:cNvCxnSpPr>
-            <p:nvPr/>
+            <p:cNvPr id="42" name="直接箭头连接符 41"/>
+            <p:cNvCxnSpPr/>
+            <p:nvPr>
+              <p:custDataLst>
+                <p:tags r:id="rId29"/>
+              </p:custDataLst>
+            </p:nvPr>
           </p:nvCxnSpPr>
           <p:spPr>
-            <a:xfrm flipV="1">
-              <a:off x="4133850" y="2800350"/>
-              <a:ext cx="1143000" cy="438150"/>
+            <a:xfrm flipH="1">
+              <a:off x="3006600" y="1753200"/>
+              <a:ext cx="582000" cy="0"/>
             </a:xfrm>
-            <a:prstGeom prst="bentConnector3">
+            <a:prstGeom prst="straightConnector1">
               <a:avLst/>
             </a:prstGeom>
             <a:ln>
@@ -7673,25 +9154,20 @@
         </p:cxnSp>
         <p:cxnSp>
           <p:nvCxnSpPr>
-            <p:cNvPr id="16" name="连接符: 肘形 15">
-              <a:extLst>
-                <a:ext uri="{FF2B5EF4-FFF2-40B4-BE49-F238E27FC236}">
-                  <a16:creationId xmlns:a16="http://schemas.microsoft.com/office/drawing/2014/main" id="{2E0CFAE6-99C6-47B9-A866-2265B7EA3BCC}"/>
-                </a:ext>
-              </a:extLst>
-            </p:cNvPr>
-            <p:cNvCxnSpPr>
-              <a:stCxn id="5" idx="3"/>
-              <a:endCxn id="8" idx="1"/>
-            </p:cNvCxnSpPr>
-            <p:nvPr/>
+            <p:cNvPr id="45" name="直接箭头连接符 44"/>
+            <p:cNvCxnSpPr/>
+            <p:nvPr>
+              <p:custDataLst>
+                <p:tags r:id="rId30"/>
+              </p:custDataLst>
+            </p:nvPr>
           </p:nvCxnSpPr>
           <p:spPr>
-            <a:xfrm>
-              <a:off x="4133850" y="3238500"/>
-              <a:ext cx="1155700" cy="901700"/>
+            <a:xfrm flipV="1">
+              <a:off x="3754800" y="1921500"/>
+              <a:ext cx="0" cy="1507500"/>
             </a:xfrm>
-            <a:prstGeom prst="bentConnector3">
+            <a:prstGeom prst="straightConnector1">
               <a:avLst/>
             </a:prstGeom>
             <a:ln>
@@ -7713,172 +9189,22 @@
             </a:fontRef>
           </p:style>
         </p:cxnSp>
-        <p:sp>
-          <p:nvSpPr>
-            <p:cNvPr id="17" name="矩形 16">
-              <a:extLst>
-                <a:ext uri="{FF2B5EF4-FFF2-40B4-BE49-F238E27FC236}">
-                  <a16:creationId xmlns:a16="http://schemas.microsoft.com/office/drawing/2014/main" id="{7D4ADF9D-D63F-4756-997A-33215F9B412D}"/>
-                </a:ext>
-              </a:extLst>
-            </p:cNvPr>
-            <p:cNvSpPr/>
-            <p:nvPr/>
-          </p:nvSpPr>
-          <p:spPr>
-            <a:xfrm>
-              <a:off x="5035550" y="2270125"/>
-              <a:ext cx="1758950" cy="1158875"/>
-            </a:xfrm>
-            <a:prstGeom prst="rect">
-              <a:avLst/>
-            </a:prstGeom>
-            <a:noFill/>
-            <a:ln>
-              <a:solidFill>
-                <a:srgbClr val="FF0000"/>
-              </a:solidFill>
-            </a:ln>
-          </p:spPr>
-          <p:style>
-            <a:lnRef idx="2">
-              <a:schemeClr val="accent1">
-                <a:shade val="50000"/>
-              </a:schemeClr>
-            </a:lnRef>
-            <a:fillRef idx="1">
-              <a:schemeClr val="accent1"/>
-            </a:fillRef>
-            <a:effectRef idx="0">
-              <a:schemeClr val="accent1"/>
-            </a:effectRef>
-            <a:fontRef idx="minor">
-              <a:schemeClr val="lt1"/>
-            </a:fontRef>
-          </p:style>
-          <p:txBody>
-            <a:bodyPr rtlCol="0" anchor="ctr"/>
-            <a:lstStyle/>
-            <a:p>
-              <a:pPr algn="ctr"/>
-              <a:endParaRPr lang="zh-CN" altLang="en-US"/>
-            </a:p>
-          </p:txBody>
-        </p:sp>
         <p:cxnSp>
           <p:nvCxnSpPr>
-            <p:cNvPr id="19" name="连接符: 肘形 18">
-              <a:extLst>
-                <a:ext uri="{FF2B5EF4-FFF2-40B4-BE49-F238E27FC236}">
-                  <a16:creationId xmlns:a16="http://schemas.microsoft.com/office/drawing/2014/main" id="{3E3DA392-431B-41C7-9062-36000822D94C}"/>
-                </a:ext>
-              </a:extLst>
-            </p:cNvPr>
-            <p:cNvCxnSpPr>
-              <a:cxnSpLocks/>
-              <a:stCxn id="7" idx="3"/>
-              <a:endCxn id="22" idx="1"/>
-            </p:cNvCxnSpPr>
-            <p:nvPr/>
+            <p:cNvPr id="48" name="直接箭头连接符 47"/>
+            <p:cNvCxnSpPr/>
+            <p:nvPr>
+              <p:custDataLst>
+                <p:tags r:id="rId31"/>
+              </p:custDataLst>
+            </p:nvPr>
           </p:nvCxnSpPr>
           <p:spPr>
             <a:xfrm>
-              <a:off x="6578600" y="2800350"/>
-              <a:ext cx="1314450" cy="724694"/>
+              <a:off x="3754800" y="3772800"/>
+              <a:ext cx="0" cy="540000"/>
             </a:xfrm>
-            <a:prstGeom prst="bentConnector3">
-              <a:avLst/>
-            </a:prstGeom>
-            <a:ln>
-              <a:tailEnd type="triangle"/>
-            </a:ln>
-          </p:spPr>
-          <p:style>
-            <a:lnRef idx="1">
-              <a:schemeClr val="accent1"/>
-            </a:lnRef>
-            <a:fillRef idx="0">
-              <a:schemeClr val="accent1"/>
-            </a:fillRef>
-            <a:effectRef idx="0">
-              <a:schemeClr val="accent1"/>
-            </a:effectRef>
-            <a:fontRef idx="minor">
-              <a:schemeClr val="tx1"/>
-            </a:fontRef>
-          </p:style>
-        </p:cxnSp>
-        <p:sp>
-          <p:nvSpPr>
-            <p:cNvPr id="22" name="矩形 21">
-              <a:extLst>
-                <a:ext uri="{FF2B5EF4-FFF2-40B4-BE49-F238E27FC236}">
-                  <a16:creationId xmlns:a16="http://schemas.microsoft.com/office/drawing/2014/main" id="{89EA53DA-A06A-4790-A9A0-B93094EEEFD2}"/>
-                </a:ext>
-              </a:extLst>
-            </p:cNvPr>
-            <p:cNvSpPr/>
-            <p:nvPr/>
-          </p:nvSpPr>
-          <p:spPr>
-            <a:xfrm>
-              <a:off x="7893050" y="3074194"/>
-              <a:ext cx="1301750" cy="901700"/>
-            </a:xfrm>
-            <a:prstGeom prst="rect">
-              <a:avLst/>
-            </a:prstGeom>
-          </p:spPr>
-          <p:style>
-            <a:lnRef idx="2">
-              <a:schemeClr val="accent1">
-                <a:shade val="50000"/>
-              </a:schemeClr>
-            </a:lnRef>
-            <a:fillRef idx="1">
-              <a:schemeClr val="accent1"/>
-            </a:fillRef>
-            <a:effectRef idx="0">
-              <a:schemeClr val="accent1"/>
-            </a:effectRef>
-            <a:fontRef idx="minor">
-              <a:schemeClr val="lt1"/>
-            </a:fontRef>
-          </p:style>
-          <p:txBody>
-            <a:bodyPr rtlCol="0" anchor="ctr"/>
-            <a:lstStyle/>
-            <a:p>
-              <a:pPr algn="ctr"/>
-              <a:r>
-                <a:rPr lang="zh-CN" altLang="en-US" dirty="0"/>
-                <a:t>合并</a:t>
-              </a:r>
-            </a:p>
-          </p:txBody>
-        </p:sp>
-        <p:cxnSp>
-          <p:nvCxnSpPr>
-            <p:cNvPr id="25" name="连接符: 肘形 24">
-              <a:extLst>
-                <a:ext uri="{FF2B5EF4-FFF2-40B4-BE49-F238E27FC236}">
-                  <a16:creationId xmlns:a16="http://schemas.microsoft.com/office/drawing/2014/main" id="{1A303889-EA95-42CB-8402-640BABC22385}"/>
-                </a:ext>
-              </a:extLst>
-            </p:cNvPr>
-            <p:cNvCxnSpPr>
-              <a:cxnSpLocks/>
-              <a:stCxn id="8" idx="3"/>
-              <a:endCxn id="22" idx="1"/>
-            </p:cNvCxnSpPr>
-            <p:nvPr/>
-          </p:nvCxnSpPr>
-          <p:spPr>
-            <a:xfrm flipV="1">
-              <a:off x="6591300" y="3525044"/>
-              <a:ext cx="1301750" cy="615156"/>
-            </a:xfrm>
-            <a:prstGeom prst="bentConnector3">
+            <a:prstGeom prst="straightConnector1">
               <a:avLst/>
             </a:prstGeom>
             <a:ln>
@@ -7903,20 +9229,18 @@
       </p:grpSp>
       <p:sp>
         <p:nvSpPr>
-          <p:cNvPr id="30" name="文本框 29">
-            <a:extLst>
-              <a:ext uri="{FF2B5EF4-FFF2-40B4-BE49-F238E27FC236}">
-                <a16:creationId xmlns:a16="http://schemas.microsoft.com/office/drawing/2014/main" id="{6A0F77AF-7CE9-45D5-B531-7EECB027E5D9}"/>
-              </a:ext>
-            </a:extLst>
-          </p:cNvPr>
+          <p:cNvPr id="52" name="文本框 51"/>
           <p:cNvSpPr txBox="1"/>
-          <p:nvPr/>
+          <p:nvPr>
+            <p:custDataLst>
+              <p:tags r:id="rId32"/>
+            </p:custDataLst>
+          </p:nvPr>
         </p:nvSpPr>
         <p:spPr>
           <a:xfrm>
-            <a:off x="7880350" y="5174456"/>
-            <a:ext cx="3314700" cy="1200329"/>
+            <a:off x="4841240" y="3695700"/>
+            <a:ext cx="306705" cy="369570"/>
           </a:xfrm>
           <a:prstGeom prst="rect">
             <a:avLst/>
@@ -7924,53 +9248,430 @@
           <a:noFill/>
         </p:spPr>
         <p:txBody>
-          <a:bodyPr wrap="square" rtlCol="0">
+          <a:bodyPr wrap="none" rtlCol="0">
             <a:spAutoFit/>
           </a:bodyPr>
-          <a:lstStyle/>
-          <a:p>
-            <a:pPr marL="342900" indent="-342900">
-              <a:buAutoNum type="arabicPeriod"/>
-            </a:pPr>
-            <a:r>
-              <a:rPr lang="zh-CN" altLang="en-US" dirty="0"/>
-              <a:t>网格上计算到达所有</a:t>
-            </a:r>
-            <a:r>
-              <a:rPr lang="en-US" altLang="zh-CN" dirty="0"/>
-              <a:t>Consumer</a:t>
-            </a:r>
-            <a:r>
-              <a:rPr lang="zh-CN" altLang="en-US" dirty="0"/>
-              <a:t>的最短路径，</a:t>
-            </a:r>
-            <a:r>
-              <a:rPr lang="en-US" altLang="zh-CN" dirty="0"/>
-              <a:t>Dijkstra</a:t>
-            </a:r>
-          </a:p>
-          <a:p>
-            <a:pPr marL="342900" indent="-342900">
-              <a:buAutoNum type="arabicPeriod"/>
-            </a:pPr>
-            <a:r>
-              <a:rPr lang="zh-CN" altLang="en-US" dirty="0"/>
-              <a:t>最短路径求解交叉点</a:t>
-            </a:r>
+          <a:p>
+            <a:r>
+              <a:rPr lang="en-US" altLang="zh-CN" dirty="0">
+                <a:solidFill>
+                  <a:srgbClr val="FF0000"/>
+                </a:solidFill>
+              </a:rPr>
+              <a:t>0</a:t>
+            </a:r>
+            <a:endParaRPr lang="zh-CN" altLang="en-US" dirty="0">
+              <a:solidFill>
+                <a:srgbClr val="FF0000"/>
+              </a:solidFill>
+            </a:endParaRPr>
+          </a:p>
+        </p:txBody>
+      </p:sp>
+      <p:sp>
+        <p:nvSpPr>
+          <p:cNvPr id="53" name="文本框 52"/>
+          <p:cNvSpPr txBox="1"/>
+          <p:nvPr>
+            <p:custDataLst>
+              <p:tags r:id="rId33"/>
+            </p:custDataLst>
+          </p:nvPr>
+        </p:nvSpPr>
+        <p:spPr>
+          <a:xfrm>
+            <a:off x="2445385" y="2172335"/>
+            <a:ext cx="306705" cy="369570"/>
+          </a:xfrm>
+          <a:prstGeom prst="rect">
+            <a:avLst/>
+          </a:prstGeom>
+          <a:noFill/>
+        </p:spPr>
+        <p:txBody>
+          <a:bodyPr wrap="none" rtlCol="0">
+            <a:spAutoFit/>
+          </a:bodyPr>
+          <a:p>
+            <a:r>
+              <a:rPr lang="en-US" altLang="zh-CN" dirty="0">
+                <a:solidFill>
+                  <a:srgbClr val="FF0000"/>
+                </a:solidFill>
+              </a:rPr>
+              <a:t>0</a:t>
+            </a:r>
+            <a:endParaRPr lang="zh-CN" altLang="en-US" dirty="0">
+              <a:solidFill>
+                <a:srgbClr val="FF0000"/>
+              </a:solidFill>
+            </a:endParaRPr>
+          </a:p>
+        </p:txBody>
+      </p:sp>
+      <p:sp>
+        <p:nvSpPr>
+          <p:cNvPr id="54" name="文本框 53"/>
+          <p:cNvSpPr txBox="1"/>
+          <p:nvPr>
+            <p:custDataLst>
+              <p:tags r:id="rId34"/>
+            </p:custDataLst>
+          </p:nvPr>
+        </p:nvSpPr>
+        <p:spPr>
+          <a:xfrm>
+            <a:off x="3773805" y="3997325"/>
+            <a:ext cx="306705" cy="369570"/>
+          </a:xfrm>
+          <a:prstGeom prst="rect">
+            <a:avLst/>
+          </a:prstGeom>
+          <a:noFill/>
+        </p:spPr>
+        <p:txBody>
+          <a:bodyPr wrap="none" rtlCol="0">
+            <a:spAutoFit/>
+          </a:bodyPr>
+          <a:p>
+            <a:r>
+              <a:rPr lang="en-US" altLang="zh-CN" dirty="0">
+                <a:solidFill>
+                  <a:srgbClr val="FF0000"/>
+                </a:solidFill>
+              </a:rPr>
+              <a:t>0</a:t>
+            </a:r>
+            <a:endParaRPr lang="zh-CN" altLang="en-US" dirty="0">
+              <a:solidFill>
+                <a:srgbClr val="FF0000"/>
+              </a:solidFill>
+            </a:endParaRPr>
+          </a:p>
+        </p:txBody>
+      </p:sp>
+      <p:sp>
+        <p:nvSpPr>
+          <p:cNvPr id="55" name="文本框 54"/>
+          <p:cNvSpPr txBox="1"/>
+          <p:nvPr>
+            <p:custDataLst>
+              <p:tags r:id="rId35"/>
+            </p:custDataLst>
+          </p:nvPr>
+        </p:nvSpPr>
+        <p:spPr>
+          <a:xfrm>
+            <a:off x="2816860" y="4505960"/>
+            <a:ext cx="306705" cy="369570"/>
+          </a:xfrm>
+          <a:prstGeom prst="rect">
+            <a:avLst/>
+          </a:prstGeom>
+          <a:noFill/>
+        </p:spPr>
+        <p:txBody>
+          <a:bodyPr wrap="none" rtlCol="0">
+            <a:spAutoFit/>
+          </a:bodyPr>
+          <a:p>
+            <a:r>
+              <a:rPr lang="en-US" altLang="zh-CN" dirty="0">
+                <a:solidFill>
+                  <a:srgbClr val="FF0000"/>
+                </a:solidFill>
+              </a:rPr>
+              <a:t>0</a:t>
+            </a:r>
+            <a:endParaRPr lang="zh-CN" altLang="en-US" dirty="0">
+              <a:solidFill>
+                <a:srgbClr val="FF0000"/>
+              </a:solidFill>
+            </a:endParaRPr>
+          </a:p>
+        </p:txBody>
+      </p:sp>
+      <p:sp>
+        <p:nvSpPr>
+          <p:cNvPr id="56" name="文本框 55"/>
+          <p:cNvSpPr txBox="1"/>
+          <p:nvPr>
+            <p:custDataLst>
+              <p:tags r:id="rId36"/>
+            </p:custDataLst>
+          </p:nvPr>
+        </p:nvSpPr>
+        <p:spPr>
+          <a:xfrm>
+            <a:off x="2724785" y="3206115"/>
+            <a:ext cx="306705" cy="369570"/>
+          </a:xfrm>
+          <a:prstGeom prst="rect">
+            <a:avLst/>
+          </a:prstGeom>
+          <a:noFill/>
+        </p:spPr>
+        <p:txBody>
+          <a:bodyPr wrap="none" rtlCol="0">
+            <a:spAutoFit/>
+          </a:bodyPr>
+          <a:p>
+            <a:r>
+              <a:rPr lang="en-US" altLang="zh-CN" dirty="0">
+                <a:solidFill>
+                  <a:srgbClr val="FF0000"/>
+                </a:solidFill>
+              </a:rPr>
+              <a:t>0</a:t>
+            </a:r>
+            <a:endParaRPr lang="zh-CN" altLang="en-US" dirty="0">
+              <a:solidFill>
+                <a:srgbClr val="FF0000"/>
+              </a:solidFill>
+            </a:endParaRPr>
           </a:p>
         </p:txBody>
       </p:sp>
     </p:spTree>
-    <p:extLst>
-      <p:ext uri="{BB962C8B-B14F-4D97-AF65-F5344CB8AC3E}">
-        <p14:creationId xmlns:p14="http://schemas.microsoft.com/office/powerpoint/2010/main" val="665208520"/>
-      </p:ext>
-    </p:extLst>
   </p:cSld>
   <p:clrMapOvr>
     <a:masterClrMapping/>
   </p:clrMapOvr>
 </p:sld>
+</file>
+
+<file path=ppt/tags/tag1.xml><?xml version="1.0" encoding="utf-8"?>
+<p:tagLst xmlns:p="http://schemas.openxmlformats.org/presentationml/2006/main">
+  <p:tag name="KSO_WM_BEAUTIFY_FLAG" val=""/>
+</p:tagLst>
+</file>
+
+<file path=ppt/tags/tag10.xml><?xml version="1.0" encoding="utf-8"?>
+<p:tagLst xmlns:p="http://schemas.openxmlformats.org/presentationml/2006/main">
+  <p:tag name="KSO_WM_BEAUTIFY_FLAG" val=""/>
+</p:tagLst>
+</file>
+
+<file path=ppt/tags/tag11.xml><?xml version="1.0" encoding="utf-8"?>
+<p:tagLst xmlns:p="http://schemas.openxmlformats.org/presentationml/2006/main">
+  <p:tag name="KSO_WM_BEAUTIFY_FLAG" val=""/>
+</p:tagLst>
+</file>
+
+<file path=ppt/tags/tag12.xml><?xml version="1.0" encoding="utf-8"?>
+<p:tagLst xmlns:p="http://schemas.openxmlformats.org/presentationml/2006/main">
+  <p:tag name="KSO_WM_BEAUTIFY_FLAG" val=""/>
+</p:tagLst>
+</file>
+
+<file path=ppt/tags/tag13.xml><?xml version="1.0" encoding="utf-8"?>
+<p:tagLst xmlns:p="http://schemas.openxmlformats.org/presentationml/2006/main">
+  <p:tag name="KSO_WM_BEAUTIFY_FLAG" val=""/>
+</p:tagLst>
+</file>
+
+<file path=ppt/tags/tag14.xml><?xml version="1.0" encoding="utf-8"?>
+<p:tagLst xmlns:p="http://schemas.openxmlformats.org/presentationml/2006/main">
+  <p:tag name="KSO_WM_BEAUTIFY_FLAG" val=""/>
+</p:tagLst>
+</file>
+
+<file path=ppt/tags/tag15.xml><?xml version="1.0" encoding="utf-8"?>
+<p:tagLst xmlns:p="http://schemas.openxmlformats.org/presentationml/2006/main">
+  <p:tag name="KSO_WM_BEAUTIFY_FLAG" val=""/>
+</p:tagLst>
+</file>
+
+<file path=ppt/tags/tag16.xml><?xml version="1.0" encoding="utf-8"?>
+<p:tagLst xmlns:p="http://schemas.openxmlformats.org/presentationml/2006/main">
+  <p:tag name="KSO_WM_BEAUTIFY_FLAG" val=""/>
+</p:tagLst>
+</file>
+
+<file path=ppt/tags/tag17.xml><?xml version="1.0" encoding="utf-8"?>
+<p:tagLst xmlns:p="http://schemas.openxmlformats.org/presentationml/2006/main">
+  <p:tag name="KSO_WM_BEAUTIFY_FLAG" val=""/>
+</p:tagLst>
+</file>
+
+<file path=ppt/tags/tag18.xml><?xml version="1.0" encoding="utf-8"?>
+<p:tagLst xmlns:p="http://schemas.openxmlformats.org/presentationml/2006/main">
+  <p:tag name="KSO_WM_BEAUTIFY_FLAG" val=""/>
+</p:tagLst>
+</file>
+
+<file path=ppt/tags/tag19.xml><?xml version="1.0" encoding="utf-8"?>
+<p:tagLst xmlns:p="http://schemas.openxmlformats.org/presentationml/2006/main">
+  <p:tag name="KSO_WM_BEAUTIFY_FLAG" val=""/>
+</p:tagLst>
+</file>
+
+<file path=ppt/tags/tag2.xml><?xml version="1.0" encoding="utf-8"?>
+<p:tagLst xmlns:p="http://schemas.openxmlformats.org/presentationml/2006/main">
+  <p:tag name="KSO_WM_BEAUTIFY_FLAG" val=""/>
+</p:tagLst>
+</file>
+
+<file path=ppt/tags/tag20.xml><?xml version="1.0" encoding="utf-8"?>
+<p:tagLst xmlns:p="http://schemas.openxmlformats.org/presentationml/2006/main">
+  <p:tag name="KSO_WM_BEAUTIFY_FLAG" val=""/>
+</p:tagLst>
+</file>
+
+<file path=ppt/tags/tag21.xml><?xml version="1.0" encoding="utf-8"?>
+<p:tagLst xmlns:p="http://schemas.openxmlformats.org/presentationml/2006/main">
+  <p:tag name="KSO_WM_BEAUTIFY_FLAG" val=""/>
+</p:tagLst>
+</file>
+
+<file path=ppt/tags/tag22.xml><?xml version="1.0" encoding="utf-8"?>
+<p:tagLst xmlns:p="http://schemas.openxmlformats.org/presentationml/2006/main">
+  <p:tag name="KSO_WM_BEAUTIFY_FLAG" val=""/>
+</p:tagLst>
+</file>
+
+<file path=ppt/tags/tag23.xml><?xml version="1.0" encoding="utf-8"?>
+<p:tagLst xmlns:p="http://schemas.openxmlformats.org/presentationml/2006/main">
+  <p:tag name="KSO_WM_BEAUTIFY_FLAG" val=""/>
+</p:tagLst>
+</file>
+
+<file path=ppt/tags/tag24.xml><?xml version="1.0" encoding="utf-8"?>
+<p:tagLst xmlns:p="http://schemas.openxmlformats.org/presentationml/2006/main">
+  <p:tag name="KSO_WM_BEAUTIFY_FLAG" val=""/>
+</p:tagLst>
+</file>
+
+<file path=ppt/tags/tag25.xml><?xml version="1.0" encoding="utf-8"?>
+<p:tagLst xmlns:p="http://schemas.openxmlformats.org/presentationml/2006/main">
+  <p:tag name="KSO_WM_BEAUTIFY_FLAG" val=""/>
+</p:tagLst>
+</file>
+
+<file path=ppt/tags/tag26.xml><?xml version="1.0" encoding="utf-8"?>
+<p:tagLst xmlns:p="http://schemas.openxmlformats.org/presentationml/2006/main">
+  <p:tag name="KSO_WM_BEAUTIFY_FLAG" val=""/>
+</p:tagLst>
+</file>
+
+<file path=ppt/tags/tag27.xml><?xml version="1.0" encoding="utf-8"?>
+<p:tagLst xmlns:p="http://schemas.openxmlformats.org/presentationml/2006/main">
+  <p:tag name="KSO_WM_BEAUTIFY_FLAG" val=""/>
+</p:tagLst>
+</file>
+
+<file path=ppt/tags/tag28.xml><?xml version="1.0" encoding="utf-8"?>
+<p:tagLst xmlns:p="http://schemas.openxmlformats.org/presentationml/2006/main">
+  <p:tag name="KSO_WM_BEAUTIFY_FLAG" val=""/>
+</p:tagLst>
+</file>
+
+<file path=ppt/tags/tag29.xml><?xml version="1.0" encoding="utf-8"?>
+<p:tagLst xmlns:p="http://schemas.openxmlformats.org/presentationml/2006/main">
+  <p:tag name="KSO_WM_BEAUTIFY_FLAG" val=""/>
+</p:tagLst>
+</file>
+
+<file path=ppt/tags/tag3.xml><?xml version="1.0" encoding="utf-8"?>
+<p:tagLst xmlns:p="http://schemas.openxmlformats.org/presentationml/2006/main">
+  <p:tag name="KSO_WM_BEAUTIFY_FLAG" val=""/>
+</p:tagLst>
+</file>
+
+<file path=ppt/tags/tag30.xml><?xml version="1.0" encoding="utf-8"?>
+<p:tagLst xmlns:p="http://schemas.openxmlformats.org/presentationml/2006/main">
+  <p:tag name="KSO_WM_BEAUTIFY_FLAG" val=""/>
+</p:tagLst>
+</file>
+
+<file path=ppt/tags/tag31.xml><?xml version="1.0" encoding="utf-8"?>
+<p:tagLst xmlns:p="http://schemas.openxmlformats.org/presentationml/2006/main">
+  <p:tag name="KSO_WM_BEAUTIFY_FLAG" val=""/>
+</p:tagLst>
+</file>
+
+<file path=ppt/tags/tag32.xml><?xml version="1.0" encoding="utf-8"?>
+<p:tagLst xmlns:p="http://schemas.openxmlformats.org/presentationml/2006/main">
+  <p:tag name="KSO_WM_BEAUTIFY_FLAG" val=""/>
+</p:tagLst>
+</file>
+
+<file path=ppt/tags/tag33.xml><?xml version="1.0" encoding="utf-8"?>
+<p:tagLst xmlns:p="http://schemas.openxmlformats.org/presentationml/2006/main">
+  <p:tag name="KSO_WM_BEAUTIFY_FLAG" val=""/>
+</p:tagLst>
+</file>
+
+<file path=ppt/tags/tag34.xml><?xml version="1.0" encoding="utf-8"?>
+<p:tagLst xmlns:p="http://schemas.openxmlformats.org/presentationml/2006/main">
+  <p:tag name="KSO_WM_BEAUTIFY_FLAG" val=""/>
+</p:tagLst>
+</file>
+
+<file path=ppt/tags/tag35.xml><?xml version="1.0" encoding="utf-8"?>
+<p:tagLst xmlns:p="http://schemas.openxmlformats.org/presentationml/2006/main">
+  <p:tag name="KSO_WM_BEAUTIFY_FLAG" val=""/>
+</p:tagLst>
+</file>
+
+<file path=ppt/tags/tag36.xml><?xml version="1.0" encoding="utf-8"?>
+<p:tagLst xmlns:p="http://schemas.openxmlformats.org/presentationml/2006/main">
+  <p:tag name="KSO_WM_BEAUTIFY_FLAG" val=""/>
+</p:tagLst>
+</file>
+
+<file path=ppt/tags/tag37.xml><?xml version="1.0" encoding="utf-8"?>
+<p:tagLst xmlns:p="http://schemas.openxmlformats.org/presentationml/2006/main">
+  <p:tag name="KSO_WM_BEAUTIFY_FLAG" val=""/>
+</p:tagLst>
+</file>
+
+<file path=ppt/tags/tag38.xml><?xml version="1.0" encoding="utf-8"?>
+<p:tagLst xmlns:p="http://schemas.openxmlformats.org/presentationml/2006/main">
+  <p:tag name="KSO_WM_BEAUTIFY_FLAG" val=""/>
+</p:tagLst>
+</file>
+
+<file path=ppt/tags/tag39.xml><?xml version="1.0" encoding="utf-8"?>
+<p:tagLst xmlns:p="http://schemas.openxmlformats.org/presentationml/2006/main">
+  <p:tag name="commondata" val="eyJoZGlkIjoiMzEwNTM5NzYwMDRjMzkwZTVkZjY2ODkwMGIxNGU0OTUifQ=="/>
+</p:tagLst>
+</file>
+
+<file path=ppt/tags/tag4.xml><?xml version="1.0" encoding="utf-8"?>
+<p:tagLst xmlns:p="http://schemas.openxmlformats.org/presentationml/2006/main">
+  <p:tag name="KSO_WM_BEAUTIFY_FLAG" val=""/>
+</p:tagLst>
+</file>
+
+<file path=ppt/tags/tag5.xml><?xml version="1.0" encoding="utf-8"?>
+<p:tagLst xmlns:p="http://schemas.openxmlformats.org/presentationml/2006/main">
+  <p:tag name="KSO_WM_BEAUTIFY_FLAG" val=""/>
+</p:tagLst>
+</file>
+
+<file path=ppt/tags/tag6.xml><?xml version="1.0" encoding="utf-8"?>
+<p:tagLst xmlns:p="http://schemas.openxmlformats.org/presentationml/2006/main">
+  <p:tag name="KSO_WM_BEAUTIFY_FLAG" val=""/>
+</p:tagLst>
+</file>
+
+<file path=ppt/tags/tag7.xml><?xml version="1.0" encoding="utf-8"?>
+<p:tagLst xmlns:p="http://schemas.openxmlformats.org/presentationml/2006/main">
+  <p:tag name="KSO_WM_BEAUTIFY_FLAG" val=""/>
+</p:tagLst>
+</file>
+
+<file path=ppt/tags/tag8.xml><?xml version="1.0" encoding="utf-8"?>
+<p:tagLst xmlns:p="http://schemas.openxmlformats.org/presentationml/2006/main">
+  <p:tag name="KSO_WM_BEAUTIFY_FLAG" val=""/>
+</p:tagLst>
+</file>
+
+<file path=ppt/tags/tag9.xml><?xml version="1.0" encoding="utf-8"?>
+<p:tagLst xmlns:p="http://schemas.openxmlformats.org/presentationml/2006/main">
+  <p:tag name="KSO_WM_BEAUTIFY_FLAG" val=""/>
+</p:tagLst>
 </file>
 
 <file path=ppt/theme/theme1.xml><?xml version="1.0" encoding="utf-8"?>
@@ -8016,7 +9717,7 @@
     </a:clrScheme>
     <a:fontScheme name="Office">
       <a:majorFont>
-        <a:latin typeface="等线 Light" panose="020F0302020204030204"/>
+        <a:latin typeface="等线 Light"/>
         <a:ea typeface=""/>
         <a:cs typeface=""/>
         <a:font script="Jpan" typeface="游ゴシック Light"/>
@@ -8049,26 +9750,9 @@
         <a:font script="Viet" typeface="Times New Roman"/>
         <a:font script="Uigh" typeface="Microsoft Uighur"/>
         <a:font script="Geor" typeface="Sylfaen"/>
-        <a:font script="Armn" typeface="Arial"/>
-        <a:font script="Bugi" typeface="Leelawadee UI"/>
-        <a:font script="Bopo" typeface="Microsoft JhengHei"/>
-        <a:font script="Java" typeface="Javanese Text"/>
-        <a:font script="Lisu" typeface="Segoe UI"/>
-        <a:font script="Mymr" typeface="Myanmar Text"/>
-        <a:font script="Nkoo" typeface="Ebrima"/>
-        <a:font script="Olck" typeface="Nirmala UI"/>
-        <a:font script="Osma" typeface="Ebrima"/>
-        <a:font script="Phag" typeface="Phagspa"/>
-        <a:font script="Syrn" typeface="Estrangelo Edessa"/>
-        <a:font script="Syrj" typeface="Estrangelo Edessa"/>
-        <a:font script="Syre" typeface="Estrangelo Edessa"/>
-        <a:font script="Sora" typeface="Nirmala UI"/>
-        <a:font script="Tale" typeface="Microsoft Tai Le"/>
-        <a:font script="Talu" typeface="Microsoft New Tai Lue"/>
-        <a:font script="Tfng" typeface="Ebrima"/>
       </a:majorFont>
       <a:minorFont>
-        <a:latin typeface="等线" panose="020F0502020204030204"/>
+        <a:latin typeface="等线"/>
         <a:ea typeface=""/>
         <a:cs typeface=""/>
         <a:font script="Jpan" typeface="游ゴシック"/>
@@ -8101,23 +9785,6 @@
         <a:font script="Viet" typeface="Arial"/>
         <a:font script="Uigh" typeface="Microsoft Uighur"/>
         <a:font script="Geor" typeface="Sylfaen"/>
-        <a:font script="Armn" typeface="Arial"/>
-        <a:font script="Bugi" typeface="Leelawadee UI"/>
-        <a:font script="Bopo" typeface="Microsoft JhengHei"/>
-        <a:font script="Java" typeface="Javanese Text"/>
-        <a:font script="Lisu" typeface="Segoe UI"/>
-        <a:font script="Mymr" typeface="Myanmar Text"/>
-        <a:font script="Nkoo" typeface="Ebrima"/>
-        <a:font script="Olck" typeface="Nirmala UI"/>
-        <a:font script="Osma" typeface="Ebrima"/>
-        <a:font script="Phag" typeface="Phagspa"/>
-        <a:font script="Syrn" typeface="Estrangelo Edessa"/>
-        <a:font script="Syrj" typeface="Estrangelo Edessa"/>
-        <a:font script="Syre" typeface="Estrangelo Edessa"/>
-        <a:font script="Sora" typeface="Nirmala UI"/>
-        <a:font script="Tale" typeface="Microsoft Tai Le"/>
-        <a:font script="Talu" typeface="Microsoft New Tai Lue"/>
-        <a:font script="Tfng" typeface="Ebrima"/>
       </a:minorFont>
     </a:fontScheme>
     <a:fmtScheme name="Office">
@@ -8258,8 +9925,6 @@
       </a:bgFillStyleLst>
     </a:fmtScheme>
   </a:themeElements>
-  <a:objectDefaults/>
-  <a:extraClrSchemeLst/>
   <a:extLst>
     <a:ext uri="{05A4C25C-085E-4340-85A3-A5531E510DB2}">
       <thm15:themeFamily xmlns:thm15="http://schemas.microsoft.com/office/thememl/2012/main" name="Office Theme" id="{62F939B6-93AF-4DB8-9C6B-D6C7DFDC589F}" vid="{4A3C46E8-61CC-4603-A589-7422A47A8E4A}"/>

--- a/huawei/示例输入输出.pptx
+++ b/huawei/示例输入输出.pptx
@@ -4,18 +4,21 @@
   <p:sldMasterIdLst>
     <p:sldMasterId id="2147483648" r:id="rId1"/>
   </p:sldMasterIdLst>
+  <p:notesMasterIdLst>
+    <p:notesMasterId r:id="rId8"/>
+  </p:notesMasterIdLst>
   <p:sldIdLst>
-    <p:sldId id="256" r:id="rId3"/>
-    <p:sldId id="257" r:id="rId4"/>
-    <p:sldId id="258" r:id="rId5"/>
-    <p:sldId id="260" r:id="rId6"/>
-    <p:sldId id="259" r:id="rId7"/>
-    <p:sldId id="262" r:id="rId8"/>
+    <p:sldId id="256" r:id="rId2"/>
+    <p:sldId id="257" r:id="rId3"/>
+    <p:sldId id="258" r:id="rId4"/>
+    <p:sldId id="260" r:id="rId5"/>
+    <p:sldId id="259" r:id="rId6"/>
+    <p:sldId id="262" r:id="rId7"/>
   </p:sldIdLst>
   <p:sldSz cx="12192000" cy="6858000"/>
   <p:notesSz cx="6858000" cy="9144000"/>
   <p:custDataLst>
-    <p:tags r:id="rId12"/>
+    <p:tags r:id="rId9"/>
   </p:custDataLst>
   <p:defaultTextStyle>
     <a:defPPr>
@@ -112,7 +115,445 @@
       </a:defRPr>
     </a:lvl9pPr>
   </p:defaultTextStyle>
+  <p:extLst>
+    <p:ext uri="{EFAFB233-063F-42B5-8137-9DF3F51BA10A}">
+      <p15:sldGuideLst xmlns:p15="http://schemas.microsoft.com/office/powerpoint/2012/main"/>
+    </p:ext>
+  </p:extLst>
 </p:presentation>
+</file>
+
+<file path=ppt/notesMasters/notesMaster1.xml><?xml version="1.0" encoding="utf-8"?>
+<p:notesMaster xmlns:a="http://schemas.openxmlformats.org/drawingml/2006/main" xmlns:r="http://schemas.openxmlformats.org/officeDocument/2006/relationships" xmlns:p="http://schemas.openxmlformats.org/presentationml/2006/main">
+  <p:cSld>
+    <p:bg>
+      <p:bgRef idx="1001">
+        <a:schemeClr val="bg1"/>
+      </p:bgRef>
+    </p:bg>
+    <p:spTree>
+      <p:nvGrpSpPr>
+        <p:cNvPr id="1" name=""/>
+        <p:cNvGrpSpPr/>
+        <p:nvPr/>
+      </p:nvGrpSpPr>
+      <p:grpSpPr>
+        <a:xfrm>
+          <a:off x="0" y="0"/>
+          <a:ext cx="0" cy="0"/>
+          <a:chOff x="0" y="0"/>
+          <a:chExt cx="0" cy="0"/>
+        </a:xfrm>
+      </p:grpSpPr>
+      <p:sp>
+        <p:nvSpPr>
+          <p:cNvPr id="2" name="页眉占位符 1"/>
+          <p:cNvSpPr>
+            <a:spLocks noGrp="1"/>
+          </p:cNvSpPr>
+          <p:nvPr>
+            <p:ph type="hdr" sz="quarter"/>
+          </p:nvPr>
+        </p:nvSpPr>
+        <p:spPr>
+          <a:xfrm>
+            <a:off x="0" y="0"/>
+            <a:ext cx="2971800" cy="458788"/>
+          </a:xfrm>
+          <a:prstGeom prst="rect">
+            <a:avLst/>
+          </a:prstGeom>
+        </p:spPr>
+        <p:txBody>
+          <a:bodyPr vert="horz" lIns="91440" tIns="45720" rIns="91440" bIns="45720" rtlCol="0"/>
+          <a:lstStyle>
+            <a:lvl1pPr algn="l">
+              <a:defRPr sz="1200"/>
+            </a:lvl1pPr>
+          </a:lstStyle>
+          <a:p>
+            <a:endParaRPr lang="zh-CN" altLang="en-US"/>
+          </a:p>
+        </p:txBody>
+      </p:sp>
+      <p:sp>
+        <p:nvSpPr>
+          <p:cNvPr id="3" name="日期占位符 2"/>
+          <p:cNvSpPr>
+            <a:spLocks noGrp="1"/>
+          </p:cNvSpPr>
+          <p:nvPr>
+            <p:ph type="dt" idx="1"/>
+          </p:nvPr>
+        </p:nvSpPr>
+        <p:spPr>
+          <a:xfrm>
+            <a:off x="3884613" y="0"/>
+            <a:ext cx="2971800" cy="458788"/>
+          </a:xfrm>
+          <a:prstGeom prst="rect">
+            <a:avLst/>
+          </a:prstGeom>
+        </p:spPr>
+        <p:txBody>
+          <a:bodyPr vert="horz" lIns="91440" tIns="45720" rIns="91440" bIns="45720" rtlCol="0"/>
+          <a:lstStyle>
+            <a:lvl1pPr algn="r">
+              <a:defRPr sz="1200"/>
+            </a:lvl1pPr>
+          </a:lstStyle>
+          <a:p>
+            <a:fld id="{07A1DCD4-BB14-438E-8CE0-FC12E2A73F1B}" type="datetimeFigureOut">
+              <a:rPr lang="zh-CN" altLang="en-US" smtClean="0"/>
+              <a:t>2023/12/16</a:t>
+            </a:fld>
+            <a:endParaRPr lang="zh-CN" altLang="en-US"/>
+          </a:p>
+        </p:txBody>
+      </p:sp>
+      <p:sp>
+        <p:nvSpPr>
+          <p:cNvPr id="4" name="幻灯片图像占位符 3"/>
+          <p:cNvSpPr>
+            <a:spLocks noGrp="1" noRot="1" noChangeAspect="1"/>
+          </p:cNvSpPr>
+          <p:nvPr>
+            <p:ph type="sldImg" idx="2"/>
+          </p:nvPr>
+        </p:nvSpPr>
+        <p:spPr>
+          <a:xfrm>
+            <a:off x="685800" y="1143000"/>
+            <a:ext cx="5486400" cy="3086100"/>
+          </a:xfrm>
+          <a:prstGeom prst="rect">
+            <a:avLst/>
+          </a:prstGeom>
+          <a:noFill/>
+          <a:ln w="12700">
+            <a:solidFill>
+              <a:prstClr val="black"/>
+            </a:solidFill>
+          </a:ln>
+        </p:spPr>
+        <p:txBody>
+          <a:bodyPr vert="horz" lIns="91440" tIns="45720" rIns="91440" bIns="45720" rtlCol="0" anchor="ctr"/>
+          <a:lstStyle/>
+          <a:p>
+            <a:endParaRPr lang="zh-CN" altLang="en-US"/>
+          </a:p>
+        </p:txBody>
+      </p:sp>
+      <p:sp>
+        <p:nvSpPr>
+          <p:cNvPr id="5" name="备注占位符 4"/>
+          <p:cNvSpPr>
+            <a:spLocks noGrp="1"/>
+          </p:cNvSpPr>
+          <p:nvPr>
+            <p:ph type="body" sz="quarter" idx="3"/>
+          </p:nvPr>
+        </p:nvSpPr>
+        <p:spPr>
+          <a:xfrm>
+            <a:off x="685800" y="4400550"/>
+            <a:ext cx="5486400" cy="3600450"/>
+          </a:xfrm>
+          <a:prstGeom prst="rect">
+            <a:avLst/>
+          </a:prstGeom>
+        </p:spPr>
+        <p:txBody>
+          <a:bodyPr vert="horz" lIns="91440" tIns="45720" rIns="91440" bIns="45720" rtlCol="0"/>
+          <a:lstStyle/>
+          <a:p>
+            <a:pPr lvl="0"/>
+            <a:r>
+              <a:rPr lang="zh-CN" altLang="en-US"/>
+              <a:t>单击此处编辑母版文本样式</a:t>
+            </a:r>
+          </a:p>
+          <a:p>
+            <a:pPr lvl="1"/>
+            <a:r>
+              <a:rPr lang="zh-CN" altLang="en-US"/>
+              <a:t>二级</a:t>
+            </a:r>
+          </a:p>
+          <a:p>
+            <a:pPr lvl="2"/>
+            <a:r>
+              <a:rPr lang="zh-CN" altLang="en-US"/>
+              <a:t>三级</a:t>
+            </a:r>
+          </a:p>
+          <a:p>
+            <a:pPr lvl="3"/>
+            <a:r>
+              <a:rPr lang="zh-CN" altLang="en-US"/>
+              <a:t>四级</a:t>
+            </a:r>
+          </a:p>
+          <a:p>
+            <a:pPr lvl="4"/>
+            <a:r>
+              <a:rPr lang="zh-CN" altLang="en-US"/>
+              <a:t>五级</a:t>
+            </a:r>
+          </a:p>
+        </p:txBody>
+      </p:sp>
+      <p:sp>
+        <p:nvSpPr>
+          <p:cNvPr id="6" name="页脚占位符 5"/>
+          <p:cNvSpPr>
+            <a:spLocks noGrp="1"/>
+          </p:cNvSpPr>
+          <p:nvPr>
+            <p:ph type="ftr" sz="quarter" idx="4"/>
+          </p:nvPr>
+        </p:nvSpPr>
+        <p:spPr>
+          <a:xfrm>
+            <a:off x="0" y="8685213"/>
+            <a:ext cx="2971800" cy="458787"/>
+          </a:xfrm>
+          <a:prstGeom prst="rect">
+            <a:avLst/>
+          </a:prstGeom>
+        </p:spPr>
+        <p:txBody>
+          <a:bodyPr vert="horz" lIns="91440" tIns="45720" rIns="91440" bIns="45720" rtlCol="0" anchor="b"/>
+          <a:lstStyle>
+            <a:lvl1pPr algn="l">
+              <a:defRPr sz="1200"/>
+            </a:lvl1pPr>
+          </a:lstStyle>
+          <a:p>
+            <a:endParaRPr lang="zh-CN" altLang="en-US"/>
+          </a:p>
+        </p:txBody>
+      </p:sp>
+      <p:sp>
+        <p:nvSpPr>
+          <p:cNvPr id="7" name="灯片编号占位符 6"/>
+          <p:cNvSpPr>
+            <a:spLocks noGrp="1"/>
+          </p:cNvSpPr>
+          <p:nvPr>
+            <p:ph type="sldNum" sz="quarter" idx="5"/>
+          </p:nvPr>
+        </p:nvSpPr>
+        <p:spPr>
+          <a:xfrm>
+            <a:off x="3884613" y="8685213"/>
+            <a:ext cx="2971800" cy="458787"/>
+          </a:xfrm>
+          <a:prstGeom prst="rect">
+            <a:avLst/>
+          </a:prstGeom>
+        </p:spPr>
+        <p:txBody>
+          <a:bodyPr vert="horz" lIns="91440" tIns="45720" rIns="91440" bIns="45720" rtlCol="0" anchor="b"/>
+          <a:lstStyle>
+            <a:lvl1pPr algn="r">
+              <a:defRPr sz="1200"/>
+            </a:lvl1pPr>
+          </a:lstStyle>
+          <a:p>
+            <a:fld id="{F229329F-0271-46D7-A5B8-63D7D7F0093C}" type="slidenum">
+              <a:rPr lang="zh-CN" altLang="en-US" smtClean="0"/>
+              <a:t>‹#›</a:t>
+            </a:fld>
+            <a:endParaRPr lang="zh-CN" altLang="en-US"/>
+          </a:p>
+        </p:txBody>
+      </p:sp>
+    </p:spTree>
+    <p:extLst>
+      <p:ext uri="{BB962C8B-B14F-4D97-AF65-F5344CB8AC3E}">
+        <p14:creationId xmlns:p14="http://schemas.microsoft.com/office/powerpoint/2010/main" val="3627390945"/>
+      </p:ext>
+    </p:extLst>
+  </p:cSld>
+  <p:clrMap bg1="lt1" tx1="dk1" bg2="lt2" tx2="dk2" accent1="accent1" accent2="accent2" accent3="accent3" accent4="accent4" accent5="accent5" accent6="accent6" hlink="hlink" folHlink="folHlink"/>
+  <p:notesStyle>
+    <a:lvl1pPr marL="0" algn="l" defTabSz="914400" rtl="0" eaLnBrk="1" latinLnBrk="0" hangingPunct="1">
+      <a:defRPr sz="1200" kern="1200">
+        <a:solidFill>
+          <a:schemeClr val="tx1"/>
+        </a:solidFill>
+        <a:latin typeface="+mn-lt"/>
+        <a:ea typeface="+mn-ea"/>
+        <a:cs typeface="+mn-cs"/>
+      </a:defRPr>
+    </a:lvl1pPr>
+    <a:lvl2pPr marL="457200" algn="l" defTabSz="914400" rtl="0" eaLnBrk="1" latinLnBrk="0" hangingPunct="1">
+      <a:defRPr sz="1200" kern="1200">
+        <a:solidFill>
+          <a:schemeClr val="tx1"/>
+        </a:solidFill>
+        <a:latin typeface="+mn-lt"/>
+        <a:ea typeface="+mn-ea"/>
+        <a:cs typeface="+mn-cs"/>
+      </a:defRPr>
+    </a:lvl2pPr>
+    <a:lvl3pPr marL="914400" algn="l" defTabSz="914400" rtl="0" eaLnBrk="1" latinLnBrk="0" hangingPunct="1">
+      <a:defRPr sz="1200" kern="1200">
+        <a:solidFill>
+          <a:schemeClr val="tx1"/>
+        </a:solidFill>
+        <a:latin typeface="+mn-lt"/>
+        <a:ea typeface="+mn-ea"/>
+        <a:cs typeface="+mn-cs"/>
+      </a:defRPr>
+    </a:lvl3pPr>
+    <a:lvl4pPr marL="1371600" algn="l" defTabSz="914400" rtl="0" eaLnBrk="1" latinLnBrk="0" hangingPunct="1">
+      <a:defRPr sz="1200" kern="1200">
+        <a:solidFill>
+          <a:schemeClr val="tx1"/>
+        </a:solidFill>
+        <a:latin typeface="+mn-lt"/>
+        <a:ea typeface="+mn-ea"/>
+        <a:cs typeface="+mn-cs"/>
+      </a:defRPr>
+    </a:lvl4pPr>
+    <a:lvl5pPr marL="1828800" algn="l" defTabSz="914400" rtl="0" eaLnBrk="1" latinLnBrk="0" hangingPunct="1">
+      <a:defRPr sz="1200" kern="1200">
+        <a:solidFill>
+          <a:schemeClr val="tx1"/>
+        </a:solidFill>
+        <a:latin typeface="+mn-lt"/>
+        <a:ea typeface="+mn-ea"/>
+        <a:cs typeface="+mn-cs"/>
+      </a:defRPr>
+    </a:lvl5pPr>
+    <a:lvl6pPr marL="2286000" algn="l" defTabSz="914400" rtl="0" eaLnBrk="1" latinLnBrk="0" hangingPunct="1">
+      <a:defRPr sz="1200" kern="1200">
+        <a:solidFill>
+          <a:schemeClr val="tx1"/>
+        </a:solidFill>
+        <a:latin typeface="+mn-lt"/>
+        <a:ea typeface="+mn-ea"/>
+        <a:cs typeface="+mn-cs"/>
+      </a:defRPr>
+    </a:lvl6pPr>
+    <a:lvl7pPr marL="2743200" algn="l" defTabSz="914400" rtl="0" eaLnBrk="1" latinLnBrk="0" hangingPunct="1">
+      <a:defRPr sz="1200" kern="1200">
+        <a:solidFill>
+          <a:schemeClr val="tx1"/>
+        </a:solidFill>
+        <a:latin typeface="+mn-lt"/>
+        <a:ea typeface="+mn-ea"/>
+        <a:cs typeface="+mn-cs"/>
+      </a:defRPr>
+    </a:lvl7pPr>
+    <a:lvl8pPr marL="3200400" algn="l" defTabSz="914400" rtl="0" eaLnBrk="1" latinLnBrk="0" hangingPunct="1">
+      <a:defRPr sz="1200" kern="1200">
+        <a:solidFill>
+          <a:schemeClr val="tx1"/>
+        </a:solidFill>
+        <a:latin typeface="+mn-lt"/>
+        <a:ea typeface="+mn-ea"/>
+        <a:cs typeface="+mn-cs"/>
+      </a:defRPr>
+    </a:lvl8pPr>
+    <a:lvl9pPr marL="3657600" algn="l" defTabSz="914400" rtl="0" eaLnBrk="1" latinLnBrk="0" hangingPunct="1">
+      <a:defRPr sz="1200" kern="1200">
+        <a:solidFill>
+          <a:schemeClr val="tx1"/>
+        </a:solidFill>
+        <a:latin typeface="+mn-lt"/>
+        <a:ea typeface="+mn-ea"/>
+        <a:cs typeface="+mn-cs"/>
+      </a:defRPr>
+    </a:lvl9pPr>
+  </p:notesStyle>
+</p:notesMaster>
+</file>
+
+<file path=ppt/notesSlides/notesSlide1.xml><?xml version="1.0" encoding="utf-8"?>
+<p:notes xmlns:a="http://schemas.openxmlformats.org/drawingml/2006/main" xmlns:r="http://schemas.openxmlformats.org/officeDocument/2006/relationships" xmlns:p="http://schemas.openxmlformats.org/presentationml/2006/main">
+  <p:cSld>
+    <p:spTree>
+      <p:nvGrpSpPr>
+        <p:cNvPr id="1" name=""/>
+        <p:cNvGrpSpPr/>
+        <p:nvPr/>
+      </p:nvGrpSpPr>
+      <p:grpSpPr>
+        <a:xfrm>
+          <a:off x="0" y="0"/>
+          <a:ext cx="0" cy="0"/>
+          <a:chOff x="0" y="0"/>
+          <a:chExt cx="0" cy="0"/>
+        </a:xfrm>
+      </p:grpSpPr>
+      <p:sp>
+        <p:nvSpPr>
+          <p:cNvPr id="2" name="幻灯片图像占位符 1"/>
+          <p:cNvSpPr>
+            <a:spLocks noGrp="1" noRot="1" noChangeAspect="1"/>
+          </p:cNvSpPr>
+          <p:nvPr>
+            <p:ph type="sldImg"/>
+          </p:nvPr>
+        </p:nvSpPr>
+        <p:spPr/>
+      </p:sp>
+      <p:sp>
+        <p:nvSpPr>
+          <p:cNvPr id="3" name="备注占位符 2"/>
+          <p:cNvSpPr>
+            <a:spLocks noGrp="1"/>
+          </p:cNvSpPr>
+          <p:nvPr>
+            <p:ph type="body" idx="1"/>
+          </p:nvPr>
+        </p:nvSpPr>
+        <p:spPr/>
+        <p:txBody>
+          <a:bodyPr/>
+          <a:lstStyle/>
+          <a:p>
+            <a:endParaRPr lang="zh-CN" altLang="en-US" dirty="0"/>
+          </a:p>
+        </p:txBody>
+      </p:sp>
+      <p:sp>
+        <p:nvSpPr>
+          <p:cNvPr id="4" name="灯片编号占位符 3"/>
+          <p:cNvSpPr>
+            <a:spLocks noGrp="1"/>
+          </p:cNvSpPr>
+          <p:nvPr>
+            <p:ph type="sldNum" sz="quarter" idx="5"/>
+          </p:nvPr>
+        </p:nvSpPr>
+        <p:spPr/>
+        <p:txBody>
+          <a:bodyPr/>
+          <a:lstStyle/>
+          <a:p>
+            <a:fld id="{F229329F-0271-46D7-A5B8-63D7D7F0093C}" type="slidenum">
+              <a:rPr lang="zh-CN" altLang="en-US" smtClean="0"/>
+              <a:t>2</a:t>
+            </a:fld>
+            <a:endParaRPr lang="zh-CN" altLang="en-US"/>
+          </a:p>
+        </p:txBody>
+      </p:sp>
+    </p:spTree>
+    <p:extLst>
+      <p:ext uri="{BB962C8B-B14F-4D97-AF65-F5344CB8AC3E}">
+        <p14:creationId xmlns:p14="http://schemas.microsoft.com/office/powerpoint/2010/main" val="3326918856"/>
+      </p:ext>
+    </p:extLst>
+  </p:cSld>
+  <p:clrMapOvr>
+    <a:masterClrMapping/>
+  </p:clrMapOvr>
+</p:notes>
 </file>
 
 <file path=ppt/slideLayouts/slideLayout1.xml><?xml version="1.0" encoding="utf-8"?>
@@ -160,7 +601,6 @@
               <a:rPr lang="zh-CN" altLang="en-US"/>
               <a:t>单击此处编辑母版标题样式</a:t>
             </a:r>
-            <a:endParaRPr lang="zh-CN" altLang="en-US"/>
           </a:p>
         </p:txBody>
       </p:sp>
@@ -225,7 +665,6 @@
               <a:rPr lang="zh-CN" altLang="en-US"/>
               <a:t>单击此处编辑母版副标题样式</a:t>
             </a:r>
-            <a:endParaRPr lang="zh-CN" altLang="en-US"/>
           </a:p>
         </p:txBody>
       </p:sp>
@@ -246,6 +685,7 @@
           <a:p>
             <a:fld id="{0CCCBCAA-DE24-4869-907B-21FA432ED4EA}" type="datetimeFigureOut">
               <a:rPr lang="zh-CN" altLang="en-US" smtClean="0"/>
+              <a:t>2023/12/16</a:t>
             </a:fld>
             <a:endParaRPr lang="zh-CN" altLang="en-US"/>
           </a:p>
@@ -287,6 +727,7 @@
           <a:p>
             <a:fld id="{5FE236EB-BACC-4582-BC1D-973661D0AF0F}" type="slidenum">
               <a:rPr lang="zh-CN" altLang="en-US" smtClean="0"/>
+              <a:t>‹#›</a:t>
             </a:fld>
             <a:endParaRPr lang="zh-CN" altLang="en-US"/>
           </a:p>
@@ -336,7 +777,6 @@
               <a:rPr lang="zh-CN" altLang="en-US"/>
               <a:t>单击此处编辑母版标题样式</a:t>
             </a:r>
-            <a:endParaRPr lang="zh-CN" altLang="en-US"/>
           </a:p>
         </p:txBody>
       </p:sp>
@@ -360,7 +800,6 @@
               <a:rPr lang="zh-CN" altLang="en-US"/>
               <a:t>单击此处编辑母版文本样式</a:t>
             </a:r>
-            <a:endParaRPr lang="zh-CN" altLang="en-US"/>
           </a:p>
           <a:p>
             <a:pPr lvl="1"/>
@@ -368,7 +807,6 @@
               <a:rPr lang="zh-CN" altLang="en-US"/>
               <a:t>二级</a:t>
             </a:r>
-            <a:endParaRPr lang="zh-CN" altLang="en-US"/>
           </a:p>
           <a:p>
             <a:pPr lvl="2"/>
@@ -376,7 +814,6 @@
               <a:rPr lang="zh-CN" altLang="en-US"/>
               <a:t>三级</a:t>
             </a:r>
-            <a:endParaRPr lang="zh-CN" altLang="en-US"/>
           </a:p>
           <a:p>
             <a:pPr lvl="3"/>
@@ -384,7 +821,6 @@
               <a:rPr lang="zh-CN" altLang="en-US"/>
               <a:t>四级</a:t>
             </a:r>
-            <a:endParaRPr lang="zh-CN" altLang="en-US"/>
           </a:p>
           <a:p>
             <a:pPr lvl="4"/>
@@ -392,7 +828,6 @@
               <a:rPr lang="zh-CN" altLang="en-US"/>
               <a:t>五级</a:t>
             </a:r>
-            <a:endParaRPr lang="zh-CN" altLang="en-US"/>
           </a:p>
         </p:txBody>
       </p:sp>
@@ -413,6 +848,7 @@
           <a:p>
             <a:fld id="{0CCCBCAA-DE24-4869-907B-21FA432ED4EA}" type="datetimeFigureOut">
               <a:rPr lang="zh-CN" altLang="en-US" smtClean="0"/>
+              <a:t>2023/12/16</a:t>
             </a:fld>
             <a:endParaRPr lang="zh-CN" altLang="en-US"/>
           </a:p>
@@ -454,6 +890,7 @@
           <a:p>
             <a:fld id="{5FE236EB-BACC-4582-BC1D-973661D0AF0F}" type="slidenum">
               <a:rPr lang="zh-CN" altLang="en-US" smtClean="0"/>
+              <a:t>‹#›</a:t>
             </a:fld>
             <a:endParaRPr lang="zh-CN" altLang="en-US"/>
           </a:p>
@@ -508,7 +945,6 @@
               <a:rPr lang="zh-CN" altLang="en-US"/>
               <a:t>单击此处编辑母版标题样式</a:t>
             </a:r>
-            <a:endParaRPr lang="zh-CN" altLang="en-US"/>
           </a:p>
         </p:txBody>
       </p:sp>
@@ -537,7 +973,6 @@
               <a:rPr lang="zh-CN" altLang="en-US"/>
               <a:t>单击此处编辑母版文本样式</a:t>
             </a:r>
-            <a:endParaRPr lang="zh-CN" altLang="en-US"/>
           </a:p>
           <a:p>
             <a:pPr lvl="1"/>
@@ -545,7 +980,6 @@
               <a:rPr lang="zh-CN" altLang="en-US"/>
               <a:t>二级</a:t>
             </a:r>
-            <a:endParaRPr lang="zh-CN" altLang="en-US"/>
           </a:p>
           <a:p>
             <a:pPr lvl="2"/>
@@ -553,7 +987,6 @@
               <a:rPr lang="zh-CN" altLang="en-US"/>
               <a:t>三级</a:t>
             </a:r>
-            <a:endParaRPr lang="zh-CN" altLang="en-US"/>
           </a:p>
           <a:p>
             <a:pPr lvl="3"/>
@@ -561,7 +994,6 @@
               <a:rPr lang="zh-CN" altLang="en-US"/>
               <a:t>四级</a:t>
             </a:r>
-            <a:endParaRPr lang="zh-CN" altLang="en-US"/>
           </a:p>
           <a:p>
             <a:pPr lvl="4"/>
@@ -569,7 +1001,6 @@
               <a:rPr lang="zh-CN" altLang="en-US"/>
               <a:t>五级</a:t>
             </a:r>
-            <a:endParaRPr lang="zh-CN" altLang="en-US"/>
           </a:p>
         </p:txBody>
       </p:sp>
@@ -590,6 +1021,7 @@
           <a:p>
             <a:fld id="{0CCCBCAA-DE24-4869-907B-21FA432ED4EA}" type="datetimeFigureOut">
               <a:rPr lang="zh-CN" altLang="en-US" smtClean="0"/>
+              <a:t>2023/12/16</a:t>
             </a:fld>
             <a:endParaRPr lang="zh-CN" altLang="en-US"/>
           </a:p>
@@ -631,6 +1063,7 @@
           <a:p>
             <a:fld id="{5FE236EB-BACC-4582-BC1D-973661D0AF0F}" type="slidenum">
               <a:rPr lang="zh-CN" altLang="en-US" smtClean="0"/>
+              <a:t>‹#›</a:t>
             </a:fld>
             <a:endParaRPr lang="zh-CN" altLang="en-US"/>
           </a:p>
@@ -680,7 +1113,6 @@
               <a:rPr lang="zh-CN" altLang="en-US"/>
               <a:t>单击此处编辑母版标题样式</a:t>
             </a:r>
-            <a:endParaRPr lang="zh-CN" altLang="en-US"/>
           </a:p>
         </p:txBody>
       </p:sp>
@@ -704,7 +1136,6 @@
               <a:rPr lang="zh-CN" altLang="en-US"/>
               <a:t>单击此处编辑母版文本样式</a:t>
             </a:r>
-            <a:endParaRPr lang="zh-CN" altLang="en-US"/>
           </a:p>
           <a:p>
             <a:pPr lvl="1"/>
@@ -712,7 +1143,6 @@
               <a:rPr lang="zh-CN" altLang="en-US"/>
               <a:t>二级</a:t>
             </a:r>
-            <a:endParaRPr lang="zh-CN" altLang="en-US"/>
           </a:p>
           <a:p>
             <a:pPr lvl="2"/>
@@ -720,7 +1150,6 @@
               <a:rPr lang="zh-CN" altLang="en-US"/>
               <a:t>三级</a:t>
             </a:r>
-            <a:endParaRPr lang="zh-CN" altLang="en-US"/>
           </a:p>
           <a:p>
             <a:pPr lvl="3"/>
@@ -728,7 +1157,6 @@
               <a:rPr lang="zh-CN" altLang="en-US"/>
               <a:t>四级</a:t>
             </a:r>
-            <a:endParaRPr lang="zh-CN" altLang="en-US"/>
           </a:p>
           <a:p>
             <a:pPr lvl="4"/>
@@ -736,7 +1164,6 @@
               <a:rPr lang="zh-CN" altLang="en-US"/>
               <a:t>五级</a:t>
             </a:r>
-            <a:endParaRPr lang="zh-CN" altLang="en-US"/>
           </a:p>
         </p:txBody>
       </p:sp>
@@ -757,6 +1184,7 @@
           <a:p>
             <a:fld id="{0CCCBCAA-DE24-4869-907B-21FA432ED4EA}" type="datetimeFigureOut">
               <a:rPr lang="zh-CN" altLang="en-US" smtClean="0"/>
+              <a:t>2023/12/16</a:t>
             </a:fld>
             <a:endParaRPr lang="zh-CN" altLang="en-US"/>
           </a:p>
@@ -798,6 +1226,7 @@
           <a:p>
             <a:fld id="{5FE236EB-BACC-4582-BC1D-973661D0AF0F}" type="slidenum">
               <a:rPr lang="zh-CN" altLang="en-US" smtClean="0"/>
+              <a:t>‹#›</a:t>
             </a:fld>
             <a:endParaRPr lang="zh-CN" altLang="en-US"/>
           </a:p>
@@ -856,7 +1285,6 @@
               <a:rPr lang="zh-CN" altLang="en-US"/>
               <a:t>单击此处编辑母版标题样式</a:t>
             </a:r>
-            <a:endParaRPr lang="zh-CN" altLang="en-US"/>
           </a:p>
         </p:txBody>
       </p:sp>
@@ -976,7 +1404,6 @@
               <a:rPr lang="zh-CN" altLang="en-US"/>
               <a:t>单击此处编辑母版文本样式</a:t>
             </a:r>
-            <a:endParaRPr lang="zh-CN" altLang="en-US"/>
           </a:p>
         </p:txBody>
       </p:sp>
@@ -997,6 +1424,7 @@
           <a:p>
             <a:fld id="{0CCCBCAA-DE24-4869-907B-21FA432ED4EA}" type="datetimeFigureOut">
               <a:rPr lang="zh-CN" altLang="en-US" smtClean="0"/>
+              <a:t>2023/12/16</a:t>
             </a:fld>
             <a:endParaRPr lang="zh-CN" altLang="en-US"/>
           </a:p>
@@ -1038,6 +1466,7 @@
           <a:p>
             <a:fld id="{5FE236EB-BACC-4582-BC1D-973661D0AF0F}" type="slidenum">
               <a:rPr lang="zh-CN" altLang="en-US" smtClean="0"/>
+              <a:t>‹#›</a:t>
             </a:fld>
             <a:endParaRPr lang="zh-CN" altLang="en-US"/>
           </a:p>
@@ -1087,7 +1516,6 @@
               <a:rPr lang="zh-CN" altLang="en-US"/>
               <a:t>单击此处编辑母版标题样式</a:t>
             </a:r>
-            <a:endParaRPr lang="zh-CN" altLang="en-US"/>
           </a:p>
         </p:txBody>
       </p:sp>
@@ -1116,7 +1544,6 @@
               <a:rPr lang="zh-CN" altLang="en-US"/>
               <a:t>单击此处编辑母版文本样式</a:t>
             </a:r>
-            <a:endParaRPr lang="zh-CN" altLang="en-US"/>
           </a:p>
           <a:p>
             <a:pPr lvl="1"/>
@@ -1124,7 +1551,6 @@
               <a:rPr lang="zh-CN" altLang="en-US"/>
               <a:t>二级</a:t>
             </a:r>
-            <a:endParaRPr lang="zh-CN" altLang="en-US"/>
           </a:p>
           <a:p>
             <a:pPr lvl="2"/>
@@ -1132,7 +1558,6 @@
               <a:rPr lang="zh-CN" altLang="en-US"/>
               <a:t>三级</a:t>
             </a:r>
-            <a:endParaRPr lang="zh-CN" altLang="en-US"/>
           </a:p>
           <a:p>
             <a:pPr lvl="3"/>
@@ -1140,7 +1565,6 @@
               <a:rPr lang="zh-CN" altLang="en-US"/>
               <a:t>四级</a:t>
             </a:r>
-            <a:endParaRPr lang="zh-CN" altLang="en-US"/>
           </a:p>
           <a:p>
             <a:pPr lvl="4"/>
@@ -1148,7 +1572,6 @@
               <a:rPr lang="zh-CN" altLang="en-US"/>
               <a:t>五级</a:t>
             </a:r>
-            <a:endParaRPr lang="zh-CN" altLang="en-US"/>
           </a:p>
         </p:txBody>
       </p:sp>
@@ -1177,7 +1600,6 @@
               <a:rPr lang="zh-CN" altLang="en-US"/>
               <a:t>单击此处编辑母版文本样式</a:t>
             </a:r>
-            <a:endParaRPr lang="zh-CN" altLang="en-US"/>
           </a:p>
           <a:p>
             <a:pPr lvl="1"/>
@@ -1185,7 +1607,6 @@
               <a:rPr lang="zh-CN" altLang="en-US"/>
               <a:t>二级</a:t>
             </a:r>
-            <a:endParaRPr lang="zh-CN" altLang="en-US"/>
           </a:p>
           <a:p>
             <a:pPr lvl="2"/>
@@ -1193,7 +1614,6 @@
               <a:rPr lang="zh-CN" altLang="en-US"/>
               <a:t>三级</a:t>
             </a:r>
-            <a:endParaRPr lang="zh-CN" altLang="en-US"/>
           </a:p>
           <a:p>
             <a:pPr lvl="3"/>
@@ -1201,7 +1621,6 @@
               <a:rPr lang="zh-CN" altLang="en-US"/>
               <a:t>四级</a:t>
             </a:r>
-            <a:endParaRPr lang="zh-CN" altLang="en-US"/>
           </a:p>
           <a:p>
             <a:pPr lvl="4"/>
@@ -1209,7 +1628,6 @@
               <a:rPr lang="zh-CN" altLang="en-US"/>
               <a:t>五级</a:t>
             </a:r>
-            <a:endParaRPr lang="zh-CN" altLang="en-US"/>
           </a:p>
         </p:txBody>
       </p:sp>
@@ -1230,6 +1648,7 @@
           <a:p>
             <a:fld id="{0CCCBCAA-DE24-4869-907B-21FA432ED4EA}" type="datetimeFigureOut">
               <a:rPr lang="zh-CN" altLang="en-US" smtClean="0"/>
+              <a:t>2023/12/16</a:t>
             </a:fld>
             <a:endParaRPr lang="zh-CN" altLang="en-US"/>
           </a:p>
@@ -1271,6 +1690,7 @@
           <a:p>
             <a:fld id="{5FE236EB-BACC-4582-BC1D-973661D0AF0F}" type="slidenum">
               <a:rPr lang="zh-CN" altLang="en-US" smtClean="0"/>
+              <a:t>‹#›</a:t>
             </a:fld>
             <a:endParaRPr lang="zh-CN" altLang="en-US"/>
           </a:p>
@@ -1325,7 +1745,6 @@
               <a:rPr lang="zh-CN" altLang="en-US"/>
               <a:t>单击此处编辑母版标题样式</a:t>
             </a:r>
-            <a:endParaRPr lang="zh-CN" altLang="en-US"/>
           </a:p>
         </p:txBody>
       </p:sp>
@@ -1391,7 +1810,6 @@
               <a:rPr lang="zh-CN" altLang="en-US"/>
               <a:t>单击此处编辑母版文本样式</a:t>
             </a:r>
-            <a:endParaRPr lang="zh-CN" altLang="en-US"/>
           </a:p>
         </p:txBody>
       </p:sp>
@@ -1420,7 +1838,6 @@
               <a:rPr lang="zh-CN" altLang="en-US"/>
               <a:t>单击此处编辑母版文本样式</a:t>
             </a:r>
-            <a:endParaRPr lang="zh-CN" altLang="en-US"/>
           </a:p>
           <a:p>
             <a:pPr lvl="1"/>
@@ -1428,7 +1845,6 @@
               <a:rPr lang="zh-CN" altLang="en-US"/>
               <a:t>二级</a:t>
             </a:r>
-            <a:endParaRPr lang="zh-CN" altLang="en-US"/>
           </a:p>
           <a:p>
             <a:pPr lvl="2"/>
@@ -1436,7 +1852,6 @@
               <a:rPr lang="zh-CN" altLang="en-US"/>
               <a:t>三级</a:t>
             </a:r>
-            <a:endParaRPr lang="zh-CN" altLang="en-US"/>
           </a:p>
           <a:p>
             <a:pPr lvl="3"/>
@@ -1444,7 +1859,6 @@
               <a:rPr lang="zh-CN" altLang="en-US"/>
               <a:t>四级</a:t>
             </a:r>
-            <a:endParaRPr lang="zh-CN" altLang="en-US"/>
           </a:p>
           <a:p>
             <a:pPr lvl="4"/>
@@ -1452,7 +1866,6 @@
               <a:rPr lang="zh-CN" altLang="en-US"/>
               <a:t>五级</a:t>
             </a:r>
-            <a:endParaRPr lang="zh-CN" altLang="en-US"/>
           </a:p>
         </p:txBody>
       </p:sp>
@@ -1518,7 +1931,6 @@
               <a:rPr lang="zh-CN" altLang="en-US"/>
               <a:t>单击此处编辑母版文本样式</a:t>
             </a:r>
-            <a:endParaRPr lang="zh-CN" altLang="en-US"/>
           </a:p>
         </p:txBody>
       </p:sp>
@@ -1547,7 +1959,6 @@
               <a:rPr lang="zh-CN" altLang="en-US"/>
               <a:t>单击此处编辑母版文本样式</a:t>
             </a:r>
-            <a:endParaRPr lang="zh-CN" altLang="en-US"/>
           </a:p>
           <a:p>
             <a:pPr lvl="1"/>
@@ -1555,7 +1966,6 @@
               <a:rPr lang="zh-CN" altLang="en-US"/>
               <a:t>二级</a:t>
             </a:r>
-            <a:endParaRPr lang="zh-CN" altLang="en-US"/>
           </a:p>
           <a:p>
             <a:pPr lvl="2"/>
@@ -1563,7 +1973,6 @@
               <a:rPr lang="zh-CN" altLang="en-US"/>
               <a:t>三级</a:t>
             </a:r>
-            <a:endParaRPr lang="zh-CN" altLang="en-US"/>
           </a:p>
           <a:p>
             <a:pPr lvl="3"/>
@@ -1571,7 +1980,6 @@
               <a:rPr lang="zh-CN" altLang="en-US"/>
               <a:t>四级</a:t>
             </a:r>
-            <a:endParaRPr lang="zh-CN" altLang="en-US"/>
           </a:p>
           <a:p>
             <a:pPr lvl="4"/>
@@ -1579,7 +1987,6 @@
               <a:rPr lang="zh-CN" altLang="en-US"/>
               <a:t>五级</a:t>
             </a:r>
-            <a:endParaRPr lang="zh-CN" altLang="en-US"/>
           </a:p>
         </p:txBody>
       </p:sp>
@@ -1600,6 +2007,7 @@
           <a:p>
             <a:fld id="{0CCCBCAA-DE24-4869-907B-21FA432ED4EA}" type="datetimeFigureOut">
               <a:rPr lang="zh-CN" altLang="en-US" smtClean="0"/>
+              <a:t>2023/12/16</a:t>
             </a:fld>
             <a:endParaRPr lang="zh-CN" altLang="en-US"/>
           </a:p>
@@ -1641,6 +2049,7 @@
           <a:p>
             <a:fld id="{5FE236EB-BACC-4582-BC1D-973661D0AF0F}" type="slidenum">
               <a:rPr lang="zh-CN" altLang="en-US" smtClean="0"/>
+              <a:t>‹#›</a:t>
             </a:fld>
             <a:endParaRPr lang="zh-CN" altLang="en-US"/>
           </a:p>
@@ -1690,7 +2099,6 @@
               <a:rPr lang="zh-CN" altLang="en-US"/>
               <a:t>单击此处编辑母版标题样式</a:t>
             </a:r>
-            <a:endParaRPr lang="zh-CN" altLang="en-US"/>
           </a:p>
         </p:txBody>
       </p:sp>
@@ -1711,6 +2119,7 @@
           <a:p>
             <a:fld id="{0CCCBCAA-DE24-4869-907B-21FA432ED4EA}" type="datetimeFigureOut">
               <a:rPr lang="zh-CN" altLang="en-US" smtClean="0"/>
+              <a:t>2023/12/16</a:t>
             </a:fld>
             <a:endParaRPr lang="zh-CN" altLang="en-US"/>
           </a:p>
@@ -1752,6 +2161,7 @@
           <a:p>
             <a:fld id="{5FE236EB-BACC-4582-BC1D-973661D0AF0F}" type="slidenum">
               <a:rPr lang="zh-CN" altLang="en-US" smtClean="0"/>
+              <a:t>‹#›</a:t>
             </a:fld>
             <a:endParaRPr lang="zh-CN" altLang="en-US"/>
           </a:p>
@@ -1799,6 +2209,7 @@
           <a:p>
             <a:fld id="{0CCCBCAA-DE24-4869-907B-21FA432ED4EA}" type="datetimeFigureOut">
               <a:rPr lang="zh-CN" altLang="en-US" smtClean="0"/>
+              <a:t>2023/12/16</a:t>
             </a:fld>
             <a:endParaRPr lang="zh-CN" altLang="en-US"/>
           </a:p>
@@ -1840,6 +2251,7 @@
           <a:p>
             <a:fld id="{5FE236EB-BACC-4582-BC1D-973661D0AF0F}" type="slidenum">
               <a:rPr lang="zh-CN" altLang="en-US" smtClean="0"/>
+              <a:t>‹#›</a:t>
             </a:fld>
             <a:endParaRPr lang="zh-CN" altLang="en-US"/>
           </a:p>
@@ -1898,7 +2310,6 @@
               <a:rPr lang="zh-CN" altLang="en-US"/>
               <a:t>单击此处编辑母版标题样式</a:t>
             </a:r>
-            <a:endParaRPr lang="zh-CN" altLang="en-US"/>
           </a:p>
         </p:txBody>
       </p:sp>
@@ -1955,7 +2366,6 @@
               <a:rPr lang="zh-CN" altLang="en-US"/>
               <a:t>单击此处编辑母版文本样式</a:t>
             </a:r>
-            <a:endParaRPr lang="zh-CN" altLang="en-US"/>
           </a:p>
           <a:p>
             <a:pPr lvl="1"/>
@@ -1963,7 +2373,6 @@
               <a:rPr lang="zh-CN" altLang="en-US"/>
               <a:t>二级</a:t>
             </a:r>
-            <a:endParaRPr lang="zh-CN" altLang="en-US"/>
           </a:p>
           <a:p>
             <a:pPr lvl="2"/>
@@ -1971,7 +2380,6 @@
               <a:rPr lang="zh-CN" altLang="en-US"/>
               <a:t>三级</a:t>
             </a:r>
-            <a:endParaRPr lang="zh-CN" altLang="en-US"/>
           </a:p>
           <a:p>
             <a:pPr lvl="3"/>
@@ -1979,7 +2387,6 @@
               <a:rPr lang="zh-CN" altLang="en-US"/>
               <a:t>四级</a:t>
             </a:r>
-            <a:endParaRPr lang="zh-CN" altLang="en-US"/>
           </a:p>
           <a:p>
             <a:pPr lvl="4"/>
@@ -1987,7 +2394,6 @@
               <a:rPr lang="zh-CN" altLang="en-US"/>
               <a:t>五级</a:t>
             </a:r>
-            <a:endParaRPr lang="zh-CN" altLang="en-US"/>
           </a:p>
         </p:txBody>
       </p:sp>
@@ -2053,7 +2459,6 @@
               <a:rPr lang="zh-CN" altLang="en-US"/>
               <a:t>单击此处编辑母版文本样式</a:t>
             </a:r>
-            <a:endParaRPr lang="zh-CN" altLang="en-US"/>
           </a:p>
         </p:txBody>
       </p:sp>
@@ -2074,6 +2479,7 @@
           <a:p>
             <a:fld id="{0CCCBCAA-DE24-4869-907B-21FA432ED4EA}" type="datetimeFigureOut">
               <a:rPr lang="zh-CN" altLang="en-US" smtClean="0"/>
+              <a:t>2023/12/16</a:t>
             </a:fld>
             <a:endParaRPr lang="zh-CN" altLang="en-US"/>
           </a:p>
@@ -2115,6 +2521,7 @@
           <a:p>
             <a:fld id="{5FE236EB-BACC-4582-BC1D-973661D0AF0F}" type="slidenum">
               <a:rPr lang="zh-CN" altLang="en-US" smtClean="0"/>
+              <a:t>‹#›</a:t>
             </a:fld>
             <a:endParaRPr lang="zh-CN" altLang="en-US"/>
           </a:p>
@@ -2173,7 +2580,6 @@
               <a:rPr lang="zh-CN" altLang="en-US"/>
               <a:t>单击此处编辑母版标题样式</a:t>
             </a:r>
-            <a:endParaRPr lang="zh-CN" altLang="en-US"/>
           </a:p>
         </p:txBody>
       </p:sp>
@@ -2300,7 +2706,6 @@
               <a:rPr lang="zh-CN" altLang="en-US"/>
               <a:t>单击此处编辑母版文本样式</a:t>
             </a:r>
-            <a:endParaRPr lang="zh-CN" altLang="en-US"/>
           </a:p>
         </p:txBody>
       </p:sp>
@@ -2321,6 +2726,7 @@
           <a:p>
             <a:fld id="{0CCCBCAA-DE24-4869-907B-21FA432ED4EA}" type="datetimeFigureOut">
               <a:rPr lang="zh-CN" altLang="en-US" smtClean="0"/>
+              <a:t>2023/12/16</a:t>
             </a:fld>
             <a:endParaRPr lang="zh-CN" altLang="en-US"/>
           </a:p>
@@ -2362,6 +2768,7 @@
           <a:p>
             <a:fld id="{5FE236EB-BACC-4582-BC1D-973661D0AF0F}" type="slidenum">
               <a:rPr lang="zh-CN" altLang="en-US" smtClean="0"/>
+              <a:t>‹#›</a:t>
             </a:fld>
             <a:endParaRPr lang="zh-CN" altLang="en-US"/>
           </a:p>
@@ -2426,7 +2833,6 @@
               <a:rPr lang="zh-CN" altLang="en-US"/>
               <a:t>单击此处编辑母版标题样式</a:t>
             </a:r>
-            <a:endParaRPr lang="zh-CN" altLang="en-US"/>
           </a:p>
         </p:txBody>
       </p:sp>
@@ -2460,7 +2866,6 @@
               <a:rPr lang="zh-CN" altLang="en-US"/>
               <a:t>单击此处编辑母版文本样式</a:t>
             </a:r>
-            <a:endParaRPr lang="zh-CN" altLang="en-US"/>
           </a:p>
           <a:p>
             <a:pPr lvl="1"/>
@@ -2468,7 +2873,6 @@
               <a:rPr lang="zh-CN" altLang="en-US"/>
               <a:t>二级</a:t>
             </a:r>
-            <a:endParaRPr lang="zh-CN" altLang="en-US"/>
           </a:p>
           <a:p>
             <a:pPr lvl="2"/>
@@ -2476,7 +2880,6 @@
               <a:rPr lang="zh-CN" altLang="en-US"/>
               <a:t>三级</a:t>
             </a:r>
-            <a:endParaRPr lang="zh-CN" altLang="en-US"/>
           </a:p>
           <a:p>
             <a:pPr lvl="3"/>
@@ -2484,7 +2887,6 @@
               <a:rPr lang="zh-CN" altLang="en-US"/>
               <a:t>四级</a:t>
             </a:r>
-            <a:endParaRPr lang="zh-CN" altLang="en-US"/>
           </a:p>
           <a:p>
             <a:pPr lvl="4"/>
@@ -2492,7 +2894,6 @@
               <a:rPr lang="zh-CN" altLang="en-US"/>
               <a:t>五级</a:t>
             </a:r>
-            <a:endParaRPr lang="zh-CN" altLang="en-US"/>
           </a:p>
         </p:txBody>
       </p:sp>
@@ -2531,6 +2932,7 @@
           <a:p>
             <a:fld id="{0CCCBCAA-DE24-4869-907B-21FA432ED4EA}" type="datetimeFigureOut">
               <a:rPr lang="zh-CN" altLang="en-US" smtClean="0"/>
+              <a:t>2023/12/16</a:t>
             </a:fld>
             <a:endParaRPr lang="zh-CN" altLang="en-US"/>
           </a:p>
@@ -2608,6 +3010,7 @@
           <a:p>
             <a:fld id="{5FE236EB-BACC-4582-BC1D-973661D0AF0F}" type="slidenum">
               <a:rPr lang="zh-CN" altLang="en-US" smtClean="0"/>
+              <a:t>‹#›</a:t>
             </a:fld>
             <a:endParaRPr lang="zh-CN" altLang="en-US"/>
           </a:p>
@@ -2948,7 +3351,6 @@
               <a:rPr lang="zh-CN" altLang="en-US" dirty="0"/>
               <a:t>输入输出理解</a:t>
             </a:r>
-            <a:endParaRPr lang="zh-CN" altLang="en-US" dirty="0"/>
           </a:p>
         </p:txBody>
       </p:sp>
@@ -3355,11 +3757,6 @@
                 </a:rPr>
                 <a:t>J</a:t>
               </a:r>
-              <a:endParaRPr lang="en-US" altLang="zh-CN" sz="1600" kern="0" dirty="0">
-                <a:effectLst/>
-                <a:latin typeface="+mn-ea"/>
-                <a:cs typeface="宋体" panose="02010600030101010101" pitchFamily="2" charset="-122"/>
-              </a:endParaRPr>
             </a:p>
             <a:p>
               <a:r>
@@ -3425,11 +3822,6 @@
                 </a:rPr>
                 <a:t> </a:t>
               </a:r>
-              <a:endParaRPr lang="en-US" altLang="zh-CN" sz="1600" kern="0" dirty="0">
-                <a:effectLst/>
-                <a:latin typeface="+mn-ea"/>
-                <a:cs typeface="宋体" panose="02010600030101010101" pitchFamily="2" charset="-122"/>
-              </a:endParaRPr>
             </a:p>
             <a:p>
               <a:endParaRPr lang="en-US" altLang="zh-CN" sz="1600" kern="0" dirty="0">
@@ -3711,7 +4103,7 @@
         </p:nvGrpSpPr>
         <p:grpSpPr>
           <a:xfrm>
-            <a:off x="1044100" y="4840785"/>
+            <a:off x="1044100" y="4135935"/>
             <a:ext cx="11691000" cy="1836498"/>
             <a:chOff x="1031400" y="4405684"/>
             <a:chExt cx="11691000" cy="1836498"/>
@@ -3743,28 +4135,24 @@
                 <a:rPr lang="en-US" altLang="zh-CN" dirty="0"/>
                 <a:t>2</a:t>
               </a:r>
-              <a:endParaRPr lang="en-US" altLang="zh-CN" dirty="0"/>
             </a:p>
             <a:p>
               <a:r>
                 <a:rPr lang="en-US" altLang="zh-CN" dirty="0"/>
                 <a:t>2 3 2 1 3 0 0 1 0</a:t>
               </a:r>
-              <a:endParaRPr lang="en-US" altLang="zh-CN" dirty="0"/>
             </a:p>
             <a:p>
               <a:r>
                 <a:rPr lang="en-US" altLang="zh-CN" dirty="0"/>
                 <a:t>2 1 2 1 2 0 0 2 0</a:t>
               </a:r>
-              <a:endParaRPr lang="en-US" altLang="zh-CN" dirty="0"/>
             </a:p>
             <a:p>
               <a:r>
                 <a:rPr lang="en-US" altLang="zh-CN" dirty="0"/>
                 <a:t>0 1 1 1 1 0</a:t>
               </a:r>
-              <a:endParaRPr lang="en-US" altLang="zh-CN" dirty="0"/>
             </a:p>
           </p:txBody>
         </p:sp>
@@ -3888,11 +4276,6 @@
                 </a:rPr>
                 <a:t> T</a:t>
               </a:r>
-              <a:endParaRPr lang="en-US" altLang="zh-CN" sz="1600" kern="0" dirty="0">
-                <a:effectLst/>
-                <a:latin typeface="+mn-ea"/>
-                <a:cs typeface="宋体" panose="02010600030101010101" pitchFamily="2" charset="-122"/>
-              </a:endParaRPr>
             </a:p>
             <a:p>
               <a:r>
@@ -3938,7 +4321,7 @@
             <p:nvPr/>
           </p:nvPicPr>
           <p:blipFill>
-            <a:blip r:embed="rId1">
+            <a:blip r:embed="rId3">
               <a:extLst>
                 <a:ext uri="{28A0092B-C50C-407E-A947-70E740481C1C}">
                   <a14:useLocalDpi xmlns:a14="http://schemas.microsoft.com/office/drawing/2010/main" val="0"/>
@@ -3999,6 +4382,514 @@
           </a:p>
         </p:txBody>
       </p:sp>
+      <p:cxnSp>
+        <p:nvCxnSpPr>
+          <p:cNvPr id="3" name="直接连接符 2">
+            <a:extLst>
+              <a:ext uri="{FF2B5EF4-FFF2-40B4-BE49-F238E27FC236}">
+                <a16:creationId xmlns:a16="http://schemas.microsoft.com/office/drawing/2014/main" id="{CB4016E0-0021-4CEC-9913-B6310F177E7C}"/>
+              </a:ext>
+            </a:extLst>
+          </p:cNvPr>
+          <p:cNvCxnSpPr/>
+          <p:nvPr/>
+        </p:nvCxnSpPr>
+        <p:spPr>
+          <a:xfrm>
+            <a:off x="1855433" y="5603101"/>
+            <a:ext cx="532660" cy="0"/>
+          </a:xfrm>
+          <a:prstGeom prst="line">
+            <a:avLst/>
+          </a:prstGeom>
+          <a:ln w="19050"/>
+        </p:spPr>
+        <p:style>
+          <a:lnRef idx="1">
+            <a:schemeClr val="accent2"/>
+          </a:lnRef>
+          <a:fillRef idx="0">
+            <a:schemeClr val="accent2"/>
+          </a:fillRef>
+          <a:effectRef idx="0">
+            <a:schemeClr val="accent2"/>
+          </a:effectRef>
+          <a:fontRef idx="minor">
+            <a:schemeClr val="tx1"/>
+          </a:fontRef>
+        </p:style>
+      </p:cxnSp>
+      <p:sp>
+        <p:nvSpPr>
+          <p:cNvPr id="7" name="文本框 6">
+            <a:extLst>
+              <a:ext uri="{FF2B5EF4-FFF2-40B4-BE49-F238E27FC236}">
+                <a16:creationId xmlns:a16="http://schemas.microsoft.com/office/drawing/2014/main" id="{D8687B99-F6DD-4004-A1F2-35939835A992}"/>
+              </a:ext>
+            </a:extLst>
+          </p:cNvPr>
+          <p:cNvSpPr txBox="1"/>
+          <p:nvPr/>
+        </p:nvSpPr>
+        <p:spPr>
+          <a:xfrm>
+            <a:off x="4829307" y="4690896"/>
+            <a:ext cx="1005403" cy="307777"/>
+          </a:xfrm>
+          <a:prstGeom prst="rect">
+            <a:avLst/>
+          </a:prstGeom>
+          <a:noFill/>
+        </p:spPr>
+        <p:txBody>
+          <a:bodyPr wrap="none" rtlCol="0">
+            <a:spAutoFit/>
+          </a:bodyPr>
+          <a:lstStyle/>
+          <a:p>
+            <a:r>
+              <a:rPr lang="en-US" altLang="zh-CN" sz="1400" dirty="0">
+                <a:solidFill>
+                  <a:srgbClr val="FF0000"/>
+                </a:solidFill>
+              </a:rPr>
+              <a:t>d</a:t>
+            </a:r>
+            <a:r>
+              <a:rPr lang="zh-CN" altLang="en-US" sz="1400" dirty="0">
+                <a:solidFill>
+                  <a:srgbClr val="FF0000"/>
+                </a:solidFill>
+              </a:rPr>
+              <a:t>个三元组</a:t>
+            </a:r>
+          </a:p>
+        </p:txBody>
+      </p:sp>
+      <p:grpSp>
+        <p:nvGrpSpPr>
+          <p:cNvPr id="27" name="组合 26">
+            <a:extLst>
+              <a:ext uri="{FF2B5EF4-FFF2-40B4-BE49-F238E27FC236}">
+                <a16:creationId xmlns:a16="http://schemas.microsoft.com/office/drawing/2014/main" id="{8B295EE1-97EC-4737-9377-553CD2E4A1D7}"/>
+              </a:ext>
+            </a:extLst>
+          </p:cNvPr>
+          <p:cNvGrpSpPr/>
+          <p:nvPr/>
+        </p:nvGrpSpPr>
+        <p:grpSpPr>
+          <a:xfrm>
+            <a:off x="4602086" y="5104879"/>
+            <a:ext cx="2217814" cy="1753121"/>
+            <a:chOff x="4602086" y="5104879"/>
+            <a:chExt cx="2217814" cy="1753121"/>
+          </a:xfrm>
+        </p:grpSpPr>
+        <p:cxnSp>
+          <p:nvCxnSpPr>
+            <p:cNvPr id="13" name="直接连接符 12">
+              <a:extLst>
+                <a:ext uri="{FF2B5EF4-FFF2-40B4-BE49-F238E27FC236}">
+                  <a16:creationId xmlns:a16="http://schemas.microsoft.com/office/drawing/2014/main" id="{125F92D6-A366-4DF0-9605-30659E4F99C8}"/>
+                </a:ext>
+              </a:extLst>
+            </p:cNvPr>
+            <p:cNvCxnSpPr>
+              <a:cxnSpLocks/>
+            </p:cNvCxnSpPr>
+            <p:nvPr/>
+          </p:nvCxnSpPr>
+          <p:spPr>
+            <a:xfrm>
+              <a:off x="5239305" y="5310888"/>
+              <a:ext cx="1099351" cy="0"/>
+            </a:xfrm>
+            <a:prstGeom prst="line">
+              <a:avLst/>
+            </a:prstGeom>
+            <a:ln w="19050"/>
+          </p:spPr>
+          <p:style>
+            <a:lnRef idx="1">
+              <a:schemeClr val="accent2"/>
+            </a:lnRef>
+            <a:fillRef idx="0">
+              <a:schemeClr val="accent2"/>
+            </a:fillRef>
+            <a:effectRef idx="0">
+              <a:schemeClr val="accent2"/>
+            </a:effectRef>
+            <a:fontRef idx="minor">
+              <a:schemeClr val="tx1"/>
+            </a:fontRef>
+          </p:style>
+        </p:cxnSp>
+        <p:sp>
+          <p:nvSpPr>
+            <p:cNvPr id="6" name="椭圆 5">
+              <a:extLst>
+                <a:ext uri="{FF2B5EF4-FFF2-40B4-BE49-F238E27FC236}">
+                  <a16:creationId xmlns:a16="http://schemas.microsoft.com/office/drawing/2014/main" id="{C395D691-08B3-48E6-A312-18577F3DE23B}"/>
+                </a:ext>
+              </a:extLst>
+            </p:cNvPr>
+            <p:cNvSpPr/>
+            <p:nvPr/>
+          </p:nvSpPr>
+          <p:spPr>
+            <a:xfrm>
+              <a:off x="5048284" y="5104879"/>
+              <a:ext cx="181495" cy="181495"/>
+            </a:xfrm>
+            <a:prstGeom prst="ellipse">
+              <a:avLst/>
+            </a:prstGeom>
+            <a:noFill/>
+            <a:ln>
+              <a:solidFill>
+                <a:srgbClr val="FF0000"/>
+              </a:solidFill>
+            </a:ln>
+          </p:spPr>
+          <p:style>
+            <a:lnRef idx="2">
+              <a:schemeClr val="accent1">
+                <a:shade val="50000"/>
+              </a:schemeClr>
+            </a:lnRef>
+            <a:fillRef idx="1">
+              <a:schemeClr val="accent1"/>
+            </a:fillRef>
+            <a:effectRef idx="0">
+              <a:schemeClr val="accent1"/>
+            </a:effectRef>
+            <a:fontRef idx="minor">
+              <a:schemeClr val="lt1"/>
+            </a:fontRef>
+          </p:style>
+          <p:txBody>
+            <a:bodyPr rtlCol="0" anchor="ctr"/>
+            <a:lstStyle/>
+            <a:p>
+              <a:pPr algn="ctr"/>
+              <a:endParaRPr lang="zh-CN" altLang="en-US" sz="1400"/>
+            </a:p>
+          </p:txBody>
+        </p:sp>
+        <p:cxnSp>
+          <p:nvCxnSpPr>
+            <p:cNvPr id="12" name="直接箭头连接符 11">
+              <a:extLst>
+                <a:ext uri="{FF2B5EF4-FFF2-40B4-BE49-F238E27FC236}">
+                  <a16:creationId xmlns:a16="http://schemas.microsoft.com/office/drawing/2014/main" id="{C63E4CF1-0AF4-4C18-99BE-520D7D4B8838}"/>
+                </a:ext>
+              </a:extLst>
+            </p:cNvPr>
+            <p:cNvCxnSpPr/>
+            <p:nvPr/>
+          </p:nvCxnSpPr>
+          <p:spPr>
+            <a:xfrm>
+              <a:off x="5416550" y="5310888"/>
+              <a:ext cx="0" cy="292213"/>
+            </a:xfrm>
+            <a:prstGeom prst="straightConnector1">
+              <a:avLst/>
+            </a:prstGeom>
+            <a:ln>
+              <a:solidFill>
+                <a:srgbClr val="ED7D31"/>
+              </a:solidFill>
+              <a:tailEnd type="triangle"/>
+            </a:ln>
+          </p:spPr>
+          <p:style>
+            <a:lnRef idx="1">
+              <a:schemeClr val="accent1"/>
+            </a:lnRef>
+            <a:fillRef idx="0">
+              <a:schemeClr val="accent1"/>
+            </a:fillRef>
+            <a:effectRef idx="0">
+              <a:schemeClr val="accent1"/>
+            </a:effectRef>
+            <a:fontRef idx="minor">
+              <a:schemeClr val="tx1"/>
+            </a:fontRef>
+          </p:style>
+        </p:cxnSp>
+        <p:cxnSp>
+          <p:nvCxnSpPr>
+            <p:cNvPr id="22" name="直接箭头连接符 21">
+              <a:extLst>
+                <a:ext uri="{FF2B5EF4-FFF2-40B4-BE49-F238E27FC236}">
+                  <a16:creationId xmlns:a16="http://schemas.microsoft.com/office/drawing/2014/main" id="{EE47CDE6-40A0-4115-BA59-1017E111F5E8}"/>
+                </a:ext>
+              </a:extLst>
+            </p:cNvPr>
+            <p:cNvCxnSpPr>
+              <a:cxnSpLocks/>
+            </p:cNvCxnSpPr>
+            <p:nvPr/>
+          </p:nvCxnSpPr>
+          <p:spPr>
+            <a:xfrm>
+              <a:off x="5854700" y="5319582"/>
+              <a:ext cx="0" cy="874975"/>
+            </a:xfrm>
+            <a:prstGeom prst="straightConnector1">
+              <a:avLst/>
+            </a:prstGeom>
+            <a:ln>
+              <a:solidFill>
+                <a:srgbClr val="ED7D31"/>
+              </a:solidFill>
+              <a:tailEnd type="triangle"/>
+            </a:ln>
+          </p:spPr>
+          <p:style>
+            <a:lnRef idx="1">
+              <a:schemeClr val="accent1"/>
+            </a:lnRef>
+            <a:fillRef idx="0">
+              <a:schemeClr val="accent1"/>
+            </a:fillRef>
+            <a:effectRef idx="0">
+              <a:schemeClr val="accent1"/>
+            </a:effectRef>
+            <a:fontRef idx="minor">
+              <a:schemeClr val="tx1"/>
+            </a:fontRef>
+          </p:style>
+        </p:cxnSp>
+        <p:cxnSp>
+          <p:nvCxnSpPr>
+            <p:cNvPr id="24" name="直接箭头连接符 23">
+              <a:extLst>
+                <a:ext uri="{FF2B5EF4-FFF2-40B4-BE49-F238E27FC236}">
+                  <a16:creationId xmlns:a16="http://schemas.microsoft.com/office/drawing/2014/main" id="{FC58DE35-CFE3-4C5E-8ABF-89AEF706B8A2}"/>
+                </a:ext>
+              </a:extLst>
+            </p:cNvPr>
+            <p:cNvCxnSpPr>
+              <a:cxnSpLocks/>
+            </p:cNvCxnSpPr>
+            <p:nvPr/>
+          </p:nvCxnSpPr>
+          <p:spPr>
+            <a:xfrm>
+              <a:off x="6338656" y="5310888"/>
+              <a:ext cx="0" cy="1281243"/>
+            </a:xfrm>
+            <a:prstGeom prst="straightConnector1">
+              <a:avLst/>
+            </a:prstGeom>
+            <a:ln>
+              <a:solidFill>
+                <a:srgbClr val="ED7D31"/>
+              </a:solidFill>
+              <a:tailEnd type="triangle"/>
+            </a:ln>
+          </p:spPr>
+          <p:style>
+            <a:lnRef idx="1">
+              <a:schemeClr val="accent1"/>
+            </a:lnRef>
+            <a:fillRef idx="0">
+              <a:schemeClr val="accent1"/>
+            </a:fillRef>
+            <a:effectRef idx="0">
+              <a:schemeClr val="accent1"/>
+            </a:effectRef>
+            <a:fontRef idx="minor">
+              <a:schemeClr val="tx1"/>
+            </a:fontRef>
+          </p:style>
+        </p:cxnSp>
+        <p:sp>
+          <p:nvSpPr>
+            <p:cNvPr id="19" name="文本框 18">
+              <a:extLst>
+                <a:ext uri="{FF2B5EF4-FFF2-40B4-BE49-F238E27FC236}">
+                  <a16:creationId xmlns:a16="http://schemas.microsoft.com/office/drawing/2014/main" id="{EE26B7E3-41C7-47D5-B7D6-467967117ADE}"/>
+                </a:ext>
+              </a:extLst>
+            </p:cNvPr>
+            <p:cNvSpPr txBox="1"/>
+            <p:nvPr/>
+          </p:nvSpPr>
+          <p:spPr>
+            <a:xfrm>
+              <a:off x="4602086" y="5475201"/>
+              <a:ext cx="1252614" cy="646331"/>
+            </a:xfrm>
+            <a:prstGeom prst="rect">
+              <a:avLst/>
+            </a:prstGeom>
+            <a:noFill/>
+          </p:spPr>
+          <p:txBody>
+            <a:bodyPr wrap="square" rtlCol="0">
+              <a:spAutoFit/>
+            </a:bodyPr>
+            <a:lstStyle/>
+            <a:p>
+              <a:r>
+                <a:rPr lang="zh-CN" altLang="en-US" sz="1200" dirty="0">
+                  <a:solidFill>
+                    <a:srgbClr val="ED7D31"/>
+                  </a:solidFill>
+                </a:rPr>
+                <a:t>目标类型</a:t>
+              </a:r>
+              <a:r>
+                <a:rPr lang="en-US" altLang="zh-CN" sz="1200" dirty="0">
+                  <a:solidFill>
+                    <a:srgbClr val="ED7D31"/>
+                  </a:solidFill>
+                </a:rPr>
+                <a:t>:</a:t>
+              </a:r>
+            </a:p>
+            <a:p>
+              <a:r>
+                <a:rPr lang="en-US" altLang="zh-CN" sz="1200" dirty="0">
+                  <a:solidFill>
+                    <a:srgbClr val="ED7D31"/>
+                  </a:solidFill>
+                </a:rPr>
+                <a:t>0</a:t>
+              </a:r>
+              <a:r>
+                <a:rPr lang="zh-CN" altLang="en-US" sz="1200" dirty="0">
+                  <a:solidFill>
+                    <a:srgbClr val="ED7D31"/>
+                  </a:solidFill>
+                </a:rPr>
+                <a:t>为</a:t>
+              </a:r>
+              <a:r>
+                <a:rPr lang="en-US" altLang="zh-CN" sz="1200" dirty="0">
+                  <a:solidFill>
+                    <a:srgbClr val="ED7D31"/>
+                  </a:solidFill>
+                </a:rPr>
+                <a:t>Transmitter</a:t>
+              </a:r>
+            </a:p>
+            <a:p>
+              <a:r>
+                <a:rPr lang="en-US" altLang="zh-CN" sz="1200" dirty="0">
+                  <a:solidFill>
+                    <a:srgbClr val="ED7D31"/>
+                  </a:solidFill>
+                </a:rPr>
+                <a:t>1</a:t>
+              </a:r>
+              <a:r>
+                <a:rPr lang="zh-CN" altLang="en-US" sz="1200" dirty="0">
+                  <a:solidFill>
+                    <a:srgbClr val="ED7D31"/>
+                  </a:solidFill>
+                </a:rPr>
+                <a:t>为</a:t>
+              </a:r>
+              <a:r>
+                <a:rPr lang="en-US" altLang="zh-CN" sz="1200" dirty="0">
+                  <a:solidFill>
+                    <a:srgbClr val="ED7D31"/>
+                  </a:solidFill>
+                </a:rPr>
+                <a:t>Consumer</a:t>
+              </a:r>
+              <a:endParaRPr lang="zh-CN" altLang="en-US" sz="1200" dirty="0">
+                <a:solidFill>
+                  <a:srgbClr val="ED7D31"/>
+                </a:solidFill>
+              </a:endParaRPr>
+            </a:p>
+          </p:txBody>
+        </p:sp>
+        <p:sp>
+          <p:nvSpPr>
+            <p:cNvPr id="32" name="文本框 31">
+              <a:extLst>
+                <a:ext uri="{FF2B5EF4-FFF2-40B4-BE49-F238E27FC236}">
+                  <a16:creationId xmlns:a16="http://schemas.microsoft.com/office/drawing/2014/main" id="{154FE242-F6BA-4EF4-B0D9-3320DC62C5FF}"/>
+                </a:ext>
+              </a:extLst>
+            </p:cNvPr>
+            <p:cNvSpPr txBox="1"/>
+            <p:nvPr/>
+          </p:nvSpPr>
+          <p:spPr>
+            <a:xfrm>
+              <a:off x="5258355" y="6139160"/>
+              <a:ext cx="1252614" cy="461665"/>
+            </a:xfrm>
+            <a:prstGeom prst="rect">
+              <a:avLst/>
+            </a:prstGeom>
+            <a:noFill/>
+          </p:spPr>
+          <p:txBody>
+            <a:bodyPr wrap="square" rtlCol="0">
+              <a:spAutoFit/>
+            </a:bodyPr>
+            <a:lstStyle/>
+            <a:p>
+              <a:r>
+                <a:rPr lang="zh-CN" altLang="en-US" sz="1200" dirty="0">
+                  <a:solidFill>
+                    <a:srgbClr val="ED7D31"/>
+                  </a:solidFill>
+                </a:rPr>
+                <a:t>目标在所属类型列表中的编号</a:t>
+              </a:r>
+            </a:p>
+          </p:txBody>
+        </p:sp>
+        <p:sp>
+          <p:nvSpPr>
+            <p:cNvPr id="33" name="文本框 32">
+              <a:extLst>
+                <a:ext uri="{FF2B5EF4-FFF2-40B4-BE49-F238E27FC236}">
+                  <a16:creationId xmlns:a16="http://schemas.microsoft.com/office/drawing/2014/main" id="{449A5599-1344-4194-8E63-231C277A9318}"/>
+                </a:ext>
+              </a:extLst>
+            </p:cNvPr>
+            <p:cNvSpPr txBox="1"/>
+            <p:nvPr/>
+          </p:nvSpPr>
+          <p:spPr>
+            <a:xfrm>
+              <a:off x="5984874" y="6581001"/>
+              <a:ext cx="835026" cy="276999"/>
+            </a:xfrm>
+            <a:prstGeom prst="rect">
+              <a:avLst/>
+            </a:prstGeom>
+            <a:noFill/>
+          </p:spPr>
+          <p:txBody>
+            <a:bodyPr wrap="square" rtlCol="0">
+              <a:spAutoFit/>
+            </a:bodyPr>
+            <a:lstStyle/>
+            <a:p>
+              <a:r>
+                <a:rPr lang="zh-CN" altLang="en-US" sz="1200" dirty="0">
+                  <a:solidFill>
+                    <a:srgbClr val="ED7D31"/>
+                  </a:solidFill>
+                </a:rPr>
+                <a:t>编码格式</a:t>
+              </a:r>
+            </a:p>
+          </p:txBody>
+        </p:sp>
+      </p:grpSp>
     </p:spTree>
   </p:cSld>
   <p:clrMapOvr>
@@ -4050,7 +4941,6 @@
               <a:rPr lang="zh-CN" altLang="en-US" dirty="0"/>
               <a:t>这个示例：这里没有体现格式流格式的转换</a:t>
             </a:r>
-            <a:endParaRPr lang="zh-CN" altLang="en-US" dirty="0"/>
           </a:p>
         </p:txBody>
       </p:sp>
@@ -5799,16 +6689,6 @@
                 </a:rPr>
                 <a:t>15 	10	 10	 10</a:t>
               </a:r>
-              <a:endParaRPr lang="en-US" altLang="zh-CN" sz="1500" kern="0" dirty="0">
-                <a:solidFill>
-                  <a:schemeClr val="bg1">
-                    <a:lumMod val="65000"/>
-                  </a:schemeClr>
-                </a:solidFill>
-                <a:effectLst/>
-                <a:latin typeface="+mn-ea"/>
-                <a:cs typeface="宋体" panose="02010600030101010101" pitchFamily="2" charset="-122"/>
-              </a:endParaRPr>
             </a:p>
             <a:p>
               <a:pPr marL="342900" indent="-342900" algn="l">
@@ -5869,16 +6749,6 @@
                 </a:rPr>
                 <a:t>10	10 	10	 20	 10</a:t>
               </a:r>
-              <a:endParaRPr lang="en-US" altLang="zh-CN" sz="1500" kern="0" dirty="0">
-                <a:solidFill>
-                  <a:schemeClr val="bg1">
-                    <a:lumMod val="65000"/>
-                  </a:schemeClr>
-                </a:solidFill>
-                <a:effectLst/>
-                <a:latin typeface="+mn-ea"/>
-                <a:cs typeface="宋体" panose="02010600030101010101" pitchFamily="2" charset="-122"/>
-              </a:endParaRPr>
             </a:p>
             <a:p>
               <a:pPr marL="342900" indent="-342900" algn="l">
@@ -5940,16 +6810,6 @@
                 </a:rPr>
                 <a:t>10	15	10 	 90 	 10</a:t>
               </a:r>
-              <a:endParaRPr lang="en-US" altLang="zh-CN" sz="1500" kern="0" dirty="0">
-                <a:solidFill>
-                  <a:schemeClr val="bg1">
-                    <a:lumMod val="65000"/>
-                  </a:schemeClr>
-                </a:solidFill>
-                <a:effectLst/>
-                <a:latin typeface="+mn-ea"/>
-                <a:cs typeface="宋体" panose="02010600030101010101" pitchFamily="2" charset="-122"/>
-              </a:endParaRPr>
             </a:p>
             <a:p>
               <a:pPr marL="342900" indent="-342900" algn="l">
@@ -6022,16 +6882,6 @@
                 </a:rPr>
                 <a:t>20 	10 	 10 	 10</a:t>
               </a:r>
-              <a:endParaRPr lang="en-US" altLang="zh-CN" sz="1500" kern="0" dirty="0">
-                <a:solidFill>
-                  <a:schemeClr val="bg1">
-                    <a:lumMod val="65000"/>
-                  </a:schemeClr>
-                </a:solidFill>
-                <a:effectLst/>
-                <a:latin typeface="+mn-ea"/>
-                <a:cs typeface="宋体" panose="02010600030101010101" pitchFamily="2" charset="-122"/>
-              </a:endParaRPr>
             </a:p>
             <a:p>
               <a:pPr marL="342900" indent="-342900" algn="l">
@@ -6132,7 +6982,6 @@
               <a:rPr lang="zh-CN" altLang="en-US" dirty="0"/>
               <a:t>成本计算</a:t>
             </a:r>
-            <a:endParaRPr lang="zh-CN" altLang="en-US" dirty="0"/>
           </a:p>
         </p:txBody>
       </p:sp>
@@ -6152,12 +7001,12 @@
           <a:graphicData uri="http://schemas.openxmlformats.org/presentationml/2006/ole">
             <mc:AlternateContent xmlns:mc="http://schemas.openxmlformats.org/markup-compatibility/2006">
               <mc:Choice xmlns:v="urn:schemas-microsoft-com:vml" Requires="v">
-                <p:oleObj spid="_x0000_s1037" name="Equation" r:id="rId1" imgW="8839200" imgH="5181600" progId="Equation.DSMT4">
+                <p:oleObj spid="_x0000_s1067" name="Equation" r:id="rId3" imgW="8839200" imgH="5181600" progId="Equation.DSMT4">
                   <p:embed/>
                 </p:oleObj>
               </mc:Choice>
               <mc:Fallback>
-                <p:oleObj name="Equation" r:id="rId1" imgW="8839200" imgH="5181600" progId="Equation.DSMT4">
+                <p:oleObj name="Equation" r:id="rId3" imgW="8839200" imgH="5181600" progId="Equation.DSMT4">
                   <p:embed/>
                   <p:pic>
                     <p:nvPicPr>
@@ -6166,7 +7015,7 @@
                       <p:nvPr/>
                     </p:nvPicPr>
                     <p:blipFill>
-                      <a:blip r:embed="rId2"/>
+                      <a:blip r:embed="rId4"/>
                       <a:stretch>
                         <a:fillRect/>
                       </a:stretch>
@@ -6203,12 +7052,12 @@
           <a:graphicData uri="http://schemas.openxmlformats.org/presentationml/2006/ole">
             <mc:AlternateContent xmlns:mc="http://schemas.openxmlformats.org/markup-compatibility/2006">
               <mc:Choice xmlns:v="urn:schemas-microsoft-com:vml" Requires="v">
-                <p:oleObj spid="_x0000_s1038" name="Equation" r:id="rId3" imgW="104546400" imgH="9448800" progId="Equation.DSMT4">
+                <p:oleObj spid="_x0000_s1068" name="Equation" r:id="rId5" imgW="104546400" imgH="9448800" progId="Equation.DSMT4">
                   <p:embed/>
                 </p:oleObj>
               </mc:Choice>
               <mc:Fallback>
-                <p:oleObj name="Equation" r:id="rId3" imgW="104546400" imgH="9448800" progId="Equation.DSMT4">
+                <p:oleObj name="Equation" r:id="rId5" imgW="104546400" imgH="9448800" progId="Equation.DSMT4">
                   <p:embed/>
                   <p:pic>
                     <p:nvPicPr>
@@ -6217,7 +7066,7 @@
                       <p:nvPr/>
                     </p:nvPicPr>
                     <p:blipFill>
-                      <a:blip r:embed="rId4"/>
+                      <a:blip r:embed="rId6"/>
                       <a:stretch>
                         <a:fillRect/>
                       </a:stretch>
@@ -6254,12 +7103,12 @@
           <a:graphicData uri="http://schemas.openxmlformats.org/presentationml/2006/ole">
             <mc:AlternateContent xmlns:mc="http://schemas.openxmlformats.org/markup-compatibility/2006">
               <mc:Choice xmlns:v="urn:schemas-microsoft-com:vml" Requires="v">
-                <p:oleObj spid="_x0000_s1039" name="Equation" r:id="rId5" imgW="29870400" imgH="3962400" progId="Equation.DSMT4">
+                <p:oleObj spid="_x0000_s1069" name="Equation" r:id="rId7" imgW="29870400" imgH="3962400" progId="Equation.DSMT4">
                   <p:embed/>
                 </p:oleObj>
               </mc:Choice>
               <mc:Fallback>
-                <p:oleObj name="Equation" r:id="rId5" imgW="29870400" imgH="3962400" progId="Equation.DSMT4">
+                <p:oleObj name="Equation" r:id="rId7" imgW="29870400" imgH="3962400" progId="Equation.DSMT4">
                   <p:embed/>
                   <p:pic>
                     <p:nvPicPr>
@@ -6268,7 +7117,7 @@
                       <p:nvPr/>
                     </p:nvPicPr>
                     <p:blipFill>
-                      <a:blip r:embed="rId6"/>
+                      <a:blip r:embed="rId8"/>
                       <a:stretch>
                         <a:fillRect/>
                       </a:stretch>
@@ -6305,12 +7154,12 @@
           <a:graphicData uri="http://schemas.openxmlformats.org/presentationml/2006/ole">
             <mc:AlternateContent xmlns:mc="http://schemas.openxmlformats.org/markup-compatibility/2006">
               <mc:Choice xmlns:v="urn:schemas-microsoft-com:vml" Requires="v">
-                <p:oleObj spid="_x0000_s1040" name="Equation" r:id="rId7" imgW="81686400" imgH="18897600" progId="Equation.DSMT4">
+                <p:oleObj spid="_x0000_s1070" name="Equation" r:id="rId9" imgW="81686400" imgH="18897600" progId="Equation.DSMT4">
                   <p:embed/>
                 </p:oleObj>
               </mc:Choice>
               <mc:Fallback>
-                <p:oleObj name="Equation" r:id="rId7" imgW="81686400" imgH="18897600" progId="Equation.DSMT4">
+                <p:oleObj name="Equation" r:id="rId9" imgW="81686400" imgH="18897600" progId="Equation.DSMT4">
                   <p:embed/>
                   <p:pic>
                     <p:nvPicPr>
@@ -6319,7 +7168,7 @@
                       <p:nvPr/>
                     </p:nvPicPr>
                     <p:blipFill>
-                      <a:blip r:embed="rId8"/>
+                      <a:blip r:embed="rId10"/>
                       <a:stretch>
                         <a:fillRect/>
                       </a:stretch>
@@ -6340,6 +7189,366 @@
           </a:graphicData>
         </a:graphic>
       </p:graphicFrame>
+      <p:sp>
+        <p:nvSpPr>
+          <p:cNvPr id="2" name="文本框 1">
+            <a:extLst>
+              <a:ext uri="{FF2B5EF4-FFF2-40B4-BE49-F238E27FC236}">
+                <a16:creationId xmlns:a16="http://schemas.microsoft.com/office/drawing/2014/main" id="{73DB8DFB-E2CE-4EB3-B75C-4CF41379BCBD}"/>
+              </a:ext>
+            </a:extLst>
+          </p:cNvPr>
+          <p:cNvSpPr txBox="1"/>
+          <p:nvPr/>
+        </p:nvSpPr>
+        <p:spPr>
+          <a:xfrm>
+            <a:off x="1072173" y="1478430"/>
+            <a:ext cx="306494" cy="369332"/>
+          </a:xfrm>
+          <a:prstGeom prst="rect">
+            <a:avLst/>
+          </a:prstGeom>
+          <a:noFill/>
+        </p:spPr>
+        <p:txBody>
+          <a:bodyPr wrap="none" rtlCol="0">
+            <a:spAutoFit/>
+          </a:bodyPr>
+          <a:lstStyle/>
+          <a:p>
+            <a:r>
+              <a:rPr lang="en-US" altLang="zh-CN" dirty="0"/>
+              <a:t>0</a:t>
+            </a:r>
+            <a:endParaRPr lang="zh-CN" altLang="en-US" dirty="0"/>
+          </a:p>
+        </p:txBody>
+      </p:sp>
+      <p:sp>
+        <p:nvSpPr>
+          <p:cNvPr id="49" name="文本框 48">
+            <a:extLst>
+              <a:ext uri="{FF2B5EF4-FFF2-40B4-BE49-F238E27FC236}">
+                <a16:creationId xmlns:a16="http://schemas.microsoft.com/office/drawing/2014/main" id="{AB8803B6-627E-475E-8957-97B2F502A6E3}"/>
+              </a:ext>
+            </a:extLst>
+          </p:cNvPr>
+          <p:cNvSpPr txBox="1"/>
+          <p:nvPr/>
+        </p:nvSpPr>
+        <p:spPr>
+          <a:xfrm>
+            <a:off x="1072173" y="2396922"/>
+            <a:ext cx="306494" cy="369332"/>
+          </a:xfrm>
+          <a:prstGeom prst="rect">
+            <a:avLst/>
+          </a:prstGeom>
+          <a:noFill/>
+        </p:spPr>
+        <p:txBody>
+          <a:bodyPr wrap="none" rtlCol="0">
+            <a:spAutoFit/>
+          </a:bodyPr>
+          <a:lstStyle/>
+          <a:p>
+            <a:r>
+              <a:rPr lang="en-US" altLang="zh-CN" dirty="0"/>
+              <a:t>1</a:t>
+            </a:r>
+            <a:endParaRPr lang="zh-CN" altLang="en-US" dirty="0"/>
+          </a:p>
+        </p:txBody>
+      </p:sp>
+      <p:sp>
+        <p:nvSpPr>
+          <p:cNvPr id="50" name="文本框 49">
+            <a:extLst>
+              <a:ext uri="{FF2B5EF4-FFF2-40B4-BE49-F238E27FC236}">
+                <a16:creationId xmlns:a16="http://schemas.microsoft.com/office/drawing/2014/main" id="{1A4130FC-D54E-4CC6-BC38-4A8213468ED4}"/>
+              </a:ext>
+            </a:extLst>
+          </p:cNvPr>
+          <p:cNvSpPr txBox="1"/>
+          <p:nvPr/>
+        </p:nvSpPr>
+        <p:spPr>
+          <a:xfrm>
+            <a:off x="1072173" y="3315413"/>
+            <a:ext cx="306494" cy="369332"/>
+          </a:xfrm>
+          <a:prstGeom prst="rect">
+            <a:avLst/>
+          </a:prstGeom>
+          <a:noFill/>
+        </p:spPr>
+        <p:txBody>
+          <a:bodyPr wrap="none" rtlCol="0">
+            <a:spAutoFit/>
+          </a:bodyPr>
+          <a:lstStyle/>
+          <a:p>
+            <a:r>
+              <a:rPr lang="en-US" altLang="zh-CN" dirty="0"/>
+              <a:t>2</a:t>
+            </a:r>
+            <a:endParaRPr lang="zh-CN" altLang="en-US" dirty="0"/>
+          </a:p>
+        </p:txBody>
+      </p:sp>
+      <p:sp>
+        <p:nvSpPr>
+          <p:cNvPr id="57" name="文本框 56">
+            <a:extLst>
+              <a:ext uri="{FF2B5EF4-FFF2-40B4-BE49-F238E27FC236}">
+                <a16:creationId xmlns:a16="http://schemas.microsoft.com/office/drawing/2014/main" id="{B2BE0BB1-6646-4FF0-9B46-9C913684A973}"/>
+              </a:ext>
+            </a:extLst>
+          </p:cNvPr>
+          <p:cNvSpPr txBox="1"/>
+          <p:nvPr/>
+        </p:nvSpPr>
+        <p:spPr>
+          <a:xfrm>
+            <a:off x="1072173" y="4233905"/>
+            <a:ext cx="306494" cy="369332"/>
+          </a:xfrm>
+          <a:prstGeom prst="rect">
+            <a:avLst/>
+          </a:prstGeom>
+          <a:noFill/>
+        </p:spPr>
+        <p:txBody>
+          <a:bodyPr wrap="none" rtlCol="0">
+            <a:spAutoFit/>
+          </a:bodyPr>
+          <a:lstStyle/>
+          <a:p>
+            <a:r>
+              <a:rPr lang="en-US" altLang="zh-CN" dirty="0"/>
+              <a:t>3</a:t>
+            </a:r>
+            <a:endParaRPr lang="zh-CN" altLang="en-US" dirty="0"/>
+          </a:p>
+        </p:txBody>
+      </p:sp>
+      <p:sp>
+        <p:nvSpPr>
+          <p:cNvPr id="60" name="文本框 59">
+            <a:extLst>
+              <a:ext uri="{FF2B5EF4-FFF2-40B4-BE49-F238E27FC236}">
+                <a16:creationId xmlns:a16="http://schemas.microsoft.com/office/drawing/2014/main" id="{788A39A6-F8BB-4426-8A29-62BD18558C88}"/>
+              </a:ext>
+            </a:extLst>
+          </p:cNvPr>
+          <p:cNvSpPr txBox="1"/>
+          <p:nvPr/>
+        </p:nvSpPr>
+        <p:spPr>
+          <a:xfrm>
+            <a:off x="1072173" y="5152396"/>
+            <a:ext cx="306494" cy="369332"/>
+          </a:xfrm>
+          <a:prstGeom prst="rect">
+            <a:avLst/>
+          </a:prstGeom>
+          <a:noFill/>
+        </p:spPr>
+        <p:txBody>
+          <a:bodyPr wrap="none" rtlCol="0">
+            <a:spAutoFit/>
+          </a:bodyPr>
+          <a:lstStyle/>
+          <a:p>
+            <a:r>
+              <a:rPr lang="en-US" altLang="zh-CN" dirty="0"/>
+              <a:t>4</a:t>
+            </a:r>
+            <a:endParaRPr lang="zh-CN" altLang="en-US" dirty="0"/>
+          </a:p>
+        </p:txBody>
+      </p:sp>
+      <p:sp>
+        <p:nvSpPr>
+          <p:cNvPr id="61" name="文本框 60">
+            <a:extLst>
+              <a:ext uri="{FF2B5EF4-FFF2-40B4-BE49-F238E27FC236}">
+                <a16:creationId xmlns:a16="http://schemas.microsoft.com/office/drawing/2014/main" id="{B0D06848-16A4-47D7-B7BE-32A30F295BDB}"/>
+              </a:ext>
+            </a:extLst>
+          </p:cNvPr>
+          <p:cNvSpPr txBox="1"/>
+          <p:nvPr/>
+        </p:nvSpPr>
+        <p:spPr>
+          <a:xfrm>
+            <a:off x="1995917" y="678712"/>
+            <a:ext cx="306494" cy="369332"/>
+          </a:xfrm>
+          <a:prstGeom prst="rect">
+            <a:avLst/>
+          </a:prstGeom>
+          <a:noFill/>
+        </p:spPr>
+        <p:txBody>
+          <a:bodyPr wrap="none" rtlCol="0">
+            <a:spAutoFit/>
+          </a:bodyPr>
+          <a:lstStyle/>
+          <a:p>
+            <a:r>
+              <a:rPr lang="en-US" altLang="zh-CN" dirty="0"/>
+              <a:t>0</a:t>
+            </a:r>
+            <a:endParaRPr lang="zh-CN" altLang="en-US" dirty="0"/>
+          </a:p>
+        </p:txBody>
+      </p:sp>
+      <p:sp>
+        <p:nvSpPr>
+          <p:cNvPr id="62" name="文本框 61">
+            <a:extLst>
+              <a:ext uri="{FF2B5EF4-FFF2-40B4-BE49-F238E27FC236}">
+                <a16:creationId xmlns:a16="http://schemas.microsoft.com/office/drawing/2014/main" id="{07E250E4-4F38-4B9E-9247-31999DEEF01A}"/>
+              </a:ext>
+            </a:extLst>
+          </p:cNvPr>
+          <p:cNvSpPr txBox="1"/>
+          <p:nvPr/>
+        </p:nvSpPr>
+        <p:spPr>
+          <a:xfrm>
+            <a:off x="2893223" y="678712"/>
+            <a:ext cx="306494" cy="369332"/>
+          </a:xfrm>
+          <a:prstGeom prst="rect">
+            <a:avLst/>
+          </a:prstGeom>
+          <a:noFill/>
+        </p:spPr>
+        <p:txBody>
+          <a:bodyPr wrap="none" rtlCol="0">
+            <a:spAutoFit/>
+          </a:bodyPr>
+          <a:lstStyle/>
+          <a:p>
+            <a:r>
+              <a:rPr lang="en-US" altLang="zh-CN" dirty="0"/>
+              <a:t>1</a:t>
+            </a:r>
+            <a:endParaRPr lang="zh-CN" altLang="en-US" dirty="0"/>
+          </a:p>
+        </p:txBody>
+      </p:sp>
+      <p:sp>
+        <p:nvSpPr>
+          <p:cNvPr id="63" name="文本框 62">
+            <a:extLst>
+              <a:ext uri="{FF2B5EF4-FFF2-40B4-BE49-F238E27FC236}">
+                <a16:creationId xmlns:a16="http://schemas.microsoft.com/office/drawing/2014/main" id="{65717C58-69A0-4F91-AB25-00E737DE7422}"/>
+              </a:ext>
+            </a:extLst>
+          </p:cNvPr>
+          <p:cNvSpPr txBox="1"/>
+          <p:nvPr/>
+        </p:nvSpPr>
+        <p:spPr>
+          <a:xfrm>
+            <a:off x="3790529" y="678712"/>
+            <a:ext cx="306494" cy="369332"/>
+          </a:xfrm>
+          <a:prstGeom prst="rect">
+            <a:avLst/>
+          </a:prstGeom>
+          <a:noFill/>
+        </p:spPr>
+        <p:txBody>
+          <a:bodyPr wrap="square" rtlCol="0">
+            <a:spAutoFit/>
+          </a:bodyPr>
+          <a:lstStyle/>
+          <a:p>
+            <a:r>
+              <a:rPr lang="en-US" altLang="zh-CN" dirty="0"/>
+              <a:t>2</a:t>
+            </a:r>
+            <a:endParaRPr lang="zh-CN" altLang="en-US" dirty="0"/>
+          </a:p>
+        </p:txBody>
+      </p:sp>
+      <p:sp>
+        <p:nvSpPr>
+          <p:cNvPr id="64" name="文本框 63">
+            <a:extLst>
+              <a:ext uri="{FF2B5EF4-FFF2-40B4-BE49-F238E27FC236}">
+                <a16:creationId xmlns:a16="http://schemas.microsoft.com/office/drawing/2014/main" id="{B8C399C5-E575-4D4B-B7E7-A9D636F6FFC7}"/>
+              </a:ext>
+            </a:extLst>
+          </p:cNvPr>
+          <p:cNvSpPr txBox="1"/>
+          <p:nvPr/>
+        </p:nvSpPr>
+        <p:spPr>
+          <a:xfrm>
+            <a:off x="4687835" y="678712"/>
+            <a:ext cx="306494" cy="369332"/>
+          </a:xfrm>
+          <a:prstGeom prst="rect">
+            <a:avLst/>
+          </a:prstGeom>
+          <a:noFill/>
+        </p:spPr>
+        <p:txBody>
+          <a:bodyPr wrap="square" rtlCol="0">
+            <a:spAutoFit/>
+          </a:bodyPr>
+          <a:lstStyle/>
+          <a:p>
+            <a:r>
+              <a:rPr lang="en-US" altLang="zh-CN" dirty="0"/>
+              <a:t>3</a:t>
+            </a:r>
+            <a:endParaRPr lang="zh-CN" altLang="en-US" dirty="0"/>
+          </a:p>
+        </p:txBody>
+      </p:sp>
+      <p:sp>
+        <p:nvSpPr>
+          <p:cNvPr id="65" name="文本框 64">
+            <a:extLst>
+              <a:ext uri="{FF2B5EF4-FFF2-40B4-BE49-F238E27FC236}">
+                <a16:creationId xmlns:a16="http://schemas.microsoft.com/office/drawing/2014/main" id="{D40EA388-1B66-4E85-B31B-099445B78DD4}"/>
+              </a:ext>
+            </a:extLst>
+          </p:cNvPr>
+          <p:cNvSpPr txBox="1"/>
+          <p:nvPr/>
+        </p:nvSpPr>
+        <p:spPr>
+          <a:xfrm>
+            <a:off x="5585140" y="678712"/>
+            <a:ext cx="306494" cy="369332"/>
+          </a:xfrm>
+          <a:prstGeom prst="rect">
+            <a:avLst/>
+          </a:prstGeom>
+          <a:noFill/>
+        </p:spPr>
+        <p:txBody>
+          <a:bodyPr wrap="square" rtlCol="0">
+            <a:spAutoFit/>
+          </a:bodyPr>
+          <a:lstStyle/>
+          <a:p>
+            <a:r>
+              <a:rPr lang="en-US" altLang="zh-CN" dirty="0"/>
+              <a:t>4</a:t>
+            </a:r>
+            <a:endParaRPr lang="zh-CN" altLang="en-US" dirty="0"/>
+          </a:p>
+        </p:txBody>
+      </p:sp>
     </p:spTree>
   </p:cSld>
   <p:clrMapOvr>
@@ -6384,7 +7593,6 @@
               <a:rPr lang="zh-CN" altLang="en-US" dirty="0"/>
               <a:t>初步设想</a:t>
             </a:r>
-            <a:endParaRPr lang="zh-CN" altLang="en-US" dirty="0"/>
           </a:p>
         </p:txBody>
       </p:sp>
@@ -6407,7 +7615,6 @@
               <a:rPr lang="zh-CN" altLang="en-US" dirty="0"/>
               <a:t>先通过示例</a:t>
             </a:r>
-            <a:endParaRPr lang="zh-CN" altLang="en-US" dirty="0"/>
           </a:p>
         </p:txBody>
       </p:sp>
@@ -6455,7 +7662,6 @@
               <a:rPr lang="zh-CN" altLang="en-US" dirty="0"/>
               <a:t>思路</a:t>
             </a:r>
-            <a:endParaRPr lang="zh-CN" altLang="en-US" dirty="0"/>
           </a:p>
         </p:txBody>
       </p:sp>
@@ -6478,7 +7684,6 @@
               <a:rPr lang="zh-CN" altLang="en-US" dirty="0"/>
               <a:t>先通过示例：最优化问题，输出可行解即可！</a:t>
             </a:r>
-            <a:endParaRPr lang="zh-CN" altLang="en-US" dirty="0"/>
           </a:p>
           <a:p>
             <a:endParaRPr lang="zh-CN" altLang="en-US" dirty="0"/>
@@ -6525,7 +7730,6 @@
               <a:rPr lang="zh-CN" altLang="en-US" dirty="0"/>
               <a:t>思路</a:t>
             </a:r>
-            <a:endParaRPr lang="zh-CN" altLang="en-US" dirty="0"/>
           </a:p>
         </p:txBody>
       </p:sp>
@@ -6585,7 +7789,6 @@
               <a:rPr lang="zh-CN" altLang="en-US" dirty="0"/>
               <a:t>距离尽可能短</a:t>
             </a:r>
-            <a:endParaRPr lang="zh-CN" altLang="en-US" dirty="0"/>
           </a:p>
         </p:txBody>
       </p:sp>
@@ -6645,7 +7848,6 @@
               <a:rPr lang="zh-CN" altLang="en-US" dirty="0"/>
               <a:t>中继尽可能少</a:t>
             </a:r>
-            <a:endParaRPr lang="zh-CN" altLang="en-US" dirty="0"/>
           </a:p>
         </p:txBody>
       </p:sp>
@@ -6882,7 +8084,6 @@
               <a:rPr lang="zh-CN" altLang="en-US" dirty="0"/>
               <a:t>合并</a:t>
             </a:r>
-            <a:endParaRPr lang="zh-CN" altLang="en-US" dirty="0"/>
           </a:p>
         </p:txBody>
       </p:sp>
@@ -6930,7 +8131,7 @@
         </p:nvSpPr>
         <p:spPr>
           <a:xfrm>
-            <a:off x="8124190" y="3419951"/>
+            <a:off x="9201428" y="3245494"/>
             <a:ext cx="3314700" cy="1200329"/>
           </a:xfrm>
           <a:prstGeom prst="rect">
@@ -6963,7 +8164,6 @@
               <a:rPr lang="en-US" altLang="zh-CN" dirty="0"/>
               <a:t>Dijkstra</a:t>
             </a:r>
-            <a:endParaRPr lang="en-US" altLang="zh-CN" dirty="0"/>
           </a:p>
           <a:p>
             <a:pPr marL="342900" indent="-342900">
@@ -6973,7 +8173,6 @@
               <a:rPr lang="zh-CN" altLang="en-US" dirty="0"/>
               <a:t>最短路径求解交叉点</a:t>
             </a:r>
-            <a:endParaRPr lang="zh-CN" altLang="en-US" dirty="0"/>
           </a:p>
         </p:txBody>
       </p:sp>
@@ -7010,6 +8209,7 @@
         </p:style>
         <p:txBody>
           <a:bodyPr rtlCol="0" anchor="ctr"/>
+          <a:lstStyle/>
           <a:p>
             <a:pPr algn="ctr"/>
             <a:r>
@@ -7071,13 +8271,13 @@
         </p:style>
         <p:txBody>
           <a:bodyPr rtlCol="0" anchor="ctr"/>
+          <a:lstStyle/>
           <a:p>
             <a:pPr algn="ctr"/>
             <a:r>
               <a:rPr lang="zh-CN" altLang="en-US" dirty="0"/>
               <a:t>合并</a:t>
             </a:r>
-            <a:endParaRPr lang="zh-CN" altLang="en-US" dirty="0"/>
           </a:p>
         </p:txBody>
       </p:sp>
@@ -7137,12 +8337,12 @@
           <a:bodyPr wrap="square" rtlCol="0">
             <a:spAutoFit/>
           </a:bodyPr>
+          <a:lstStyle/>
           <a:p>
             <a:r>
               <a:rPr lang="zh-CN" altLang="en-US"/>
               <a:t>是</a:t>
             </a:r>
-            <a:endParaRPr lang="zh-CN" altLang="en-US"/>
           </a:p>
         </p:txBody>
       </p:sp>
@@ -7170,12 +8370,12 @@
           <a:bodyPr wrap="square" rtlCol="0">
             <a:spAutoFit/>
           </a:bodyPr>
+          <a:lstStyle/>
           <a:p>
             <a:r>
               <a:rPr lang="zh-CN" altLang="en-US"/>
               <a:t>否</a:t>
             </a:r>
-            <a:endParaRPr lang="zh-CN" altLang="en-US"/>
           </a:p>
         </p:txBody>
       </p:sp>
@@ -7196,7 +8396,14 @@
         <p:cNvGrpSpPr/>
         <p:nvPr/>
       </p:nvGrpSpPr>
-      <p:grpSpPr/>
+      <p:grpSpPr>
+        <a:xfrm>
+          <a:off x="0" y="0"/>
+          <a:ext cx="0" cy="0"/>
+          <a:chOff x="0" y="0"/>
+          <a:chExt cx="0" cy="0"/>
+        </a:xfrm>
+      </p:grpSpPr>
       <p:sp>
         <p:nvSpPr>
           <p:cNvPr id="41" name="文本框 40"/>
@@ -7221,6 +8428,7 @@
           <a:bodyPr wrap="square">
             <a:spAutoFit/>
           </a:bodyPr>
+          <a:lstStyle/>
           <a:p>
             <a:pPr algn="l"/>
             <a:r>
@@ -7248,16 +8456,6 @@
               </a:rPr>
               <a:t>15 	10	 10	 10</a:t>
             </a:r>
-            <a:endParaRPr lang="en-US" altLang="zh-CN" sz="1500" kern="0" dirty="0">
-              <a:solidFill>
-                <a:schemeClr val="bg1">
-                  <a:lumMod val="65000"/>
-                </a:schemeClr>
-              </a:solidFill>
-              <a:effectLst/>
-              <a:latin typeface="+mn-ea"/>
-              <a:cs typeface="宋体" panose="02010600030101010101" pitchFamily="2" charset="-122"/>
-            </a:endParaRPr>
           </a:p>
           <a:p>
             <a:pPr marL="342900" indent="-342900" algn="l">
@@ -7318,16 +8516,6 @@
               </a:rPr>
               <a:t>10	10 	10	 20	 10</a:t>
             </a:r>
-            <a:endParaRPr lang="en-US" altLang="zh-CN" sz="1500" kern="0" dirty="0">
-              <a:solidFill>
-                <a:schemeClr val="bg1">
-                  <a:lumMod val="65000"/>
-                </a:schemeClr>
-              </a:solidFill>
-              <a:effectLst/>
-              <a:latin typeface="+mn-ea"/>
-              <a:cs typeface="宋体" panose="02010600030101010101" pitchFamily="2" charset="-122"/>
-            </a:endParaRPr>
           </a:p>
           <a:p>
             <a:pPr marL="342900" indent="-342900" algn="l">
@@ -7389,16 +8577,6 @@
               </a:rPr>
               <a:t>10	15	10 	 90 	 10</a:t>
             </a:r>
-            <a:endParaRPr lang="en-US" altLang="zh-CN" sz="1500" kern="0" dirty="0">
-              <a:solidFill>
-                <a:schemeClr val="bg1">
-                  <a:lumMod val="65000"/>
-                </a:schemeClr>
-              </a:solidFill>
-              <a:effectLst/>
-              <a:latin typeface="+mn-ea"/>
-              <a:cs typeface="宋体" panose="02010600030101010101" pitchFamily="2" charset="-122"/>
-            </a:endParaRPr>
           </a:p>
           <a:p>
             <a:pPr marL="342900" indent="-342900" algn="l">
@@ -7471,16 +8649,6 @@
               </a:rPr>
               <a:t>20 	10 	 10 	 10</a:t>
             </a:r>
-            <a:endParaRPr lang="en-US" altLang="zh-CN" sz="1500" kern="0" dirty="0">
-              <a:solidFill>
-                <a:schemeClr val="bg1">
-                  <a:lumMod val="65000"/>
-                </a:schemeClr>
-              </a:solidFill>
-              <a:effectLst/>
-              <a:latin typeface="+mn-ea"/>
-              <a:cs typeface="宋体" panose="02010600030101010101" pitchFamily="2" charset="-122"/>
-            </a:endParaRPr>
           </a:p>
           <a:p>
             <a:pPr marL="342900" indent="-342900" algn="l">
@@ -7567,6 +8735,7 @@
         <p:spPr/>
         <p:txBody>
           <a:bodyPr/>
+          <a:lstStyle/>
           <a:p>
             <a:r>
               <a:rPr lang="zh-CN" altLang="en-US"/>
@@ -7578,13 +8747,8 @@
             </a:r>
             <a:r>
               <a:rPr lang="zh-CN" altLang="en-US"/>
-              <a:t>：距离尽可能地</a:t>
-            </a:r>
-            <a:r>
-              <a:rPr lang="zh-CN" altLang="en-US"/>
-              <a:t>短</a:t>
-            </a:r>
-            <a:endParaRPr lang="zh-CN" altLang="en-US"/>
+              <a:t>：距离尽可能地短</a:t>
+            </a:r>
           </a:p>
         </p:txBody>
       </p:sp>
@@ -7608,6 +8772,7 @@
           <a:bodyPr wrap="square" rtlCol="0" anchor="t">
             <a:spAutoFit/>
           </a:bodyPr>
+          <a:lstStyle/>
           <a:p>
             <a:pPr marL="342900" indent="-342900">
               <a:buAutoNum type="arabicPeriod"/>
@@ -7640,17 +8805,8 @@
               <a:rPr lang="zh-CN" altLang="en-US" dirty="0">
                 <a:sym typeface="+mn-ea"/>
               </a:rPr>
-              <a:t>单源点</a:t>
-            </a:r>
-            <a:r>
-              <a:rPr lang="zh-CN" altLang="en-US" dirty="0">
-                <a:sym typeface="+mn-ea"/>
-              </a:rPr>
-              <a:t>最短路径</a:t>
-            </a:r>
-            <a:endParaRPr lang="zh-CN" altLang="en-US" dirty="0">
-              <a:sym typeface="+mn-ea"/>
-            </a:endParaRPr>
+              <a:t>单源点最短路径</a:t>
+            </a:r>
           </a:p>
         </p:txBody>
       </p:sp>
@@ -7661,7 +8817,7 @@
           <p:nvPr/>
         </p:nvGrpSpPr>
         <p:grpSpPr>
-          <a:xfrm rot="0">
+          <a:xfrm>
             <a:off x="1678940" y="2036445"/>
             <a:ext cx="4572000" cy="4572000"/>
             <a:chOff x="2383200" y="1296000"/>
@@ -7674,7 +8830,7 @@
             <p:cNvSpPr/>
             <p:nvPr>
               <p:custDataLst>
-                <p:tags r:id="rId2"/>
+                <p:tags r:id="rId7"/>
               </p:custDataLst>
             </p:nvPr>
           </p:nvSpPr>
@@ -7711,6 +8867,7 @@
           </p:style>
           <p:txBody>
             <a:bodyPr rtlCol="0" anchor="ctr"/>
+            <a:lstStyle/>
             <a:p>
               <a:pPr algn="ctr"/>
               <a:r>
@@ -7735,7 +8892,7 @@
             <p:cNvSpPr/>
             <p:nvPr>
               <p:custDataLst>
-                <p:tags r:id="rId3"/>
+                <p:tags r:id="rId8"/>
               </p:custDataLst>
             </p:nvPr>
           </p:nvSpPr>
@@ -7772,6 +8929,7 @@
           </p:style>
           <p:txBody>
             <a:bodyPr rtlCol="0" anchor="ctr"/>
+            <a:lstStyle/>
             <a:p>
               <a:pPr algn="ctr"/>
               <a:r>
@@ -7796,7 +8954,7 @@
             <p:cNvSpPr/>
             <p:nvPr>
               <p:custDataLst>
-                <p:tags r:id="rId4"/>
+                <p:tags r:id="rId9"/>
               </p:custDataLst>
             </p:nvPr>
           </p:nvSpPr>
@@ -7833,6 +8991,7 @@
           </p:style>
           <p:txBody>
             <a:bodyPr rtlCol="0" anchor="ctr"/>
+            <a:lstStyle/>
             <a:p>
               <a:pPr algn="ctr"/>
               <a:endParaRPr lang="zh-CN" altLang="en-US" dirty="0">
@@ -7849,7 +9008,7 @@
             <p:cNvSpPr/>
             <p:nvPr>
               <p:custDataLst>
-                <p:tags r:id="rId5"/>
+                <p:tags r:id="rId10"/>
               </p:custDataLst>
             </p:nvPr>
           </p:nvSpPr>
@@ -7886,6 +9045,7 @@
           </p:style>
           <p:txBody>
             <a:bodyPr rtlCol="0" anchor="ctr"/>
+            <a:lstStyle/>
             <a:p>
               <a:pPr algn="ctr"/>
               <a:endParaRPr lang="zh-CN" altLang="en-US" dirty="0">
@@ -7902,7 +9062,7 @@
             <p:cNvSpPr/>
             <p:nvPr>
               <p:custDataLst>
-                <p:tags r:id="rId6"/>
+                <p:tags r:id="rId11"/>
               </p:custDataLst>
             </p:nvPr>
           </p:nvSpPr>
@@ -7939,6 +9099,7 @@
           </p:style>
           <p:txBody>
             <a:bodyPr rtlCol="0" anchor="ctr"/>
+            <a:lstStyle/>
             <a:p>
               <a:pPr algn="ctr"/>
               <a:endParaRPr lang="zh-CN" altLang="en-US" dirty="0">
@@ -7955,7 +9116,7 @@
             <p:cNvSpPr/>
             <p:nvPr>
               <p:custDataLst>
-                <p:tags r:id="rId7"/>
+                <p:tags r:id="rId12"/>
               </p:custDataLst>
             </p:nvPr>
           </p:nvSpPr>
@@ -7992,6 +9153,7 @@
           </p:style>
           <p:txBody>
             <a:bodyPr rtlCol="0" anchor="ctr"/>
+            <a:lstStyle/>
             <a:p>
               <a:pPr algn="ctr"/>
               <a:endParaRPr lang="zh-CN" altLang="en-US" dirty="0">
@@ -8008,7 +9170,7 @@
             <p:cNvSpPr/>
             <p:nvPr>
               <p:custDataLst>
-                <p:tags r:id="rId8"/>
+                <p:tags r:id="rId13"/>
               </p:custDataLst>
             </p:nvPr>
           </p:nvSpPr>
@@ -8045,6 +9207,7 @@
           </p:style>
           <p:txBody>
             <a:bodyPr rtlCol="0" anchor="ctr"/>
+            <a:lstStyle/>
             <a:p>
               <a:pPr algn="ctr"/>
               <a:endParaRPr lang="zh-CN" altLang="en-US" dirty="0">
@@ -8061,7 +9224,7 @@
             <p:cNvSpPr/>
             <p:nvPr>
               <p:custDataLst>
-                <p:tags r:id="rId9"/>
+                <p:tags r:id="rId14"/>
               </p:custDataLst>
             </p:nvPr>
           </p:nvSpPr>
@@ -8098,6 +9261,7 @@
           </p:style>
           <p:txBody>
             <a:bodyPr rtlCol="0" anchor="ctr"/>
+            <a:lstStyle/>
             <a:p>
               <a:pPr algn="ctr"/>
               <a:r>
@@ -8122,7 +9286,7 @@
             <p:cNvSpPr/>
             <p:nvPr>
               <p:custDataLst>
-                <p:tags r:id="rId10"/>
+                <p:tags r:id="rId15"/>
               </p:custDataLst>
             </p:nvPr>
           </p:nvSpPr>
@@ -8159,6 +9323,7 @@
           </p:style>
           <p:txBody>
             <a:bodyPr rtlCol="0" anchor="ctr"/>
+            <a:lstStyle/>
             <a:p>
               <a:pPr algn="ctr"/>
               <a:endParaRPr lang="zh-CN" altLang="en-US" dirty="0">
@@ -8175,7 +9340,7 @@
             <p:cNvSpPr/>
             <p:nvPr>
               <p:custDataLst>
-                <p:tags r:id="rId11"/>
+                <p:tags r:id="rId16"/>
               </p:custDataLst>
             </p:nvPr>
           </p:nvSpPr>
@@ -8212,6 +9377,7 @@
           </p:style>
           <p:txBody>
             <a:bodyPr rtlCol="0" anchor="ctr"/>
+            <a:lstStyle/>
             <a:p>
               <a:pPr algn="ctr"/>
               <a:endParaRPr lang="zh-CN" altLang="en-US" dirty="0">
@@ -8228,7 +9394,7 @@
             <p:cNvSpPr/>
             <p:nvPr>
               <p:custDataLst>
-                <p:tags r:id="rId12"/>
+                <p:tags r:id="rId17"/>
               </p:custDataLst>
             </p:nvPr>
           </p:nvSpPr>
@@ -8265,6 +9431,7 @@
           </p:style>
           <p:txBody>
             <a:bodyPr rtlCol="0" anchor="ctr"/>
+            <a:lstStyle/>
             <a:p>
               <a:pPr algn="ctr"/>
               <a:endParaRPr lang="zh-CN" altLang="en-US" dirty="0">
@@ -8281,7 +9448,7 @@
             <p:cNvSpPr/>
             <p:nvPr>
               <p:custDataLst>
-                <p:tags r:id="rId13"/>
+                <p:tags r:id="rId18"/>
               </p:custDataLst>
             </p:nvPr>
           </p:nvSpPr>
@@ -8318,6 +9485,7 @@
           </p:style>
           <p:txBody>
             <a:bodyPr rtlCol="0" anchor="ctr"/>
+            <a:lstStyle/>
             <a:p>
               <a:pPr algn="ctr"/>
               <a:r>
@@ -8342,7 +9510,7 @@
             <p:cNvSpPr/>
             <p:nvPr>
               <p:custDataLst>
-                <p:tags r:id="rId14"/>
+                <p:tags r:id="rId19"/>
               </p:custDataLst>
             </p:nvPr>
           </p:nvSpPr>
@@ -8379,6 +9547,7 @@
           </p:style>
           <p:txBody>
             <a:bodyPr rtlCol="0" anchor="ctr"/>
+            <a:lstStyle/>
             <a:p>
               <a:pPr algn="ctr"/>
               <a:r>
@@ -8403,7 +9572,7 @@
             <p:cNvSpPr/>
             <p:nvPr>
               <p:custDataLst>
-                <p:tags r:id="rId15"/>
+                <p:tags r:id="rId20"/>
               </p:custDataLst>
             </p:nvPr>
           </p:nvSpPr>
@@ -8440,6 +9609,7 @@
           </p:style>
           <p:txBody>
             <a:bodyPr rtlCol="0" anchor="ctr"/>
+            <a:lstStyle/>
             <a:p>
               <a:pPr algn="ctr"/>
               <a:endParaRPr lang="zh-CN" altLang="en-US" dirty="0">
@@ -8456,7 +9626,7 @@
             <p:cNvSpPr/>
             <p:nvPr>
               <p:custDataLst>
-                <p:tags r:id="rId16"/>
+                <p:tags r:id="rId21"/>
               </p:custDataLst>
             </p:nvPr>
           </p:nvSpPr>
@@ -8493,6 +9663,7 @@
           </p:style>
           <p:txBody>
             <a:bodyPr rtlCol="0" anchor="ctr"/>
+            <a:lstStyle/>
             <a:p>
               <a:pPr algn="ctr"/>
               <a:endParaRPr lang="zh-CN" altLang="en-US" dirty="0">
@@ -8509,7 +9680,7 @@
             <p:cNvSpPr/>
             <p:nvPr>
               <p:custDataLst>
-                <p:tags r:id="rId17"/>
+                <p:tags r:id="rId22"/>
               </p:custDataLst>
             </p:nvPr>
           </p:nvSpPr>
@@ -8546,6 +9717,7 @@
           </p:style>
           <p:txBody>
             <a:bodyPr rtlCol="0" anchor="ctr"/>
+            <a:lstStyle/>
             <a:p>
               <a:pPr algn="ctr"/>
               <a:endParaRPr lang="zh-CN" altLang="en-US" dirty="0">
@@ -8562,7 +9734,7 @@
             <p:cNvSpPr/>
             <p:nvPr>
               <p:custDataLst>
-                <p:tags r:id="rId18"/>
+                <p:tags r:id="rId23"/>
               </p:custDataLst>
             </p:nvPr>
           </p:nvSpPr>
@@ -8599,6 +9771,7 @@
           </p:style>
           <p:txBody>
             <a:bodyPr rtlCol="0" anchor="ctr"/>
+            <a:lstStyle/>
             <a:p>
               <a:pPr algn="ctr"/>
               <a:r>
@@ -8623,7 +9796,7 @@
             <p:cNvSpPr/>
             <p:nvPr>
               <p:custDataLst>
-                <p:tags r:id="rId19"/>
+                <p:tags r:id="rId24"/>
               </p:custDataLst>
             </p:nvPr>
           </p:nvSpPr>
@@ -8660,6 +9833,7 @@
           </p:style>
           <p:txBody>
             <a:bodyPr rtlCol="0" anchor="ctr"/>
+            <a:lstStyle/>
             <a:p>
               <a:pPr algn="ctr"/>
               <a:endParaRPr lang="zh-CN" altLang="en-US" dirty="0">
@@ -8676,7 +9850,7 @@
             <p:cNvSpPr/>
             <p:nvPr>
               <p:custDataLst>
-                <p:tags r:id="rId20"/>
+                <p:tags r:id="rId25"/>
               </p:custDataLst>
             </p:nvPr>
           </p:nvSpPr>
@@ -8713,6 +9887,7 @@
           </p:style>
           <p:txBody>
             <a:bodyPr rtlCol="0" anchor="ctr"/>
+            <a:lstStyle/>
             <a:p>
               <a:pPr algn="ctr"/>
               <a:endParaRPr lang="zh-CN" altLang="en-US" dirty="0">
@@ -8729,7 +9904,7 @@
             <p:cNvSpPr/>
             <p:nvPr>
               <p:custDataLst>
-                <p:tags r:id="rId21"/>
+                <p:tags r:id="rId26"/>
               </p:custDataLst>
             </p:nvPr>
           </p:nvSpPr>
@@ -8766,6 +9941,7 @@
           </p:style>
           <p:txBody>
             <a:bodyPr rtlCol="0" anchor="ctr"/>
+            <a:lstStyle/>
             <a:p>
               <a:pPr algn="ctr"/>
               <a:endParaRPr lang="zh-CN" altLang="en-US" dirty="0">
@@ -8782,7 +9958,7 @@
             <p:cNvSpPr/>
             <p:nvPr>
               <p:custDataLst>
-                <p:tags r:id="rId22"/>
+                <p:tags r:id="rId27"/>
               </p:custDataLst>
             </p:nvPr>
           </p:nvSpPr>
@@ -8819,6 +9995,7 @@
           </p:style>
           <p:txBody>
             <a:bodyPr rtlCol="0" anchor="ctr"/>
+            <a:lstStyle/>
             <a:p>
               <a:pPr algn="ctr"/>
               <a:endParaRPr lang="zh-CN" altLang="en-US" dirty="0">
@@ -8835,7 +10012,7 @@
             <p:cNvSpPr/>
             <p:nvPr>
               <p:custDataLst>
-                <p:tags r:id="rId23"/>
+                <p:tags r:id="rId28"/>
               </p:custDataLst>
             </p:nvPr>
           </p:nvSpPr>
@@ -8872,6 +10049,7 @@
           </p:style>
           <p:txBody>
             <a:bodyPr rtlCol="0" anchor="ctr"/>
+            <a:lstStyle/>
             <a:p>
               <a:pPr algn="ctr"/>
               <a:endParaRPr lang="zh-CN" altLang="en-US" dirty="0">
@@ -8888,7 +10066,7 @@
             <p:cNvSpPr/>
             <p:nvPr>
               <p:custDataLst>
-                <p:tags r:id="rId24"/>
+                <p:tags r:id="rId29"/>
               </p:custDataLst>
             </p:nvPr>
           </p:nvSpPr>
@@ -8925,6 +10103,7 @@
           </p:style>
           <p:txBody>
             <a:bodyPr rtlCol="0" anchor="ctr"/>
+            <a:lstStyle/>
             <a:p>
               <a:pPr algn="ctr"/>
               <a:endParaRPr lang="zh-CN" altLang="en-US" dirty="0">
@@ -8941,7 +10120,7 @@
             <p:cNvSpPr/>
             <p:nvPr>
               <p:custDataLst>
-                <p:tags r:id="rId25"/>
+                <p:tags r:id="rId30"/>
               </p:custDataLst>
             </p:nvPr>
           </p:nvSpPr>
@@ -8978,6 +10157,7 @@
           </p:style>
           <p:txBody>
             <a:bodyPr rtlCol="0" anchor="ctr"/>
+            <a:lstStyle/>
             <a:p>
               <a:pPr algn="ctr"/>
               <a:endParaRPr lang="zh-CN" altLang="en-US" dirty="0">
@@ -8994,7 +10174,7 @@
             <p:cNvSpPr/>
             <p:nvPr>
               <p:custDataLst>
-                <p:tags r:id="rId26"/>
+                <p:tags r:id="rId31"/>
               </p:custDataLst>
             </p:nvPr>
           </p:nvSpPr>
@@ -9031,6 +10211,7 @@
           </p:style>
           <p:txBody>
             <a:bodyPr rtlCol="0" anchor="ctr"/>
+            <a:lstStyle/>
             <a:p>
               <a:pPr algn="ctr"/>
               <a:endParaRPr lang="zh-CN" altLang="en-US" dirty="0">
@@ -9047,7 +10228,7 @@
             <p:cNvCxnSpPr/>
             <p:nvPr>
               <p:custDataLst>
-                <p:tags r:id="rId27"/>
+                <p:tags r:id="rId32"/>
               </p:custDataLst>
             </p:nvPr>
           </p:nvCxnSpPr>
@@ -9084,7 +10265,7 @@
             <p:cNvCxnSpPr/>
             <p:nvPr>
               <p:custDataLst>
-                <p:tags r:id="rId28"/>
+                <p:tags r:id="rId33"/>
               </p:custDataLst>
             </p:nvPr>
           </p:nvCxnSpPr>
@@ -9121,7 +10302,7 @@
             <p:cNvCxnSpPr/>
             <p:nvPr>
               <p:custDataLst>
-                <p:tags r:id="rId29"/>
+                <p:tags r:id="rId34"/>
               </p:custDataLst>
             </p:nvPr>
           </p:nvCxnSpPr>
@@ -9158,7 +10339,7 @@
             <p:cNvCxnSpPr/>
             <p:nvPr>
               <p:custDataLst>
-                <p:tags r:id="rId30"/>
+                <p:tags r:id="rId35"/>
               </p:custDataLst>
             </p:nvPr>
           </p:nvCxnSpPr>
@@ -9195,7 +10376,7 @@
             <p:cNvCxnSpPr/>
             <p:nvPr>
               <p:custDataLst>
-                <p:tags r:id="rId31"/>
+                <p:tags r:id="rId36"/>
               </p:custDataLst>
             </p:nvPr>
           </p:nvCxnSpPr>
@@ -9233,7 +10414,7 @@
           <p:cNvSpPr txBox="1"/>
           <p:nvPr>
             <p:custDataLst>
-              <p:tags r:id="rId32"/>
+              <p:tags r:id="rId2"/>
             </p:custDataLst>
           </p:nvPr>
         </p:nvSpPr>
@@ -9251,6 +10432,7 @@
           <a:bodyPr wrap="none" rtlCol="0">
             <a:spAutoFit/>
           </a:bodyPr>
+          <a:lstStyle/>
           <a:p>
             <a:r>
               <a:rPr lang="en-US" altLang="zh-CN" dirty="0">
@@ -9274,7 +10456,7 @@
           <p:cNvSpPr txBox="1"/>
           <p:nvPr>
             <p:custDataLst>
-              <p:tags r:id="rId33"/>
+              <p:tags r:id="rId3"/>
             </p:custDataLst>
           </p:nvPr>
         </p:nvSpPr>
@@ -9292,6 +10474,7 @@
           <a:bodyPr wrap="none" rtlCol="0">
             <a:spAutoFit/>
           </a:bodyPr>
+          <a:lstStyle/>
           <a:p>
             <a:r>
               <a:rPr lang="en-US" altLang="zh-CN" dirty="0">
@@ -9315,7 +10498,7 @@
           <p:cNvSpPr txBox="1"/>
           <p:nvPr>
             <p:custDataLst>
-              <p:tags r:id="rId34"/>
+              <p:tags r:id="rId4"/>
             </p:custDataLst>
           </p:nvPr>
         </p:nvSpPr>
@@ -9333,6 +10516,7 @@
           <a:bodyPr wrap="none" rtlCol="0">
             <a:spAutoFit/>
           </a:bodyPr>
+          <a:lstStyle/>
           <a:p>
             <a:r>
               <a:rPr lang="en-US" altLang="zh-CN" dirty="0">
@@ -9356,7 +10540,7 @@
           <p:cNvSpPr txBox="1"/>
           <p:nvPr>
             <p:custDataLst>
-              <p:tags r:id="rId35"/>
+              <p:tags r:id="rId5"/>
             </p:custDataLst>
           </p:nvPr>
         </p:nvSpPr>
@@ -9374,6 +10558,7 @@
           <a:bodyPr wrap="none" rtlCol="0">
             <a:spAutoFit/>
           </a:bodyPr>
+          <a:lstStyle/>
           <a:p>
             <a:r>
               <a:rPr lang="en-US" altLang="zh-CN" dirty="0">
@@ -9397,7 +10582,7 @@
           <p:cNvSpPr txBox="1"/>
           <p:nvPr>
             <p:custDataLst>
-              <p:tags r:id="rId36"/>
+              <p:tags r:id="rId6"/>
             </p:custDataLst>
           </p:nvPr>
         </p:nvSpPr>
@@ -9415,6 +10600,7 @@
           <a:bodyPr wrap="none" rtlCol="0">
             <a:spAutoFit/>
           </a:bodyPr>
+          <a:lstStyle/>
           <a:p>
             <a:r>
               <a:rPr lang="en-US" altLang="zh-CN" dirty="0">
@@ -9441,235 +10627,235 @@
 </file>
 
 <file path=ppt/tags/tag1.xml><?xml version="1.0" encoding="utf-8"?>
-<p:tagLst xmlns:p="http://schemas.openxmlformats.org/presentationml/2006/main">
-  <p:tag name="KSO_WM_BEAUTIFY_FLAG" val=""/>
+<p:tagLst xmlns:a="http://schemas.openxmlformats.org/drawingml/2006/main" xmlns:r="http://schemas.openxmlformats.org/officeDocument/2006/relationships" xmlns:p="http://schemas.openxmlformats.org/presentationml/2006/main">
+  <p:tag name="COMMONDATA" val="eyJoZGlkIjoiMzEwNTM5NzYwMDRjMzkwZTVkZjY2ODkwMGIxNGU0OTUifQ=="/>
 </p:tagLst>
 </file>
 
 <file path=ppt/tags/tag10.xml><?xml version="1.0" encoding="utf-8"?>
-<p:tagLst xmlns:p="http://schemas.openxmlformats.org/presentationml/2006/main">
+<p:tagLst xmlns:a="http://schemas.openxmlformats.org/drawingml/2006/main" xmlns:r="http://schemas.openxmlformats.org/officeDocument/2006/relationships" xmlns:p="http://schemas.openxmlformats.org/presentationml/2006/main">
   <p:tag name="KSO_WM_BEAUTIFY_FLAG" val=""/>
 </p:tagLst>
 </file>
 
 <file path=ppt/tags/tag11.xml><?xml version="1.0" encoding="utf-8"?>
-<p:tagLst xmlns:p="http://schemas.openxmlformats.org/presentationml/2006/main">
+<p:tagLst xmlns:a="http://schemas.openxmlformats.org/drawingml/2006/main" xmlns:r="http://schemas.openxmlformats.org/officeDocument/2006/relationships" xmlns:p="http://schemas.openxmlformats.org/presentationml/2006/main">
   <p:tag name="KSO_WM_BEAUTIFY_FLAG" val=""/>
 </p:tagLst>
 </file>
 
 <file path=ppt/tags/tag12.xml><?xml version="1.0" encoding="utf-8"?>
-<p:tagLst xmlns:p="http://schemas.openxmlformats.org/presentationml/2006/main">
+<p:tagLst xmlns:a="http://schemas.openxmlformats.org/drawingml/2006/main" xmlns:r="http://schemas.openxmlformats.org/officeDocument/2006/relationships" xmlns:p="http://schemas.openxmlformats.org/presentationml/2006/main">
   <p:tag name="KSO_WM_BEAUTIFY_FLAG" val=""/>
 </p:tagLst>
 </file>
 
 <file path=ppt/tags/tag13.xml><?xml version="1.0" encoding="utf-8"?>
-<p:tagLst xmlns:p="http://schemas.openxmlformats.org/presentationml/2006/main">
+<p:tagLst xmlns:a="http://schemas.openxmlformats.org/drawingml/2006/main" xmlns:r="http://schemas.openxmlformats.org/officeDocument/2006/relationships" xmlns:p="http://schemas.openxmlformats.org/presentationml/2006/main">
   <p:tag name="KSO_WM_BEAUTIFY_FLAG" val=""/>
 </p:tagLst>
 </file>
 
 <file path=ppt/tags/tag14.xml><?xml version="1.0" encoding="utf-8"?>
-<p:tagLst xmlns:p="http://schemas.openxmlformats.org/presentationml/2006/main">
+<p:tagLst xmlns:a="http://schemas.openxmlformats.org/drawingml/2006/main" xmlns:r="http://schemas.openxmlformats.org/officeDocument/2006/relationships" xmlns:p="http://schemas.openxmlformats.org/presentationml/2006/main">
   <p:tag name="KSO_WM_BEAUTIFY_FLAG" val=""/>
 </p:tagLst>
 </file>
 
 <file path=ppt/tags/tag15.xml><?xml version="1.0" encoding="utf-8"?>
-<p:tagLst xmlns:p="http://schemas.openxmlformats.org/presentationml/2006/main">
+<p:tagLst xmlns:a="http://schemas.openxmlformats.org/drawingml/2006/main" xmlns:r="http://schemas.openxmlformats.org/officeDocument/2006/relationships" xmlns:p="http://schemas.openxmlformats.org/presentationml/2006/main">
   <p:tag name="KSO_WM_BEAUTIFY_FLAG" val=""/>
 </p:tagLst>
 </file>
 
 <file path=ppt/tags/tag16.xml><?xml version="1.0" encoding="utf-8"?>
-<p:tagLst xmlns:p="http://schemas.openxmlformats.org/presentationml/2006/main">
+<p:tagLst xmlns:a="http://schemas.openxmlformats.org/drawingml/2006/main" xmlns:r="http://schemas.openxmlformats.org/officeDocument/2006/relationships" xmlns:p="http://schemas.openxmlformats.org/presentationml/2006/main">
   <p:tag name="KSO_WM_BEAUTIFY_FLAG" val=""/>
 </p:tagLst>
 </file>
 
 <file path=ppt/tags/tag17.xml><?xml version="1.0" encoding="utf-8"?>
-<p:tagLst xmlns:p="http://schemas.openxmlformats.org/presentationml/2006/main">
+<p:tagLst xmlns:a="http://schemas.openxmlformats.org/drawingml/2006/main" xmlns:r="http://schemas.openxmlformats.org/officeDocument/2006/relationships" xmlns:p="http://schemas.openxmlformats.org/presentationml/2006/main">
   <p:tag name="KSO_WM_BEAUTIFY_FLAG" val=""/>
 </p:tagLst>
 </file>
 
 <file path=ppt/tags/tag18.xml><?xml version="1.0" encoding="utf-8"?>
-<p:tagLst xmlns:p="http://schemas.openxmlformats.org/presentationml/2006/main">
+<p:tagLst xmlns:a="http://schemas.openxmlformats.org/drawingml/2006/main" xmlns:r="http://schemas.openxmlformats.org/officeDocument/2006/relationships" xmlns:p="http://schemas.openxmlformats.org/presentationml/2006/main">
   <p:tag name="KSO_WM_BEAUTIFY_FLAG" val=""/>
 </p:tagLst>
 </file>
 
 <file path=ppt/tags/tag19.xml><?xml version="1.0" encoding="utf-8"?>
-<p:tagLst xmlns:p="http://schemas.openxmlformats.org/presentationml/2006/main">
+<p:tagLst xmlns:a="http://schemas.openxmlformats.org/drawingml/2006/main" xmlns:r="http://schemas.openxmlformats.org/officeDocument/2006/relationships" xmlns:p="http://schemas.openxmlformats.org/presentationml/2006/main">
   <p:tag name="KSO_WM_BEAUTIFY_FLAG" val=""/>
 </p:tagLst>
 </file>
 
 <file path=ppt/tags/tag2.xml><?xml version="1.0" encoding="utf-8"?>
-<p:tagLst xmlns:p="http://schemas.openxmlformats.org/presentationml/2006/main">
+<p:tagLst xmlns:a="http://schemas.openxmlformats.org/drawingml/2006/main" xmlns:r="http://schemas.openxmlformats.org/officeDocument/2006/relationships" xmlns:p="http://schemas.openxmlformats.org/presentationml/2006/main">
   <p:tag name="KSO_WM_BEAUTIFY_FLAG" val=""/>
 </p:tagLst>
 </file>
 
 <file path=ppt/tags/tag20.xml><?xml version="1.0" encoding="utf-8"?>
-<p:tagLst xmlns:p="http://schemas.openxmlformats.org/presentationml/2006/main">
+<p:tagLst xmlns:a="http://schemas.openxmlformats.org/drawingml/2006/main" xmlns:r="http://schemas.openxmlformats.org/officeDocument/2006/relationships" xmlns:p="http://schemas.openxmlformats.org/presentationml/2006/main">
   <p:tag name="KSO_WM_BEAUTIFY_FLAG" val=""/>
 </p:tagLst>
 </file>
 
 <file path=ppt/tags/tag21.xml><?xml version="1.0" encoding="utf-8"?>
-<p:tagLst xmlns:p="http://schemas.openxmlformats.org/presentationml/2006/main">
+<p:tagLst xmlns:a="http://schemas.openxmlformats.org/drawingml/2006/main" xmlns:r="http://schemas.openxmlformats.org/officeDocument/2006/relationships" xmlns:p="http://schemas.openxmlformats.org/presentationml/2006/main">
   <p:tag name="KSO_WM_BEAUTIFY_FLAG" val=""/>
 </p:tagLst>
 </file>
 
 <file path=ppt/tags/tag22.xml><?xml version="1.0" encoding="utf-8"?>
-<p:tagLst xmlns:p="http://schemas.openxmlformats.org/presentationml/2006/main">
+<p:tagLst xmlns:a="http://schemas.openxmlformats.org/drawingml/2006/main" xmlns:r="http://schemas.openxmlformats.org/officeDocument/2006/relationships" xmlns:p="http://schemas.openxmlformats.org/presentationml/2006/main">
   <p:tag name="KSO_WM_BEAUTIFY_FLAG" val=""/>
 </p:tagLst>
 </file>
 
 <file path=ppt/tags/tag23.xml><?xml version="1.0" encoding="utf-8"?>
-<p:tagLst xmlns:p="http://schemas.openxmlformats.org/presentationml/2006/main">
+<p:tagLst xmlns:a="http://schemas.openxmlformats.org/drawingml/2006/main" xmlns:r="http://schemas.openxmlformats.org/officeDocument/2006/relationships" xmlns:p="http://schemas.openxmlformats.org/presentationml/2006/main">
   <p:tag name="KSO_WM_BEAUTIFY_FLAG" val=""/>
 </p:tagLst>
 </file>
 
 <file path=ppt/tags/tag24.xml><?xml version="1.0" encoding="utf-8"?>
-<p:tagLst xmlns:p="http://schemas.openxmlformats.org/presentationml/2006/main">
+<p:tagLst xmlns:a="http://schemas.openxmlformats.org/drawingml/2006/main" xmlns:r="http://schemas.openxmlformats.org/officeDocument/2006/relationships" xmlns:p="http://schemas.openxmlformats.org/presentationml/2006/main">
   <p:tag name="KSO_WM_BEAUTIFY_FLAG" val=""/>
 </p:tagLst>
 </file>
 
 <file path=ppt/tags/tag25.xml><?xml version="1.0" encoding="utf-8"?>
-<p:tagLst xmlns:p="http://schemas.openxmlformats.org/presentationml/2006/main">
+<p:tagLst xmlns:a="http://schemas.openxmlformats.org/drawingml/2006/main" xmlns:r="http://schemas.openxmlformats.org/officeDocument/2006/relationships" xmlns:p="http://schemas.openxmlformats.org/presentationml/2006/main">
   <p:tag name="KSO_WM_BEAUTIFY_FLAG" val=""/>
 </p:tagLst>
 </file>
 
 <file path=ppt/tags/tag26.xml><?xml version="1.0" encoding="utf-8"?>
-<p:tagLst xmlns:p="http://schemas.openxmlformats.org/presentationml/2006/main">
+<p:tagLst xmlns:a="http://schemas.openxmlformats.org/drawingml/2006/main" xmlns:r="http://schemas.openxmlformats.org/officeDocument/2006/relationships" xmlns:p="http://schemas.openxmlformats.org/presentationml/2006/main">
   <p:tag name="KSO_WM_BEAUTIFY_FLAG" val=""/>
 </p:tagLst>
 </file>
 
 <file path=ppt/tags/tag27.xml><?xml version="1.0" encoding="utf-8"?>
-<p:tagLst xmlns:p="http://schemas.openxmlformats.org/presentationml/2006/main">
+<p:tagLst xmlns:a="http://schemas.openxmlformats.org/drawingml/2006/main" xmlns:r="http://schemas.openxmlformats.org/officeDocument/2006/relationships" xmlns:p="http://schemas.openxmlformats.org/presentationml/2006/main">
   <p:tag name="KSO_WM_BEAUTIFY_FLAG" val=""/>
 </p:tagLst>
 </file>
 
 <file path=ppt/tags/tag28.xml><?xml version="1.0" encoding="utf-8"?>
-<p:tagLst xmlns:p="http://schemas.openxmlformats.org/presentationml/2006/main">
+<p:tagLst xmlns:a="http://schemas.openxmlformats.org/drawingml/2006/main" xmlns:r="http://schemas.openxmlformats.org/officeDocument/2006/relationships" xmlns:p="http://schemas.openxmlformats.org/presentationml/2006/main">
   <p:tag name="KSO_WM_BEAUTIFY_FLAG" val=""/>
 </p:tagLst>
 </file>
 
 <file path=ppt/tags/tag29.xml><?xml version="1.0" encoding="utf-8"?>
-<p:tagLst xmlns:p="http://schemas.openxmlformats.org/presentationml/2006/main">
+<p:tagLst xmlns:a="http://schemas.openxmlformats.org/drawingml/2006/main" xmlns:r="http://schemas.openxmlformats.org/officeDocument/2006/relationships" xmlns:p="http://schemas.openxmlformats.org/presentationml/2006/main">
   <p:tag name="KSO_WM_BEAUTIFY_FLAG" val=""/>
 </p:tagLst>
 </file>
 
 <file path=ppt/tags/tag3.xml><?xml version="1.0" encoding="utf-8"?>
-<p:tagLst xmlns:p="http://schemas.openxmlformats.org/presentationml/2006/main">
+<p:tagLst xmlns:a="http://schemas.openxmlformats.org/drawingml/2006/main" xmlns:r="http://schemas.openxmlformats.org/officeDocument/2006/relationships" xmlns:p="http://schemas.openxmlformats.org/presentationml/2006/main">
   <p:tag name="KSO_WM_BEAUTIFY_FLAG" val=""/>
 </p:tagLst>
 </file>
 
 <file path=ppt/tags/tag30.xml><?xml version="1.0" encoding="utf-8"?>
-<p:tagLst xmlns:p="http://schemas.openxmlformats.org/presentationml/2006/main">
+<p:tagLst xmlns:a="http://schemas.openxmlformats.org/drawingml/2006/main" xmlns:r="http://schemas.openxmlformats.org/officeDocument/2006/relationships" xmlns:p="http://schemas.openxmlformats.org/presentationml/2006/main">
   <p:tag name="KSO_WM_BEAUTIFY_FLAG" val=""/>
 </p:tagLst>
 </file>
 
 <file path=ppt/tags/tag31.xml><?xml version="1.0" encoding="utf-8"?>
-<p:tagLst xmlns:p="http://schemas.openxmlformats.org/presentationml/2006/main">
+<p:tagLst xmlns:a="http://schemas.openxmlformats.org/drawingml/2006/main" xmlns:r="http://schemas.openxmlformats.org/officeDocument/2006/relationships" xmlns:p="http://schemas.openxmlformats.org/presentationml/2006/main">
   <p:tag name="KSO_WM_BEAUTIFY_FLAG" val=""/>
 </p:tagLst>
 </file>
 
 <file path=ppt/tags/tag32.xml><?xml version="1.0" encoding="utf-8"?>
-<p:tagLst xmlns:p="http://schemas.openxmlformats.org/presentationml/2006/main">
+<p:tagLst xmlns:a="http://schemas.openxmlformats.org/drawingml/2006/main" xmlns:r="http://schemas.openxmlformats.org/officeDocument/2006/relationships" xmlns:p="http://schemas.openxmlformats.org/presentationml/2006/main">
   <p:tag name="KSO_WM_BEAUTIFY_FLAG" val=""/>
 </p:tagLst>
 </file>
 
 <file path=ppt/tags/tag33.xml><?xml version="1.0" encoding="utf-8"?>
-<p:tagLst xmlns:p="http://schemas.openxmlformats.org/presentationml/2006/main">
+<p:tagLst xmlns:a="http://schemas.openxmlformats.org/drawingml/2006/main" xmlns:r="http://schemas.openxmlformats.org/officeDocument/2006/relationships" xmlns:p="http://schemas.openxmlformats.org/presentationml/2006/main">
   <p:tag name="KSO_WM_BEAUTIFY_FLAG" val=""/>
 </p:tagLst>
 </file>
 
 <file path=ppt/tags/tag34.xml><?xml version="1.0" encoding="utf-8"?>
-<p:tagLst xmlns:p="http://schemas.openxmlformats.org/presentationml/2006/main">
+<p:tagLst xmlns:a="http://schemas.openxmlformats.org/drawingml/2006/main" xmlns:r="http://schemas.openxmlformats.org/officeDocument/2006/relationships" xmlns:p="http://schemas.openxmlformats.org/presentationml/2006/main">
   <p:tag name="KSO_WM_BEAUTIFY_FLAG" val=""/>
 </p:tagLst>
 </file>
 
 <file path=ppt/tags/tag35.xml><?xml version="1.0" encoding="utf-8"?>
-<p:tagLst xmlns:p="http://schemas.openxmlformats.org/presentationml/2006/main">
+<p:tagLst xmlns:a="http://schemas.openxmlformats.org/drawingml/2006/main" xmlns:r="http://schemas.openxmlformats.org/officeDocument/2006/relationships" xmlns:p="http://schemas.openxmlformats.org/presentationml/2006/main">
   <p:tag name="KSO_WM_BEAUTIFY_FLAG" val=""/>
 </p:tagLst>
 </file>
 
 <file path=ppt/tags/tag36.xml><?xml version="1.0" encoding="utf-8"?>
-<p:tagLst xmlns:p="http://schemas.openxmlformats.org/presentationml/2006/main">
+<p:tagLst xmlns:a="http://schemas.openxmlformats.org/drawingml/2006/main" xmlns:r="http://schemas.openxmlformats.org/officeDocument/2006/relationships" xmlns:p="http://schemas.openxmlformats.org/presentationml/2006/main">
   <p:tag name="KSO_WM_BEAUTIFY_FLAG" val=""/>
 </p:tagLst>
 </file>
 
 <file path=ppt/tags/tag37.xml><?xml version="1.0" encoding="utf-8"?>
-<p:tagLst xmlns:p="http://schemas.openxmlformats.org/presentationml/2006/main">
+<p:tagLst xmlns:a="http://schemas.openxmlformats.org/drawingml/2006/main" xmlns:r="http://schemas.openxmlformats.org/officeDocument/2006/relationships" xmlns:p="http://schemas.openxmlformats.org/presentationml/2006/main">
   <p:tag name="KSO_WM_BEAUTIFY_FLAG" val=""/>
 </p:tagLst>
 </file>
 
 <file path=ppt/tags/tag38.xml><?xml version="1.0" encoding="utf-8"?>
-<p:tagLst xmlns:p="http://schemas.openxmlformats.org/presentationml/2006/main">
+<p:tagLst xmlns:a="http://schemas.openxmlformats.org/drawingml/2006/main" xmlns:r="http://schemas.openxmlformats.org/officeDocument/2006/relationships" xmlns:p="http://schemas.openxmlformats.org/presentationml/2006/main">
   <p:tag name="KSO_WM_BEAUTIFY_FLAG" val=""/>
 </p:tagLst>
 </file>
 
 <file path=ppt/tags/tag39.xml><?xml version="1.0" encoding="utf-8"?>
-<p:tagLst xmlns:p="http://schemas.openxmlformats.org/presentationml/2006/main">
-  <p:tag name="commondata" val="eyJoZGlkIjoiMzEwNTM5NzYwMDRjMzkwZTVkZjY2ODkwMGIxNGU0OTUifQ=="/>
+<p:tagLst xmlns:a="http://schemas.openxmlformats.org/drawingml/2006/main" xmlns:r="http://schemas.openxmlformats.org/officeDocument/2006/relationships" xmlns:p="http://schemas.openxmlformats.org/presentationml/2006/main">
+  <p:tag name="KSO_WM_BEAUTIFY_FLAG" val=""/>
 </p:tagLst>
 </file>
 
 <file path=ppt/tags/tag4.xml><?xml version="1.0" encoding="utf-8"?>
-<p:tagLst xmlns:p="http://schemas.openxmlformats.org/presentationml/2006/main">
+<p:tagLst xmlns:a="http://schemas.openxmlformats.org/drawingml/2006/main" xmlns:r="http://schemas.openxmlformats.org/officeDocument/2006/relationships" xmlns:p="http://schemas.openxmlformats.org/presentationml/2006/main">
   <p:tag name="KSO_WM_BEAUTIFY_FLAG" val=""/>
 </p:tagLst>
 </file>
 
 <file path=ppt/tags/tag5.xml><?xml version="1.0" encoding="utf-8"?>
-<p:tagLst xmlns:p="http://schemas.openxmlformats.org/presentationml/2006/main">
+<p:tagLst xmlns:a="http://schemas.openxmlformats.org/drawingml/2006/main" xmlns:r="http://schemas.openxmlformats.org/officeDocument/2006/relationships" xmlns:p="http://schemas.openxmlformats.org/presentationml/2006/main">
   <p:tag name="KSO_WM_BEAUTIFY_FLAG" val=""/>
 </p:tagLst>
 </file>
 
 <file path=ppt/tags/tag6.xml><?xml version="1.0" encoding="utf-8"?>
-<p:tagLst xmlns:p="http://schemas.openxmlformats.org/presentationml/2006/main">
+<p:tagLst xmlns:a="http://schemas.openxmlformats.org/drawingml/2006/main" xmlns:r="http://schemas.openxmlformats.org/officeDocument/2006/relationships" xmlns:p="http://schemas.openxmlformats.org/presentationml/2006/main">
   <p:tag name="KSO_WM_BEAUTIFY_FLAG" val=""/>
 </p:tagLst>
 </file>
 
 <file path=ppt/tags/tag7.xml><?xml version="1.0" encoding="utf-8"?>
-<p:tagLst xmlns:p="http://schemas.openxmlformats.org/presentationml/2006/main">
+<p:tagLst xmlns:a="http://schemas.openxmlformats.org/drawingml/2006/main" xmlns:r="http://schemas.openxmlformats.org/officeDocument/2006/relationships" xmlns:p="http://schemas.openxmlformats.org/presentationml/2006/main">
   <p:tag name="KSO_WM_BEAUTIFY_FLAG" val=""/>
 </p:tagLst>
 </file>
 
 <file path=ppt/tags/tag8.xml><?xml version="1.0" encoding="utf-8"?>
-<p:tagLst xmlns:p="http://schemas.openxmlformats.org/presentationml/2006/main">
+<p:tagLst xmlns:a="http://schemas.openxmlformats.org/drawingml/2006/main" xmlns:r="http://schemas.openxmlformats.org/officeDocument/2006/relationships" xmlns:p="http://schemas.openxmlformats.org/presentationml/2006/main">
   <p:tag name="KSO_WM_BEAUTIFY_FLAG" val=""/>
 </p:tagLst>
 </file>
 
 <file path=ppt/tags/tag9.xml><?xml version="1.0" encoding="utf-8"?>
-<p:tagLst xmlns:p="http://schemas.openxmlformats.org/presentationml/2006/main">
+<p:tagLst xmlns:a="http://schemas.openxmlformats.org/drawingml/2006/main" xmlns:r="http://schemas.openxmlformats.org/officeDocument/2006/relationships" xmlns:p="http://schemas.openxmlformats.org/presentationml/2006/main">
   <p:tag name="KSO_WM_BEAUTIFY_FLAG" val=""/>
 </p:tagLst>
 </file>
@@ -9925,6 +11111,303 @@
       </a:bgFillStyleLst>
     </a:fmtScheme>
   </a:themeElements>
+  <a:objectDefaults/>
+  <a:extraClrSchemeLst/>
+  <a:extLst>
+    <a:ext uri="{05A4C25C-085E-4340-85A3-A5531E510DB2}">
+      <thm15:themeFamily xmlns:thm15="http://schemas.microsoft.com/office/thememl/2012/main" name="Office Theme" id="{62F939B6-93AF-4DB8-9C6B-D6C7DFDC589F}" vid="{4A3C46E8-61CC-4603-A589-7422A47A8E4A}"/>
+    </a:ext>
+  </a:extLst>
+</a:theme>
+</file>
+
+<file path=ppt/theme/theme2.xml><?xml version="1.0" encoding="utf-8"?>
+<a:theme xmlns:a="http://schemas.openxmlformats.org/drawingml/2006/main" name="Office 主题​​">
+  <a:themeElements>
+    <a:clrScheme name="Office">
+      <a:dk1>
+        <a:sysClr val="windowText" lastClr="000000"/>
+      </a:dk1>
+      <a:lt1>
+        <a:sysClr val="window" lastClr="FFFFFF"/>
+      </a:lt1>
+      <a:dk2>
+        <a:srgbClr val="44546A"/>
+      </a:dk2>
+      <a:lt2>
+        <a:srgbClr val="E7E6E6"/>
+      </a:lt2>
+      <a:accent1>
+        <a:srgbClr val="4472C4"/>
+      </a:accent1>
+      <a:accent2>
+        <a:srgbClr val="ED7D31"/>
+      </a:accent2>
+      <a:accent3>
+        <a:srgbClr val="A5A5A5"/>
+      </a:accent3>
+      <a:accent4>
+        <a:srgbClr val="FFC000"/>
+      </a:accent4>
+      <a:accent5>
+        <a:srgbClr val="5B9BD5"/>
+      </a:accent5>
+      <a:accent6>
+        <a:srgbClr val="70AD47"/>
+      </a:accent6>
+      <a:hlink>
+        <a:srgbClr val="0563C1"/>
+      </a:hlink>
+      <a:folHlink>
+        <a:srgbClr val="954F72"/>
+      </a:folHlink>
+    </a:clrScheme>
+    <a:fontScheme name="Office">
+      <a:majorFont>
+        <a:latin typeface="等线 Light" panose="020F0302020204030204"/>
+        <a:ea typeface=""/>
+        <a:cs typeface=""/>
+        <a:font script="Jpan" typeface="游ゴシック Light"/>
+        <a:font script="Hang" typeface="맑은 고딕"/>
+        <a:font script="Hans" typeface="等线 Light"/>
+        <a:font script="Hant" typeface="新細明體"/>
+        <a:font script="Arab" typeface="Times New Roman"/>
+        <a:font script="Hebr" typeface="Times New Roman"/>
+        <a:font script="Thai" typeface="Angsana New"/>
+        <a:font script="Ethi" typeface="Nyala"/>
+        <a:font script="Beng" typeface="Vrinda"/>
+        <a:font script="Gujr" typeface="Shruti"/>
+        <a:font script="Khmr" typeface="MoolBoran"/>
+        <a:font script="Knda" typeface="Tunga"/>
+        <a:font script="Guru" typeface="Raavi"/>
+        <a:font script="Cans" typeface="Euphemia"/>
+        <a:font script="Cher" typeface="Plantagenet Cherokee"/>
+        <a:font script="Yiii" typeface="Microsoft Yi Baiti"/>
+        <a:font script="Tibt" typeface="Microsoft Himalaya"/>
+        <a:font script="Thaa" typeface="MV Boli"/>
+        <a:font script="Deva" typeface="Mangal"/>
+        <a:font script="Telu" typeface="Gautami"/>
+        <a:font script="Taml" typeface="Latha"/>
+        <a:font script="Syrc" typeface="Estrangelo Edessa"/>
+        <a:font script="Orya" typeface="Kalinga"/>
+        <a:font script="Mlym" typeface="Kartika"/>
+        <a:font script="Laoo" typeface="DokChampa"/>
+        <a:font script="Sinh" typeface="Iskoola Pota"/>
+        <a:font script="Mong" typeface="Mongolian Baiti"/>
+        <a:font script="Viet" typeface="Times New Roman"/>
+        <a:font script="Uigh" typeface="Microsoft Uighur"/>
+        <a:font script="Geor" typeface="Sylfaen"/>
+        <a:font script="Armn" typeface="Arial"/>
+        <a:font script="Bugi" typeface="Leelawadee UI"/>
+        <a:font script="Bopo" typeface="Microsoft JhengHei"/>
+        <a:font script="Java" typeface="Javanese Text"/>
+        <a:font script="Lisu" typeface="Segoe UI"/>
+        <a:font script="Mymr" typeface="Myanmar Text"/>
+        <a:font script="Nkoo" typeface="Ebrima"/>
+        <a:font script="Olck" typeface="Nirmala UI"/>
+        <a:font script="Osma" typeface="Ebrima"/>
+        <a:font script="Phag" typeface="Phagspa"/>
+        <a:font script="Syrn" typeface="Estrangelo Edessa"/>
+        <a:font script="Syrj" typeface="Estrangelo Edessa"/>
+        <a:font script="Syre" typeface="Estrangelo Edessa"/>
+        <a:font script="Sora" typeface="Nirmala UI"/>
+        <a:font script="Tale" typeface="Microsoft Tai Le"/>
+        <a:font script="Talu" typeface="Microsoft New Tai Lue"/>
+        <a:font script="Tfng" typeface="Ebrima"/>
+      </a:majorFont>
+      <a:minorFont>
+        <a:latin typeface="等线" panose="020F0502020204030204"/>
+        <a:ea typeface=""/>
+        <a:cs typeface=""/>
+        <a:font script="Jpan" typeface="游ゴシック"/>
+        <a:font script="Hang" typeface="맑은 고딕"/>
+        <a:font script="Hans" typeface="等线"/>
+        <a:font script="Hant" typeface="新細明體"/>
+        <a:font script="Arab" typeface="Arial"/>
+        <a:font script="Hebr" typeface="Arial"/>
+        <a:font script="Thai" typeface="Cordia New"/>
+        <a:font script="Ethi" typeface="Nyala"/>
+        <a:font script="Beng" typeface="Vrinda"/>
+        <a:font script="Gujr" typeface="Shruti"/>
+        <a:font script="Khmr" typeface="DaunPenh"/>
+        <a:font script="Knda" typeface="Tunga"/>
+        <a:font script="Guru" typeface="Raavi"/>
+        <a:font script="Cans" typeface="Euphemia"/>
+        <a:font script="Cher" typeface="Plantagenet Cherokee"/>
+        <a:font script="Yiii" typeface="Microsoft Yi Baiti"/>
+        <a:font script="Tibt" typeface="Microsoft Himalaya"/>
+        <a:font script="Thaa" typeface="MV Boli"/>
+        <a:font script="Deva" typeface="Mangal"/>
+        <a:font script="Telu" typeface="Gautami"/>
+        <a:font script="Taml" typeface="Latha"/>
+        <a:font script="Syrc" typeface="Estrangelo Edessa"/>
+        <a:font script="Orya" typeface="Kalinga"/>
+        <a:font script="Mlym" typeface="Kartika"/>
+        <a:font script="Laoo" typeface="DokChampa"/>
+        <a:font script="Sinh" typeface="Iskoola Pota"/>
+        <a:font script="Mong" typeface="Mongolian Baiti"/>
+        <a:font script="Viet" typeface="Arial"/>
+        <a:font script="Uigh" typeface="Microsoft Uighur"/>
+        <a:font script="Geor" typeface="Sylfaen"/>
+        <a:font script="Armn" typeface="Arial"/>
+        <a:font script="Bugi" typeface="Leelawadee UI"/>
+        <a:font script="Bopo" typeface="Microsoft JhengHei"/>
+        <a:font script="Java" typeface="Javanese Text"/>
+        <a:font script="Lisu" typeface="Segoe UI"/>
+        <a:font script="Mymr" typeface="Myanmar Text"/>
+        <a:font script="Nkoo" typeface="Ebrima"/>
+        <a:font script="Olck" typeface="Nirmala UI"/>
+        <a:font script="Osma" typeface="Ebrima"/>
+        <a:font script="Phag" typeface="Phagspa"/>
+        <a:font script="Syrn" typeface="Estrangelo Edessa"/>
+        <a:font script="Syrj" typeface="Estrangelo Edessa"/>
+        <a:font script="Syre" typeface="Estrangelo Edessa"/>
+        <a:font script="Sora" typeface="Nirmala UI"/>
+        <a:font script="Tale" typeface="Microsoft Tai Le"/>
+        <a:font script="Talu" typeface="Microsoft New Tai Lue"/>
+        <a:font script="Tfng" typeface="Ebrima"/>
+      </a:minorFont>
+    </a:fontScheme>
+    <a:fmtScheme name="Office">
+      <a:fillStyleLst>
+        <a:solidFill>
+          <a:schemeClr val="phClr"/>
+        </a:solidFill>
+        <a:gradFill rotWithShape="1">
+          <a:gsLst>
+            <a:gs pos="0">
+              <a:schemeClr val="phClr">
+                <a:lumMod val="110000"/>
+                <a:satMod val="105000"/>
+                <a:tint val="67000"/>
+              </a:schemeClr>
+            </a:gs>
+            <a:gs pos="50000">
+              <a:schemeClr val="phClr">
+                <a:lumMod val="105000"/>
+                <a:satMod val="103000"/>
+                <a:tint val="73000"/>
+              </a:schemeClr>
+            </a:gs>
+            <a:gs pos="100000">
+              <a:schemeClr val="phClr">
+                <a:lumMod val="105000"/>
+                <a:satMod val="109000"/>
+                <a:tint val="81000"/>
+              </a:schemeClr>
+            </a:gs>
+          </a:gsLst>
+          <a:lin ang="5400000" scaled="0"/>
+        </a:gradFill>
+        <a:gradFill rotWithShape="1">
+          <a:gsLst>
+            <a:gs pos="0">
+              <a:schemeClr val="phClr">
+                <a:satMod val="103000"/>
+                <a:lumMod val="102000"/>
+                <a:tint val="94000"/>
+              </a:schemeClr>
+            </a:gs>
+            <a:gs pos="50000">
+              <a:schemeClr val="phClr">
+                <a:satMod val="110000"/>
+                <a:lumMod val="100000"/>
+                <a:shade val="100000"/>
+              </a:schemeClr>
+            </a:gs>
+            <a:gs pos="100000">
+              <a:schemeClr val="phClr">
+                <a:lumMod val="99000"/>
+                <a:satMod val="120000"/>
+                <a:shade val="78000"/>
+              </a:schemeClr>
+            </a:gs>
+          </a:gsLst>
+          <a:lin ang="5400000" scaled="0"/>
+        </a:gradFill>
+      </a:fillStyleLst>
+      <a:lnStyleLst>
+        <a:ln w="6350" cap="flat" cmpd="sng" algn="ctr">
+          <a:solidFill>
+            <a:schemeClr val="phClr"/>
+          </a:solidFill>
+          <a:prstDash val="solid"/>
+          <a:miter lim="800000"/>
+        </a:ln>
+        <a:ln w="12700" cap="flat" cmpd="sng" algn="ctr">
+          <a:solidFill>
+            <a:schemeClr val="phClr"/>
+          </a:solidFill>
+          <a:prstDash val="solid"/>
+          <a:miter lim="800000"/>
+        </a:ln>
+        <a:ln w="19050" cap="flat" cmpd="sng" algn="ctr">
+          <a:solidFill>
+            <a:schemeClr val="phClr"/>
+          </a:solidFill>
+          <a:prstDash val="solid"/>
+          <a:miter lim="800000"/>
+        </a:ln>
+      </a:lnStyleLst>
+      <a:effectStyleLst>
+        <a:effectStyle>
+          <a:effectLst/>
+        </a:effectStyle>
+        <a:effectStyle>
+          <a:effectLst/>
+        </a:effectStyle>
+        <a:effectStyle>
+          <a:effectLst>
+            <a:outerShdw blurRad="57150" dist="19050" dir="5400000" algn="ctr" rotWithShape="0">
+              <a:srgbClr val="000000">
+                <a:alpha val="63000"/>
+              </a:srgbClr>
+            </a:outerShdw>
+          </a:effectLst>
+        </a:effectStyle>
+      </a:effectStyleLst>
+      <a:bgFillStyleLst>
+        <a:solidFill>
+          <a:schemeClr val="phClr"/>
+        </a:solidFill>
+        <a:solidFill>
+          <a:schemeClr val="phClr">
+            <a:tint val="95000"/>
+            <a:satMod val="170000"/>
+          </a:schemeClr>
+        </a:solidFill>
+        <a:gradFill rotWithShape="1">
+          <a:gsLst>
+            <a:gs pos="0">
+              <a:schemeClr val="phClr">
+                <a:tint val="93000"/>
+                <a:satMod val="150000"/>
+                <a:shade val="98000"/>
+                <a:lumMod val="102000"/>
+              </a:schemeClr>
+            </a:gs>
+            <a:gs pos="50000">
+              <a:schemeClr val="phClr">
+                <a:tint val="98000"/>
+                <a:satMod val="130000"/>
+                <a:shade val="90000"/>
+                <a:lumMod val="103000"/>
+              </a:schemeClr>
+            </a:gs>
+            <a:gs pos="100000">
+              <a:schemeClr val="phClr">
+                <a:shade val="63000"/>
+                <a:satMod val="120000"/>
+              </a:schemeClr>
+            </a:gs>
+          </a:gsLst>
+          <a:lin ang="5400000" scaled="0"/>
+        </a:gradFill>
+      </a:bgFillStyleLst>
+    </a:fmtScheme>
+  </a:themeElements>
+  <a:objectDefaults/>
+  <a:extraClrSchemeLst/>
   <a:extLst>
     <a:ext uri="{05A4C25C-085E-4340-85A3-A5531E510DB2}">
       <thm15:themeFamily xmlns:thm15="http://schemas.microsoft.com/office/thememl/2012/main" name="Office Theme" id="{62F939B6-93AF-4DB8-9C6B-D6C7DFDC589F}" vid="{4A3C46E8-61CC-4603-A589-7422A47A8E4A}"/>

--- a/huawei/示例输入输出.pptx
+++ b/huawei/示例输入输出.pptx
@@ -214,7 +214,7 @@
           <a:p>
             <a:fld id="{07A1DCD4-BB14-438E-8CE0-FC12E2A73F1B}" type="datetimeFigureOut">
               <a:rPr lang="zh-CN" altLang="en-US" smtClean="0"/>
-              <a:t>2023/12/18</a:t>
+              <a:t>2023/12/19</a:t>
             </a:fld>
             <a:endParaRPr lang="zh-CN" altLang="en-US"/>
           </a:p>
@@ -991,7 +991,7 @@
           <a:p>
             <a:fld id="{0CCCBCAA-DE24-4869-907B-21FA432ED4EA}" type="datetimeFigureOut">
               <a:rPr lang="zh-CN" altLang="en-US" smtClean="0"/>
-              <a:t>2023/12/18</a:t>
+              <a:t>2023/12/19</a:t>
             </a:fld>
             <a:endParaRPr lang="zh-CN" altLang="en-US"/>
           </a:p>
@@ -1154,7 +1154,7 @@
           <a:p>
             <a:fld id="{0CCCBCAA-DE24-4869-907B-21FA432ED4EA}" type="datetimeFigureOut">
               <a:rPr lang="zh-CN" altLang="en-US" smtClean="0"/>
-              <a:t>2023/12/18</a:t>
+              <a:t>2023/12/19</a:t>
             </a:fld>
             <a:endParaRPr lang="zh-CN" altLang="en-US"/>
           </a:p>
@@ -1327,7 +1327,7 @@
           <a:p>
             <a:fld id="{0CCCBCAA-DE24-4869-907B-21FA432ED4EA}" type="datetimeFigureOut">
               <a:rPr lang="zh-CN" altLang="en-US" smtClean="0"/>
-              <a:t>2023/12/18</a:t>
+              <a:t>2023/12/19</a:t>
             </a:fld>
             <a:endParaRPr lang="zh-CN" altLang="en-US"/>
           </a:p>
@@ -1490,7 +1490,7 @@
           <a:p>
             <a:fld id="{0CCCBCAA-DE24-4869-907B-21FA432ED4EA}" type="datetimeFigureOut">
               <a:rPr lang="zh-CN" altLang="en-US" smtClean="0"/>
-              <a:t>2023/12/18</a:t>
+              <a:t>2023/12/19</a:t>
             </a:fld>
             <a:endParaRPr lang="zh-CN" altLang="en-US"/>
           </a:p>
@@ -1730,7 +1730,7 @@
           <a:p>
             <a:fld id="{0CCCBCAA-DE24-4869-907B-21FA432ED4EA}" type="datetimeFigureOut">
               <a:rPr lang="zh-CN" altLang="en-US" smtClean="0"/>
-              <a:t>2023/12/18</a:t>
+              <a:t>2023/12/19</a:t>
             </a:fld>
             <a:endParaRPr lang="zh-CN" altLang="en-US"/>
           </a:p>
@@ -1954,7 +1954,7 @@
           <a:p>
             <a:fld id="{0CCCBCAA-DE24-4869-907B-21FA432ED4EA}" type="datetimeFigureOut">
               <a:rPr lang="zh-CN" altLang="en-US" smtClean="0"/>
-              <a:t>2023/12/18</a:t>
+              <a:t>2023/12/19</a:t>
             </a:fld>
             <a:endParaRPr lang="zh-CN" altLang="en-US"/>
           </a:p>
@@ -2313,7 +2313,7 @@
           <a:p>
             <a:fld id="{0CCCBCAA-DE24-4869-907B-21FA432ED4EA}" type="datetimeFigureOut">
               <a:rPr lang="zh-CN" altLang="en-US" smtClean="0"/>
-              <a:t>2023/12/18</a:t>
+              <a:t>2023/12/19</a:t>
             </a:fld>
             <a:endParaRPr lang="zh-CN" altLang="en-US"/>
           </a:p>
@@ -2425,7 +2425,7 @@
           <a:p>
             <a:fld id="{0CCCBCAA-DE24-4869-907B-21FA432ED4EA}" type="datetimeFigureOut">
               <a:rPr lang="zh-CN" altLang="en-US" smtClean="0"/>
-              <a:t>2023/12/18</a:t>
+              <a:t>2023/12/19</a:t>
             </a:fld>
             <a:endParaRPr lang="zh-CN" altLang="en-US"/>
           </a:p>
@@ -2515,7 +2515,7 @@
           <a:p>
             <a:fld id="{0CCCBCAA-DE24-4869-907B-21FA432ED4EA}" type="datetimeFigureOut">
               <a:rPr lang="zh-CN" altLang="en-US" smtClean="0"/>
-              <a:t>2023/12/18</a:t>
+              <a:t>2023/12/19</a:t>
             </a:fld>
             <a:endParaRPr lang="zh-CN" altLang="en-US"/>
           </a:p>
@@ -2785,7 +2785,7 @@
           <a:p>
             <a:fld id="{0CCCBCAA-DE24-4869-907B-21FA432ED4EA}" type="datetimeFigureOut">
               <a:rPr lang="zh-CN" altLang="en-US" smtClean="0"/>
-              <a:t>2023/12/18</a:t>
+              <a:t>2023/12/19</a:t>
             </a:fld>
             <a:endParaRPr lang="zh-CN" altLang="en-US"/>
           </a:p>
@@ -3032,7 +3032,7 @@
           <a:p>
             <a:fld id="{0CCCBCAA-DE24-4869-907B-21FA432ED4EA}" type="datetimeFigureOut">
               <a:rPr lang="zh-CN" altLang="en-US" smtClean="0"/>
-              <a:t>2023/12/18</a:t>
+              <a:t>2023/12/19</a:t>
             </a:fld>
             <a:endParaRPr lang="zh-CN" altLang="en-US"/>
           </a:p>
@@ -3238,7 +3238,7 @@
           <a:p>
             <a:fld id="{0CCCBCAA-DE24-4869-907B-21FA432ED4EA}" type="datetimeFigureOut">
               <a:rPr lang="zh-CN" altLang="en-US" smtClean="0"/>
-              <a:t>2023/12/18</a:t>
+              <a:t>2023/12/19</a:t>
             </a:fld>
             <a:endParaRPr lang="zh-CN" altLang="en-US"/>
           </a:p>
@@ -9687,6 +9687,110 @@
           </a:prstGeom>
         </p:spPr>
       </p:pic>
+      <p:pic>
+        <p:nvPicPr>
+          <p:cNvPr id="6" name="图片 5">
+            <a:extLst>
+              <a:ext uri="{FF2B5EF4-FFF2-40B4-BE49-F238E27FC236}">
+                <a16:creationId xmlns:a16="http://schemas.microsoft.com/office/drawing/2014/main" id="{C6639455-A17C-4AC3-BC3E-EE579079D1BA}"/>
+              </a:ext>
+            </a:extLst>
+          </p:cNvPr>
+          <p:cNvPicPr>
+            <a:picLocks noChangeAspect="1"/>
+          </p:cNvPicPr>
+          <p:nvPr/>
+        </p:nvPicPr>
+        <p:blipFill>
+          <a:blip r:embed="rId3"/>
+          <a:stretch>
+            <a:fillRect/>
+          </a:stretch>
+        </p:blipFill>
+        <p:spPr>
+          <a:xfrm>
+            <a:off x="3350588" y="267175"/>
+            <a:ext cx="5393362" cy="873338"/>
+          </a:xfrm>
+          <a:prstGeom prst="rect">
+            <a:avLst/>
+          </a:prstGeom>
+        </p:spPr>
+      </p:pic>
+      <p:sp>
+        <p:nvSpPr>
+          <p:cNvPr id="4" name="文本框 3">
+            <a:extLst>
+              <a:ext uri="{FF2B5EF4-FFF2-40B4-BE49-F238E27FC236}">
+                <a16:creationId xmlns:a16="http://schemas.microsoft.com/office/drawing/2014/main" id="{C3DD18E0-D900-4828-BC98-0A5F81ABA706}"/>
+              </a:ext>
+            </a:extLst>
+          </p:cNvPr>
+          <p:cNvSpPr txBox="1"/>
+          <p:nvPr/>
+        </p:nvSpPr>
+        <p:spPr>
+          <a:xfrm>
+            <a:off x="8929688" y="416435"/>
+            <a:ext cx="5700712" cy="923330"/>
+          </a:xfrm>
+          <a:prstGeom prst="rect">
+            <a:avLst/>
+          </a:prstGeom>
+          <a:noFill/>
+        </p:spPr>
+        <p:txBody>
+          <a:bodyPr wrap="square" rtlCol="0">
+            <a:spAutoFit/>
+          </a:bodyPr>
+          <a:lstStyle/>
+          <a:p>
+            <a:r>
+              <a:rPr lang="zh-CN" altLang="en-US" dirty="0"/>
+              <a:t>至少有</a:t>
+            </a:r>
+            <a:r>
+              <a:rPr lang="en-US" altLang="zh-CN" dirty="0"/>
+              <a:t>1/3</a:t>
+            </a:r>
+            <a:r>
+              <a:rPr lang="zh-CN" altLang="en-US" dirty="0"/>
+              <a:t>的得分（大约</a:t>
+            </a:r>
+            <a:r>
+              <a:rPr lang="en-US" altLang="zh-CN" dirty="0"/>
+              <a:t>6600W</a:t>
+            </a:r>
+            <a:r>
+              <a:rPr lang="zh-CN" altLang="en-US" dirty="0"/>
+              <a:t>）是不计算成本，只计算</a:t>
+            </a:r>
+            <a:r>
+              <a:rPr lang="en-US" altLang="zh-CN" dirty="0"/>
+              <a:t>Customer</a:t>
+            </a:r>
+            <a:r>
+              <a:rPr lang="zh-CN" altLang="en-US" dirty="0"/>
+              <a:t>数量拿的。</a:t>
+            </a:r>
+            <a:endParaRPr lang="en-US" altLang="zh-CN" dirty="0"/>
+          </a:p>
+          <a:p>
+            <a:r>
+              <a:rPr lang="zh-CN" altLang="en-US" dirty="0"/>
+              <a:t>因此我们目前（</a:t>
+            </a:r>
+            <a:r>
+              <a:rPr lang="en-US" altLang="zh-CN" dirty="0"/>
+              <a:t>6W</a:t>
+            </a:r>
+            <a:r>
+              <a:rPr lang="zh-CN" altLang="en-US" dirty="0"/>
+              <a:t>是远远不够的）</a:t>
+            </a:r>
+          </a:p>
+        </p:txBody>
+      </p:sp>
     </p:spTree>
     <p:extLst>
       <p:ext uri="{BB962C8B-B14F-4D97-AF65-F5344CB8AC3E}">
@@ -19587,7 +19691,7 @@
           <a:prstGeom prst="straightConnector1">
             <a:avLst/>
           </a:prstGeom>
-          <a:ln>
+          <a:ln w="38100">
             <a:tailEnd type="triangle"/>
           </a:ln>
         </p:spPr>
@@ -19665,7 +19769,7 @@
           <a:prstGeom prst="straightConnector1">
             <a:avLst/>
           </a:prstGeom>
-          <a:ln>
+          <a:ln w="38100">
             <a:tailEnd type="triangle"/>
           </a:ln>
         </p:spPr>
@@ -19704,7 +19808,7 @@
           <a:prstGeom prst="straightConnector1">
             <a:avLst/>
           </a:prstGeom>
-          <a:ln>
+          <a:ln w="38100">
             <a:tailEnd type="triangle"/>
           </a:ln>
         </p:spPr>
@@ -19860,7 +19964,7 @@
           <a:prstGeom prst="straightConnector1">
             <a:avLst/>
           </a:prstGeom>
-          <a:ln>
+          <a:ln w="38100">
             <a:tailEnd type="triangle"/>
           </a:ln>
         </p:spPr>
@@ -19899,7 +20003,7 @@
           <a:prstGeom prst="straightConnector1">
             <a:avLst/>
           </a:prstGeom>
-          <a:ln>
+          <a:ln w="38100">
             <a:tailEnd type="triangle"/>
           </a:ln>
         </p:spPr>
@@ -19979,7 +20083,7 @@
           <a:prstGeom prst="straightConnector1">
             <a:avLst/>
           </a:prstGeom>
-          <a:ln w="38100">
+          <a:ln>
             <a:tailEnd type="triangle"/>
           </a:ln>
         </p:spPr>
@@ -20098,7 +20202,7 @@
           <a:prstGeom prst="straightConnector1">
             <a:avLst/>
           </a:prstGeom>
-          <a:ln w="38100">
+          <a:ln>
             <a:tailEnd type="triangle"/>
           </a:ln>
         </p:spPr>
@@ -23675,7 +23779,7 @@
           <a:graphicData uri="http://schemas.openxmlformats.org/presentationml/2006/ole">
             <mc:AlternateContent xmlns:mc="http://schemas.openxmlformats.org/markup-compatibility/2006">
               <mc:Choice xmlns:v="urn:schemas-microsoft-com:vml" Requires="v">
-                <p:oleObj spid="_x0000_s1727" name="Equation" r:id="rId4" imgW="104546400" imgH="9448800" progId="Equation.DSMT4">
+                <p:oleObj spid="_x0000_s1767" name="Equation" r:id="rId4" imgW="104546400" imgH="9448800" progId="Equation.DSMT4">
                   <p:embed/>
                 </p:oleObj>
               </mc:Choice>
@@ -23726,7 +23830,7 @@
           <a:graphicData uri="http://schemas.openxmlformats.org/presentationml/2006/ole">
             <mc:AlternateContent xmlns:mc="http://schemas.openxmlformats.org/markup-compatibility/2006">
               <mc:Choice xmlns:v="urn:schemas-microsoft-com:vml" Requires="v">
-                <p:oleObj spid="_x0000_s1728" name="Equation" r:id="rId6" imgW="29870400" imgH="3962400" progId="Equation.DSMT4">
+                <p:oleObj spid="_x0000_s1768" name="Equation" r:id="rId6" imgW="29870400" imgH="3962400" progId="Equation.DSMT4">
                   <p:embed/>
                 </p:oleObj>
               </mc:Choice>
@@ -23783,7 +23887,7 @@
           <a:graphicData uri="http://schemas.openxmlformats.org/presentationml/2006/ole">
             <mc:AlternateContent xmlns:mc="http://schemas.openxmlformats.org/markup-compatibility/2006">
               <mc:Choice xmlns:v="urn:schemas-microsoft-com:vml" Requires="v">
-                <p:oleObj spid="_x0000_s1729" name="Equation" r:id="rId8" imgW="3403440" imgH="787320" progId="Equation.DSMT4">
+                <p:oleObj spid="_x0000_s1769" name="Equation" r:id="rId8" imgW="3403440" imgH="787320" progId="Equation.DSMT4">
                   <p:embed/>
                 </p:oleObj>
               </mc:Choice>
@@ -25528,7 +25632,7 @@
             <a:graphicData uri="http://schemas.openxmlformats.org/presentationml/2006/ole">
               <mc:AlternateContent xmlns:mc="http://schemas.openxmlformats.org/markup-compatibility/2006">
                 <mc:Choice xmlns:v="urn:schemas-microsoft-com:vml" Requires="v">
-                  <p:oleObj spid="_x0000_s1730" name="Equation" r:id="rId10" imgW="8839200" imgH="5181600" progId="Equation.DSMT4">
+                  <p:oleObj spid="_x0000_s1770" name="Equation" r:id="rId10" imgW="8839200" imgH="5181600" progId="Equation.DSMT4">
                     <p:embed/>
                   </p:oleObj>
                 </mc:Choice>

--- a/huawei/示例输入输出.pptx
+++ b/huawei/示例输入输出.pptx
@@ -5,7 +5,7 @@
     <p:sldMasterId id="2147483648" r:id="rId1"/>
   </p:sldMasterIdLst>
   <p:notesMasterIdLst>
-    <p:notesMasterId r:id="rId23"/>
+    <p:notesMasterId r:id="rId24"/>
   </p:notesMasterIdLst>
   <p:sldIdLst>
     <p:sldId id="256" r:id="rId2"/>
@@ -27,13 +27,14 @@
     <p:sldId id="277" r:id="rId18"/>
     <p:sldId id="273" r:id="rId19"/>
     <p:sldId id="274" r:id="rId20"/>
-    <p:sldId id="275" r:id="rId21"/>
-    <p:sldId id="276" r:id="rId22"/>
+    <p:sldId id="278" r:id="rId21"/>
+    <p:sldId id="275" r:id="rId22"/>
+    <p:sldId id="276" r:id="rId23"/>
   </p:sldIdLst>
   <p:sldSz cx="12192000" cy="6858000"/>
   <p:notesSz cx="6858000" cy="9144000"/>
   <p:custDataLst>
-    <p:tags r:id="rId24"/>
+    <p:tags r:id="rId25"/>
   </p:custDataLst>
   <p:defaultTextStyle>
     <a:defPPr>
@@ -220,7 +221,7 @@
           <a:p>
             <a:fld id="{07A1DCD4-BB14-438E-8CE0-FC12E2A73F1B}" type="datetimeFigureOut">
               <a:rPr lang="zh-CN" altLang="en-US" smtClean="0"/>
-              <a:t>2023/12/21</a:t>
+              <a:t>2023/12/22</a:t>
             </a:fld>
             <a:endParaRPr lang="zh-CN" altLang="en-US"/>
           </a:p>
@@ -868,6 +869,90 @@
 </p:notes>
 </file>
 
+<file path=ppt/notesSlides/notesSlide5.xml><?xml version="1.0" encoding="utf-8"?>
+<p:notes xmlns:a="http://schemas.openxmlformats.org/drawingml/2006/main" xmlns:r="http://schemas.openxmlformats.org/officeDocument/2006/relationships" xmlns:p="http://schemas.openxmlformats.org/presentationml/2006/main">
+  <p:cSld>
+    <p:spTree>
+      <p:nvGrpSpPr>
+        <p:cNvPr id="1" name=""/>
+        <p:cNvGrpSpPr/>
+        <p:nvPr/>
+      </p:nvGrpSpPr>
+      <p:grpSpPr>
+        <a:xfrm>
+          <a:off x="0" y="0"/>
+          <a:ext cx="0" cy="0"/>
+          <a:chOff x="0" y="0"/>
+          <a:chExt cx="0" cy="0"/>
+        </a:xfrm>
+      </p:grpSpPr>
+      <p:sp>
+        <p:nvSpPr>
+          <p:cNvPr id="2" name="幻灯片图像占位符 1"/>
+          <p:cNvSpPr>
+            <a:spLocks noGrp="1" noRot="1" noChangeAspect="1"/>
+          </p:cNvSpPr>
+          <p:nvPr>
+            <p:ph type="sldImg"/>
+          </p:nvPr>
+        </p:nvSpPr>
+        <p:spPr/>
+      </p:sp>
+      <p:sp>
+        <p:nvSpPr>
+          <p:cNvPr id="3" name="备注占位符 2"/>
+          <p:cNvSpPr>
+            <a:spLocks noGrp="1"/>
+          </p:cNvSpPr>
+          <p:nvPr>
+            <p:ph type="body" idx="1"/>
+          </p:nvPr>
+        </p:nvSpPr>
+        <p:spPr/>
+        <p:txBody>
+          <a:bodyPr/>
+          <a:lstStyle/>
+          <a:p>
+            <a:endParaRPr lang="zh-CN" altLang="en-US" dirty="0"/>
+          </a:p>
+        </p:txBody>
+      </p:sp>
+      <p:sp>
+        <p:nvSpPr>
+          <p:cNvPr id="4" name="灯片编号占位符 3"/>
+          <p:cNvSpPr>
+            <a:spLocks noGrp="1"/>
+          </p:cNvSpPr>
+          <p:nvPr>
+            <p:ph type="sldNum" sz="quarter" idx="5"/>
+          </p:nvPr>
+        </p:nvSpPr>
+        <p:spPr/>
+        <p:txBody>
+          <a:bodyPr/>
+          <a:lstStyle/>
+          <a:p>
+            <a:fld id="{F229329F-0271-46D7-A5B8-63D7D7F0093C}" type="slidenum">
+              <a:rPr lang="zh-CN" altLang="en-US" smtClean="0"/>
+              <a:t>20</a:t>
+            </a:fld>
+            <a:endParaRPr lang="zh-CN" altLang="en-US"/>
+          </a:p>
+        </p:txBody>
+      </p:sp>
+    </p:spTree>
+    <p:extLst>
+      <p:ext uri="{BB962C8B-B14F-4D97-AF65-F5344CB8AC3E}">
+        <p14:creationId xmlns:p14="http://schemas.microsoft.com/office/powerpoint/2010/main" val="1915638144"/>
+      </p:ext>
+    </p:extLst>
+  </p:cSld>
+  <p:clrMapOvr>
+    <a:masterClrMapping/>
+  </p:clrMapOvr>
+</p:notes>
+</file>
+
 <file path=ppt/slideLayouts/slideLayout1.xml><?xml version="1.0" encoding="utf-8"?>
 <p:sldLayout xmlns:a="http://schemas.openxmlformats.org/drawingml/2006/main" xmlns:r="http://schemas.openxmlformats.org/officeDocument/2006/relationships" xmlns:p="http://schemas.openxmlformats.org/presentationml/2006/main" type="title" preserve="1">
   <p:cSld name="标题幻灯片">
@@ -997,7 +1082,7 @@
           <a:p>
             <a:fld id="{0CCCBCAA-DE24-4869-907B-21FA432ED4EA}" type="datetimeFigureOut">
               <a:rPr lang="zh-CN" altLang="en-US" smtClean="0"/>
-              <a:t>2023/12/21</a:t>
+              <a:t>2023/12/22</a:t>
             </a:fld>
             <a:endParaRPr lang="zh-CN" altLang="en-US"/>
           </a:p>
@@ -1160,7 +1245,7 @@
           <a:p>
             <a:fld id="{0CCCBCAA-DE24-4869-907B-21FA432ED4EA}" type="datetimeFigureOut">
               <a:rPr lang="zh-CN" altLang="en-US" smtClean="0"/>
-              <a:t>2023/12/21</a:t>
+              <a:t>2023/12/22</a:t>
             </a:fld>
             <a:endParaRPr lang="zh-CN" altLang="en-US"/>
           </a:p>
@@ -1333,7 +1418,7 @@
           <a:p>
             <a:fld id="{0CCCBCAA-DE24-4869-907B-21FA432ED4EA}" type="datetimeFigureOut">
               <a:rPr lang="zh-CN" altLang="en-US" smtClean="0"/>
-              <a:t>2023/12/21</a:t>
+              <a:t>2023/12/22</a:t>
             </a:fld>
             <a:endParaRPr lang="zh-CN" altLang="en-US"/>
           </a:p>
@@ -1496,7 +1581,7 @@
           <a:p>
             <a:fld id="{0CCCBCAA-DE24-4869-907B-21FA432ED4EA}" type="datetimeFigureOut">
               <a:rPr lang="zh-CN" altLang="en-US" smtClean="0"/>
-              <a:t>2023/12/21</a:t>
+              <a:t>2023/12/22</a:t>
             </a:fld>
             <a:endParaRPr lang="zh-CN" altLang="en-US"/>
           </a:p>
@@ -1736,7 +1821,7 @@
           <a:p>
             <a:fld id="{0CCCBCAA-DE24-4869-907B-21FA432ED4EA}" type="datetimeFigureOut">
               <a:rPr lang="zh-CN" altLang="en-US" smtClean="0"/>
-              <a:t>2023/12/21</a:t>
+              <a:t>2023/12/22</a:t>
             </a:fld>
             <a:endParaRPr lang="zh-CN" altLang="en-US"/>
           </a:p>
@@ -1960,7 +2045,7 @@
           <a:p>
             <a:fld id="{0CCCBCAA-DE24-4869-907B-21FA432ED4EA}" type="datetimeFigureOut">
               <a:rPr lang="zh-CN" altLang="en-US" smtClean="0"/>
-              <a:t>2023/12/21</a:t>
+              <a:t>2023/12/22</a:t>
             </a:fld>
             <a:endParaRPr lang="zh-CN" altLang="en-US"/>
           </a:p>
@@ -2319,7 +2404,7 @@
           <a:p>
             <a:fld id="{0CCCBCAA-DE24-4869-907B-21FA432ED4EA}" type="datetimeFigureOut">
               <a:rPr lang="zh-CN" altLang="en-US" smtClean="0"/>
-              <a:t>2023/12/21</a:t>
+              <a:t>2023/12/22</a:t>
             </a:fld>
             <a:endParaRPr lang="zh-CN" altLang="en-US"/>
           </a:p>
@@ -2431,7 +2516,7 @@
           <a:p>
             <a:fld id="{0CCCBCAA-DE24-4869-907B-21FA432ED4EA}" type="datetimeFigureOut">
               <a:rPr lang="zh-CN" altLang="en-US" smtClean="0"/>
-              <a:t>2023/12/21</a:t>
+              <a:t>2023/12/22</a:t>
             </a:fld>
             <a:endParaRPr lang="zh-CN" altLang="en-US"/>
           </a:p>
@@ -2521,7 +2606,7 @@
           <a:p>
             <a:fld id="{0CCCBCAA-DE24-4869-907B-21FA432ED4EA}" type="datetimeFigureOut">
               <a:rPr lang="zh-CN" altLang="en-US" smtClean="0"/>
-              <a:t>2023/12/21</a:t>
+              <a:t>2023/12/22</a:t>
             </a:fld>
             <a:endParaRPr lang="zh-CN" altLang="en-US"/>
           </a:p>
@@ -2791,7 +2876,7 @@
           <a:p>
             <a:fld id="{0CCCBCAA-DE24-4869-907B-21FA432ED4EA}" type="datetimeFigureOut">
               <a:rPr lang="zh-CN" altLang="en-US" smtClean="0"/>
-              <a:t>2023/12/21</a:t>
+              <a:t>2023/12/22</a:t>
             </a:fld>
             <a:endParaRPr lang="zh-CN" altLang="en-US"/>
           </a:p>
@@ -3038,7 +3123,7 @@
           <a:p>
             <a:fld id="{0CCCBCAA-DE24-4869-907B-21FA432ED4EA}" type="datetimeFigureOut">
               <a:rPr lang="zh-CN" altLang="en-US" smtClean="0"/>
-              <a:t>2023/12/21</a:t>
+              <a:t>2023/12/22</a:t>
             </a:fld>
             <a:endParaRPr lang="zh-CN" altLang="en-US"/>
           </a:p>
@@ -3244,7 +3329,7 @@
           <a:p>
             <a:fld id="{0CCCBCAA-DE24-4869-907B-21FA432ED4EA}" type="datetimeFigureOut">
               <a:rPr lang="zh-CN" altLang="en-US" smtClean="0"/>
-              <a:t>2023/12/21</a:t>
+              <a:t>2023/12/22</a:t>
             </a:fld>
             <a:endParaRPr lang="zh-CN" altLang="en-US"/>
           </a:p>
@@ -23460,7 +23545,7 @@
           <a:p>
             <a:r>
               <a:rPr lang="zh-CN" altLang="en-US" dirty="0"/>
-              <a:t>路径优化</a:t>
+              <a:t>路径优化与消息格式优化</a:t>
             </a:r>
           </a:p>
         </p:txBody>
@@ -23512,15 +23597,27 @@
               <a:t>）</a:t>
             </a:r>
             <a:r>
-              <a:rPr lang="zh-CN" altLang="en-US" b="1" dirty="0"/>
+              <a:rPr lang="zh-CN" altLang="en-US" b="1" dirty="0">
+                <a:solidFill>
+                  <a:srgbClr val="FF0000"/>
+                </a:solidFill>
+              </a:rPr>
               <a:t>所有的</a:t>
             </a:r>
             <a:r>
-              <a:rPr lang="en-US" altLang="zh-CN" b="1" dirty="0"/>
+              <a:rPr lang="en-US" altLang="zh-CN" b="1" dirty="0">
+                <a:solidFill>
+                  <a:srgbClr val="FF0000"/>
+                </a:solidFill>
+              </a:rPr>
               <a:t>Consumer</a:t>
             </a:r>
             <a:r>
-              <a:rPr lang="zh-CN" altLang="en-US" b="1" dirty="0"/>
+              <a:rPr lang="zh-CN" altLang="en-US" b="1" dirty="0">
+                <a:solidFill>
+                  <a:srgbClr val="FF0000"/>
+                </a:solidFill>
+              </a:rPr>
               <a:t>都要能收到数据（必要！！！）</a:t>
             </a:r>
             <a:r>
@@ -23567,6 +23664,28 @@
               <a:rPr lang="zh-CN" altLang="en-US" dirty="0"/>
               <a:t>尽可能少</a:t>
             </a:r>
+            <a:endParaRPr lang="en-US" altLang="zh-CN" dirty="0"/>
+          </a:p>
+          <a:p>
+            <a:r>
+              <a:rPr lang="zh-CN" altLang="en-US" dirty="0"/>
+              <a:t>消息格式优化</a:t>
+            </a:r>
+            <a:endParaRPr lang="en-US" altLang="zh-CN" dirty="0"/>
+          </a:p>
+          <a:p>
+            <a:pPr lvl="1"/>
+            <a:r>
+              <a:rPr lang="zh-CN" altLang="en-US" dirty="0"/>
+              <a:t>如何向上多层次的传递，而不是在最后一层再决定格式转换？</a:t>
+            </a:r>
+          </a:p>
+          <a:p>
+            <a:endParaRPr lang="en-US" altLang="zh-CN" dirty="0"/>
+          </a:p>
+          <a:p>
+            <a:pPr lvl="1"/>
+            <a:endParaRPr lang="en-US" altLang="zh-CN" dirty="0"/>
           </a:p>
         </p:txBody>
       </p:sp>
@@ -26984,7 +27103,7 @@
         </p:nvSpPr>
         <p:spPr>
           <a:xfrm>
-            <a:off x="8661572" y="3080535"/>
+            <a:off x="8679976" y="3071614"/>
             <a:ext cx="455574" cy="369332"/>
           </a:xfrm>
           <a:prstGeom prst="rect">
@@ -27032,8 +27151,8 @@
         </p:nvCxnSpPr>
         <p:spPr>
           <a:xfrm>
-            <a:off x="8889359" y="3449867"/>
-            <a:ext cx="147766" cy="2657393"/>
+            <a:off x="8907763" y="3440946"/>
+            <a:ext cx="1733410" cy="2721237"/>
           </a:xfrm>
           <a:prstGeom prst="straightConnector1">
             <a:avLst/>
@@ -27074,7 +27193,7 @@
         </p:nvSpPr>
         <p:spPr>
           <a:xfrm>
-            <a:off x="6384118" y="6107260"/>
+            <a:off x="7988166" y="6162183"/>
             <a:ext cx="5306013" cy="646331"/>
           </a:xfrm>
           <a:prstGeom prst="rect">
@@ -27122,7 +27241,149 @@
             </a:r>
             <a:r>
               <a:rPr lang="zh-CN" altLang="en-US" dirty="0"/>
-              <a:t>的路径。</a:t>
+              <a:t>的路径。其实是障碍。</a:t>
+            </a:r>
+          </a:p>
+        </p:txBody>
+      </p:sp>
+      <p:sp>
+        <p:nvSpPr>
+          <p:cNvPr id="72" name="文本框 71">
+            <a:extLst>
+              <a:ext uri="{FF2B5EF4-FFF2-40B4-BE49-F238E27FC236}">
+                <a16:creationId xmlns:a16="http://schemas.microsoft.com/office/drawing/2014/main" id="{CD7B9F94-F2E8-4F0C-877C-144341AEC0BC}"/>
+              </a:ext>
+            </a:extLst>
+          </p:cNvPr>
+          <p:cNvSpPr txBox="1"/>
+          <p:nvPr/>
+        </p:nvSpPr>
+        <p:spPr>
+          <a:xfrm>
+            <a:off x="202267" y="5665725"/>
+            <a:ext cx="9357556" cy="1477328"/>
+          </a:xfrm>
+          <a:prstGeom prst="rect">
+            <a:avLst/>
+          </a:prstGeom>
+          <a:noFill/>
+        </p:spPr>
+        <p:txBody>
+          <a:bodyPr wrap="square">
+            <a:spAutoFit/>
+          </a:bodyPr>
+          <a:lstStyle/>
+          <a:p>
+            <a:r>
+              <a:rPr lang="zh-CN" altLang="en-US" dirty="0"/>
+              <a:t>把其他</a:t>
+            </a:r>
+            <a:r>
+              <a:rPr lang="en-US" altLang="zh-CN" dirty="0"/>
+              <a:t>Customer</a:t>
+            </a:r>
+            <a:r>
+              <a:rPr lang="zh-CN" altLang="en-US" dirty="0"/>
+              <a:t>当作障碍，路径要跨过障碍。</a:t>
+            </a:r>
+            <a:endParaRPr lang="en-US" altLang="zh-CN" dirty="0"/>
+          </a:p>
+          <a:p>
+            <a:pPr marL="342900" indent="-342900">
+              <a:buAutoNum type="arabicPeriod"/>
+            </a:pPr>
+            <a:r>
+              <a:rPr lang="en-US" altLang="zh-CN" dirty="0"/>
+              <a:t>A*</a:t>
+            </a:r>
+            <a:r>
+              <a:rPr lang="zh-CN" altLang="en-US" dirty="0"/>
+              <a:t>算法</a:t>
+            </a:r>
+            <a:r>
+              <a:rPr lang="en-US" altLang="zh-CN" dirty="0"/>
+              <a:t>B</a:t>
+            </a:r>
+            <a:r>
+              <a:rPr lang="zh-CN" altLang="en-US" dirty="0"/>
+              <a:t>站视频：</a:t>
+            </a:r>
+            <a:r>
+              <a:rPr lang="zh-CN" altLang="en-US" dirty="0">
+                <a:hlinkClick r:id="rId2"/>
+              </a:rPr>
+              <a:t>https://www.bilibili.com/video/BV1bv411y79P</a:t>
+            </a:r>
+            <a:endParaRPr lang="en-US" altLang="zh-CN" dirty="0"/>
+          </a:p>
+          <a:p>
+            <a:pPr marL="342900" indent="-342900">
+              <a:buFontTx/>
+              <a:buAutoNum type="arabicPeriod"/>
+            </a:pPr>
+            <a:r>
+              <a:rPr lang="en-US" altLang="zh-CN" b="1" dirty="0"/>
+              <a:t>Red Blob Games</a:t>
+            </a:r>
+            <a:r>
+              <a:rPr lang="zh-CN" altLang="en-US" b="1" dirty="0"/>
+              <a:t>（交互式网站），</a:t>
+            </a:r>
+            <a:r>
+              <a:rPr lang="en-US" altLang="zh-CN" dirty="0"/>
+              <a:t>BFS-&gt;Dijkstra-&gt;A*</a:t>
+            </a:r>
+            <a:r>
+              <a:rPr lang="zh-CN" altLang="en-US" dirty="0"/>
+              <a:t>算法的动态交互：</a:t>
+            </a:r>
+            <a:r>
+              <a:rPr lang="en-US" altLang="zh-CN" dirty="0">
+                <a:hlinkClick r:id="rId3"/>
+              </a:rPr>
+              <a:t>https://www.redblobgames.com/pathfinding/a-star/introduction.html</a:t>
+            </a:r>
+            <a:endParaRPr lang="en-US" altLang="zh-CN" dirty="0"/>
+          </a:p>
+          <a:p>
+            <a:pPr marL="342900" indent="-342900">
+              <a:buAutoNum type="arabicPeriod"/>
+            </a:pPr>
+            <a:endParaRPr lang="zh-CN" altLang="en-US" dirty="0"/>
+          </a:p>
+        </p:txBody>
+      </p:sp>
+      <p:sp>
+        <p:nvSpPr>
+          <p:cNvPr id="8" name="文本框 7">
+            <a:extLst>
+              <a:ext uri="{FF2B5EF4-FFF2-40B4-BE49-F238E27FC236}">
+                <a16:creationId xmlns:a16="http://schemas.microsoft.com/office/drawing/2014/main" id="{53A6B788-BD60-4F57-BCD6-02AB074520E3}"/>
+              </a:ext>
+            </a:extLst>
+          </p:cNvPr>
+          <p:cNvSpPr txBox="1"/>
+          <p:nvPr/>
+        </p:nvSpPr>
+        <p:spPr>
+          <a:xfrm>
+            <a:off x="7917107" y="5638926"/>
+            <a:ext cx="5383205" cy="369332"/>
+          </a:xfrm>
+          <a:prstGeom prst="rect">
+            <a:avLst/>
+          </a:prstGeom>
+          <a:noFill/>
+        </p:spPr>
+        <p:txBody>
+          <a:bodyPr wrap="none" rtlCol="0">
+            <a:spAutoFit/>
+          </a:bodyPr>
+          <a:lstStyle/>
+          <a:p>
+            <a:r>
+              <a:rPr lang="zh-CN" altLang="en-US" dirty="0"/>
+              <a:t>后续主要用图的算法做了，允许回头拐弯的路径了</a:t>
             </a:r>
           </a:p>
         </p:txBody>
@@ -28628,6 +28889,571 @@
           <p:cNvPr id="2" name="标题 1">
             <a:extLst>
               <a:ext uri="{FF2B5EF4-FFF2-40B4-BE49-F238E27FC236}">
+                <a16:creationId xmlns:a16="http://schemas.microsoft.com/office/drawing/2014/main" id="{392A8BC7-8E73-404B-89E0-1FF3B9B81C0E}"/>
+              </a:ext>
+            </a:extLst>
+          </p:cNvPr>
+          <p:cNvSpPr>
+            <a:spLocks noGrp="1"/>
+          </p:cNvSpPr>
+          <p:nvPr>
+            <p:ph type="title"/>
+          </p:nvPr>
+        </p:nvSpPr>
+        <p:spPr/>
+        <p:txBody>
+          <a:bodyPr/>
+          <a:lstStyle/>
+          <a:p>
+            <a:r>
+              <a:rPr lang="zh-CN" altLang="en-US" dirty="0"/>
+              <a:t>路径优化整体思路</a:t>
+            </a:r>
+          </a:p>
+        </p:txBody>
+      </p:sp>
+      <p:sp>
+        <p:nvSpPr>
+          <p:cNvPr id="4" name="左大括号 3">
+            <a:extLst>
+              <a:ext uri="{FF2B5EF4-FFF2-40B4-BE49-F238E27FC236}">
+                <a16:creationId xmlns:a16="http://schemas.microsoft.com/office/drawing/2014/main" id="{FF280F08-D47B-4026-9BBE-FC279CF1D2F9}"/>
+              </a:ext>
+            </a:extLst>
+          </p:cNvPr>
+          <p:cNvSpPr/>
+          <p:nvPr/>
+        </p:nvSpPr>
+        <p:spPr>
+          <a:xfrm>
+            <a:off x="1568669" y="2648607"/>
+            <a:ext cx="701565" cy="3342289"/>
+          </a:xfrm>
+          <a:prstGeom prst="leftBrace">
+            <a:avLst/>
+          </a:prstGeom>
+        </p:spPr>
+        <p:style>
+          <a:lnRef idx="1">
+            <a:schemeClr val="accent1"/>
+          </a:lnRef>
+          <a:fillRef idx="0">
+            <a:schemeClr val="accent1"/>
+          </a:fillRef>
+          <a:effectRef idx="0">
+            <a:schemeClr val="accent1"/>
+          </a:effectRef>
+          <a:fontRef idx="minor">
+            <a:schemeClr val="tx1"/>
+          </a:fontRef>
+        </p:style>
+        <p:txBody>
+          <a:bodyPr rtlCol="0" anchor="ctr"/>
+          <a:lstStyle/>
+          <a:p>
+            <a:pPr algn="ctr"/>
+            <a:endParaRPr lang="zh-CN" altLang="en-US"/>
+          </a:p>
+        </p:txBody>
+      </p:sp>
+      <p:sp>
+        <p:nvSpPr>
+          <p:cNvPr id="5" name="文本框 4">
+            <a:extLst>
+              <a:ext uri="{FF2B5EF4-FFF2-40B4-BE49-F238E27FC236}">
+                <a16:creationId xmlns:a16="http://schemas.microsoft.com/office/drawing/2014/main" id="{0073FC4C-B759-4AD1-AF82-496A21E95B55}"/>
+              </a:ext>
+            </a:extLst>
+          </p:cNvPr>
+          <p:cNvSpPr txBox="1"/>
+          <p:nvPr/>
+        </p:nvSpPr>
+        <p:spPr>
+          <a:xfrm>
+            <a:off x="2412124" y="2463941"/>
+            <a:ext cx="877163" cy="369332"/>
+          </a:xfrm>
+          <a:prstGeom prst="rect">
+            <a:avLst/>
+          </a:prstGeom>
+          <a:noFill/>
+        </p:spPr>
+        <p:txBody>
+          <a:bodyPr wrap="none" rtlCol="0">
+            <a:spAutoFit/>
+          </a:bodyPr>
+          <a:lstStyle/>
+          <a:p>
+            <a:r>
+              <a:rPr lang="zh-CN" altLang="en-US" dirty="0"/>
+              <a:t>无向图</a:t>
+            </a:r>
+          </a:p>
+        </p:txBody>
+      </p:sp>
+      <p:sp>
+        <p:nvSpPr>
+          <p:cNvPr id="7" name="文本框 6">
+            <a:extLst>
+              <a:ext uri="{FF2B5EF4-FFF2-40B4-BE49-F238E27FC236}">
+                <a16:creationId xmlns:a16="http://schemas.microsoft.com/office/drawing/2014/main" id="{A9632827-25D6-4106-9EB2-D0F05294C990}"/>
+              </a:ext>
+            </a:extLst>
+          </p:cNvPr>
+          <p:cNvSpPr txBox="1"/>
+          <p:nvPr/>
+        </p:nvSpPr>
+        <p:spPr>
+          <a:xfrm>
+            <a:off x="2343807" y="5806230"/>
+            <a:ext cx="4221027" cy="369332"/>
+          </a:xfrm>
+          <a:prstGeom prst="rect">
+            <a:avLst/>
+          </a:prstGeom>
+          <a:noFill/>
+        </p:spPr>
+        <p:txBody>
+          <a:bodyPr wrap="none" rtlCol="0">
+            <a:spAutoFit/>
+          </a:bodyPr>
+          <a:lstStyle/>
+          <a:p>
+            <a:r>
+              <a:rPr lang="zh-CN" altLang="en-US" dirty="0"/>
+              <a:t>有向图，对于</a:t>
+            </a:r>
+            <a:r>
+              <a:rPr lang="en-US" altLang="zh-CN" dirty="0"/>
+              <a:t>C</a:t>
+            </a:r>
+            <a:r>
+              <a:rPr lang="zh-CN" altLang="en-US" dirty="0"/>
+              <a:t>只有入度没有出度的图。</a:t>
+            </a:r>
+          </a:p>
+        </p:txBody>
+      </p:sp>
+      <p:sp>
+        <p:nvSpPr>
+          <p:cNvPr id="9" name="左大括号 8">
+            <a:extLst>
+              <a:ext uri="{FF2B5EF4-FFF2-40B4-BE49-F238E27FC236}">
+                <a16:creationId xmlns:a16="http://schemas.microsoft.com/office/drawing/2014/main" id="{5EE92F26-5F52-40D5-B4F4-45C55740B399}"/>
+              </a:ext>
+            </a:extLst>
+          </p:cNvPr>
+          <p:cNvSpPr/>
+          <p:nvPr/>
+        </p:nvSpPr>
+        <p:spPr>
+          <a:xfrm>
+            <a:off x="3375998" y="1969171"/>
+            <a:ext cx="701565" cy="1422675"/>
+          </a:xfrm>
+          <a:prstGeom prst="leftBrace">
+            <a:avLst/>
+          </a:prstGeom>
+        </p:spPr>
+        <p:style>
+          <a:lnRef idx="1">
+            <a:schemeClr val="accent1"/>
+          </a:lnRef>
+          <a:fillRef idx="0">
+            <a:schemeClr val="accent1"/>
+          </a:fillRef>
+          <a:effectRef idx="0">
+            <a:schemeClr val="accent1"/>
+          </a:effectRef>
+          <a:fontRef idx="minor">
+            <a:schemeClr val="tx1"/>
+          </a:fontRef>
+        </p:style>
+        <p:txBody>
+          <a:bodyPr rtlCol="0" anchor="ctr"/>
+          <a:lstStyle/>
+          <a:p>
+            <a:pPr algn="ctr"/>
+            <a:endParaRPr lang="zh-CN" altLang="en-US"/>
+          </a:p>
+        </p:txBody>
+      </p:sp>
+      <p:sp>
+        <p:nvSpPr>
+          <p:cNvPr id="10" name="文本框 9">
+            <a:extLst>
+              <a:ext uri="{FF2B5EF4-FFF2-40B4-BE49-F238E27FC236}">
+                <a16:creationId xmlns:a16="http://schemas.microsoft.com/office/drawing/2014/main" id="{AEA0E22F-636D-4381-8546-D3D7A043C3AC}"/>
+              </a:ext>
+            </a:extLst>
+          </p:cNvPr>
+          <p:cNvSpPr txBox="1"/>
+          <p:nvPr/>
+        </p:nvSpPr>
+        <p:spPr>
+          <a:xfrm>
+            <a:off x="4164274" y="1784505"/>
+            <a:ext cx="4855816" cy="1200329"/>
+          </a:xfrm>
+          <a:prstGeom prst="rect">
+            <a:avLst/>
+          </a:prstGeom>
+          <a:noFill/>
+        </p:spPr>
+        <p:txBody>
+          <a:bodyPr wrap="none" rtlCol="0">
+            <a:spAutoFit/>
+          </a:bodyPr>
+          <a:lstStyle/>
+          <a:p>
+            <a:r>
+              <a:rPr lang="zh-CN" altLang="en-US" dirty="0"/>
+              <a:t>最短路径：</a:t>
+            </a:r>
+            <a:endParaRPr lang="en-US" altLang="zh-CN" dirty="0"/>
+          </a:p>
+          <a:p>
+            <a:r>
+              <a:rPr lang="zh-CN" altLang="en-US" dirty="0"/>
+              <a:t>（</a:t>
+            </a:r>
+            <a:r>
+              <a:rPr lang="en-US" altLang="zh-CN" dirty="0"/>
+              <a:t>1</a:t>
+            </a:r>
+            <a:r>
+              <a:rPr lang="zh-CN" altLang="en-US" dirty="0"/>
+              <a:t>）</a:t>
+            </a:r>
+            <a:r>
+              <a:rPr lang="en-US" altLang="zh-CN" dirty="0"/>
+              <a:t>P</a:t>
+            </a:r>
+            <a:r>
+              <a:rPr lang="zh-CN" altLang="en-US" dirty="0"/>
+              <a:t>到所有</a:t>
+            </a:r>
+            <a:r>
+              <a:rPr lang="en-US" altLang="zh-CN" dirty="0"/>
+              <a:t>C</a:t>
+            </a:r>
+            <a:r>
+              <a:rPr lang="zh-CN" altLang="en-US" dirty="0"/>
+              <a:t>的最短路径</a:t>
+            </a:r>
+            <a:endParaRPr lang="en-US" altLang="zh-CN" dirty="0"/>
+          </a:p>
+          <a:p>
+            <a:r>
+              <a:rPr lang="zh-CN" altLang="en-US" dirty="0"/>
+              <a:t>（</a:t>
+            </a:r>
+            <a:r>
+              <a:rPr lang="en-US" altLang="zh-CN" dirty="0"/>
+              <a:t>2</a:t>
+            </a:r>
+            <a:r>
+              <a:rPr lang="zh-CN" altLang="en-US" dirty="0"/>
+              <a:t>）合并有向路径树</a:t>
+            </a:r>
+            <a:endParaRPr lang="en-US" altLang="zh-CN" dirty="0"/>
+          </a:p>
+          <a:p>
+            <a:r>
+              <a:rPr lang="zh-CN" altLang="en-US" b="1" dirty="0">
+                <a:solidFill>
+                  <a:srgbClr val="FF0000"/>
+                </a:solidFill>
+              </a:rPr>
+              <a:t>问题：对</a:t>
+            </a:r>
+            <a:r>
+              <a:rPr lang="en-US" altLang="zh-CN" b="1" dirty="0">
+                <a:solidFill>
+                  <a:srgbClr val="FF0000"/>
+                </a:solidFill>
+              </a:rPr>
+              <a:t>C</a:t>
+            </a:r>
+            <a:r>
+              <a:rPr lang="zh-CN" altLang="en-US" b="1" dirty="0">
+                <a:solidFill>
+                  <a:srgbClr val="FF0000"/>
+                </a:solidFill>
+              </a:rPr>
+              <a:t>找最短路径时，其他</a:t>
+            </a:r>
+            <a:r>
+              <a:rPr lang="en-US" altLang="zh-CN" b="1" dirty="0">
+                <a:solidFill>
+                  <a:srgbClr val="FF0000"/>
+                </a:solidFill>
+              </a:rPr>
+              <a:t>C</a:t>
+            </a:r>
+            <a:r>
+              <a:rPr lang="zh-CN" altLang="en-US" b="1" dirty="0">
+                <a:solidFill>
+                  <a:srgbClr val="FF0000"/>
+                </a:solidFill>
+              </a:rPr>
+              <a:t>应作为障碍。</a:t>
+            </a:r>
+            <a:endParaRPr lang="en-US" altLang="zh-CN" b="1" dirty="0">
+              <a:solidFill>
+                <a:srgbClr val="FF0000"/>
+              </a:solidFill>
+            </a:endParaRPr>
+          </a:p>
+        </p:txBody>
+      </p:sp>
+      <p:sp>
+        <p:nvSpPr>
+          <p:cNvPr id="11" name="文本框 10">
+            <a:extLst>
+              <a:ext uri="{FF2B5EF4-FFF2-40B4-BE49-F238E27FC236}">
+                <a16:creationId xmlns:a16="http://schemas.microsoft.com/office/drawing/2014/main" id="{D2E46FA5-01E1-4E89-8DFE-925E50FE68A2}"/>
+              </a:ext>
+            </a:extLst>
+          </p:cNvPr>
+          <p:cNvSpPr txBox="1"/>
+          <p:nvPr/>
+        </p:nvSpPr>
+        <p:spPr>
+          <a:xfrm>
+            <a:off x="4164273" y="3207180"/>
+            <a:ext cx="6434775" cy="1200329"/>
+          </a:xfrm>
+          <a:prstGeom prst="rect">
+            <a:avLst/>
+          </a:prstGeom>
+          <a:noFill/>
+        </p:spPr>
+        <p:txBody>
+          <a:bodyPr wrap="none" rtlCol="0">
+            <a:spAutoFit/>
+          </a:bodyPr>
+          <a:lstStyle/>
+          <a:p>
+            <a:r>
+              <a:rPr lang="zh-CN" altLang="en-US" dirty="0"/>
+              <a:t>生成树：</a:t>
+            </a:r>
+            <a:endParaRPr lang="en-US" altLang="zh-CN" dirty="0"/>
+          </a:p>
+          <a:p>
+            <a:r>
+              <a:rPr lang="zh-CN" altLang="en-US" dirty="0"/>
+              <a:t>（</a:t>
+            </a:r>
+            <a:r>
+              <a:rPr lang="en-US" altLang="zh-CN" dirty="0"/>
+              <a:t>1</a:t>
+            </a:r>
+            <a:r>
+              <a:rPr lang="zh-CN" altLang="en-US" dirty="0"/>
+              <a:t>）从</a:t>
+            </a:r>
+            <a:r>
+              <a:rPr lang="en-US" altLang="zh-CN" dirty="0"/>
+              <a:t>P</a:t>
+            </a:r>
+            <a:r>
+              <a:rPr lang="zh-CN" altLang="en-US" dirty="0"/>
+              <a:t>出发的生成树，包含所有结点后结束的局部生成树。</a:t>
+            </a:r>
+            <a:endParaRPr lang="en-US" altLang="zh-CN" dirty="0"/>
+          </a:p>
+          <a:p>
+            <a:r>
+              <a:rPr lang="zh-CN" altLang="en-US" dirty="0"/>
+              <a:t>（</a:t>
+            </a:r>
+            <a:r>
+              <a:rPr lang="en-US" altLang="zh-CN" dirty="0"/>
+              <a:t>2</a:t>
+            </a:r>
+            <a:r>
+              <a:rPr lang="zh-CN" altLang="en-US" dirty="0"/>
+              <a:t>） 剪枝成路径树</a:t>
+            </a:r>
+            <a:endParaRPr lang="en-US" altLang="zh-CN" dirty="0"/>
+          </a:p>
+          <a:p>
+            <a:r>
+              <a:rPr lang="zh-CN" altLang="en-US" dirty="0"/>
+              <a:t>问题：</a:t>
+            </a:r>
+            <a:r>
+              <a:rPr lang="en-US" altLang="zh-CN" dirty="0"/>
+              <a:t> C</a:t>
+            </a:r>
+            <a:r>
+              <a:rPr lang="zh-CN" altLang="en-US" dirty="0"/>
+              <a:t>只能作为叶子结点</a:t>
+            </a:r>
+          </a:p>
+        </p:txBody>
+      </p:sp>
+      <p:cxnSp>
+        <p:nvCxnSpPr>
+          <p:cNvPr id="16" name="直接箭头连接符 15">
+            <a:extLst>
+              <a:ext uri="{FF2B5EF4-FFF2-40B4-BE49-F238E27FC236}">
+                <a16:creationId xmlns:a16="http://schemas.microsoft.com/office/drawing/2014/main" id="{46680CDD-1A64-427B-81B9-012D8E31DC32}"/>
+              </a:ext>
+            </a:extLst>
+          </p:cNvPr>
+          <p:cNvCxnSpPr>
+            <a:cxnSpLocks/>
+            <a:stCxn id="10" idx="2"/>
+            <a:endCxn id="17" idx="2"/>
+          </p:cNvCxnSpPr>
+          <p:nvPr/>
+        </p:nvCxnSpPr>
+        <p:spPr>
+          <a:xfrm flipV="1">
+            <a:off x="6592182" y="1452329"/>
+            <a:ext cx="2427908" cy="1532505"/>
+          </a:xfrm>
+          <a:prstGeom prst="straightConnector1">
+            <a:avLst/>
+          </a:prstGeom>
+          <a:ln>
+            <a:tailEnd type="triangle"/>
+          </a:ln>
+        </p:spPr>
+        <p:style>
+          <a:lnRef idx="1">
+            <a:schemeClr val="accent1"/>
+          </a:lnRef>
+          <a:fillRef idx="0">
+            <a:schemeClr val="accent1"/>
+          </a:fillRef>
+          <a:effectRef idx="0">
+            <a:schemeClr val="accent1"/>
+          </a:effectRef>
+          <a:fontRef idx="minor">
+            <a:schemeClr val="tx1"/>
+          </a:fontRef>
+        </p:style>
+      </p:cxnSp>
+      <p:sp>
+        <p:nvSpPr>
+          <p:cNvPr id="17" name="文本框 16">
+            <a:extLst>
+              <a:ext uri="{FF2B5EF4-FFF2-40B4-BE49-F238E27FC236}">
+                <a16:creationId xmlns:a16="http://schemas.microsoft.com/office/drawing/2014/main" id="{6788AE09-0036-4D32-AF16-0618B25C432B}"/>
+              </a:ext>
+            </a:extLst>
+          </p:cNvPr>
+          <p:cNvSpPr txBox="1"/>
+          <p:nvPr/>
+        </p:nvSpPr>
+        <p:spPr>
+          <a:xfrm>
+            <a:off x="5865837" y="252000"/>
+            <a:ext cx="6308506" cy="1200329"/>
+          </a:xfrm>
+          <a:prstGeom prst="rect">
+            <a:avLst/>
+          </a:prstGeom>
+          <a:noFill/>
+        </p:spPr>
+        <p:txBody>
+          <a:bodyPr wrap="square" rtlCol="0">
+            <a:spAutoFit/>
+          </a:bodyPr>
+          <a:lstStyle/>
+          <a:p>
+            <a:r>
+              <a:rPr lang="zh-CN" altLang="en-US" dirty="0"/>
+              <a:t>目前的错误</a:t>
+            </a:r>
+            <a:endParaRPr lang="en-US" altLang="zh-CN" dirty="0"/>
+          </a:p>
+          <a:p>
+            <a:r>
+              <a:rPr lang="zh-CN" altLang="en-US" dirty="0"/>
+              <a:t>（</a:t>
+            </a:r>
+            <a:r>
+              <a:rPr lang="en-US" altLang="zh-CN" dirty="0"/>
+              <a:t>1</a:t>
+            </a:r>
+            <a:r>
+              <a:rPr lang="zh-CN" altLang="en-US" dirty="0"/>
+              <a:t>）没有关注这个问题。导致一些</a:t>
+            </a:r>
+            <a:r>
+              <a:rPr lang="en-US" altLang="zh-CN" dirty="0"/>
+              <a:t>C</a:t>
+            </a:r>
+            <a:r>
+              <a:rPr lang="zh-CN" altLang="en-US" dirty="0"/>
+              <a:t>无法接受数据。</a:t>
+            </a:r>
+            <a:endParaRPr lang="en-US" altLang="zh-CN" dirty="0"/>
+          </a:p>
+          <a:p>
+            <a:r>
+              <a:rPr lang="zh-CN" altLang="en-US" dirty="0"/>
+              <a:t>（</a:t>
+            </a:r>
+            <a:r>
+              <a:rPr lang="en-US" altLang="zh-CN" dirty="0"/>
+              <a:t>2</a:t>
+            </a:r>
+            <a:r>
+              <a:rPr lang="zh-CN" altLang="en-US" dirty="0"/>
+              <a:t>）之前为了硬用动态规划，不允许轨迹回头来约束规划方向丢弃了图结构只是用表结构。后续</a:t>
+            </a:r>
+            <a:r>
+              <a:rPr lang="zh-CN" altLang="en-US"/>
+              <a:t>还是要按照图结构计算</a:t>
+            </a:r>
+            <a:r>
+              <a:rPr lang="zh-CN" altLang="en-US" dirty="0"/>
+              <a:t>。</a:t>
+            </a:r>
+          </a:p>
+        </p:txBody>
+      </p:sp>
+    </p:spTree>
+    <p:extLst>
+      <p:ext uri="{BB962C8B-B14F-4D97-AF65-F5344CB8AC3E}">
+        <p14:creationId xmlns:p14="http://schemas.microsoft.com/office/powerpoint/2010/main" val="1199853120"/>
+      </p:ext>
+    </p:extLst>
+  </p:cSld>
+  <p:clrMapOvr>
+    <a:masterClrMapping/>
+  </p:clrMapOvr>
+</p:sld>
+</file>
+
+<file path=ppt/slides/slide21.xml><?xml version="1.0" encoding="utf-8"?>
+<p:sld xmlns:a="http://schemas.openxmlformats.org/drawingml/2006/main" xmlns:r="http://schemas.openxmlformats.org/officeDocument/2006/relationships" xmlns:p="http://schemas.openxmlformats.org/presentationml/2006/main">
+  <p:cSld>
+    <p:spTree>
+      <p:nvGrpSpPr>
+        <p:cNvPr id="1" name=""/>
+        <p:cNvGrpSpPr/>
+        <p:nvPr/>
+      </p:nvGrpSpPr>
+      <p:grpSpPr>
+        <a:xfrm>
+          <a:off x="0" y="0"/>
+          <a:ext cx="0" cy="0"/>
+          <a:chOff x="0" y="0"/>
+          <a:chExt cx="0" cy="0"/>
+        </a:xfrm>
+      </p:grpSpPr>
+      <p:sp>
+        <p:nvSpPr>
+          <p:cNvPr id="2" name="标题 1">
+            <a:extLst>
+              <a:ext uri="{FF2B5EF4-FFF2-40B4-BE49-F238E27FC236}">
                 <a16:creationId xmlns:a16="http://schemas.microsoft.com/office/drawing/2014/main" id="{405CA9D2-8D1C-4661-984E-26323D2698C6}"/>
               </a:ext>
             </a:extLst>
@@ -28645,8 +29471,12 @@
           <a:lstStyle/>
           <a:p>
             <a:r>
+              <a:rPr lang="en-US" altLang="zh-CN" dirty="0"/>
+              <a:t>BFS</a:t>
+            </a:r>
+            <a:r>
               <a:rPr lang="zh-CN" altLang="en-US" dirty="0"/>
-              <a:t>消息格式优化</a:t>
+              <a:t>思路</a:t>
             </a:r>
           </a:p>
         </p:txBody>
@@ -28672,10 +29502,7 @@
           <a:bodyPr/>
           <a:lstStyle/>
           <a:p>
-            <a:r>
-              <a:rPr lang="zh-CN" altLang="en-US" dirty="0"/>
-              <a:t>消息格式如何向上多层次的传递，而不是在最后一层再决定格式转换？</a:t>
-            </a:r>
+            <a:endParaRPr lang="zh-CN" altLang="en-US" dirty="0"/>
           </a:p>
         </p:txBody>
       </p:sp>
@@ -28692,7 +29519,7 @@
 </p:sld>
 </file>
 
-<file path=ppt/slides/slide21.xml><?xml version="1.0" encoding="utf-8"?>
+<file path=ppt/slides/slide22.xml><?xml version="1.0" encoding="utf-8"?>
 <p:sld xmlns:a="http://schemas.openxmlformats.org/drawingml/2006/main" xmlns:r="http://schemas.openxmlformats.org/officeDocument/2006/relationships" xmlns:p="http://schemas.openxmlformats.org/presentationml/2006/main">
   <p:cSld>
     <p:spTree>
@@ -28869,7 +29696,7 @@
           <a:graphicData uri="http://schemas.openxmlformats.org/presentationml/2006/ole">
             <mc:AlternateContent xmlns:mc="http://schemas.openxmlformats.org/markup-compatibility/2006">
               <mc:Choice xmlns:v="urn:schemas-microsoft-com:vml" Requires="v">
-                <p:oleObj spid="_x0000_s1943" name="Equation" r:id="rId4" imgW="104546400" imgH="9448800" progId="Equation.DSMT4">
+                <p:oleObj spid="_x0000_s2095" name="Equation" r:id="rId4" imgW="104546400" imgH="9448800" progId="Equation.DSMT4">
                   <p:embed/>
                 </p:oleObj>
               </mc:Choice>
@@ -28926,7 +29753,7 @@
           <a:graphicData uri="http://schemas.openxmlformats.org/presentationml/2006/ole">
             <mc:AlternateContent xmlns:mc="http://schemas.openxmlformats.org/markup-compatibility/2006">
               <mc:Choice xmlns:v="urn:schemas-microsoft-com:vml" Requires="v">
-                <p:oleObj spid="_x0000_s1944" name="Equation" r:id="rId6" imgW="3403440" imgH="787320" progId="Equation.DSMT4">
+                <p:oleObj spid="_x0000_s2096" name="Equation" r:id="rId6" imgW="3403440" imgH="787320" progId="Equation.DSMT4">
                   <p:embed/>
                 </p:oleObj>
               </mc:Choice>
@@ -30671,7 +31498,7 @@
             <a:graphicData uri="http://schemas.openxmlformats.org/presentationml/2006/ole">
               <mc:AlternateContent xmlns:mc="http://schemas.openxmlformats.org/markup-compatibility/2006">
                 <mc:Choice xmlns:v="urn:schemas-microsoft-com:vml" Requires="v">
-                  <p:oleObj spid="_x0000_s1945" name="Equation" r:id="rId8" imgW="8839200" imgH="5181600" progId="Equation.DSMT4">
+                  <p:oleObj spid="_x0000_s2097" name="Equation" r:id="rId8" imgW="8839200" imgH="5181600" progId="Equation.DSMT4">
                     <p:embed/>
                   </p:oleObj>
                 </mc:Choice>
@@ -31606,7 +32433,7 @@
           <a:graphicData uri="http://schemas.openxmlformats.org/presentationml/2006/ole">
             <mc:AlternateContent xmlns:mc="http://schemas.openxmlformats.org/markup-compatibility/2006">
               <mc:Choice xmlns:v="urn:schemas-microsoft-com:vml" Requires="v">
-                <p:oleObj spid="_x0000_s1946" name="Equation" r:id="rId11" imgW="2108160" imgH="164880" progId="Equation.DSMT4">
+                <p:oleObj spid="_x0000_s2098" name="Equation" r:id="rId11" imgW="2108160" imgH="164880" progId="Equation.DSMT4">
                   <p:embed/>
                 </p:oleObj>
               </mc:Choice>

--- a/huawei/示例输入输出.pptx
+++ b/huawei/示例输入输出.pptx
@@ -221,7 +221,7 @@
           <a:p>
             <a:fld id="{07A1DCD4-BB14-438E-8CE0-FC12E2A73F1B}" type="datetimeFigureOut">
               <a:rPr lang="zh-CN" altLang="en-US" smtClean="0"/>
-              <a:t>2023/12/22</a:t>
+              <a:t>2023/12/23</a:t>
             </a:fld>
             <a:endParaRPr lang="zh-CN" altLang="en-US"/>
           </a:p>
@@ -1082,7 +1082,7 @@
           <a:p>
             <a:fld id="{0CCCBCAA-DE24-4869-907B-21FA432ED4EA}" type="datetimeFigureOut">
               <a:rPr lang="zh-CN" altLang="en-US" smtClean="0"/>
-              <a:t>2023/12/22</a:t>
+              <a:t>2023/12/23</a:t>
             </a:fld>
             <a:endParaRPr lang="zh-CN" altLang="en-US"/>
           </a:p>
@@ -1245,7 +1245,7 @@
           <a:p>
             <a:fld id="{0CCCBCAA-DE24-4869-907B-21FA432ED4EA}" type="datetimeFigureOut">
               <a:rPr lang="zh-CN" altLang="en-US" smtClean="0"/>
-              <a:t>2023/12/22</a:t>
+              <a:t>2023/12/23</a:t>
             </a:fld>
             <a:endParaRPr lang="zh-CN" altLang="en-US"/>
           </a:p>
@@ -1418,7 +1418,7 @@
           <a:p>
             <a:fld id="{0CCCBCAA-DE24-4869-907B-21FA432ED4EA}" type="datetimeFigureOut">
               <a:rPr lang="zh-CN" altLang="en-US" smtClean="0"/>
-              <a:t>2023/12/22</a:t>
+              <a:t>2023/12/23</a:t>
             </a:fld>
             <a:endParaRPr lang="zh-CN" altLang="en-US"/>
           </a:p>
@@ -1581,7 +1581,7 @@
           <a:p>
             <a:fld id="{0CCCBCAA-DE24-4869-907B-21FA432ED4EA}" type="datetimeFigureOut">
               <a:rPr lang="zh-CN" altLang="en-US" smtClean="0"/>
-              <a:t>2023/12/22</a:t>
+              <a:t>2023/12/23</a:t>
             </a:fld>
             <a:endParaRPr lang="zh-CN" altLang="en-US"/>
           </a:p>
@@ -1821,7 +1821,7 @@
           <a:p>
             <a:fld id="{0CCCBCAA-DE24-4869-907B-21FA432ED4EA}" type="datetimeFigureOut">
               <a:rPr lang="zh-CN" altLang="en-US" smtClean="0"/>
-              <a:t>2023/12/22</a:t>
+              <a:t>2023/12/23</a:t>
             </a:fld>
             <a:endParaRPr lang="zh-CN" altLang="en-US"/>
           </a:p>
@@ -2045,7 +2045,7 @@
           <a:p>
             <a:fld id="{0CCCBCAA-DE24-4869-907B-21FA432ED4EA}" type="datetimeFigureOut">
               <a:rPr lang="zh-CN" altLang="en-US" smtClean="0"/>
-              <a:t>2023/12/22</a:t>
+              <a:t>2023/12/23</a:t>
             </a:fld>
             <a:endParaRPr lang="zh-CN" altLang="en-US"/>
           </a:p>
@@ -2404,7 +2404,7 @@
           <a:p>
             <a:fld id="{0CCCBCAA-DE24-4869-907B-21FA432ED4EA}" type="datetimeFigureOut">
               <a:rPr lang="zh-CN" altLang="en-US" smtClean="0"/>
-              <a:t>2023/12/22</a:t>
+              <a:t>2023/12/23</a:t>
             </a:fld>
             <a:endParaRPr lang="zh-CN" altLang="en-US"/>
           </a:p>
@@ -2516,7 +2516,7 @@
           <a:p>
             <a:fld id="{0CCCBCAA-DE24-4869-907B-21FA432ED4EA}" type="datetimeFigureOut">
               <a:rPr lang="zh-CN" altLang="en-US" smtClean="0"/>
-              <a:t>2023/12/22</a:t>
+              <a:t>2023/12/23</a:t>
             </a:fld>
             <a:endParaRPr lang="zh-CN" altLang="en-US"/>
           </a:p>
@@ -2606,7 +2606,7 @@
           <a:p>
             <a:fld id="{0CCCBCAA-DE24-4869-907B-21FA432ED4EA}" type="datetimeFigureOut">
               <a:rPr lang="zh-CN" altLang="en-US" smtClean="0"/>
-              <a:t>2023/12/22</a:t>
+              <a:t>2023/12/23</a:t>
             </a:fld>
             <a:endParaRPr lang="zh-CN" altLang="en-US"/>
           </a:p>
@@ -2876,7 +2876,7 @@
           <a:p>
             <a:fld id="{0CCCBCAA-DE24-4869-907B-21FA432ED4EA}" type="datetimeFigureOut">
               <a:rPr lang="zh-CN" altLang="en-US" smtClean="0"/>
-              <a:t>2023/12/22</a:t>
+              <a:t>2023/12/23</a:t>
             </a:fld>
             <a:endParaRPr lang="zh-CN" altLang="en-US"/>
           </a:p>
@@ -3123,7 +3123,7 @@
           <a:p>
             <a:fld id="{0CCCBCAA-DE24-4869-907B-21FA432ED4EA}" type="datetimeFigureOut">
               <a:rPr lang="zh-CN" altLang="en-US" smtClean="0"/>
-              <a:t>2023/12/22</a:t>
+              <a:t>2023/12/23</a:t>
             </a:fld>
             <a:endParaRPr lang="zh-CN" altLang="en-US"/>
           </a:p>
@@ -3329,7 +3329,7 @@
           <a:p>
             <a:fld id="{0CCCBCAA-DE24-4869-907B-21FA432ED4EA}" type="datetimeFigureOut">
               <a:rPr lang="zh-CN" altLang="en-US" smtClean="0"/>
-              <a:t>2023/12/22</a:t>
+              <a:t>2023/12/23</a:t>
             </a:fld>
             <a:endParaRPr lang="zh-CN" altLang="en-US"/>
           </a:p>
@@ -22281,7 +22281,7 @@
         </p:nvSpPr>
         <p:spPr>
           <a:xfrm flipH="1">
-            <a:off x="12239109" y="3521068"/>
+            <a:off x="12219893" y="3529277"/>
             <a:ext cx="2188960" cy="2308324"/>
           </a:xfrm>
           <a:prstGeom prst="rect">
@@ -29419,6 +29419,116 @@
           </a:p>
         </p:txBody>
       </p:sp>
+      <p:sp>
+        <p:nvSpPr>
+          <p:cNvPr id="12" name="文本框 11">
+            <a:extLst>
+              <a:ext uri="{FF2B5EF4-FFF2-40B4-BE49-F238E27FC236}">
+                <a16:creationId xmlns:a16="http://schemas.microsoft.com/office/drawing/2014/main" id="{8F6D6600-D9CA-40B0-B9C0-0B1D0062BD9B}"/>
+              </a:ext>
+            </a:extLst>
+          </p:cNvPr>
+          <p:cNvSpPr txBox="1"/>
+          <p:nvPr/>
+        </p:nvSpPr>
+        <p:spPr>
+          <a:xfrm>
+            <a:off x="7268862" y="4805506"/>
+            <a:ext cx="6135128" cy="2585323"/>
+          </a:xfrm>
+          <a:prstGeom prst="rect">
+            <a:avLst/>
+          </a:prstGeom>
+          <a:noFill/>
+        </p:spPr>
+        <p:txBody>
+          <a:bodyPr wrap="square">
+            <a:spAutoFit/>
+          </a:bodyPr>
+          <a:lstStyle/>
+          <a:p>
+            <a:r>
+              <a:rPr lang="zh-CN" altLang="en-US" dirty="0"/>
+              <a:t>构图方式：权值 方向</a:t>
+            </a:r>
+            <a:endParaRPr lang="en-US" altLang="zh-CN" dirty="0"/>
+          </a:p>
+          <a:p>
+            <a:r>
+              <a:rPr lang="zh-CN" altLang="en-US" dirty="0"/>
+              <a:t>无权无向：；BFS，Dijkstra，A*。</a:t>
+            </a:r>
+            <a:endParaRPr lang="en-US" altLang="zh-CN" dirty="0"/>
+          </a:p>
+          <a:p>
+            <a:r>
+              <a:rPr lang="zh-CN" altLang="en-US" dirty="0"/>
+              <a:t>无权有向：c有入度无出度；Dijkstra，A*</a:t>
+            </a:r>
+            <a:endParaRPr lang="en-US" altLang="zh-CN" dirty="0"/>
+          </a:p>
+          <a:p>
+            <a:r>
+              <a:rPr lang="zh-CN" altLang="en-US" dirty="0"/>
+              <a:t>有权无向：单元均值作为权值；Dijkstra，A*</a:t>
+            </a:r>
+            <a:endParaRPr lang="en-US" altLang="zh-CN" dirty="0"/>
+          </a:p>
+          <a:p>
+            <a:r>
+              <a:rPr lang="zh-CN" altLang="en-US" dirty="0"/>
+              <a:t>有权有向：入度作为权值；Dijkstra，A*</a:t>
+            </a:r>
+            <a:endParaRPr lang="en-US" altLang="zh-CN" dirty="0"/>
+          </a:p>
+          <a:p>
+            <a:endParaRPr lang="en-US" altLang="zh-CN" dirty="0"/>
+          </a:p>
+          <a:p>
+            <a:r>
+              <a:rPr lang="zh-CN" altLang="en-US" dirty="0"/>
+              <a:t>而</a:t>
+            </a:r>
+            <a:r>
+              <a:rPr lang="en-US" altLang="zh-CN" b="1" dirty="0"/>
+              <a:t>Red Blob Games</a:t>
+            </a:r>
+            <a:r>
+              <a:rPr lang="zh-CN" altLang="en-US" b="1" dirty="0"/>
+              <a:t>把</a:t>
+            </a:r>
+            <a:r>
+              <a:rPr lang="en-US" altLang="zh-CN" b="1" dirty="0"/>
+              <a:t>A*</a:t>
+            </a:r>
+            <a:r>
+              <a:rPr lang="zh-CN" altLang="en-US" b="1" dirty="0"/>
+              <a:t>算法直接用在网格上更加方便，先把当前方法重构为</a:t>
+            </a:r>
+            <a:r>
+              <a:rPr lang="en-US" altLang="zh-CN" b="1" dirty="0"/>
+              <a:t>Python</a:t>
+            </a:r>
+            <a:r>
+              <a:rPr lang="zh-CN" altLang="en-US" b="1" dirty="0"/>
+              <a:t>代码，参考伪代码写</a:t>
+            </a:r>
+            <a:r>
+              <a:rPr lang="en-US" altLang="zh-CN" b="1" dirty="0"/>
+              <a:t>BFS, </a:t>
+            </a:r>
+            <a:r>
+              <a:rPr lang="en-US" altLang="zh-CN" b="1" dirty="0" err="1"/>
+              <a:t>DijkstraA</a:t>
+            </a:r>
+            <a:r>
+              <a:rPr lang="en-US" altLang="zh-CN" b="1" dirty="0"/>
+              <a:t>*</a:t>
+            </a:r>
+            <a:endParaRPr lang="zh-CN" altLang="en-US" dirty="0"/>
+          </a:p>
+        </p:txBody>
+      </p:sp>
     </p:spTree>
     <p:extLst>
       <p:ext uri="{BB962C8B-B14F-4D97-AF65-F5344CB8AC3E}">
@@ -29696,7 +29806,7 @@
           <a:graphicData uri="http://schemas.openxmlformats.org/presentationml/2006/ole">
             <mc:AlternateContent xmlns:mc="http://schemas.openxmlformats.org/markup-compatibility/2006">
               <mc:Choice xmlns:v="urn:schemas-microsoft-com:vml" Requires="v">
-                <p:oleObj spid="_x0000_s2095" name="Equation" r:id="rId4" imgW="104546400" imgH="9448800" progId="Equation.DSMT4">
+                <p:oleObj spid="_x0000_s2119" name="Equation" r:id="rId4" imgW="104546400" imgH="9448800" progId="Equation.DSMT4">
                   <p:embed/>
                 </p:oleObj>
               </mc:Choice>
@@ -29753,7 +29863,7 @@
           <a:graphicData uri="http://schemas.openxmlformats.org/presentationml/2006/ole">
             <mc:AlternateContent xmlns:mc="http://schemas.openxmlformats.org/markup-compatibility/2006">
               <mc:Choice xmlns:v="urn:schemas-microsoft-com:vml" Requires="v">
-                <p:oleObj spid="_x0000_s2096" name="Equation" r:id="rId6" imgW="3403440" imgH="787320" progId="Equation.DSMT4">
+                <p:oleObj spid="_x0000_s2120" name="Equation" r:id="rId6" imgW="3403440" imgH="787320" progId="Equation.DSMT4">
                   <p:embed/>
                 </p:oleObj>
               </mc:Choice>
@@ -31498,7 +31608,7 @@
             <a:graphicData uri="http://schemas.openxmlformats.org/presentationml/2006/ole">
               <mc:AlternateContent xmlns:mc="http://schemas.openxmlformats.org/markup-compatibility/2006">
                 <mc:Choice xmlns:v="urn:schemas-microsoft-com:vml" Requires="v">
-                  <p:oleObj spid="_x0000_s2097" name="Equation" r:id="rId8" imgW="8839200" imgH="5181600" progId="Equation.DSMT4">
+                  <p:oleObj spid="_x0000_s2121" name="Equation" r:id="rId8" imgW="8839200" imgH="5181600" progId="Equation.DSMT4">
                     <p:embed/>
                   </p:oleObj>
                 </mc:Choice>
@@ -32433,7 +32543,7 @@
           <a:graphicData uri="http://schemas.openxmlformats.org/presentationml/2006/ole">
             <mc:AlternateContent xmlns:mc="http://schemas.openxmlformats.org/markup-compatibility/2006">
               <mc:Choice xmlns:v="urn:schemas-microsoft-com:vml" Requires="v">
-                <p:oleObj spid="_x0000_s2098" name="Equation" r:id="rId11" imgW="2108160" imgH="164880" progId="Equation.DSMT4">
+                <p:oleObj spid="_x0000_s2122" name="Equation" r:id="rId11" imgW="2108160" imgH="164880" progId="Equation.DSMT4">
                   <p:embed/>
                 </p:oleObj>
               </mc:Choice>
